--- a/example_workflow_2/provenance/workflow_2_graph.pptx
+++ b/example_workflow_2/provenance/workflow_2_graph.pptx
@@ -112,15 +112,6 @@
 </p:presentation>
 </file>
 
-<file path=ppt/revisionInfo.xml><?xml version="1.0" encoding="utf-8"?>
-<p1510:revInfo xmlns:a="http://schemas.openxmlformats.org/drawingml/2006/main" xmlns:r="http://schemas.openxmlformats.org/officeDocument/2006/relationships" xmlns:p1510="http://schemas.microsoft.com/office/powerpoint/2015/10/main">
-  <p1510:revLst>
-    <p1510:client id="{7703DDF1-2F33-4E6E-99AF-5938D7FA564E}" v="49" dt="2023-10-20T21:44:50.119"/>
-    <p1510:client id="{F50A8463-7740-44B0-A089-F526194E51AF}" v="31" dt="2023-10-20T23:40:44.125"/>
-  </p1510:revLst>
-</p1510:revInfo>
-</file>
-
 <file path=ppt/changesInfos/changesInfo1.xml><?xml version="1.0" encoding="utf-8"?>
 <pc:chgInfo xmlns:a="http://schemas.openxmlformats.org/drawingml/2006/main" xmlns:r="http://schemas.openxmlformats.org/officeDocument/2006/relationships" xmlns:ac="http://schemas.microsoft.com/office/drawing/2013/main/command" xmlns:pc="http://schemas.microsoft.com/office/powerpoint/2013/main/command">
   <pc:docChgLst>
@@ -3410,6 +3401,70 @@
             <pc:docMk/>
             <pc:sldMk cId="1645475767" sldId="256"/>
             <ac:cxnSpMk id="293" creationId="{465BFAD8-046F-A3E1-6259-03C898568E09}"/>
+          </ac:cxnSpMkLst>
+        </pc:cxnChg>
+      </pc:sldChg>
+    </pc:docChg>
+  </pc:docChgLst>
+  <pc:docChgLst>
+    <pc:chgData name="Joseph Wonsil" userId="f7a5a8f17f3cf2df" providerId="LiveId" clId="{ED12D298-D7BE-4F30-8F27-F73650359F41}"/>
+    <pc:docChg chg="custSel modSld">
+      <pc:chgData name="Joseph Wonsil" userId="f7a5a8f17f3cf2df" providerId="LiveId" clId="{ED12D298-D7BE-4F30-8F27-F73650359F41}" dt="2023-10-24T20:24:50.933" v="9" actId="14100"/>
+      <pc:docMkLst>
+        <pc:docMk/>
+      </pc:docMkLst>
+      <pc:sldChg chg="delSp modSp mod">
+        <pc:chgData name="Joseph Wonsil" userId="f7a5a8f17f3cf2df" providerId="LiveId" clId="{ED12D298-D7BE-4F30-8F27-F73650359F41}" dt="2023-10-24T20:24:50.933" v="9" actId="14100"/>
+        <pc:sldMkLst>
+          <pc:docMk/>
+          <pc:sldMk cId="1645475767" sldId="256"/>
+        </pc:sldMkLst>
+        <pc:spChg chg="mod">
+          <ac:chgData name="Joseph Wonsil" userId="f7a5a8f17f3cf2df" providerId="LiveId" clId="{ED12D298-D7BE-4F30-8F27-F73650359F41}" dt="2023-10-24T20:24:37.059" v="5" actId="14100"/>
+          <ac:spMkLst>
+            <pc:docMk/>
+            <pc:sldMk cId="1645475767" sldId="256"/>
+            <ac:spMk id="2" creationId="{107A250A-CB8B-A1D4-5234-3830B0F729AE}"/>
+          </ac:spMkLst>
+        </pc:spChg>
+        <pc:spChg chg="del">
+          <ac:chgData name="Joseph Wonsil" userId="f7a5a8f17f3cf2df" providerId="LiveId" clId="{ED12D298-D7BE-4F30-8F27-F73650359F41}" dt="2023-10-24T20:24:01.860" v="0" actId="478"/>
+          <ac:spMkLst>
+            <pc:docMk/>
+            <pc:sldMk cId="1645475767" sldId="256"/>
+            <ac:spMk id="49" creationId="{F2937267-9F1C-C58F-8739-E255F892AC3B}"/>
+          </ac:spMkLst>
+        </pc:spChg>
+        <pc:spChg chg="mod">
+          <ac:chgData name="Joseph Wonsil" userId="f7a5a8f17f3cf2df" providerId="LiveId" clId="{ED12D298-D7BE-4F30-8F27-F73650359F41}" dt="2023-10-24T20:24:44.077" v="7" actId="14100"/>
+          <ac:spMkLst>
+            <pc:docMk/>
+            <pc:sldMk cId="1645475767" sldId="256"/>
+            <ac:spMk id="89" creationId="{1C81BC0B-3388-F0D2-F6D1-121962D2AA55}"/>
+          </ac:spMkLst>
+        </pc:spChg>
+        <pc:spChg chg="mod">
+          <ac:chgData name="Joseph Wonsil" userId="f7a5a8f17f3cf2df" providerId="LiveId" clId="{ED12D298-D7BE-4F30-8F27-F73650359F41}" dt="2023-10-24T20:24:47.087" v="8" actId="14100"/>
+          <ac:spMkLst>
+            <pc:docMk/>
+            <pc:sldMk cId="1645475767" sldId="256"/>
+            <ac:spMk id="96" creationId="{ACF845C9-F512-1D84-4A26-6760DFEC5447}"/>
+          </ac:spMkLst>
+        </pc:spChg>
+        <pc:spChg chg="mod">
+          <ac:chgData name="Joseph Wonsil" userId="f7a5a8f17f3cf2df" providerId="LiveId" clId="{ED12D298-D7BE-4F30-8F27-F73650359F41}" dt="2023-10-24T20:24:50.933" v="9" actId="14100"/>
+          <ac:spMkLst>
+            <pc:docMk/>
+            <pc:sldMk cId="1645475767" sldId="256"/>
+            <ac:spMk id="178" creationId="{BB910607-4CC2-7521-B671-C0EAE4C2FAE3}"/>
+          </ac:spMkLst>
+        </pc:spChg>
+        <pc:cxnChg chg="mod">
+          <ac:chgData name="Joseph Wonsil" userId="f7a5a8f17f3cf2df" providerId="LiveId" clId="{ED12D298-D7BE-4F30-8F27-F73650359F41}" dt="2023-10-24T20:24:40.175" v="6" actId="14100"/>
+          <ac:cxnSpMkLst>
+            <pc:docMk/>
+            <pc:sldMk cId="1645475767" sldId="256"/>
+            <ac:cxnSpMk id="4" creationId="{1FAF49EF-246B-5065-399F-6F3D99F68D6C}"/>
           </ac:cxnSpMkLst>
         </pc:cxnChg>
       </pc:sldChg>
@@ -7811,7 +7866,7 @@
           <a:p>
             <a:fld id="{4DAAF268-B108-415A-8D22-4C329ED559E0}" type="datetimeFigureOut">
               <a:rPr lang="en-US" smtClean="0"/>
-              <a:t>10/20/2023</a:t>
+              <a:t>10/24/2023</a:t>
             </a:fld>
             <a:endParaRPr lang="en-US"/>
           </a:p>
@@ -7981,7 +8036,7 @@
           <a:p>
             <a:fld id="{4DAAF268-B108-415A-8D22-4C329ED559E0}" type="datetimeFigureOut">
               <a:rPr lang="en-US" smtClean="0"/>
-              <a:t>10/20/2023</a:t>
+              <a:t>10/24/2023</a:t>
             </a:fld>
             <a:endParaRPr lang="en-US"/>
           </a:p>
@@ -8161,7 +8216,7 @@
           <a:p>
             <a:fld id="{4DAAF268-B108-415A-8D22-4C329ED559E0}" type="datetimeFigureOut">
               <a:rPr lang="en-US" smtClean="0"/>
-              <a:t>10/20/2023</a:t>
+              <a:t>10/24/2023</a:t>
             </a:fld>
             <a:endParaRPr lang="en-US"/>
           </a:p>
@@ -8331,7 +8386,7 @@
           <a:p>
             <a:fld id="{4DAAF268-B108-415A-8D22-4C329ED559E0}" type="datetimeFigureOut">
               <a:rPr lang="en-US" smtClean="0"/>
-              <a:t>10/20/2023</a:t>
+              <a:t>10/24/2023</a:t>
             </a:fld>
             <a:endParaRPr lang="en-US"/>
           </a:p>
@@ -8575,7 +8630,7 @@
           <a:p>
             <a:fld id="{4DAAF268-B108-415A-8D22-4C329ED559E0}" type="datetimeFigureOut">
               <a:rPr lang="en-US" smtClean="0"/>
-              <a:t>10/20/2023</a:t>
+              <a:t>10/24/2023</a:t>
             </a:fld>
             <a:endParaRPr lang="en-US"/>
           </a:p>
@@ -8807,7 +8862,7 @@
           <a:p>
             <a:fld id="{4DAAF268-B108-415A-8D22-4C329ED559E0}" type="datetimeFigureOut">
               <a:rPr lang="en-US" smtClean="0"/>
-              <a:t>10/20/2023</a:t>
+              <a:t>10/24/2023</a:t>
             </a:fld>
             <a:endParaRPr lang="en-US"/>
           </a:p>
@@ -9174,7 +9229,7 @@
           <a:p>
             <a:fld id="{4DAAF268-B108-415A-8D22-4C329ED559E0}" type="datetimeFigureOut">
               <a:rPr lang="en-US" smtClean="0"/>
-              <a:t>10/20/2023</a:t>
+              <a:t>10/24/2023</a:t>
             </a:fld>
             <a:endParaRPr lang="en-US"/>
           </a:p>
@@ -9292,7 +9347,7 @@
           <a:p>
             <a:fld id="{4DAAF268-B108-415A-8D22-4C329ED559E0}" type="datetimeFigureOut">
               <a:rPr lang="en-US" smtClean="0"/>
-              <a:t>10/20/2023</a:t>
+              <a:t>10/24/2023</a:t>
             </a:fld>
             <a:endParaRPr lang="en-US"/>
           </a:p>
@@ -9387,7 +9442,7 @@
           <a:p>
             <a:fld id="{4DAAF268-B108-415A-8D22-4C329ED559E0}" type="datetimeFigureOut">
               <a:rPr lang="en-US" smtClean="0"/>
-              <a:t>10/20/2023</a:t>
+              <a:t>10/24/2023</a:t>
             </a:fld>
             <a:endParaRPr lang="en-US"/>
           </a:p>
@@ -9664,7 +9719,7 @@
           <a:p>
             <a:fld id="{4DAAF268-B108-415A-8D22-4C329ED559E0}" type="datetimeFigureOut">
               <a:rPr lang="en-US" smtClean="0"/>
-              <a:t>10/20/2023</a:t>
+              <a:t>10/24/2023</a:t>
             </a:fld>
             <a:endParaRPr lang="en-US"/>
           </a:p>
@@ -9921,7 +9976,7 @@
           <a:p>
             <a:fld id="{4DAAF268-B108-415A-8D22-4C329ED559E0}" type="datetimeFigureOut">
               <a:rPr lang="en-US" smtClean="0"/>
-              <a:t>10/20/2023</a:t>
+              <a:t>10/24/2023</a:t>
             </a:fld>
             <a:endParaRPr lang="en-US"/>
           </a:p>
@@ -10134,7 +10189,7 @@
           <a:p>
             <a:fld id="{4DAAF268-B108-415A-8D22-4C329ED559E0}" type="datetimeFigureOut">
               <a:rPr lang="en-US" smtClean="0"/>
-              <a:t>10/20/2023</a:t>
+              <a:t>10/24/2023</a:t>
             </a:fld>
             <a:endParaRPr lang="en-US"/>
           </a:p>
@@ -11083,7 +11138,7 @@
           </a:xfrm>
           <a:prstGeom prst="bentConnector3">
             <a:avLst>
-              <a:gd name="adj1" fmla="val 50000"/>
+              <a:gd name="adj1" fmla="val 54609"/>
             </a:avLst>
           </a:prstGeom>
           <a:ln w="19050">
@@ -11946,7 +12001,7 @@
         <p:spPr>
           <a:xfrm>
             <a:off x="1149238" y="9229766"/>
-            <a:ext cx="6491964" cy="449671"/>
+            <a:ext cx="5577026" cy="449671"/>
           </a:xfrm>
           <a:prstGeom prst="rect">
             <a:avLst/>
@@ -12004,7 +12059,7 @@
                 <a:ea typeface="+mn-lt"/>
                 <a:cs typeface="+mn-lt"/>
               </a:rPr>
-              <a:t>/bin/python3 preprocess.py train_model.py --</a:t>
+              <a:t>/bin/python3 train_model.py --</a:t>
             </a:r>
             <a:r>
               <a:rPr lang="en-US" sz="1500" dirty="0" err="1">
@@ -13188,7 +13243,7 @@
         <p:spPr>
           <a:xfrm>
             <a:off x="1154843" y="520024"/>
-            <a:ext cx="6486359" cy="449671"/>
+            <a:ext cx="5245957" cy="449671"/>
           </a:xfrm>
           <a:prstGeom prst="rect">
             <a:avLst/>
@@ -13245,7 +13300,7 @@
             </a:r>
             <a:r>
               <a:rPr lang="en-US" sz="1500" dirty="0"/>
-              <a:t>preprocess.py train_model.py --</a:t>
+              <a:t>train_model.py --</a:t>
             </a:r>
             <a:r>
               <a:rPr lang="en-US" sz="1500" dirty="0" err="1"/>
@@ -13897,54 +13952,6 @@
           </a:p>
         </p:txBody>
       </p:sp>
-      <p:sp>
-        <p:nvSpPr>
-          <p:cNvPr id="49" name="Rectangle 48">
-            <a:extLst>
-              <a:ext uri="{FF2B5EF4-FFF2-40B4-BE49-F238E27FC236}">
-                <a16:creationId xmlns:a16="http://schemas.microsoft.com/office/drawing/2014/main" id="{F2937267-9F1C-C58F-8739-E255F892AC3B}"/>
-              </a:ext>
-            </a:extLst>
-          </p:cNvPr>
-          <p:cNvSpPr/>
-          <p:nvPr/>
-        </p:nvSpPr>
-        <p:spPr>
-          <a:xfrm>
-            <a:off x="12338676" y="6984303"/>
-            <a:ext cx="2154006" cy="381928"/>
-          </a:xfrm>
-          <a:prstGeom prst="rect">
-            <a:avLst/>
-          </a:prstGeom>
-        </p:spPr>
-        <p:style>
-          <a:lnRef idx="2">
-            <a:schemeClr val="dk1"/>
-          </a:lnRef>
-          <a:fillRef idx="1">
-            <a:schemeClr val="lt1"/>
-          </a:fillRef>
-          <a:effectRef idx="0">
-            <a:schemeClr val="dk1"/>
-          </a:effectRef>
-          <a:fontRef idx="minor">
-            <a:schemeClr val="dk1"/>
-          </a:fontRef>
-        </p:style>
-        <p:txBody>
-          <a:bodyPr lIns="114301" tIns="57150" rIns="114301" bIns="57150" rtlCol="0" anchor="ctr"/>
-          <a:lstStyle/>
-          <a:p>
-            <a:pPr algn="ctr"/>
-            <a:r>
-              <a:rPr lang="en-US" sz="1500" dirty="0"/>
-              <a:t>/home/pr/exp2/data.csv</a:t>
-            </a:r>
-            <a:endParaRPr lang="en-US" sz="2250" dirty="0"/>
-          </a:p>
-        </p:txBody>
-      </p:sp>
       <p:cxnSp>
         <p:nvCxnSpPr>
           <p:cNvPr id="50" name="Straight Arrow Connector 49">
@@ -14460,7 +14467,7 @@
         <p:spPr>
           <a:xfrm>
             <a:off x="1154349" y="4853681"/>
-            <a:ext cx="6486359" cy="449671"/>
+            <a:ext cx="5370437" cy="449671"/>
           </a:xfrm>
           <a:prstGeom prst="rect">
             <a:avLst/>
@@ -14521,7 +14528,7 @@
             </a:r>
             <a:r>
               <a:rPr lang="en-US" sz="1500" dirty="0"/>
-              <a:t>preprocess.py train_model.py --</a:t>
+              <a:t>train_model.py --</a:t>
             </a:r>
             <a:r>
               <a:rPr lang="en-US" sz="1500" dirty="0" err="1"/>
@@ -14857,8 +14864,8 @@
         </p:nvSpPr>
         <p:spPr>
           <a:xfrm>
-            <a:off x="1062279" y="12936569"/>
-            <a:ext cx="5203349" cy="449671"/>
+            <a:off x="1062280" y="12936569"/>
+            <a:ext cx="4269138" cy="449671"/>
           </a:xfrm>
           <a:prstGeom prst="rect">
             <a:avLst/>
@@ -14916,7 +14923,7 @@
                 <a:ea typeface="+mn-lt"/>
                 <a:cs typeface="+mn-lt"/>
               </a:rPr>
-              <a:t>/bin/python3 preprocess.py evaluate_models.py </a:t>
+              <a:t>/bin/python3 evaluate_models.py </a:t>
             </a:r>
           </a:p>
         </p:txBody>

--- a/example_workflow_2/provenance/workflow_2_graph.pptx
+++ b/example_workflow_2/provenance/workflow_2_graph.pptx
@@ -1607,710 +1607,6 @@
     </pc:docChg>
   </pc:docChgLst>
   <pc:docChgLst>
-    <pc:chgData name="Joseph Wonsil" userId="f7a5a8f17f3cf2df" providerId="LiveId" clId="{D6ABC174-D68B-445B-A75D-5908BB74AC88}"/>
-    <pc:docChg chg="undo custSel modSld">
-      <pc:chgData name="Joseph Wonsil" userId="f7a5a8f17f3cf2df" providerId="LiveId" clId="{D6ABC174-D68B-445B-A75D-5908BB74AC88}" dt="2023-10-16T23:29:24.950" v="686" actId="1076"/>
-      <pc:docMkLst>
-        <pc:docMk/>
-      </pc:docMkLst>
-      <pc:sldChg chg="addSp delSp modSp mod">
-        <pc:chgData name="Joseph Wonsil" userId="f7a5a8f17f3cf2df" providerId="LiveId" clId="{D6ABC174-D68B-445B-A75D-5908BB74AC88}" dt="2023-10-16T23:29:24.950" v="686" actId="1076"/>
-        <pc:sldMkLst>
-          <pc:docMk/>
-          <pc:sldMk cId="1645475767" sldId="256"/>
-        </pc:sldMkLst>
-        <pc:spChg chg="mod">
-          <ac:chgData name="Joseph Wonsil" userId="f7a5a8f17f3cf2df" providerId="LiveId" clId="{D6ABC174-D68B-445B-A75D-5908BB74AC88}" dt="2023-10-16T23:29:24.950" v="686" actId="1076"/>
-          <ac:spMkLst>
-            <pc:docMk/>
-            <pc:sldMk cId="1645475767" sldId="256"/>
-            <ac:spMk id="2" creationId="{461DAE0E-18AF-97FF-8732-1CF3DD2A0854}"/>
-          </ac:spMkLst>
-        </pc:spChg>
-        <pc:spChg chg="add mod">
-          <ac:chgData name="Joseph Wonsil" userId="f7a5a8f17f3cf2df" providerId="LiveId" clId="{D6ABC174-D68B-445B-A75D-5908BB74AC88}" dt="2023-10-16T23:29:24.950" v="686" actId="1076"/>
-          <ac:spMkLst>
-            <pc:docMk/>
-            <pc:sldMk cId="1645475767" sldId="256"/>
-            <ac:spMk id="3" creationId="{475EA8C8-F0A4-6F01-74CD-54546E0C2AEE}"/>
-          </ac:spMkLst>
-        </pc:spChg>
-        <pc:spChg chg="mod">
-          <ac:chgData name="Joseph Wonsil" userId="f7a5a8f17f3cf2df" providerId="LiveId" clId="{D6ABC174-D68B-445B-A75D-5908BB74AC88}" dt="2023-10-16T23:29:24.950" v="686" actId="1076"/>
-          <ac:spMkLst>
-            <pc:docMk/>
-            <pc:sldMk cId="1645475767" sldId="256"/>
-            <ac:spMk id="5" creationId="{EDD77D8E-AC62-8835-147A-8365BEE24A8B}"/>
-          </ac:spMkLst>
-        </pc:spChg>
-        <pc:spChg chg="mod">
-          <ac:chgData name="Joseph Wonsil" userId="f7a5a8f17f3cf2df" providerId="LiveId" clId="{D6ABC174-D68B-445B-A75D-5908BB74AC88}" dt="2023-10-16T23:29:24.950" v="686" actId="1076"/>
-          <ac:spMkLst>
-            <pc:docMk/>
-            <pc:sldMk cId="1645475767" sldId="256"/>
-            <ac:spMk id="6" creationId="{F392B7D7-3E0F-8DD1-67FB-1EF515E6A632}"/>
-          </ac:spMkLst>
-        </pc:spChg>
-        <pc:spChg chg="mod">
-          <ac:chgData name="Joseph Wonsil" userId="f7a5a8f17f3cf2df" providerId="LiveId" clId="{D6ABC174-D68B-445B-A75D-5908BB74AC88}" dt="2023-10-16T23:29:24.950" v="686" actId="1076"/>
-          <ac:spMkLst>
-            <pc:docMk/>
-            <pc:sldMk cId="1645475767" sldId="256"/>
-            <ac:spMk id="10" creationId="{5D155BFF-B441-4572-6BCC-1D6480ADC254}"/>
-          </ac:spMkLst>
-        </pc:spChg>
-        <pc:spChg chg="mod">
-          <ac:chgData name="Joseph Wonsil" userId="f7a5a8f17f3cf2df" providerId="LiveId" clId="{D6ABC174-D68B-445B-A75D-5908BB74AC88}" dt="2023-10-16T23:29:24.950" v="686" actId="1076"/>
-          <ac:spMkLst>
-            <pc:docMk/>
-            <pc:sldMk cId="1645475767" sldId="256"/>
-            <ac:spMk id="11" creationId="{89D3A37F-AE8C-286E-D005-973A429F2F60}"/>
-          </ac:spMkLst>
-        </pc:spChg>
-        <pc:spChg chg="mod">
-          <ac:chgData name="Joseph Wonsil" userId="f7a5a8f17f3cf2df" providerId="LiveId" clId="{D6ABC174-D68B-445B-A75D-5908BB74AC88}" dt="2023-10-16T23:29:24.950" v="686" actId="1076"/>
-          <ac:spMkLst>
-            <pc:docMk/>
-            <pc:sldMk cId="1645475767" sldId="256"/>
-            <ac:spMk id="13" creationId="{77E6E453-03D9-6363-9B2B-536E1D203421}"/>
-          </ac:spMkLst>
-        </pc:spChg>
-        <pc:spChg chg="mod">
-          <ac:chgData name="Joseph Wonsil" userId="f7a5a8f17f3cf2df" providerId="LiveId" clId="{D6ABC174-D68B-445B-A75D-5908BB74AC88}" dt="2023-10-16T23:29:24.950" v="686" actId="1076"/>
-          <ac:spMkLst>
-            <pc:docMk/>
-            <pc:sldMk cId="1645475767" sldId="256"/>
-            <ac:spMk id="14" creationId="{F7F39D2E-7806-1ED6-1633-3BF9C768F480}"/>
-          </ac:spMkLst>
-        </pc:spChg>
-        <pc:spChg chg="add mod">
-          <ac:chgData name="Joseph Wonsil" userId="f7a5a8f17f3cf2df" providerId="LiveId" clId="{D6ABC174-D68B-445B-A75D-5908BB74AC88}" dt="2023-10-16T23:29:24.950" v="686" actId="1076"/>
-          <ac:spMkLst>
-            <pc:docMk/>
-            <pc:sldMk cId="1645475767" sldId="256"/>
-            <ac:spMk id="15" creationId="{2082AF95-F57E-7714-98E1-6B18874A37D0}"/>
-          </ac:spMkLst>
-        </pc:spChg>
-        <pc:spChg chg="mod">
-          <ac:chgData name="Joseph Wonsil" userId="f7a5a8f17f3cf2df" providerId="LiveId" clId="{D6ABC174-D68B-445B-A75D-5908BB74AC88}" dt="2023-10-16T23:29:24.950" v="686" actId="1076"/>
-          <ac:spMkLst>
-            <pc:docMk/>
-            <pc:sldMk cId="1645475767" sldId="256"/>
-            <ac:spMk id="17" creationId="{63544155-B132-0D32-3BAA-3EC3DE1072D8}"/>
-          </ac:spMkLst>
-        </pc:spChg>
-        <pc:spChg chg="add del mod">
-          <ac:chgData name="Joseph Wonsil" userId="f7a5a8f17f3cf2df" providerId="LiveId" clId="{D6ABC174-D68B-445B-A75D-5908BB74AC88}" dt="2023-10-16T21:32:02.906" v="26" actId="478"/>
-          <ac:spMkLst>
-            <pc:docMk/>
-            <pc:sldMk cId="1645475767" sldId="256"/>
-            <ac:spMk id="18" creationId="{199C6CC3-53D2-D95F-05F9-68CA3527BA7F}"/>
-          </ac:spMkLst>
-        </pc:spChg>
-        <pc:spChg chg="mod">
-          <ac:chgData name="Joseph Wonsil" userId="f7a5a8f17f3cf2df" providerId="LiveId" clId="{D6ABC174-D68B-445B-A75D-5908BB74AC88}" dt="2023-10-16T23:29:24.950" v="686" actId="1076"/>
-          <ac:spMkLst>
-            <pc:docMk/>
-            <pc:sldMk cId="1645475767" sldId="256"/>
-            <ac:spMk id="19" creationId="{CDC98E58-B7BF-FC65-3CF4-7910AC6F1E87}"/>
-          </ac:spMkLst>
-        </pc:spChg>
-        <pc:spChg chg="add mod">
-          <ac:chgData name="Joseph Wonsil" userId="f7a5a8f17f3cf2df" providerId="LiveId" clId="{D6ABC174-D68B-445B-A75D-5908BB74AC88}" dt="2023-10-16T23:29:24.950" v="686" actId="1076"/>
-          <ac:spMkLst>
-            <pc:docMk/>
-            <pc:sldMk cId="1645475767" sldId="256"/>
-            <ac:spMk id="20" creationId="{F418ACC7-3AD4-0F3B-E0DB-D175E87A7239}"/>
-          </ac:spMkLst>
-        </pc:spChg>
-        <pc:spChg chg="mod">
-          <ac:chgData name="Joseph Wonsil" userId="f7a5a8f17f3cf2df" providerId="LiveId" clId="{D6ABC174-D68B-445B-A75D-5908BB74AC88}" dt="2023-10-16T23:29:24.950" v="686" actId="1076"/>
-          <ac:spMkLst>
-            <pc:docMk/>
-            <pc:sldMk cId="1645475767" sldId="256"/>
-            <ac:spMk id="21" creationId="{3C58F1C7-3BCD-294E-EA4C-FB19607A2A8B}"/>
-          </ac:spMkLst>
-        </pc:spChg>
-        <pc:spChg chg="add del mod">
-          <ac:chgData name="Joseph Wonsil" userId="f7a5a8f17f3cf2df" providerId="LiveId" clId="{D6ABC174-D68B-445B-A75D-5908BB74AC88}" dt="2023-10-16T21:29:14.438" v="23" actId="478"/>
-          <ac:spMkLst>
-            <pc:docMk/>
-            <pc:sldMk cId="1645475767" sldId="256"/>
-            <ac:spMk id="22" creationId="{E9D6ACCE-BADE-1C19-5BD8-11A7F1EDEA7B}"/>
-          </ac:spMkLst>
-        </pc:spChg>
-        <pc:spChg chg="mod">
-          <ac:chgData name="Joseph Wonsil" userId="f7a5a8f17f3cf2df" providerId="LiveId" clId="{D6ABC174-D68B-445B-A75D-5908BB74AC88}" dt="2023-10-16T23:29:24.950" v="686" actId="1076"/>
-          <ac:spMkLst>
-            <pc:docMk/>
-            <pc:sldMk cId="1645475767" sldId="256"/>
-            <ac:spMk id="24" creationId="{3DF15931-71E1-C90B-0673-3380DC81ED7C}"/>
-          </ac:spMkLst>
-        </pc:spChg>
-        <pc:spChg chg="add mod">
-          <ac:chgData name="Joseph Wonsil" userId="f7a5a8f17f3cf2df" providerId="LiveId" clId="{D6ABC174-D68B-445B-A75D-5908BB74AC88}" dt="2023-10-16T23:29:24.950" v="686" actId="1076"/>
-          <ac:spMkLst>
-            <pc:docMk/>
-            <pc:sldMk cId="1645475767" sldId="256"/>
-            <ac:spMk id="25" creationId="{E1A7F699-7971-B2D7-583B-A3C58DD464BF}"/>
-          </ac:spMkLst>
-        </pc:spChg>
-        <pc:spChg chg="add mod">
-          <ac:chgData name="Joseph Wonsil" userId="f7a5a8f17f3cf2df" providerId="LiveId" clId="{D6ABC174-D68B-445B-A75D-5908BB74AC88}" dt="2023-10-16T23:29:24.950" v="686" actId="1076"/>
-          <ac:spMkLst>
-            <pc:docMk/>
-            <pc:sldMk cId="1645475767" sldId="256"/>
-            <ac:spMk id="26" creationId="{1A397F50-31BF-2C16-56A3-490E4FF86B15}"/>
-          </ac:spMkLst>
-        </pc:spChg>
-        <pc:spChg chg="add mod">
-          <ac:chgData name="Joseph Wonsil" userId="f7a5a8f17f3cf2df" providerId="LiveId" clId="{D6ABC174-D68B-445B-A75D-5908BB74AC88}" dt="2023-10-16T23:29:24.950" v="686" actId="1076"/>
-          <ac:spMkLst>
-            <pc:docMk/>
-            <pc:sldMk cId="1645475767" sldId="256"/>
-            <ac:spMk id="27" creationId="{58A52717-D259-852F-EAFC-045F5DFD670C}"/>
-          </ac:spMkLst>
-        </pc:spChg>
-        <pc:spChg chg="mod">
-          <ac:chgData name="Joseph Wonsil" userId="f7a5a8f17f3cf2df" providerId="LiveId" clId="{D6ABC174-D68B-445B-A75D-5908BB74AC88}" dt="2023-10-16T23:29:24.950" v="686" actId="1076"/>
-          <ac:spMkLst>
-            <pc:docMk/>
-            <pc:sldMk cId="1645475767" sldId="256"/>
-            <ac:spMk id="28" creationId="{60C86E43-A887-CEA7-E6E6-67B122EE91E1}"/>
-          </ac:spMkLst>
-        </pc:spChg>
-        <pc:spChg chg="add del mod">
-          <ac:chgData name="Joseph Wonsil" userId="f7a5a8f17f3cf2df" providerId="LiveId" clId="{D6ABC174-D68B-445B-A75D-5908BB74AC88}" dt="2023-10-16T23:07:12.271" v="48" actId="478"/>
-          <ac:spMkLst>
-            <pc:docMk/>
-            <pc:sldMk cId="1645475767" sldId="256"/>
-            <ac:spMk id="29" creationId="{E55653A5-FDB2-CA9B-B199-C0A0E77B8895}"/>
-          </ac:spMkLst>
-        </pc:spChg>
-        <pc:spChg chg="add del mod">
-          <ac:chgData name="Joseph Wonsil" userId="f7a5a8f17f3cf2df" providerId="LiveId" clId="{D6ABC174-D68B-445B-A75D-5908BB74AC88}" dt="2023-10-16T23:14:04.912" v="198" actId="478"/>
-          <ac:spMkLst>
-            <pc:docMk/>
-            <pc:sldMk cId="1645475767" sldId="256"/>
-            <ac:spMk id="31" creationId="{EAF11AAC-02EB-71D5-395A-B2960947DE2A}"/>
-          </ac:spMkLst>
-        </pc:spChg>
-        <pc:spChg chg="mod">
-          <ac:chgData name="Joseph Wonsil" userId="f7a5a8f17f3cf2df" providerId="LiveId" clId="{D6ABC174-D68B-445B-A75D-5908BB74AC88}" dt="2023-10-16T23:29:24.950" v="686" actId="1076"/>
-          <ac:spMkLst>
-            <pc:docMk/>
-            <pc:sldMk cId="1645475767" sldId="256"/>
-            <ac:spMk id="32" creationId="{D4A062A0-410E-0FF1-9B6D-20281611B271}"/>
-          </ac:spMkLst>
-        </pc:spChg>
-        <pc:spChg chg="mod">
-          <ac:chgData name="Joseph Wonsil" userId="f7a5a8f17f3cf2df" providerId="LiveId" clId="{D6ABC174-D68B-445B-A75D-5908BB74AC88}" dt="2023-10-16T23:29:24.950" v="686" actId="1076"/>
-          <ac:spMkLst>
-            <pc:docMk/>
-            <pc:sldMk cId="1645475767" sldId="256"/>
-            <ac:spMk id="33" creationId="{B616FDAC-239F-3BA5-52A9-57EC0735B18A}"/>
-          </ac:spMkLst>
-        </pc:spChg>
-        <pc:spChg chg="add mod">
-          <ac:chgData name="Joseph Wonsil" userId="f7a5a8f17f3cf2df" providerId="LiveId" clId="{D6ABC174-D68B-445B-A75D-5908BB74AC88}" dt="2023-10-16T23:29:24.950" v="686" actId="1076"/>
-          <ac:spMkLst>
-            <pc:docMk/>
-            <pc:sldMk cId="1645475767" sldId="256"/>
-            <ac:spMk id="35" creationId="{79DFB4C1-7173-2B01-1064-8D6762B11BF5}"/>
-          </ac:spMkLst>
-        </pc:spChg>
-        <pc:spChg chg="add mod">
-          <ac:chgData name="Joseph Wonsil" userId="f7a5a8f17f3cf2df" providerId="LiveId" clId="{D6ABC174-D68B-445B-A75D-5908BB74AC88}" dt="2023-10-16T23:29:24.950" v="686" actId="1076"/>
-          <ac:spMkLst>
-            <pc:docMk/>
-            <pc:sldMk cId="1645475767" sldId="256"/>
-            <ac:spMk id="36" creationId="{B350F5B9-E2F8-D410-A3BA-F93D66DB605C}"/>
-          </ac:spMkLst>
-        </pc:spChg>
-        <pc:spChg chg="add del mod">
-          <ac:chgData name="Joseph Wonsil" userId="f7a5a8f17f3cf2df" providerId="LiveId" clId="{D6ABC174-D68B-445B-A75D-5908BB74AC88}" dt="2023-10-16T23:14:06.512" v="200" actId="478"/>
-          <ac:spMkLst>
-            <pc:docMk/>
-            <pc:sldMk cId="1645475767" sldId="256"/>
-            <ac:spMk id="38" creationId="{2E7A7201-8032-B266-461D-AF27F7AC8D30}"/>
-          </ac:spMkLst>
-        </pc:spChg>
-        <pc:spChg chg="add mod">
-          <ac:chgData name="Joseph Wonsil" userId="f7a5a8f17f3cf2df" providerId="LiveId" clId="{D6ABC174-D68B-445B-A75D-5908BB74AC88}" dt="2023-10-16T23:29:24.950" v="686" actId="1076"/>
-          <ac:spMkLst>
-            <pc:docMk/>
-            <pc:sldMk cId="1645475767" sldId="256"/>
-            <ac:spMk id="39" creationId="{6DC816CB-8782-D01C-BC59-A0FB21EA3108}"/>
-          </ac:spMkLst>
-        </pc:spChg>
-        <pc:spChg chg="add mod">
-          <ac:chgData name="Joseph Wonsil" userId="f7a5a8f17f3cf2df" providerId="LiveId" clId="{D6ABC174-D68B-445B-A75D-5908BB74AC88}" dt="2023-10-16T23:29:24.950" v="686" actId="1076"/>
-          <ac:spMkLst>
-            <pc:docMk/>
-            <pc:sldMk cId="1645475767" sldId="256"/>
-            <ac:spMk id="40" creationId="{FA25254E-DFA7-64F8-8FB4-6A5D4F0738C7}"/>
-          </ac:spMkLst>
-        </pc:spChg>
-        <pc:spChg chg="mod">
-          <ac:chgData name="Joseph Wonsil" userId="f7a5a8f17f3cf2df" providerId="LiveId" clId="{D6ABC174-D68B-445B-A75D-5908BB74AC88}" dt="2023-10-16T23:29:24.950" v="686" actId="1076"/>
-          <ac:spMkLst>
-            <pc:docMk/>
-            <pc:sldMk cId="1645475767" sldId="256"/>
-            <ac:spMk id="42" creationId="{62A6E74D-C00B-6C92-47F2-6164F95E0268}"/>
-          </ac:spMkLst>
-        </pc:spChg>
-        <pc:spChg chg="mod">
-          <ac:chgData name="Joseph Wonsil" userId="f7a5a8f17f3cf2df" providerId="LiveId" clId="{D6ABC174-D68B-445B-A75D-5908BB74AC88}" dt="2023-10-16T23:29:24.950" v="686" actId="1076"/>
-          <ac:spMkLst>
-            <pc:docMk/>
-            <pc:sldMk cId="1645475767" sldId="256"/>
-            <ac:spMk id="43" creationId="{B0ECA40D-A1F1-0CE3-96F9-10D673EB3C97}"/>
-          </ac:spMkLst>
-        </pc:spChg>
-        <pc:spChg chg="add del mod">
-          <ac:chgData name="Joseph Wonsil" userId="f7a5a8f17f3cf2df" providerId="LiveId" clId="{D6ABC174-D68B-445B-A75D-5908BB74AC88}" dt="2023-10-16T23:10:15.850" v="97" actId="478"/>
-          <ac:spMkLst>
-            <pc:docMk/>
-            <pc:sldMk cId="1645475767" sldId="256"/>
-            <ac:spMk id="44" creationId="{E43FD57E-4882-063D-6529-A05C3A8A72E9}"/>
-          </ac:spMkLst>
-        </pc:spChg>
-        <pc:spChg chg="mod">
-          <ac:chgData name="Joseph Wonsil" userId="f7a5a8f17f3cf2df" providerId="LiveId" clId="{D6ABC174-D68B-445B-A75D-5908BB74AC88}" dt="2023-10-16T23:29:24.950" v="686" actId="1076"/>
-          <ac:spMkLst>
-            <pc:docMk/>
-            <pc:sldMk cId="1645475767" sldId="256"/>
-            <ac:spMk id="49" creationId="{842C1335-EDA0-BED9-1A06-5454B66B2CE0}"/>
-          </ac:spMkLst>
-        </pc:spChg>
-        <pc:spChg chg="mod">
-          <ac:chgData name="Joseph Wonsil" userId="f7a5a8f17f3cf2df" providerId="LiveId" clId="{D6ABC174-D68B-445B-A75D-5908BB74AC88}" dt="2023-10-16T23:29:24.950" v="686" actId="1076"/>
-          <ac:spMkLst>
-            <pc:docMk/>
-            <pc:sldMk cId="1645475767" sldId="256"/>
-            <ac:spMk id="52" creationId="{7317D925-AE7B-290C-67A6-493750A3352F}"/>
-          </ac:spMkLst>
-        </pc:spChg>
-        <pc:spChg chg="mod">
-          <ac:chgData name="Joseph Wonsil" userId="f7a5a8f17f3cf2df" providerId="LiveId" clId="{D6ABC174-D68B-445B-A75D-5908BB74AC88}" dt="2023-10-16T23:29:24.950" v="686" actId="1076"/>
-          <ac:spMkLst>
-            <pc:docMk/>
-            <pc:sldMk cId="1645475767" sldId="256"/>
-            <ac:spMk id="55" creationId="{A5E815BE-843F-B791-FF94-453526BE2EF2}"/>
-          </ac:spMkLst>
-        </pc:spChg>
-        <pc:spChg chg="add del mod">
-          <ac:chgData name="Joseph Wonsil" userId="f7a5a8f17f3cf2df" providerId="LiveId" clId="{D6ABC174-D68B-445B-A75D-5908BB74AC88}" dt="2023-10-16T23:14:07.497" v="201" actId="478"/>
-          <ac:spMkLst>
-            <pc:docMk/>
-            <pc:sldMk cId="1645475767" sldId="256"/>
-            <ac:spMk id="59" creationId="{B98D6BE7-F304-CBBC-2A63-84EEC4898CC8}"/>
-          </ac:spMkLst>
-        </pc:spChg>
-        <pc:spChg chg="mod">
-          <ac:chgData name="Joseph Wonsil" userId="f7a5a8f17f3cf2df" providerId="LiveId" clId="{D6ABC174-D68B-445B-A75D-5908BB74AC88}" dt="2023-10-16T23:29:24.950" v="686" actId="1076"/>
-          <ac:spMkLst>
-            <pc:docMk/>
-            <pc:sldMk cId="1645475767" sldId="256"/>
-            <ac:spMk id="60" creationId="{35FA7E34-1A13-B6DF-79C2-60F41A23F37B}"/>
-          </ac:spMkLst>
-        </pc:spChg>
-        <pc:spChg chg="mod">
-          <ac:chgData name="Joseph Wonsil" userId="f7a5a8f17f3cf2df" providerId="LiveId" clId="{D6ABC174-D68B-445B-A75D-5908BB74AC88}" dt="2023-10-16T23:29:24.950" v="686" actId="1076"/>
-          <ac:spMkLst>
-            <pc:docMk/>
-            <pc:sldMk cId="1645475767" sldId="256"/>
-            <ac:spMk id="61" creationId="{7ECA03CF-DD24-9307-D184-41182C04B82A}"/>
-          </ac:spMkLst>
-        </pc:spChg>
-        <pc:spChg chg="add mod">
-          <ac:chgData name="Joseph Wonsil" userId="f7a5a8f17f3cf2df" providerId="LiveId" clId="{D6ABC174-D68B-445B-A75D-5908BB74AC88}" dt="2023-10-16T23:29:24.950" v="686" actId="1076"/>
-          <ac:spMkLst>
-            <pc:docMk/>
-            <pc:sldMk cId="1645475767" sldId="256"/>
-            <ac:spMk id="63" creationId="{07A62DDE-C94D-4783-4BFD-408E0B156DED}"/>
-          </ac:spMkLst>
-        </pc:spChg>
-        <pc:spChg chg="add mod">
-          <ac:chgData name="Joseph Wonsil" userId="f7a5a8f17f3cf2df" providerId="LiveId" clId="{D6ABC174-D68B-445B-A75D-5908BB74AC88}" dt="2023-10-16T23:29:24.950" v="686" actId="1076"/>
-          <ac:spMkLst>
-            <pc:docMk/>
-            <pc:sldMk cId="1645475767" sldId="256"/>
-            <ac:spMk id="68" creationId="{9CD63190-6F0C-7B53-9050-C772D436F95B}"/>
-          </ac:spMkLst>
-        </pc:spChg>
-        <pc:spChg chg="mod">
-          <ac:chgData name="Joseph Wonsil" userId="f7a5a8f17f3cf2df" providerId="LiveId" clId="{D6ABC174-D68B-445B-A75D-5908BB74AC88}" dt="2023-10-16T23:29:24.950" v="686" actId="1076"/>
-          <ac:spMkLst>
-            <pc:docMk/>
-            <pc:sldMk cId="1645475767" sldId="256"/>
-            <ac:spMk id="70" creationId="{EEB73B9F-8EE1-8959-6128-F66F9F2B6A19}"/>
-          </ac:spMkLst>
-        </pc:spChg>
-        <pc:spChg chg="mod">
-          <ac:chgData name="Joseph Wonsil" userId="f7a5a8f17f3cf2df" providerId="LiveId" clId="{D6ABC174-D68B-445B-A75D-5908BB74AC88}" dt="2023-10-16T23:29:24.950" v="686" actId="1076"/>
-          <ac:spMkLst>
-            <pc:docMk/>
-            <pc:sldMk cId="1645475767" sldId="256"/>
-            <ac:spMk id="71" creationId="{2A34F01A-7639-BB9B-04EC-3D4D626FAB55}"/>
-          </ac:spMkLst>
-        </pc:spChg>
-        <pc:spChg chg="mod">
-          <ac:chgData name="Joseph Wonsil" userId="f7a5a8f17f3cf2df" providerId="LiveId" clId="{D6ABC174-D68B-445B-A75D-5908BB74AC88}" dt="2023-10-16T23:29:24.950" v="686" actId="1076"/>
-          <ac:spMkLst>
-            <pc:docMk/>
-            <pc:sldMk cId="1645475767" sldId="256"/>
-            <ac:spMk id="74" creationId="{52E3ADAE-159A-D64F-DF75-180DC743C4CA}"/>
-          </ac:spMkLst>
-        </pc:spChg>
-        <pc:spChg chg="add del mod">
-          <ac:chgData name="Joseph Wonsil" userId="f7a5a8f17f3cf2df" providerId="LiveId" clId="{D6ABC174-D68B-445B-A75D-5908BB74AC88}" dt="2023-10-16T23:14:08.549" v="202" actId="478"/>
-          <ac:spMkLst>
-            <pc:docMk/>
-            <pc:sldMk cId="1645475767" sldId="256"/>
-            <ac:spMk id="80" creationId="{5F751107-4977-75F1-7373-E5D7DF7E77ED}"/>
-          </ac:spMkLst>
-        </pc:spChg>
-        <pc:spChg chg="add mod">
-          <ac:chgData name="Joseph Wonsil" userId="f7a5a8f17f3cf2df" providerId="LiveId" clId="{D6ABC174-D68B-445B-A75D-5908BB74AC88}" dt="2023-10-16T23:29:24.950" v="686" actId="1076"/>
-          <ac:spMkLst>
-            <pc:docMk/>
-            <pc:sldMk cId="1645475767" sldId="256"/>
-            <ac:spMk id="84" creationId="{D34F5F8D-B16A-EDE4-A61F-9D0E7E4C7BBC}"/>
-          </ac:spMkLst>
-        </pc:spChg>
-        <pc:spChg chg="add mod">
-          <ac:chgData name="Joseph Wonsil" userId="f7a5a8f17f3cf2df" providerId="LiveId" clId="{D6ABC174-D68B-445B-A75D-5908BB74AC88}" dt="2023-10-16T23:29:24.950" v="686" actId="1076"/>
-          <ac:spMkLst>
-            <pc:docMk/>
-            <pc:sldMk cId="1645475767" sldId="256"/>
-            <ac:spMk id="85" creationId="{84E65B77-934D-4C57-DE5D-9702D4AA5BCB}"/>
-          </ac:spMkLst>
-        </pc:spChg>
-        <pc:spChg chg="add mod">
-          <ac:chgData name="Joseph Wonsil" userId="f7a5a8f17f3cf2df" providerId="LiveId" clId="{D6ABC174-D68B-445B-A75D-5908BB74AC88}" dt="2023-10-16T23:29:24.950" v="686" actId="1076"/>
-          <ac:spMkLst>
-            <pc:docMk/>
-            <pc:sldMk cId="1645475767" sldId="256"/>
-            <ac:spMk id="90" creationId="{8A8D6037-92ED-5E61-EE2A-60DD15DDB033}"/>
-          </ac:spMkLst>
-        </pc:spChg>
-        <pc:spChg chg="add mod">
-          <ac:chgData name="Joseph Wonsil" userId="f7a5a8f17f3cf2df" providerId="LiveId" clId="{D6ABC174-D68B-445B-A75D-5908BB74AC88}" dt="2023-10-16T23:29:24.950" v="686" actId="1076"/>
-          <ac:spMkLst>
-            <pc:docMk/>
-            <pc:sldMk cId="1645475767" sldId="256"/>
-            <ac:spMk id="91" creationId="{659BA44D-74DE-FF8E-EC99-D7D1DC21885A}"/>
-          </ac:spMkLst>
-        </pc:spChg>
-        <pc:spChg chg="add del mod">
-          <ac:chgData name="Joseph Wonsil" userId="f7a5a8f17f3cf2df" providerId="LiveId" clId="{D6ABC174-D68B-445B-A75D-5908BB74AC88}" dt="2023-10-16T23:14:09.806" v="203" actId="478"/>
-          <ac:spMkLst>
-            <pc:docMk/>
-            <pc:sldMk cId="1645475767" sldId="256"/>
-            <ac:spMk id="96" creationId="{76E25628-5BF4-71B1-546D-359ED2818B78}"/>
-          </ac:spMkLst>
-        </pc:spChg>
-        <pc:spChg chg="add del mod">
-          <ac:chgData name="Joseph Wonsil" userId="f7a5a8f17f3cf2df" providerId="LiveId" clId="{D6ABC174-D68B-445B-A75D-5908BB74AC88}" dt="2023-10-16T23:14:10.795" v="204" actId="478"/>
-          <ac:spMkLst>
-            <pc:docMk/>
-            <pc:sldMk cId="1645475767" sldId="256"/>
-            <ac:spMk id="97" creationId="{D9C21539-62BA-46C9-E496-58354AAAEE37}"/>
-          </ac:spMkLst>
-        </pc:spChg>
-        <pc:spChg chg="add mod">
-          <ac:chgData name="Joseph Wonsil" userId="f7a5a8f17f3cf2df" providerId="LiveId" clId="{D6ABC174-D68B-445B-A75D-5908BB74AC88}" dt="2023-10-16T23:29:24.950" v="686" actId="1076"/>
-          <ac:spMkLst>
-            <pc:docMk/>
-            <pc:sldMk cId="1645475767" sldId="256"/>
-            <ac:spMk id="100" creationId="{E92B3433-66A4-7341-0A10-1B6541AA2707}"/>
-          </ac:spMkLst>
-        </pc:spChg>
-        <pc:spChg chg="add mod">
-          <ac:chgData name="Joseph Wonsil" userId="f7a5a8f17f3cf2df" providerId="LiveId" clId="{D6ABC174-D68B-445B-A75D-5908BB74AC88}" dt="2023-10-16T23:29:24.950" v="686" actId="1076"/>
-          <ac:spMkLst>
-            <pc:docMk/>
-            <pc:sldMk cId="1645475767" sldId="256"/>
-            <ac:spMk id="101" creationId="{1DE6908C-CB8C-CAF2-6CD7-D732B0AB1E33}"/>
-          </ac:spMkLst>
-        </pc:spChg>
-        <pc:spChg chg="add mod">
-          <ac:chgData name="Joseph Wonsil" userId="f7a5a8f17f3cf2df" providerId="LiveId" clId="{D6ABC174-D68B-445B-A75D-5908BB74AC88}" dt="2023-10-16T23:29:24.950" v="686" actId="1076"/>
-          <ac:spMkLst>
-            <pc:docMk/>
-            <pc:sldMk cId="1645475767" sldId="256"/>
-            <ac:spMk id="102" creationId="{BAB78B8E-574B-3156-CD83-4D165FEDCC4F}"/>
-          </ac:spMkLst>
-        </pc:spChg>
-        <pc:spChg chg="add mod">
-          <ac:chgData name="Joseph Wonsil" userId="f7a5a8f17f3cf2df" providerId="LiveId" clId="{D6ABC174-D68B-445B-A75D-5908BB74AC88}" dt="2023-10-16T23:29:24.950" v="686" actId="1076"/>
-          <ac:spMkLst>
-            <pc:docMk/>
-            <pc:sldMk cId="1645475767" sldId="256"/>
-            <ac:spMk id="103" creationId="{0C69731E-2E67-A043-504E-23C966E68671}"/>
-          </ac:spMkLst>
-        </pc:spChg>
-        <pc:spChg chg="mod">
-          <ac:chgData name="Joseph Wonsil" userId="f7a5a8f17f3cf2df" providerId="LiveId" clId="{D6ABC174-D68B-445B-A75D-5908BB74AC88}" dt="2023-10-16T23:29:24.950" v="686" actId="1076"/>
-          <ac:spMkLst>
-            <pc:docMk/>
-            <pc:sldMk cId="1645475767" sldId="256"/>
-            <ac:spMk id="104" creationId="{6B62EFFA-4EC9-3E5B-73F6-0D19114CAFC9}"/>
-          </ac:spMkLst>
-        </pc:spChg>
-        <pc:spChg chg="add mod">
-          <ac:chgData name="Joseph Wonsil" userId="f7a5a8f17f3cf2df" providerId="LiveId" clId="{D6ABC174-D68B-445B-A75D-5908BB74AC88}" dt="2023-10-16T23:29:24.950" v="686" actId="1076"/>
-          <ac:spMkLst>
-            <pc:docMk/>
-            <pc:sldMk cId="1645475767" sldId="256"/>
-            <ac:spMk id="105" creationId="{2ACDEB4D-3118-62F1-B8A8-ADB24DBACF82}"/>
-          </ac:spMkLst>
-        </pc:spChg>
-        <pc:spChg chg="add mod">
-          <ac:chgData name="Joseph Wonsil" userId="f7a5a8f17f3cf2df" providerId="LiveId" clId="{D6ABC174-D68B-445B-A75D-5908BB74AC88}" dt="2023-10-16T23:29:24.950" v="686" actId="1076"/>
-          <ac:spMkLst>
-            <pc:docMk/>
-            <pc:sldMk cId="1645475767" sldId="256"/>
-            <ac:spMk id="106" creationId="{4B49D07C-8A79-6007-E41D-E45A4FC9D8C6}"/>
-          </ac:spMkLst>
-        </pc:spChg>
-        <pc:spChg chg="add mod">
-          <ac:chgData name="Joseph Wonsil" userId="f7a5a8f17f3cf2df" providerId="LiveId" clId="{D6ABC174-D68B-445B-A75D-5908BB74AC88}" dt="2023-10-16T23:29:24.950" v="686" actId="1076"/>
-          <ac:spMkLst>
-            <pc:docMk/>
-            <pc:sldMk cId="1645475767" sldId="256"/>
-            <ac:spMk id="132" creationId="{85BD8B9C-80C0-4ECE-A347-E4D26F891B45}"/>
-          </ac:spMkLst>
-        </pc:spChg>
-        <pc:spChg chg="add mod">
-          <ac:chgData name="Joseph Wonsil" userId="f7a5a8f17f3cf2df" providerId="LiveId" clId="{D6ABC174-D68B-445B-A75D-5908BB74AC88}" dt="2023-10-16T23:29:24.950" v="686" actId="1076"/>
-          <ac:spMkLst>
-            <pc:docMk/>
-            <pc:sldMk cId="1645475767" sldId="256"/>
-            <ac:spMk id="138" creationId="{E242FAFA-CB49-296E-9F35-248943C2966E}"/>
-          </ac:spMkLst>
-        </pc:spChg>
-        <pc:spChg chg="add mod">
-          <ac:chgData name="Joseph Wonsil" userId="f7a5a8f17f3cf2df" providerId="LiveId" clId="{D6ABC174-D68B-445B-A75D-5908BB74AC88}" dt="2023-10-16T23:29:24.950" v="686" actId="1076"/>
-          <ac:spMkLst>
-            <pc:docMk/>
-            <pc:sldMk cId="1645475767" sldId="256"/>
-            <ac:spMk id="139" creationId="{802C46F5-7BD6-F450-D2B4-347C92B57CFE}"/>
-          </ac:spMkLst>
-        </pc:spChg>
-        <pc:spChg chg="add mod">
-          <ac:chgData name="Joseph Wonsil" userId="f7a5a8f17f3cf2df" providerId="LiveId" clId="{D6ABC174-D68B-445B-A75D-5908BB74AC88}" dt="2023-10-16T23:29:24.950" v="686" actId="1076"/>
-          <ac:spMkLst>
-            <pc:docMk/>
-            <pc:sldMk cId="1645475767" sldId="256"/>
-            <ac:spMk id="144" creationId="{3BA36D46-2F89-D8A4-A60C-17E29D68CFA5}"/>
-          </ac:spMkLst>
-        </pc:spChg>
-        <pc:spChg chg="add del mod">
-          <ac:chgData name="Joseph Wonsil" userId="f7a5a8f17f3cf2df" providerId="LiveId" clId="{D6ABC174-D68B-445B-A75D-5908BB74AC88}" dt="2023-10-16T23:26:08.719" v="661" actId="478"/>
-          <ac:spMkLst>
-            <pc:docMk/>
-            <pc:sldMk cId="1645475767" sldId="256"/>
-            <ac:spMk id="146" creationId="{028B6804-1C46-AD7E-A387-7A8C99F8563D}"/>
-          </ac:spMkLst>
-        </pc:spChg>
-        <pc:spChg chg="add mod">
-          <ac:chgData name="Joseph Wonsil" userId="f7a5a8f17f3cf2df" providerId="LiveId" clId="{D6ABC174-D68B-445B-A75D-5908BB74AC88}" dt="2023-10-16T23:29:24.950" v="686" actId="1076"/>
-          <ac:spMkLst>
-            <pc:docMk/>
-            <pc:sldMk cId="1645475767" sldId="256"/>
-            <ac:spMk id="157" creationId="{2EC089FA-274C-2CBC-86EB-EAA86F31FDEF}"/>
-          </ac:spMkLst>
-        </pc:spChg>
-        <pc:cxnChg chg="mod">
-          <ac:chgData name="Joseph Wonsil" userId="f7a5a8f17f3cf2df" providerId="LiveId" clId="{D6ABC174-D68B-445B-A75D-5908BB74AC88}" dt="2023-10-16T23:29:24.950" v="686" actId="1076"/>
-          <ac:cxnSpMkLst>
-            <pc:docMk/>
-            <pc:sldMk cId="1645475767" sldId="256"/>
-            <ac:cxnSpMk id="4" creationId="{1FAF49EF-246B-5065-399F-6F3D99F68D6C}"/>
-          </ac:cxnSpMkLst>
-        </pc:cxnChg>
-        <pc:cxnChg chg="mod">
-          <ac:chgData name="Joseph Wonsil" userId="f7a5a8f17f3cf2df" providerId="LiveId" clId="{D6ABC174-D68B-445B-A75D-5908BB74AC88}" dt="2023-10-16T23:29:24.950" v="686" actId="1076"/>
-          <ac:cxnSpMkLst>
-            <pc:docMk/>
-            <pc:sldMk cId="1645475767" sldId="256"/>
-            <ac:cxnSpMk id="7" creationId="{CFFEAC4B-C6E1-0754-849B-C9DE5A9020F3}"/>
-          </ac:cxnSpMkLst>
-        </pc:cxnChg>
-        <pc:cxnChg chg="mod">
-          <ac:chgData name="Joseph Wonsil" userId="f7a5a8f17f3cf2df" providerId="LiveId" clId="{D6ABC174-D68B-445B-A75D-5908BB74AC88}" dt="2023-10-16T23:29:24.950" v="686" actId="1076"/>
-          <ac:cxnSpMkLst>
-            <pc:docMk/>
-            <pc:sldMk cId="1645475767" sldId="256"/>
-            <ac:cxnSpMk id="8" creationId="{E3A3FFC5-3ECB-F504-1EB7-79E7359B9CFC}"/>
-          </ac:cxnSpMkLst>
-        </pc:cxnChg>
-        <pc:cxnChg chg="mod">
-          <ac:chgData name="Joseph Wonsil" userId="f7a5a8f17f3cf2df" providerId="LiveId" clId="{D6ABC174-D68B-445B-A75D-5908BB74AC88}" dt="2023-10-16T23:29:24.950" v="686" actId="1076"/>
-          <ac:cxnSpMkLst>
-            <pc:docMk/>
-            <pc:sldMk cId="1645475767" sldId="256"/>
-            <ac:cxnSpMk id="9" creationId="{0A563654-6AF8-5959-7EF7-1707843DF81A}"/>
-          </ac:cxnSpMkLst>
-        </pc:cxnChg>
-        <pc:cxnChg chg="add del mod">
-          <ac:chgData name="Joseph Wonsil" userId="f7a5a8f17f3cf2df" providerId="LiveId" clId="{D6ABC174-D68B-445B-A75D-5908BB74AC88}" dt="2023-10-16T21:32:04.752" v="27" actId="478"/>
-          <ac:cxnSpMkLst>
-            <pc:docMk/>
-            <pc:sldMk cId="1645475767" sldId="256"/>
-            <ac:cxnSpMk id="16" creationId="{6E8E699C-8362-620C-3B7B-67743EDBCA1F}"/>
-          </ac:cxnSpMkLst>
-        </pc:cxnChg>
-        <pc:cxnChg chg="add mod">
-          <ac:chgData name="Joseph Wonsil" userId="f7a5a8f17f3cf2df" providerId="LiveId" clId="{D6ABC174-D68B-445B-A75D-5908BB74AC88}" dt="2023-10-16T23:29:24.950" v="686" actId="1076"/>
-          <ac:cxnSpMkLst>
-            <pc:docMk/>
-            <pc:sldMk cId="1645475767" sldId="256"/>
-            <ac:cxnSpMk id="23" creationId="{23D61AF6-840C-7E29-57B3-7DB3D4B2CB5B}"/>
-          </ac:cxnSpMkLst>
-        </pc:cxnChg>
-        <pc:cxnChg chg="add mod">
-          <ac:chgData name="Joseph Wonsil" userId="f7a5a8f17f3cf2df" providerId="LiveId" clId="{D6ABC174-D68B-445B-A75D-5908BB74AC88}" dt="2023-10-16T23:29:24.950" v="686" actId="1076"/>
-          <ac:cxnSpMkLst>
-            <pc:docMk/>
-            <pc:sldMk cId="1645475767" sldId="256"/>
-            <ac:cxnSpMk id="30" creationId="{92CF7358-07D9-EA8C-0D7A-860C9F5C5ACF}"/>
-          </ac:cxnSpMkLst>
-        </pc:cxnChg>
-        <pc:cxnChg chg="mod">
-          <ac:chgData name="Joseph Wonsil" userId="f7a5a8f17f3cf2df" providerId="LiveId" clId="{D6ABC174-D68B-445B-A75D-5908BB74AC88}" dt="2023-10-16T23:29:24.950" v="686" actId="1076"/>
-          <ac:cxnSpMkLst>
-            <pc:docMk/>
-            <pc:sldMk cId="1645475767" sldId="256"/>
-            <ac:cxnSpMk id="34" creationId="{8C48BD3A-932B-C7D1-C21F-389E8FA1D750}"/>
-          </ac:cxnSpMkLst>
-        </pc:cxnChg>
-        <pc:cxnChg chg="add mod">
-          <ac:chgData name="Joseph Wonsil" userId="f7a5a8f17f3cf2df" providerId="LiveId" clId="{D6ABC174-D68B-445B-A75D-5908BB74AC88}" dt="2023-10-16T23:29:24.950" v="686" actId="1076"/>
-          <ac:cxnSpMkLst>
-            <pc:docMk/>
-            <pc:sldMk cId="1645475767" sldId="256"/>
-            <ac:cxnSpMk id="37" creationId="{6F20C18C-B4A8-7CAD-913D-7F0217BF73CC}"/>
-          </ac:cxnSpMkLst>
-        </pc:cxnChg>
-        <pc:cxnChg chg="add del mod">
-          <ac:chgData name="Joseph Wonsil" userId="f7a5a8f17f3cf2df" providerId="LiveId" clId="{D6ABC174-D68B-445B-A75D-5908BB74AC88}" dt="2023-10-16T23:10:16.876" v="98" actId="478"/>
-          <ac:cxnSpMkLst>
-            <pc:docMk/>
-            <pc:sldMk cId="1645475767" sldId="256"/>
-            <ac:cxnSpMk id="41" creationId="{002DE991-E2D2-AF8A-EA37-2D0B85C91A72}"/>
-          </ac:cxnSpMkLst>
-        </pc:cxnChg>
-        <pc:cxnChg chg="add mod">
-          <ac:chgData name="Joseph Wonsil" userId="f7a5a8f17f3cf2df" providerId="LiveId" clId="{D6ABC174-D68B-445B-A75D-5908BB74AC88}" dt="2023-10-16T23:29:24.950" v="686" actId="1076"/>
-          <ac:cxnSpMkLst>
-            <pc:docMk/>
-            <pc:sldMk cId="1645475767" sldId="256"/>
-            <ac:cxnSpMk id="46" creationId="{34027DC1-9608-8FC2-B855-03FC2D10CF3D}"/>
-          </ac:cxnSpMkLst>
-        </pc:cxnChg>
-        <pc:cxnChg chg="mod">
-          <ac:chgData name="Joseph Wonsil" userId="f7a5a8f17f3cf2df" providerId="LiveId" clId="{D6ABC174-D68B-445B-A75D-5908BB74AC88}" dt="2023-10-16T23:29:24.950" v="686" actId="1076"/>
-          <ac:cxnSpMkLst>
-            <pc:docMk/>
-            <pc:sldMk cId="1645475767" sldId="256"/>
-            <ac:cxnSpMk id="50" creationId="{3E940EC5-3D16-B53B-92BC-3B51950E358D}"/>
-          </ac:cxnSpMkLst>
-        </pc:cxnChg>
-        <pc:cxnChg chg="mod">
-          <ac:chgData name="Joseph Wonsil" userId="f7a5a8f17f3cf2df" providerId="LiveId" clId="{D6ABC174-D68B-445B-A75D-5908BB74AC88}" dt="2023-10-16T23:29:24.950" v="686" actId="1076"/>
-          <ac:cxnSpMkLst>
-            <pc:docMk/>
-            <pc:sldMk cId="1645475767" sldId="256"/>
-            <ac:cxnSpMk id="53" creationId="{1C2578E2-210F-BFA7-80C8-ADB6B3D34E24}"/>
-          </ac:cxnSpMkLst>
-        </pc:cxnChg>
-        <pc:cxnChg chg="mod">
-          <ac:chgData name="Joseph Wonsil" userId="f7a5a8f17f3cf2df" providerId="LiveId" clId="{D6ABC174-D68B-445B-A75D-5908BB74AC88}" dt="2023-10-16T23:29:24.950" v="686" actId="1076"/>
-          <ac:cxnSpMkLst>
-            <pc:docMk/>
-            <pc:sldMk cId="1645475767" sldId="256"/>
-            <ac:cxnSpMk id="56" creationId="{CE6983D4-3F57-B5C6-DA2B-A89A230613C8}"/>
-          </ac:cxnSpMkLst>
-        </pc:cxnChg>
-        <pc:cxnChg chg="mod">
-          <ac:chgData name="Joseph Wonsil" userId="f7a5a8f17f3cf2df" providerId="LiveId" clId="{D6ABC174-D68B-445B-A75D-5908BB74AC88}" dt="2023-10-16T23:29:24.950" v="686" actId="1076"/>
-          <ac:cxnSpMkLst>
-            <pc:docMk/>
-            <pc:sldMk cId="1645475767" sldId="256"/>
-            <ac:cxnSpMk id="62" creationId="{4467B832-EDA5-D418-B682-ECA109408340}"/>
-          </ac:cxnSpMkLst>
-        </pc:cxnChg>
-        <pc:cxnChg chg="add mod">
-          <ac:chgData name="Joseph Wonsil" userId="f7a5a8f17f3cf2df" providerId="LiveId" clId="{D6ABC174-D68B-445B-A75D-5908BB74AC88}" dt="2023-10-16T23:29:24.950" v="686" actId="1076"/>
-          <ac:cxnSpMkLst>
-            <pc:docMk/>
-            <pc:sldMk cId="1645475767" sldId="256"/>
-            <ac:cxnSpMk id="69" creationId="{145A7E76-DF91-F32D-9FB1-A172DA075F92}"/>
-          </ac:cxnSpMkLst>
-        </pc:cxnChg>
-        <pc:cxnChg chg="mod">
-          <ac:chgData name="Joseph Wonsil" userId="f7a5a8f17f3cf2df" providerId="LiveId" clId="{D6ABC174-D68B-445B-A75D-5908BB74AC88}" dt="2023-10-16T23:29:24.950" v="686" actId="1076"/>
-          <ac:cxnSpMkLst>
-            <pc:docMk/>
-            <pc:sldMk cId="1645475767" sldId="256"/>
-            <ac:cxnSpMk id="73" creationId="{71C4DB77-00EC-7C19-199C-316CA4BAC798}"/>
-          </ac:cxnSpMkLst>
-        </pc:cxnChg>
-        <pc:cxnChg chg="mod">
-          <ac:chgData name="Joseph Wonsil" userId="f7a5a8f17f3cf2df" providerId="LiveId" clId="{D6ABC174-D68B-445B-A75D-5908BB74AC88}" dt="2023-10-16T23:29:24.950" v="686" actId="1076"/>
-          <ac:cxnSpMkLst>
-            <pc:docMk/>
-            <pc:sldMk cId="1645475767" sldId="256"/>
-            <ac:cxnSpMk id="75" creationId="{FB24C36A-F777-3F4B-7F99-AC0F285C243D}"/>
-          </ac:cxnSpMkLst>
-        </pc:cxnChg>
-        <pc:cxnChg chg="mod">
-          <ac:chgData name="Joseph Wonsil" userId="f7a5a8f17f3cf2df" providerId="LiveId" clId="{D6ABC174-D68B-445B-A75D-5908BB74AC88}" dt="2023-10-16T23:29:24.950" v="686" actId="1076"/>
-          <ac:cxnSpMkLst>
-            <pc:docMk/>
-            <pc:sldMk cId="1645475767" sldId="256"/>
-            <ac:cxnSpMk id="77" creationId="{3AC8B372-20BA-0704-66B7-39F62AA3CBF9}"/>
-          </ac:cxnSpMkLst>
-        </pc:cxnChg>
-        <pc:cxnChg chg="add mod">
-          <ac:chgData name="Joseph Wonsil" userId="f7a5a8f17f3cf2df" providerId="LiveId" clId="{D6ABC174-D68B-445B-A75D-5908BB74AC88}" dt="2023-10-16T23:29:24.950" v="686" actId="1076"/>
-          <ac:cxnSpMkLst>
-            <pc:docMk/>
-            <pc:sldMk cId="1645475767" sldId="256"/>
-            <ac:cxnSpMk id="86" creationId="{EC053AFE-E056-79CC-7911-5BD8825293B3}"/>
-          </ac:cxnSpMkLst>
-        </pc:cxnChg>
-        <pc:cxnChg chg="add mod">
-          <ac:chgData name="Joseph Wonsil" userId="f7a5a8f17f3cf2df" providerId="LiveId" clId="{D6ABC174-D68B-445B-A75D-5908BB74AC88}" dt="2023-10-16T23:29:24.950" v="686" actId="1076"/>
-          <ac:cxnSpMkLst>
-            <pc:docMk/>
-            <pc:sldMk cId="1645475767" sldId="256"/>
-            <ac:cxnSpMk id="92" creationId="{E4EFC397-B69B-7C22-91DF-71E352AAA497}"/>
-          </ac:cxnSpMkLst>
-        </pc:cxnChg>
-        <pc:cxnChg chg="add mod">
-          <ac:chgData name="Joseph Wonsil" userId="f7a5a8f17f3cf2df" providerId="LiveId" clId="{D6ABC174-D68B-445B-A75D-5908BB74AC88}" dt="2023-10-16T23:29:24.950" v="686" actId="1076"/>
-          <ac:cxnSpMkLst>
-            <pc:docMk/>
-            <pc:sldMk cId="1645475767" sldId="256"/>
-            <ac:cxnSpMk id="140" creationId="{40F6DD3F-D4FB-8B03-9FE5-B051FC5E4D52}"/>
-          </ac:cxnSpMkLst>
-        </pc:cxnChg>
-        <pc:cxnChg chg="add mod">
-          <ac:chgData name="Joseph Wonsil" userId="f7a5a8f17f3cf2df" providerId="LiveId" clId="{D6ABC174-D68B-445B-A75D-5908BB74AC88}" dt="2023-10-16T23:29:24.950" v="686" actId="1076"/>
-          <ac:cxnSpMkLst>
-            <pc:docMk/>
-            <pc:sldMk cId="1645475767" sldId="256"/>
-            <ac:cxnSpMk id="145" creationId="{0C692CDF-0F7B-0069-67DF-3E6458131FC3}"/>
-          </ac:cxnSpMkLst>
-        </pc:cxnChg>
-      </pc:sldChg>
-    </pc:docChg>
-  </pc:docChgLst>
-  <pc:docChgLst>
     <pc:chgData name="Joseph Wonsil" userId="f7a5a8f17f3cf2df" providerId="LiveId" clId="{8C080609-7CCE-411B-84E6-72C44917ABCF}"/>
     <pc:docChg chg="undo custSel modSld">
       <pc:chgData name="Joseph Wonsil" userId="f7a5a8f17f3cf2df" providerId="LiveId" clId="{8C080609-7CCE-411B-84E6-72C44917ABCF}" dt="2023-10-18T23:36:36.285" v="1695" actId="478"/>
@@ -3397,6 +2693,1918 @@
         </pc:cxnChg>
         <pc:cxnChg chg="add mod">
           <ac:chgData name="Joseph Wonsil" userId="f7a5a8f17f3cf2df" providerId="LiveId" clId="{8C080609-7CCE-411B-84E6-72C44917ABCF}" dt="2023-10-18T23:26:23.543" v="1483" actId="1036"/>
+          <ac:cxnSpMkLst>
+            <pc:docMk/>
+            <pc:sldMk cId="1645475767" sldId="256"/>
+            <ac:cxnSpMk id="293" creationId="{465BFAD8-046F-A3E1-6259-03C898568E09}"/>
+          </ac:cxnSpMkLst>
+        </pc:cxnChg>
+      </pc:sldChg>
+    </pc:docChg>
+  </pc:docChgLst>
+  <pc:docChgLst>
+    <pc:chgData name="Joseph Wonsil" userId="f7a5a8f17f3cf2df" providerId="LiveId" clId="{D6ABC174-D68B-445B-A75D-5908BB74AC88}"/>
+    <pc:docChg chg="undo custSel modSld">
+      <pc:chgData name="Joseph Wonsil" userId="f7a5a8f17f3cf2df" providerId="LiveId" clId="{D6ABC174-D68B-445B-A75D-5908BB74AC88}" dt="2023-10-16T23:29:24.950" v="686" actId="1076"/>
+      <pc:docMkLst>
+        <pc:docMk/>
+      </pc:docMkLst>
+      <pc:sldChg chg="addSp delSp modSp mod">
+        <pc:chgData name="Joseph Wonsil" userId="f7a5a8f17f3cf2df" providerId="LiveId" clId="{D6ABC174-D68B-445B-A75D-5908BB74AC88}" dt="2023-10-16T23:29:24.950" v="686" actId="1076"/>
+        <pc:sldMkLst>
+          <pc:docMk/>
+          <pc:sldMk cId="1645475767" sldId="256"/>
+        </pc:sldMkLst>
+        <pc:spChg chg="mod">
+          <ac:chgData name="Joseph Wonsil" userId="f7a5a8f17f3cf2df" providerId="LiveId" clId="{D6ABC174-D68B-445B-A75D-5908BB74AC88}" dt="2023-10-16T23:29:24.950" v="686" actId="1076"/>
+          <ac:spMkLst>
+            <pc:docMk/>
+            <pc:sldMk cId="1645475767" sldId="256"/>
+            <ac:spMk id="2" creationId="{461DAE0E-18AF-97FF-8732-1CF3DD2A0854}"/>
+          </ac:spMkLst>
+        </pc:spChg>
+        <pc:spChg chg="add mod">
+          <ac:chgData name="Joseph Wonsil" userId="f7a5a8f17f3cf2df" providerId="LiveId" clId="{D6ABC174-D68B-445B-A75D-5908BB74AC88}" dt="2023-10-16T23:29:24.950" v="686" actId="1076"/>
+          <ac:spMkLst>
+            <pc:docMk/>
+            <pc:sldMk cId="1645475767" sldId="256"/>
+            <ac:spMk id="3" creationId="{475EA8C8-F0A4-6F01-74CD-54546E0C2AEE}"/>
+          </ac:spMkLst>
+        </pc:spChg>
+        <pc:spChg chg="mod">
+          <ac:chgData name="Joseph Wonsil" userId="f7a5a8f17f3cf2df" providerId="LiveId" clId="{D6ABC174-D68B-445B-A75D-5908BB74AC88}" dt="2023-10-16T23:29:24.950" v="686" actId="1076"/>
+          <ac:spMkLst>
+            <pc:docMk/>
+            <pc:sldMk cId="1645475767" sldId="256"/>
+            <ac:spMk id="5" creationId="{EDD77D8E-AC62-8835-147A-8365BEE24A8B}"/>
+          </ac:spMkLst>
+        </pc:spChg>
+        <pc:spChg chg="mod">
+          <ac:chgData name="Joseph Wonsil" userId="f7a5a8f17f3cf2df" providerId="LiveId" clId="{D6ABC174-D68B-445B-A75D-5908BB74AC88}" dt="2023-10-16T23:29:24.950" v="686" actId="1076"/>
+          <ac:spMkLst>
+            <pc:docMk/>
+            <pc:sldMk cId="1645475767" sldId="256"/>
+            <ac:spMk id="6" creationId="{F392B7D7-3E0F-8DD1-67FB-1EF515E6A632}"/>
+          </ac:spMkLst>
+        </pc:spChg>
+        <pc:spChg chg="mod">
+          <ac:chgData name="Joseph Wonsil" userId="f7a5a8f17f3cf2df" providerId="LiveId" clId="{D6ABC174-D68B-445B-A75D-5908BB74AC88}" dt="2023-10-16T23:29:24.950" v="686" actId="1076"/>
+          <ac:spMkLst>
+            <pc:docMk/>
+            <pc:sldMk cId="1645475767" sldId="256"/>
+            <ac:spMk id="10" creationId="{5D155BFF-B441-4572-6BCC-1D6480ADC254}"/>
+          </ac:spMkLst>
+        </pc:spChg>
+        <pc:spChg chg="mod">
+          <ac:chgData name="Joseph Wonsil" userId="f7a5a8f17f3cf2df" providerId="LiveId" clId="{D6ABC174-D68B-445B-A75D-5908BB74AC88}" dt="2023-10-16T23:29:24.950" v="686" actId="1076"/>
+          <ac:spMkLst>
+            <pc:docMk/>
+            <pc:sldMk cId="1645475767" sldId="256"/>
+            <ac:spMk id="11" creationId="{89D3A37F-AE8C-286E-D005-973A429F2F60}"/>
+          </ac:spMkLst>
+        </pc:spChg>
+        <pc:spChg chg="mod">
+          <ac:chgData name="Joseph Wonsil" userId="f7a5a8f17f3cf2df" providerId="LiveId" clId="{D6ABC174-D68B-445B-A75D-5908BB74AC88}" dt="2023-10-16T23:29:24.950" v="686" actId="1076"/>
+          <ac:spMkLst>
+            <pc:docMk/>
+            <pc:sldMk cId="1645475767" sldId="256"/>
+            <ac:spMk id="13" creationId="{77E6E453-03D9-6363-9B2B-536E1D203421}"/>
+          </ac:spMkLst>
+        </pc:spChg>
+        <pc:spChg chg="mod">
+          <ac:chgData name="Joseph Wonsil" userId="f7a5a8f17f3cf2df" providerId="LiveId" clId="{D6ABC174-D68B-445B-A75D-5908BB74AC88}" dt="2023-10-16T23:29:24.950" v="686" actId="1076"/>
+          <ac:spMkLst>
+            <pc:docMk/>
+            <pc:sldMk cId="1645475767" sldId="256"/>
+            <ac:spMk id="14" creationId="{F7F39D2E-7806-1ED6-1633-3BF9C768F480}"/>
+          </ac:spMkLst>
+        </pc:spChg>
+        <pc:spChg chg="add mod">
+          <ac:chgData name="Joseph Wonsil" userId="f7a5a8f17f3cf2df" providerId="LiveId" clId="{D6ABC174-D68B-445B-A75D-5908BB74AC88}" dt="2023-10-16T23:29:24.950" v="686" actId="1076"/>
+          <ac:spMkLst>
+            <pc:docMk/>
+            <pc:sldMk cId="1645475767" sldId="256"/>
+            <ac:spMk id="15" creationId="{2082AF95-F57E-7714-98E1-6B18874A37D0}"/>
+          </ac:spMkLst>
+        </pc:spChg>
+        <pc:spChg chg="mod">
+          <ac:chgData name="Joseph Wonsil" userId="f7a5a8f17f3cf2df" providerId="LiveId" clId="{D6ABC174-D68B-445B-A75D-5908BB74AC88}" dt="2023-10-16T23:29:24.950" v="686" actId="1076"/>
+          <ac:spMkLst>
+            <pc:docMk/>
+            <pc:sldMk cId="1645475767" sldId="256"/>
+            <ac:spMk id="17" creationId="{63544155-B132-0D32-3BAA-3EC3DE1072D8}"/>
+          </ac:spMkLst>
+        </pc:spChg>
+        <pc:spChg chg="add del mod">
+          <ac:chgData name="Joseph Wonsil" userId="f7a5a8f17f3cf2df" providerId="LiveId" clId="{D6ABC174-D68B-445B-A75D-5908BB74AC88}" dt="2023-10-16T21:32:02.906" v="26" actId="478"/>
+          <ac:spMkLst>
+            <pc:docMk/>
+            <pc:sldMk cId="1645475767" sldId="256"/>
+            <ac:spMk id="18" creationId="{199C6CC3-53D2-D95F-05F9-68CA3527BA7F}"/>
+          </ac:spMkLst>
+        </pc:spChg>
+        <pc:spChg chg="mod">
+          <ac:chgData name="Joseph Wonsil" userId="f7a5a8f17f3cf2df" providerId="LiveId" clId="{D6ABC174-D68B-445B-A75D-5908BB74AC88}" dt="2023-10-16T23:29:24.950" v="686" actId="1076"/>
+          <ac:spMkLst>
+            <pc:docMk/>
+            <pc:sldMk cId="1645475767" sldId="256"/>
+            <ac:spMk id="19" creationId="{CDC98E58-B7BF-FC65-3CF4-7910AC6F1E87}"/>
+          </ac:spMkLst>
+        </pc:spChg>
+        <pc:spChg chg="add mod">
+          <ac:chgData name="Joseph Wonsil" userId="f7a5a8f17f3cf2df" providerId="LiveId" clId="{D6ABC174-D68B-445B-A75D-5908BB74AC88}" dt="2023-10-16T23:29:24.950" v="686" actId="1076"/>
+          <ac:spMkLst>
+            <pc:docMk/>
+            <pc:sldMk cId="1645475767" sldId="256"/>
+            <ac:spMk id="20" creationId="{F418ACC7-3AD4-0F3B-E0DB-D175E87A7239}"/>
+          </ac:spMkLst>
+        </pc:spChg>
+        <pc:spChg chg="mod">
+          <ac:chgData name="Joseph Wonsil" userId="f7a5a8f17f3cf2df" providerId="LiveId" clId="{D6ABC174-D68B-445B-A75D-5908BB74AC88}" dt="2023-10-16T23:29:24.950" v="686" actId="1076"/>
+          <ac:spMkLst>
+            <pc:docMk/>
+            <pc:sldMk cId="1645475767" sldId="256"/>
+            <ac:spMk id="21" creationId="{3C58F1C7-3BCD-294E-EA4C-FB19607A2A8B}"/>
+          </ac:spMkLst>
+        </pc:spChg>
+        <pc:spChg chg="add del mod">
+          <ac:chgData name="Joseph Wonsil" userId="f7a5a8f17f3cf2df" providerId="LiveId" clId="{D6ABC174-D68B-445B-A75D-5908BB74AC88}" dt="2023-10-16T21:29:14.438" v="23" actId="478"/>
+          <ac:spMkLst>
+            <pc:docMk/>
+            <pc:sldMk cId="1645475767" sldId="256"/>
+            <ac:spMk id="22" creationId="{E9D6ACCE-BADE-1C19-5BD8-11A7F1EDEA7B}"/>
+          </ac:spMkLst>
+        </pc:spChg>
+        <pc:spChg chg="mod">
+          <ac:chgData name="Joseph Wonsil" userId="f7a5a8f17f3cf2df" providerId="LiveId" clId="{D6ABC174-D68B-445B-A75D-5908BB74AC88}" dt="2023-10-16T23:29:24.950" v="686" actId="1076"/>
+          <ac:spMkLst>
+            <pc:docMk/>
+            <pc:sldMk cId="1645475767" sldId="256"/>
+            <ac:spMk id="24" creationId="{3DF15931-71E1-C90B-0673-3380DC81ED7C}"/>
+          </ac:spMkLst>
+        </pc:spChg>
+        <pc:spChg chg="add mod">
+          <ac:chgData name="Joseph Wonsil" userId="f7a5a8f17f3cf2df" providerId="LiveId" clId="{D6ABC174-D68B-445B-A75D-5908BB74AC88}" dt="2023-10-16T23:29:24.950" v="686" actId="1076"/>
+          <ac:spMkLst>
+            <pc:docMk/>
+            <pc:sldMk cId="1645475767" sldId="256"/>
+            <ac:spMk id="25" creationId="{E1A7F699-7971-B2D7-583B-A3C58DD464BF}"/>
+          </ac:spMkLst>
+        </pc:spChg>
+        <pc:spChg chg="add mod">
+          <ac:chgData name="Joseph Wonsil" userId="f7a5a8f17f3cf2df" providerId="LiveId" clId="{D6ABC174-D68B-445B-A75D-5908BB74AC88}" dt="2023-10-16T23:29:24.950" v="686" actId="1076"/>
+          <ac:spMkLst>
+            <pc:docMk/>
+            <pc:sldMk cId="1645475767" sldId="256"/>
+            <ac:spMk id="26" creationId="{1A397F50-31BF-2C16-56A3-490E4FF86B15}"/>
+          </ac:spMkLst>
+        </pc:spChg>
+        <pc:spChg chg="add mod">
+          <ac:chgData name="Joseph Wonsil" userId="f7a5a8f17f3cf2df" providerId="LiveId" clId="{D6ABC174-D68B-445B-A75D-5908BB74AC88}" dt="2023-10-16T23:29:24.950" v="686" actId="1076"/>
+          <ac:spMkLst>
+            <pc:docMk/>
+            <pc:sldMk cId="1645475767" sldId="256"/>
+            <ac:spMk id="27" creationId="{58A52717-D259-852F-EAFC-045F5DFD670C}"/>
+          </ac:spMkLst>
+        </pc:spChg>
+        <pc:spChg chg="mod">
+          <ac:chgData name="Joseph Wonsil" userId="f7a5a8f17f3cf2df" providerId="LiveId" clId="{D6ABC174-D68B-445B-A75D-5908BB74AC88}" dt="2023-10-16T23:29:24.950" v="686" actId="1076"/>
+          <ac:spMkLst>
+            <pc:docMk/>
+            <pc:sldMk cId="1645475767" sldId="256"/>
+            <ac:spMk id="28" creationId="{60C86E43-A887-CEA7-E6E6-67B122EE91E1}"/>
+          </ac:spMkLst>
+        </pc:spChg>
+        <pc:spChg chg="add del mod">
+          <ac:chgData name="Joseph Wonsil" userId="f7a5a8f17f3cf2df" providerId="LiveId" clId="{D6ABC174-D68B-445B-A75D-5908BB74AC88}" dt="2023-10-16T23:07:12.271" v="48" actId="478"/>
+          <ac:spMkLst>
+            <pc:docMk/>
+            <pc:sldMk cId="1645475767" sldId="256"/>
+            <ac:spMk id="29" creationId="{E55653A5-FDB2-CA9B-B199-C0A0E77B8895}"/>
+          </ac:spMkLst>
+        </pc:spChg>
+        <pc:spChg chg="add del mod">
+          <ac:chgData name="Joseph Wonsil" userId="f7a5a8f17f3cf2df" providerId="LiveId" clId="{D6ABC174-D68B-445B-A75D-5908BB74AC88}" dt="2023-10-16T23:14:04.912" v="198" actId="478"/>
+          <ac:spMkLst>
+            <pc:docMk/>
+            <pc:sldMk cId="1645475767" sldId="256"/>
+            <ac:spMk id="31" creationId="{EAF11AAC-02EB-71D5-395A-B2960947DE2A}"/>
+          </ac:spMkLst>
+        </pc:spChg>
+        <pc:spChg chg="mod">
+          <ac:chgData name="Joseph Wonsil" userId="f7a5a8f17f3cf2df" providerId="LiveId" clId="{D6ABC174-D68B-445B-A75D-5908BB74AC88}" dt="2023-10-16T23:29:24.950" v="686" actId="1076"/>
+          <ac:spMkLst>
+            <pc:docMk/>
+            <pc:sldMk cId="1645475767" sldId="256"/>
+            <ac:spMk id="32" creationId="{D4A062A0-410E-0FF1-9B6D-20281611B271}"/>
+          </ac:spMkLst>
+        </pc:spChg>
+        <pc:spChg chg="mod">
+          <ac:chgData name="Joseph Wonsil" userId="f7a5a8f17f3cf2df" providerId="LiveId" clId="{D6ABC174-D68B-445B-A75D-5908BB74AC88}" dt="2023-10-16T23:29:24.950" v="686" actId="1076"/>
+          <ac:spMkLst>
+            <pc:docMk/>
+            <pc:sldMk cId="1645475767" sldId="256"/>
+            <ac:spMk id="33" creationId="{B616FDAC-239F-3BA5-52A9-57EC0735B18A}"/>
+          </ac:spMkLst>
+        </pc:spChg>
+        <pc:spChg chg="add mod">
+          <ac:chgData name="Joseph Wonsil" userId="f7a5a8f17f3cf2df" providerId="LiveId" clId="{D6ABC174-D68B-445B-A75D-5908BB74AC88}" dt="2023-10-16T23:29:24.950" v="686" actId="1076"/>
+          <ac:spMkLst>
+            <pc:docMk/>
+            <pc:sldMk cId="1645475767" sldId="256"/>
+            <ac:spMk id="35" creationId="{79DFB4C1-7173-2B01-1064-8D6762B11BF5}"/>
+          </ac:spMkLst>
+        </pc:spChg>
+        <pc:spChg chg="add mod">
+          <ac:chgData name="Joseph Wonsil" userId="f7a5a8f17f3cf2df" providerId="LiveId" clId="{D6ABC174-D68B-445B-A75D-5908BB74AC88}" dt="2023-10-16T23:29:24.950" v="686" actId="1076"/>
+          <ac:spMkLst>
+            <pc:docMk/>
+            <pc:sldMk cId="1645475767" sldId="256"/>
+            <ac:spMk id="36" creationId="{B350F5B9-E2F8-D410-A3BA-F93D66DB605C}"/>
+          </ac:spMkLst>
+        </pc:spChg>
+        <pc:spChg chg="add del mod">
+          <ac:chgData name="Joseph Wonsil" userId="f7a5a8f17f3cf2df" providerId="LiveId" clId="{D6ABC174-D68B-445B-A75D-5908BB74AC88}" dt="2023-10-16T23:14:06.512" v="200" actId="478"/>
+          <ac:spMkLst>
+            <pc:docMk/>
+            <pc:sldMk cId="1645475767" sldId="256"/>
+            <ac:spMk id="38" creationId="{2E7A7201-8032-B266-461D-AF27F7AC8D30}"/>
+          </ac:spMkLst>
+        </pc:spChg>
+        <pc:spChg chg="add mod">
+          <ac:chgData name="Joseph Wonsil" userId="f7a5a8f17f3cf2df" providerId="LiveId" clId="{D6ABC174-D68B-445B-A75D-5908BB74AC88}" dt="2023-10-16T23:29:24.950" v="686" actId="1076"/>
+          <ac:spMkLst>
+            <pc:docMk/>
+            <pc:sldMk cId="1645475767" sldId="256"/>
+            <ac:spMk id="39" creationId="{6DC816CB-8782-D01C-BC59-A0FB21EA3108}"/>
+          </ac:spMkLst>
+        </pc:spChg>
+        <pc:spChg chg="add mod">
+          <ac:chgData name="Joseph Wonsil" userId="f7a5a8f17f3cf2df" providerId="LiveId" clId="{D6ABC174-D68B-445B-A75D-5908BB74AC88}" dt="2023-10-16T23:29:24.950" v="686" actId="1076"/>
+          <ac:spMkLst>
+            <pc:docMk/>
+            <pc:sldMk cId="1645475767" sldId="256"/>
+            <ac:spMk id="40" creationId="{FA25254E-DFA7-64F8-8FB4-6A5D4F0738C7}"/>
+          </ac:spMkLst>
+        </pc:spChg>
+        <pc:spChg chg="mod">
+          <ac:chgData name="Joseph Wonsil" userId="f7a5a8f17f3cf2df" providerId="LiveId" clId="{D6ABC174-D68B-445B-A75D-5908BB74AC88}" dt="2023-10-16T23:29:24.950" v="686" actId="1076"/>
+          <ac:spMkLst>
+            <pc:docMk/>
+            <pc:sldMk cId="1645475767" sldId="256"/>
+            <ac:spMk id="42" creationId="{62A6E74D-C00B-6C92-47F2-6164F95E0268}"/>
+          </ac:spMkLst>
+        </pc:spChg>
+        <pc:spChg chg="mod">
+          <ac:chgData name="Joseph Wonsil" userId="f7a5a8f17f3cf2df" providerId="LiveId" clId="{D6ABC174-D68B-445B-A75D-5908BB74AC88}" dt="2023-10-16T23:29:24.950" v="686" actId="1076"/>
+          <ac:spMkLst>
+            <pc:docMk/>
+            <pc:sldMk cId="1645475767" sldId="256"/>
+            <ac:spMk id="43" creationId="{B0ECA40D-A1F1-0CE3-96F9-10D673EB3C97}"/>
+          </ac:spMkLst>
+        </pc:spChg>
+        <pc:spChg chg="add del mod">
+          <ac:chgData name="Joseph Wonsil" userId="f7a5a8f17f3cf2df" providerId="LiveId" clId="{D6ABC174-D68B-445B-A75D-5908BB74AC88}" dt="2023-10-16T23:10:15.850" v="97" actId="478"/>
+          <ac:spMkLst>
+            <pc:docMk/>
+            <pc:sldMk cId="1645475767" sldId="256"/>
+            <ac:spMk id="44" creationId="{E43FD57E-4882-063D-6529-A05C3A8A72E9}"/>
+          </ac:spMkLst>
+        </pc:spChg>
+        <pc:spChg chg="mod">
+          <ac:chgData name="Joseph Wonsil" userId="f7a5a8f17f3cf2df" providerId="LiveId" clId="{D6ABC174-D68B-445B-A75D-5908BB74AC88}" dt="2023-10-16T23:29:24.950" v="686" actId="1076"/>
+          <ac:spMkLst>
+            <pc:docMk/>
+            <pc:sldMk cId="1645475767" sldId="256"/>
+            <ac:spMk id="49" creationId="{842C1335-EDA0-BED9-1A06-5454B66B2CE0}"/>
+          </ac:spMkLst>
+        </pc:spChg>
+        <pc:spChg chg="mod">
+          <ac:chgData name="Joseph Wonsil" userId="f7a5a8f17f3cf2df" providerId="LiveId" clId="{D6ABC174-D68B-445B-A75D-5908BB74AC88}" dt="2023-10-16T23:29:24.950" v="686" actId="1076"/>
+          <ac:spMkLst>
+            <pc:docMk/>
+            <pc:sldMk cId="1645475767" sldId="256"/>
+            <ac:spMk id="52" creationId="{7317D925-AE7B-290C-67A6-493750A3352F}"/>
+          </ac:spMkLst>
+        </pc:spChg>
+        <pc:spChg chg="mod">
+          <ac:chgData name="Joseph Wonsil" userId="f7a5a8f17f3cf2df" providerId="LiveId" clId="{D6ABC174-D68B-445B-A75D-5908BB74AC88}" dt="2023-10-16T23:29:24.950" v="686" actId="1076"/>
+          <ac:spMkLst>
+            <pc:docMk/>
+            <pc:sldMk cId="1645475767" sldId="256"/>
+            <ac:spMk id="55" creationId="{A5E815BE-843F-B791-FF94-453526BE2EF2}"/>
+          </ac:spMkLst>
+        </pc:spChg>
+        <pc:spChg chg="add del mod">
+          <ac:chgData name="Joseph Wonsil" userId="f7a5a8f17f3cf2df" providerId="LiveId" clId="{D6ABC174-D68B-445B-A75D-5908BB74AC88}" dt="2023-10-16T23:14:07.497" v="201" actId="478"/>
+          <ac:spMkLst>
+            <pc:docMk/>
+            <pc:sldMk cId="1645475767" sldId="256"/>
+            <ac:spMk id="59" creationId="{B98D6BE7-F304-CBBC-2A63-84EEC4898CC8}"/>
+          </ac:spMkLst>
+        </pc:spChg>
+        <pc:spChg chg="mod">
+          <ac:chgData name="Joseph Wonsil" userId="f7a5a8f17f3cf2df" providerId="LiveId" clId="{D6ABC174-D68B-445B-A75D-5908BB74AC88}" dt="2023-10-16T23:29:24.950" v="686" actId="1076"/>
+          <ac:spMkLst>
+            <pc:docMk/>
+            <pc:sldMk cId="1645475767" sldId="256"/>
+            <ac:spMk id="60" creationId="{35FA7E34-1A13-B6DF-79C2-60F41A23F37B}"/>
+          </ac:spMkLst>
+        </pc:spChg>
+        <pc:spChg chg="mod">
+          <ac:chgData name="Joseph Wonsil" userId="f7a5a8f17f3cf2df" providerId="LiveId" clId="{D6ABC174-D68B-445B-A75D-5908BB74AC88}" dt="2023-10-16T23:29:24.950" v="686" actId="1076"/>
+          <ac:spMkLst>
+            <pc:docMk/>
+            <pc:sldMk cId="1645475767" sldId="256"/>
+            <ac:spMk id="61" creationId="{7ECA03CF-DD24-9307-D184-41182C04B82A}"/>
+          </ac:spMkLst>
+        </pc:spChg>
+        <pc:spChg chg="add mod">
+          <ac:chgData name="Joseph Wonsil" userId="f7a5a8f17f3cf2df" providerId="LiveId" clId="{D6ABC174-D68B-445B-A75D-5908BB74AC88}" dt="2023-10-16T23:29:24.950" v="686" actId="1076"/>
+          <ac:spMkLst>
+            <pc:docMk/>
+            <pc:sldMk cId="1645475767" sldId="256"/>
+            <ac:spMk id="63" creationId="{07A62DDE-C94D-4783-4BFD-408E0B156DED}"/>
+          </ac:spMkLst>
+        </pc:spChg>
+        <pc:spChg chg="add mod">
+          <ac:chgData name="Joseph Wonsil" userId="f7a5a8f17f3cf2df" providerId="LiveId" clId="{D6ABC174-D68B-445B-A75D-5908BB74AC88}" dt="2023-10-16T23:29:24.950" v="686" actId="1076"/>
+          <ac:spMkLst>
+            <pc:docMk/>
+            <pc:sldMk cId="1645475767" sldId="256"/>
+            <ac:spMk id="68" creationId="{9CD63190-6F0C-7B53-9050-C772D436F95B}"/>
+          </ac:spMkLst>
+        </pc:spChg>
+        <pc:spChg chg="mod">
+          <ac:chgData name="Joseph Wonsil" userId="f7a5a8f17f3cf2df" providerId="LiveId" clId="{D6ABC174-D68B-445B-A75D-5908BB74AC88}" dt="2023-10-16T23:29:24.950" v="686" actId="1076"/>
+          <ac:spMkLst>
+            <pc:docMk/>
+            <pc:sldMk cId="1645475767" sldId="256"/>
+            <ac:spMk id="70" creationId="{EEB73B9F-8EE1-8959-6128-F66F9F2B6A19}"/>
+          </ac:spMkLst>
+        </pc:spChg>
+        <pc:spChg chg="mod">
+          <ac:chgData name="Joseph Wonsil" userId="f7a5a8f17f3cf2df" providerId="LiveId" clId="{D6ABC174-D68B-445B-A75D-5908BB74AC88}" dt="2023-10-16T23:29:24.950" v="686" actId="1076"/>
+          <ac:spMkLst>
+            <pc:docMk/>
+            <pc:sldMk cId="1645475767" sldId="256"/>
+            <ac:spMk id="71" creationId="{2A34F01A-7639-BB9B-04EC-3D4D626FAB55}"/>
+          </ac:spMkLst>
+        </pc:spChg>
+        <pc:spChg chg="mod">
+          <ac:chgData name="Joseph Wonsil" userId="f7a5a8f17f3cf2df" providerId="LiveId" clId="{D6ABC174-D68B-445B-A75D-5908BB74AC88}" dt="2023-10-16T23:29:24.950" v="686" actId="1076"/>
+          <ac:spMkLst>
+            <pc:docMk/>
+            <pc:sldMk cId="1645475767" sldId="256"/>
+            <ac:spMk id="74" creationId="{52E3ADAE-159A-D64F-DF75-180DC743C4CA}"/>
+          </ac:spMkLst>
+        </pc:spChg>
+        <pc:spChg chg="add del mod">
+          <ac:chgData name="Joseph Wonsil" userId="f7a5a8f17f3cf2df" providerId="LiveId" clId="{D6ABC174-D68B-445B-A75D-5908BB74AC88}" dt="2023-10-16T23:14:08.549" v="202" actId="478"/>
+          <ac:spMkLst>
+            <pc:docMk/>
+            <pc:sldMk cId="1645475767" sldId="256"/>
+            <ac:spMk id="80" creationId="{5F751107-4977-75F1-7373-E5D7DF7E77ED}"/>
+          </ac:spMkLst>
+        </pc:spChg>
+        <pc:spChg chg="add mod">
+          <ac:chgData name="Joseph Wonsil" userId="f7a5a8f17f3cf2df" providerId="LiveId" clId="{D6ABC174-D68B-445B-A75D-5908BB74AC88}" dt="2023-10-16T23:29:24.950" v="686" actId="1076"/>
+          <ac:spMkLst>
+            <pc:docMk/>
+            <pc:sldMk cId="1645475767" sldId="256"/>
+            <ac:spMk id="84" creationId="{D34F5F8D-B16A-EDE4-A61F-9D0E7E4C7BBC}"/>
+          </ac:spMkLst>
+        </pc:spChg>
+        <pc:spChg chg="add mod">
+          <ac:chgData name="Joseph Wonsil" userId="f7a5a8f17f3cf2df" providerId="LiveId" clId="{D6ABC174-D68B-445B-A75D-5908BB74AC88}" dt="2023-10-16T23:29:24.950" v="686" actId="1076"/>
+          <ac:spMkLst>
+            <pc:docMk/>
+            <pc:sldMk cId="1645475767" sldId="256"/>
+            <ac:spMk id="85" creationId="{84E65B77-934D-4C57-DE5D-9702D4AA5BCB}"/>
+          </ac:spMkLst>
+        </pc:spChg>
+        <pc:spChg chg="add mod">
+          <ac:chgData name="Joseph Wonsil" userId="f7a5a8f17f3cf2df" providerId="LiveId" clId="{D6ABC174-D68B-445B-A75D-5908BB74AC88}" dt="2023-10-16T23:29:24.950" v="686" actId="1076"/>
+          <ac:spMkLst>
+            <pc:docMk/>
+            <pc:sldMk cId="1645475767" sldId="256"/>
+            <ac:spMk id="90" creationId="{8A8D6037-92ED-5E61-EE2A-60DD15DDB033}"/>
+          </ac:spMkLst>
+        </pc:spChg>
+        <pc:spChg chg="add mod">
+          <ac:chgData name="Joseph Wonsil" userId="f7a5a8f17f3cf2df" providerId="LiveId" clId="{D6ABC174-D68B-445B-A75D-5908BB74AC88}" dt="2023-10-16T23:29:24.950" v="686" actId="1076"/>
+          <ac:spMkLst>
+            <pc:docMk/>
+            <pc:sldMk cId="1645475767" sldId="256"/>
+            <ac:spMk id="91" creationId="{659BA44D-74DE-FF8E-EC99-D7D1DC21885A}"/>
+          </ac:spMkLst>
+        </pc:spChg>
+        <pc:spChg chg="add del mod">
+          <ac:chgData name="Joseph Wonsil" userId="f7a5a8f17f3cf2df" providerId="LiveId" clId="{D6ABC174-D68B-445B-A75D-5908BB74AC88}" dt="2023-10-16T23:14:09.806" v="203" actId="478"/>
+          <ac:spMkLst>
+            <pc:docMk/>
+            <pc:sldMk cId="1645475767" sldId="256"/>
+            <ac:spMk id="96" creationId="{76E25628-5BF4-71B1-546D-359ED2818B78}"/>
+          </ac:spMkLst>
+        </pc:spChg>
+        <pc:spChg chg="add del mod">
+          <ac:chgData name="Joseph Wonsil" userId="f7a5a8f17f3cf2df" providerId="LiveId" clId="{D6ABC174-D68B-445B-A75D-5908BB74AC88}" dt="2023-10-16T23:14:10.795" v="204" actId="478"/>
+          <ac:spMkLst>
+            <pc:docMk/>
+            <pc:sldMk cId="1645475767" sldId="256"/>
+            <ac:spMk id="97" creationId="{D9C21539-62BA-46C9-E496-58354AAAEE37}"/>
+          </ac:spMkLst>
+        </pc:spChg>
+        <pc:spChg chg="add mod">
+          <ac:chgData name="Joseph Wonsil" userId="f7a5a8f17f3cf2df" providerId="LiveId" clId="{D6ABC174-D68B-445B-A75D-5908BB74AC88}" dt="2023-10-16T23:29:24.950" v="686" actId="1076"/>
+          <ac:spMkLst>
+            <pc:docMk/>
+            <pc:sldMk cId="1645475767" sldId="256"/>
+            <ac:spMk id="100" creationId="{E92B3433-66A4-7341-0A10-1B6541AA2707}"/>
+          </ac:spMkLst>
+        </pc:spChg>
+        <pc:spChg chg="add mod">
+          <ac:chgData name="Joseph Wonsil" userId="f7a5a8f17f3cf2df" providerId="LiveId" clId="{D6ABC174-D68B-445B-A75D-5908BB74AC88}" dt="2023-10-16T23:29:24.950" v="686" actId="1076"/>
+          <ac:spMkLst>
+            <pc:docMk/>
+            <pc:sldMk cId="1645475767" sldId="256"/>
+            <ac:spMk id="101" creationId="{1DE6908C-CB8C-CAF2-6CD7-D732B0AB1E33}"/>
+          </ac:spMkLst>
+        </pc:spChg>
+        <pc:spChg chg="add mod">
+          <ac:chgData name="Joseph Wonsil" userId="f7a5a8f17f3cf2df" providerId="LiveId" clId="{D6ABC174-D68B-445B-A75D-5908BB74AC88}" dt="2023-10-16T23:29:24.950" v="686" actId="1076"/>
+          <ac:spMkLst>
+            <pc:docMk/>
+            <pc:sldMk cId="1645475767" sldId="256"/>
+            <ac:spMk id="102" creationId="{BAB78B8E-574B-3156-CD83-4D165FEDCC4F}"/>
+          </ac:spMkLst>
+        </pc:spChg>
+        <pc:spChg chg="add mod">
+          <ac:chgData name="Joseph Wonsil" userId="f7a5a8f17f3cf2df" providerId="LiveId" clId="{D6ABC174-D68B-445B-A75D-5908BB74AC88}" dt="2023-10-16T23:29:24.950" v="686" actId="1076"/>
+          <ac:spMkLst>
+            <pc:docMk/>
+            <pc:sldMk cId="1645475767" sldId="256"/>
+            <ac:spMk id="103" creationId="{0C69731E-2E67-A043-504E-23C966E68671}"/>
+          </ac:spMkLst>
+        </pc:spChg>
+        <pc:spChg chg="mod">
+          <ac:chgData name="Joseph Wonsil" userId="f7a5a8f17f3cf2df" providerId="LiveId" clId="{D6ABC174-D68B-445B-A75D-5908BB74AC88}" dt="2023-10-16T23:29:24.950" v="686" actId="1076"/>
+          <ac:spMkLst>
+            <pc:docMk/>
+            <pc:sldMk cId="1645475767" sldId="256"/>
+            <ac:spMk id="104" creationId="{6B62EFFA-4EC9-3E5B-73F6-0D19114CAFC9}"/>
+          </ac:spMkLst>
+        </pc:spChg>
+        <pc:spChg chg="add mod">
+          <ac:chgData name="Joseph Wonsil" userId="f7a5a8f17f3cf2df" providerId="LiveId" clId="{D6ABC174-D68B-445B-A75D-5908BB74AC88}" dt="2023-10-16T23:29:24.950" v="686" actId="1076"/>
+          <ac:spMkLst>
+            <pc:docMk/>
+            <pc:sldMk cId="1645475767" sldId="256"/>
+            <ac:spMk id="105" creationId="{2ACDEB4D-3118-62F1-B8A8-ADB24DBACF82}"/>
+          </ac:spMkLst>
+        </pc:spChg>
+        <pc:spChg chg="add mod">
+          <ac:chgData name="Joseph Wonsil" userId="f7a5a8f17f3cf2df" providerId="LiveId" clId="{D6ABC174-D68B-445B-A75D-5908BB74AC88}" dt="2023-10-16T23:29:24.950" v="686" actId="1076"/>
+          <ac:spMkLst>
+            <pc:docMk/>
+            <pc:sldMk cId="1645475767" sldId="256"/>
+            <ac:spMk id="106" creationId="{4B49D07C-8A79-6007-E41D-E45A4FC9D8C6}"/>
+          </ac:spMkLst>
+        </pc:spChg>
+        <pc:spChg chg="add mod">
+          <ac:chgData name="Joseph Wonsil" userId="f7a5a8f17f3cf2df" providerId="LiveId" clId="{D6ABC174-D68B-445B-A75D-5908BB74AC88}" dt="2023-10-16T23:29:24.950" v="686" actId="1076"/>
+          <ac:spMkLst>
+            <pc:docMk/>
+            <pc:sldMk cId="1645475767" sldId="256"/>
+            <ac:spMk id="132" creationId="{85BD8B9C-80C0-4ECE-A347-E4D26F891B45}"/>
+          </ac:spMkLst>
+        </pc:spChg>
+        <pc:spChg chg="add mod">
+          <ac:chgData name="Joseph Wonsil" userId="f7a5a8f17f3cf2df" providerId="LiveId" clId="{D6ABC174-D68B-445B-A75D-5908BB74AC88}" dt="2023-10-16T23:29:24.950" v="686" actId="1076"/>
+          <ac:spMkLst>
+            <pc:docMk/>
+            <pc:sldMk cId="1645475767" sldId="256"/>
+            <ac:spMk id="138" creationId="{E242FAFA-CB49-296E-9F35-248943C2966E}"/>
+          </ac:spMkLst>
+        </pc:spChg>
+        <pc:spChg chg="add mod">
+          <ac:chgData name="Joseph Wonsil" userId="f7a5a8f17f3cf2df" providerId="LiveId" clId="{D6ABC174-D68B-445B-A75D-5908BB74AC88}" dt="2023-10-16T23:29:24.950" v="686" actId="1076"/>
+          <ac:spMkLst>
+            <pc:docMk/>
+            <pc:sldMk cId="1645475767" sldId="256"/>
+            <ac:spMk id="139" creationId="{802C46F5-7BD6-F450-D2B4-347C92B57CFE}"/>
+          </ac:spMkLst>
+        </pc:spChg>
+        <pc:spChg chg="add mod">
+          <ac:chgData name="Joseph Wonsil" userId="f7a5a8f17f3cf2df" providerId="LiveId" clId="{D6ABC174-D68B-445B-A75D-5908BB74AC88}" dt="2023-10-16T23:29:24.950" v="686" actId="1076"/>
+          <ac:spMkLst>
+            <pc:docMk/>
+            <pc:sldMk cId="1645475767" sldId="256"/>
+            <ac:spMk id="144" creationId="{3BA36D46-2F89-D8A4-A60C-17E29D68CFA5}"/>
+          </ac:spMkLst>
+        </pc:spChg>
+        <pc:spChg chg="add del mod">
+          <ac:chgData name="Joseph Wonsil" userId="f7a5a8f17f3cf2df" providerId="LiveId" clId="{D6ABC174-D68B-445B-A75D-5908BB74AC88}" dt="2023-10-16T23:26:08.719" v="661" actId="478"/>
+          <ac:spMkLst>
+            <pc:docMk/>
+            <pc:sldMk cId="1645475767" sldId="256"/>
+            <ac:spMk id="146" creationId="{028B6804-1C46-AD7E-A387-7A8C99F8563D}"/>
+          </ac:spMkLst>
+        </pc:spChg>
+        <pc:spChg chg="add mod">
+          <ac:chgData name="Joseph Wonsil" userId="f7a5a8f17f3cf2df" providerId="LiveId" clId="{D6ABC174-D68B-445B-A75D-5908BB74AC88}" dt="2023-10-16T23:29:24.950" v="686" actId="1076"/>
+          <ac:spMkLst>
+            <pc:docMk/>
+            <pc:sldMk cId="1645475767" sldId="256"/>
+            <ac:spMk id="157" creationId="{2EC089FA-274C-2CBC-86EB-EAA86F31FDEF}"/>
+          </ac:spMkLst>
+        </pc:spChg>
+        <pc:cxnChg chg="mod">
+          <ac:chgData name="Joseph Wonsil" userId="f7a5a8f17f3cf2df" providerId="LiveId" clId="{D6ABC174-D68B-445B-A75D-5908BB74AC88}" dt="2023-10-16T23:29:24.950" v="686" actId="1076"/>
+          <ac:cxnSpMkLst>
+            <pc:docMk/>
+            <pc:sldMk cId="1645475767" sldId="256"/>
+            <ac:cxnSpMk id="4" creationId="{1FAF49EF-246B-5065-399F-6F3D99F68D6C}"/>
+          </ac:cxnSpMkLst>
+        </pc:cxnChg>
+        <pc:cxnChg chg="mod">
+          <ac:chgData name="Joseph Wonsil" userId="f7a5a8f17f3cf2df" providerId="LiveId" clId="{D6ABC174-D68B-445B-A75D-5908BB74AC88}" dt="2023-10-16T23:29:24.950" v="686" actId="1076"/>
+          <ac:cxnSpMkLst>
+            <pc:docMk/>
+            <pc:sldMk cId="1645475767" sldId="256"/>
+            <ac:cxnSpMk id="7" creationId="{CFFEAC4B-C6E1-0754-849B-C9DE5A9020F3}"/>
+          </ac:cxnSpMkLst>
+        </pc:cxnChg>
+        <pc:cxnChg chg="mod">
+          <ac:chgData name="Joseph Wonsil" userId="f7a5a8f17f3cf2df" providerId="LiveId" clId="{D6ABC174-D68B-445B-A75D-5908BB74AC88}" dt="2023-10-16T23:29:24.950" v="686" actId="1076"/>
+          <ac:cxnSpMkLst>
+            <pc:docMk/>
+            <pc:sldMk cId="1645475767" sldId="256"/>
+            <ac:cxnSpMk id="8" creationId="{E3A3FFC5-3ECB-F504-1EB7-79E7359B9CFC}"/>
+          </ac:cxnSpMkLst>
+        </pc:cxnChg>
+        <pc:cxnChg chg="mod">
+          <ac:chgData name="Joseph Wonsil" userId="f7a5a8f17f3cf2df" providerId="LiveId" clId="{D6ABC174-D68B-445B-A75D-5908BB74AC88}" dt="2023-10-16T23:29:24.950" v="686" actId="1076"/>
+          <ac:cxnSpMkLst>
+            <pc:docMk/>
+            <pc:sldMk cId="1645475767" sldId="256"/>
+            <ac:cxnSpMk id="9" creationId="{0A563654-6AF8-5959-7EF7-1707843DF81A}"/>
+          </ac:cxnSpMkLst>
+        </pc:cxnChg>
+        <pc:cxnChg chg="add del mod">
+          <ac:chgData name="Joseph Wonsil" userId="f7a5a8f17f3cf2df" providerId="LiveId" clId="{D6ABC174-D68B-445B-A75D-5908BB74AC88}" dt="2023-10-16T21:32:04.752" v="27" actId="478"/>
+          <ac:cxnSpMkLst>
+            <pc:docMk/>
+            <pc:sldMk cId="1645475767" sldId="256"/>
+            <ac:cxnSpMk id="16" creationId="{6E8E699C-8362-620C-3B7B-67743EDBCA1F}"/>
+          </ac:cxnSpMkLst>
+        </pc:cxnChg>
+        <pc:cxnChg chg="add mod">
+          <ac:chgData name="Joseph Wonsil" userId="f7a5a8f17f3cf2df" providerId="LiveId" clId="{D6ABC174-D68B-445B-A75D-5908BB74AC88}" dt="2023-10-16T23:29:24.950" v="686" actId="1076"/>
+          <ac:cxnSpMkLst>
+            <pc:docMk/>
+            <pc:sldMk cId="1645475767" sldId="256"/>
+            <ac:cxnSpMk id="23" creationId="{23D61AF6-840C-7E29-57B3-7DB3D4B2CB5B}"/>
+          </ac:cxnSpMkLst>
+        </pc:cxnChg>
+        <pc:cxnChg chg="add mod">
+          <ac:chgData name="Joseph Wonsil" userId="f7a5a8f17f3cf2df" providerId="LiveId" clId="{D6ABC174-D68B-445B-A75D-5908BB74AC88}" dt="2023-10-16T23:29:24.950" v="686" actId="1076"/>
+          <ac:cxnSpMkLst>
+            <pc:docMk/>
+            <pc:sldMk cId="1645475767" sldId="256"/>
+            <ac:cxnSpMk id="30" creationId="{92CF7358-07D9-EA8C-0D7A-860C9F5C5ACF}"/>
+          </ac:cxnSpMkLst>
+        </pc:cxnChg>
+        <pc:cxnChg chg="mod">
+          <ac:chgData name="Joseph Wonsil" userId="f7a5a8f17f3cf2df" providerId="LiveId" clId="{D6ABC174-D68B-445B-A75D-5908BB74AC88}" dt="2023-10-16T23:29:24.950" v="686" actId="1076"/>
+          <ac:cxnSpMkLst>
+            <pc:docMk/>
+            <pc:sldMk cId="1645475767" sldId="256"/>
+            <ac:cxnSpMk id="34" creationId="{8C48BD3A-932B-C7D1-C21F-389E8FA1D750}"/>
+          </ac:cxnSpMkLst>
+        </pc:cxnChg>
+        <pc:cxnChg chg="add mod">
+          <ac:chgData name="Joseph Wonsil" userId="f7a5a8f17f3cf2df" providerId="LiveId" clId="{D6ABC174-D68B-445B-A75D-5908BB74AC88}" dt="2023-10-16T23:29:24.950" v="686" actId="1076"/>
+          <ac:cxnSpMkLst>
+            <pc:docMk/>
+            <pc:sldMk cId="1645475767" sldId="256"/>
+            <ac:cxnSpMk id="37" creationId="{6F20C18C-B4A8-7CAD-913D-7F0217BF73CC}"/>
+          </ac:cxnSpMkLst>
+        </pc:cxnChg>
+        <pc:cxnChg chg="add del mod">
+          <ac:chgData name="Joseph Wonsil" userId="f7a5a8f17f3cf2df" providerId="LiveId" clId="{D6ABC174-D68B-445B-A75D-5908BB74AC88}" dt="2023-10-16T23:10:16.876" v="98" actId="478"/>
+          <ac:cxnSpMkLst>
+            <pc:docMk/>
+            <pc:sldMk cId="1645475767" sldId="256"/>
+            <ac:cxnSpMk id="41" creationId="{002DE991-E2D2-AF8A-EA37-2D0B85C91A72}"/>
+          </ac:cxnSpMkLst>
+        </pc:cxnChg>
+        <pc:cxnChg chg="add mod">
+          <ac:chgData name="Joseph Wonsil" userId="f7a5a8f17f3cf2df" providerId="LiveId" clId="{D6ABC174-D68B-445B-A75D-5908BB74AC88}" dt="2023-10-16T23:29:24.950" v="686" actId="1076"/>
+          <ac:cxnSpMkLst>
+            <pc:docMk/>
+            <pc:sldMk cId="1645475767" sldId="256"/>
+            <ac:cxnSpMk id="46" creationId="{34027DC1-9608-8FC2-B855-03FC2D10CF3D}"/>
+          </ac:cxnSpMkLst>
+        </pc:cxnChg>
+        <pc:cxnChg chg="mod">
+          <ac:chgData name="Joseph Wonsil" userId="f7a5a8f17f3cf2df" providerId="LiveId" clId="{D6ABC174-D68B-445B-A75D-5908BB74AC88}" dt="2023-10-16T23:29:24.950" v="686" actId="1076"/>
+          <ac:cxnSpMkLst>
+            <pc:docMk/>
+            <pc:sldMk cId="1645475767" sldId="256"/>
+            <ac:cxnSpMk id="50" creationId="{3E940EC5-3D16-B53B-92BC-3B51950E358D}"/>
+          </ac:cxnSpMkLst>
+        </pc:cxnChg>
+        <pc:cxnChg chg="mod">
+          <ac:chgData name="Joseph Wonsil" userId="f7a5a8f17f3cf2df" providerId="LiveId" clId="{D6ABC174-D68B-445B-A75D-5908BB74AC88}" dt="2023-10-16T23:29:24.950" v="686" actId="1076"/>
+          <ac:cxnSpMkLst>
+            <pc:docMk/>
+            <pc:sldMk cId="1645475767" sldId="256"/>
+            <ac:cxnSpMk id="53" creationId="{1C2578E2-210F-BFA7-80C8-ADB6B3D34E24}"/>
+          </ac:cxnSpMkLst>
+        </pc:cxnChg>
+        <pc:cxnChg chg="mod">
+          <ac:chgData name="Joseph Wonsil" userId="f7a5a8f17f3cf2df" providerId="LiveId" clId="{D6ABC174-D68B-445B-A75D-5908BB74AC88}" dt="2023-10-16T23:29:24.950" v="686" actId="1076"/>
+          <ac:cxnSpMkLst>
+            <pc:docMk/>
+            <pc:sldMk cId="1645475767" sldId="256"/>
+            <ac:cxnSpMk id="56" creationId="{CE6983D4-3F57-B5C6-DA2B-A89A230613C8}"/>
+          </ac:cxnSpMkLst>
+        </pc:cxnChg>
+        <pc:cxnChg chg="mod">
+          <ac:chgData name="Joseph Wonsil" userId="f7a5a8f17f3cf2df" providerId="LiveId" clId="{D6ABC174-D68B-445B-A75D-5908BB74AC88}" dt="2023-10-16T23:29:24.950" v="686" actId="1076"/>
+          <ac:cxnSpMkLst>
+            <pc:docMk/>
+            <pc:sldMk cId="1645475767" sldId="256"/>
+            <ac:cxnSpMk id="62" creationId="{4467B832-EDA5-D418-B682-ECA109408340}"/>
+          </ac:cxnSpMkLst>
+        </pc:cxnChg>
+        <pc:cxnChg chg="add mod">
+          <ac:chgData name="Joseph Wonsil" userId="f7a5a8f17f3cf2df" providerId="LiveId" clId="{D6ABC174-D68B-445B-A75D-5908BB74AC88}" dt="2023-10-16T23:29:24.950" v="686" actId="1076"/>
+          <ac:cxnSpMkLst>
+            <pc:docMk/>
+            <pc:sldMk cId="1645475767" sldId="256"/>
+            <ac:cxnSpMk id="69" creationId="{145A7E76-DF91-F32D-9FB1-A172DA075F92}"/>
+          </ac:cxnSpMkLst>
+        </pc:cxnChg>
+        <pc:cxnChg chg="mod">
+          <ac:chgData name="Joseph Wonsil" userId="f7a5a8f17f3cf2df" providerId="LiveId" clId="{D6ABC174-D68B-445B-A75D-5908BB74AC88}" dt="2023-10-16T23:29:24.950" v="686" actId="1076"/>
+          <ac:cxnSpMkLst>
+            <pc:docMk/>
+            <pc:sldMk cId="1645475767" sldId="256"/>
+            <ac:cxnSpMk id="73" creationId="{71C4DB77-00EC-7C19-199C-316CA4BAC798}"/>
+          </ac:cxnSpMkLst>
+        </pc:cxnChg>
+        <pc:cxnChg chg="mod">
+          <ac:chgData name="Joseph Wonsil" userId="f7a5a8f17f3cf2df" providerId="LiveId" clId="{D6ABC174-D68B-445B-A75D-5908BB74AC88}" dt="2023-10-16T23:29:24.950" v="686" actId="1076"/>
+          <ac:cxnSpMkLst>
+            <pc:docMk/>
+            <pc:sldMk cId="1645475767" sldId="256"/>
+            <ac:cxnSpMk id="75" creationId="{FB24C36A-F777-3F4B-7F99-AC0F285C243D}"/>
+          </ac:cxnSpMkLst>
+        </pc:cxnChg>
+        <pc:cxnChg chg="mod">
+          <ac:chgData name="Joseph Wonsil" userId="f7a5a8f17f3cf2df" providerId="LiveId" clId="{D6ABC174-D68B-445B-A75D-5908BB74AC88}" dt="2023-10-16T23:29:24.950" v="686" actId="1076"/>
+          <ac:cxnSpMkLst>
+            <pc:docMk/>
+            <pc:sldMk cId="1645475767" sldId="256"/>
+            <ac:cxnSpMk id="77" creationId="{3AC8B372-20BA-0704-66B7-39F62AA3CBF9}"/>
+          </ac:cxnSpMkLst>
+        </pc:cxnChg>
+        <pc:cxnChg chg="add mod">
+          <ac:chgData name="Joseph Wonsil" userId="f7a5a8f17f3cf2df" providerId="LiveId" clId="{D6ABC174-D68B-445B-A75D-5908BB74AC88}" dt="2023-10-16T23:29:24.950" v="686" actId="1076"/>
+          <ac:cxnSpMkLst>
+            <pc:docMk/>
+            <pc:sldMk cId="1645475767" sldId="256"/>
+            <ac:cxnSpMk id="86" creationId="{EC053AFE-E056-79CC-7911-5BD8825293B3}"/>
+          </ac:cxnSpMkLst>
+        </pc:cxnChg>
+        <pc:cxnChg chg="add mod">
+          <ac:chgData name="Joseph Wonsil" userId="f7a5a8f17f3cf2df" providerId="LiveId" clId="{D6ABC174-D68B-445B-A75D-5908BB74AC88}" dt="2023-10-16T23:29:24.950" v="686" actId="1076"/>
+          <ac:cxnSpMkLst>
+            <pc:docMk/>
+            <pc:sldMk cId="1645475767" sldId="256"/>
+            <ac:cxnSpMk id="92" creationId="{E4EFC397-B69B-7C22-91DF-71E352AAA497}"/>
+          </ac:cxnSpMkLst>
+        </pc:cxnChg>
+        <pc:cxnChg chg="add mod">
+          <ac:chgData name="Joseph Wonsil" userId="f7a5a8f17f3cf2df" providerId="LiveId" clId="{D6ABC174-D68B-445B-A75D-5908BB74AC88}" dt="2023-10-16T23:29:24.950" v="686" actId="1076"/>
+          <ac:cxnSpMkLst>
+            <pc:docMk/>
+            <pc:sldMk cId="1645475767" sldId="256"/>
+            <ac:cxnSpMk id="140" creationId="{40F6DD3F-D4FB-8B03-9FE5-B051FC5E4D52}"/>
+          </ac:cxnSpMkLst>
+        </pc:cxnChg>
+        <pc:cxnChg chg="add mod">
+          <ac:chgData name="Joseph Wonsil" userId="f7a5a8f17f3cf2df" providerId="LiveId" clId="{D6ABC174-D68B-445B-A75D-5908BB74AC88}" dt="2023-10-16T23:29:24.950" v="686" actId="1076"/>
+          <ac:cxnSpMkLst>
+            <pc:docMk/>
+            <pc:sldMk cId="1645475767" sldId="256"/>
+            <ac:cxnSpMk id="145" creationId="{0C692CDF-0F7B-0069-67DF-3E6458131FC3}"/>
+          </ac:cxnSpMkLst>
+        </pc:cxnChg>
+      </pc:sldChg>
+    </pc:docChg>
+  </pc:docChgLst>
+  <pc:docChgLst>
+    <pc:chgData name="Joseph Wonsil" userId="f7a5a8f17f3cf2df" providerId="Windows Live" clId="Web-{67CC9483-2BB2-46C6-A5D4-96425EC9E7F9}"/>
+    <pc:docChg chg="modSld">
+      <pc:chgData name="Joseph Wonsil" userId="f7a5a8f17f3cf2df" providerId="Windows Live" clId="Web-{67CC9483-2BB2-46C6-A5D4-96425EC9E7F9}" dt="2023-10-19T22:05:10.094" v="449" actId="14100"/>
+      <pc:docMkLst>
+        <pc:docMk/>
+      </pc:docMkLst>
+      <pc:sldChg chg="addSp delSp modSp">
+        <pc:chgData name="Joseph Wonsil" userId="f7a5a8f17f3cf2df" providerId="Windows Live" clId="Web-{67CC9483-2BB2-46C6-A5D4-96425EC9E7F9}" dt="2023-10-19T22:05:10.094" v="449" actId="14100"/>
+        <pc:sldMkLst>
+          <pc:docMk/>
+          <pc:sldMk cId="1645475767" sldId="256"/>
+        </pc:sldMkLst>
+        <pc:spChg chg="mod">
+          <ac:chgData name="Joseph Wonsil" userId="f7a5a8f17f3cf2df" providerId="Windows Live" clId="Web-{67CC9483-2BB2-46C6-A5D4-96425EC9E7F9}" dt="2023-10-19T21:13:24.953" v="131" actId="14100"/>
+          <ac:spMkLst>
+            <pc:docMk/>
+            <pc:sldMk cId="1645475767" sldId="256"/>
+            <ac:spMk id="5" creationId="{EDD77D8E-AC62-8835-147A-8365BEE24A8B}"/>
+          </ac:spMkLst>
+        </pc:spChg>
+        <pc:spChg chg="add mod">
+          <ac:chgData name="Joseph Wonsil" userId="f7a5a8f17f3cf2df" providerId="Windows Live" clId="Web-{67CC9483-2BB2-46C6-A5D4-96425EC9E7F9}" dt="2023-10-19T21:19:14.727" v="178" actId="1076"/>
+          <ac:spMkLst>
+            <pc:docMk/>
+            <pc:sldMk cId="1645475767" sldId="256"/>
+            <ac:spMk id="6" creationId="{6D972BEC-5A61-2F94-C38C-4E61977231CB}"/>
+          </ac:spMkLst>
+        </pc:spChg>
+        <pc:spChg chg="add mod">
+          <ac:chgData name="Joseph Wonsil" userId="f7a5a8f17f3cf2df" providerId="Windows Live" clId="Web-{67CC9483-2BB2-46C6-A5D4-96425EC9E7F9}" dt="2023-10-19T21:19:55.197" v="188" actId="1076"/>
+          <ac:spMkLst>
+            <pc:docMk/>
+            <pc:sldMk cId="1645475767" sldId="256"/>
+            <ac:spMk id="7" creationId="{3CF6E26B-FEEB-4601-B0B4-0668FEAE71C2}"/>
+          </ac:spMkLst>
+        </pc:spChg>
+        <pc:spChg chg="add mod">
+          <ac:chgData name="Joseph Wonsil" userId="f7a5a8f17f3cf2df" providerId="Windows Live" clId="Web-{67CC9483-2BB2-46C6-A5D4-96425EC9E7F9}" dt="2023-10-19T21:23:13.983" v="232" actId="14100"/>
+          <ac:spMkLst>
+            <pc:docMk/>
+            <pc:sldMk cId="1645475767" sldId="256"/>
+            <ac:spMk id="12" creationId="{742D11DE-D6EC-4DDC-6EA9-99B6CC283928}"/>
+          </ac:spMkLst>
+        </pc:spChg>
+        <pc:spChg chg="del">
+          <ac:chgData name="Joseph Wonsil" userId="f7a5a8f17f3cf2df" providerId="Windows Live" clId="Web-{67CC9483-2BB2-46C6-A5D4-96425EC9E7F9}" dt="2023-10-19T21:00:40.496" v="26"/>
+          <ac:spMkLst>
+            <pc:docMk/>
+            <pc:sldMk cId="1645475767" sldId="256"/>
+            <ac:spMk id="15" creationId="{2082AF95-F57E-7714-98E1-6B18874A37D0}"/>
+          </ac:spMkLst>
+        </pc:spChg>
+        <pc:spChg chg="add mod">
+          <ac:chgData name="Joseph Wonsil" userId="f7a5a8f17f3cf2df" providerId="Windows Live" clId="Web-{67CC9483-2BB2-46C6-A5D4-96425EC9E7F9}" dt="2023-10-19T21:19:44.228" v="185" actId="1076"/>
+          <ac:spMkLst>
+            <pc:docMk/>
+            <pc:sldMk cId="1645475767" sldId="256"/>
+            <ac:spMk id="16" creationId="{46137EE1-F891-3B11-7981-FE3D3B5890DB}"/>
+          </ac:spMkLst>
+        </pc:spChg>
+        <pc:spChg chg="del">
+          <ac:chgData name="Joseph Wonsil" userId="f7a5a8f17f3cf2df" providerId="Windows Live" clId="Web-{67CC9483-2BB2-46C6-A5D4-96425EC9E7F9}" dt="2023-10-19T21:08:35.164" v="68"/>
+          <ac:spMkLst>
+            <pc:docMk/>
+            <pc:sldMk cId="1645475767" sldId="256"/>
+            <ac:spMk id="19" creationId="{CDC98E58-B7BF-FC65-3CF4-7910AC6F1E87}"/>
+          </ac:spMkLst>
+        </pc:spChg>
+        <pc:spChg chg="add mod">
+          <ac:chgData name="Joseph Wonsil" userId="f7a5a8f17f3cf2df" providerId="Windows Live" clId="Web-{67CC9483-2BB2-46C6-A5D4-96425EC9E7F9}" dt="2023-10-19T21:16:35.895" v="161" actId="1076"/>
+          <ac:spMkLst>
+            <pc:docMk/>
+            <pc:sldMk cId="1645475767" sldId="256"/>
+            <ac:spMk id="20" creationId="{4F8396E9-5F17-3CA5-D506-A70C1E952C57}"/>
+          </ac:spMkLst>
+        </pc:spChg>
+        <pc:spChg chg="add mod">
+          <ac:chgData name="Joseph Wonsil" userId="f7a5a8f17f3cf2df" providerId="Windows Live" clId="Web-{67CC9483-2BB2-46C6-A5D4-96425EC9E7F9}" dt="2023-10-19T21:17:00.694" v="170" actId="20577"/>
+          <ac:spMkLst>
+            <pc:docMk/>
+            <pc:sldMk cId="1645475767" sldId="256"/>
+            <ac:spMk id="22" creationId="{BB99D1F9-103B-7DA7-5E75-D2AEEE525B6C}"/>
+          </ac:spMkLst>
+        </pc:spChg>
+        <pc:spChg chg="del">
+          <ac:chgData name="Joseph Wonsil" userId="f7a5a8f17f3cf2df" providerId="Windows Live" clId="Web-{67CC9483-2BB2-46C6-A5D4-96425EC9E7F9}" dt="2023-10-19T21:01:21.028" v="43"/>
+          <ac:spMkLst>
+            <pc:docMk/>
+            <pc:sldMk cId="1645475767" sldId="256"/>
+            <ac:spMk id="25" creationId="{E1A7F699-7971-B2D7-583B-A3C58DD464BF}"/>
+          </ac:spMkLst>
+        </pc:spChg>
+        <pc:spChg chg="del">
+          <ac:chgData name="Joseph Wonsil" userId="f7a5a8f17f3cf2df" providerId="Windows Live" clId="Web-{67CC9483-2BB2-46C6-A5D4-96425EC9E7F9}" dt="2023-10-19T21:00:43.402" v="27"/>
+          <ac:spMkLst>
+            <pc:docMk/>
+            <pc:sldMk cId="1645475767" sldId="256"/>
+            <ac:spMk id="26" creationId="{1A397F50-31BF-2C16-56A3-490E4FF86B15}"/>
+          </ac:spMkLst>
+        </pc:spChg>
+        <pc:spChg chg="add mod">
+          <ac:chgData name="Joseph Wonsil" userId="f7a5a8f17f3cf2df" providerId="Windows Live" clId="Web-{67CC9483-2BB2-46C6-A5D4-96425EC9E7F9}" dt="2023-10-19T21:17:42.803" v="177" actId="1076"/>
+          <ac:spMkLst>
+            <pc:docMk/>
+            <pc:sldMk cId="1645475767" sldId="256"/>
+            <ac:spMk id="27" creationId="{17EE57D0-E42E-7D35-85E5-643C04CF2D37}"/>
+          </ac:spMkLst>
+        </pc:spChg>
+        <pc:spChg chg="mod">
+          <ac:chgData name="Joseph Wonsil" userId="f7a5a8f17f3cf2df" providerId="Windows Live" clId="Web-{67CC9483-2BB2-46C6-A5D4-96425EC9E7F9}" dt="2023-10-19T21:28:42.086" v="253" actId="20577"/>
+          <ac:spMkLst>
+            <pc:docMk/>
+            <pc:sldMk cId="1645475767" sldId="256"/>
+            <ac:spMk id="28" creationId="{60C86E43-A887-CEA7-E6E6-67B122EE91E1}"/>
+          </ac:spMkLst>
+        </pc:spChg>
+        <pc:spChg chg="add mod">
+          <ac:chgData name="Joseph Wonsil" userId="f7a5a8f17f3cf2df" providerId="Windows Live" clId="Web-{67CC9483-2BB2-46C6-A5D4-96425EC9E7F9}" dt="2023-10-19T21:20:08.275" v="194" actId="14100"/>
+          <ac:spMkLst>
+            <pc:docMk/>
+            <pc:sldMk cId="1645475767" sldId="256"/>
+            <ac:spMk id="29" creationId="{DDCE7481-5EE9-4AAC-F01E-59B4F23F8A48}"/>
+          </ac:spMkLst>
+        </pc:spChg>
+        <pc:spChg chg="add mod">
+          <ac:chgData name="Joseph Wonsil" userId="f7a5a8f17f3cf2df" providerId="Windows Live" clId="Web-{67CC9483-2BB2-46C6-A5D4-96425EC9E7F9}" dt="2023-10-19T21:20:27.682" v="198" actId="1076"/>
+          <ac:spMkLst>
+            <pc:docMk/>
+            <pc:sldMk cId="1645475767" sldId="256"/>
+            <ac:spMk id="32" creationId="{1F751169-D1D7-6ACB-E1DD-3F84F38FDAE1}"/>
+          </ac:spMkLst>
+        </pc:spChg>
+        <pc:spChg chg="del">
+          <ac:chgData name="Joseph Wonsil" userId="f7a5a8f17f3cf2df" providerId="Windows Live" clId="Web-{67CC9483-2BB2-46C6-A5D4-96425EC9E7F9}" dt="2023-10-19T21:43:10.154" v="351"/>
+          <ac:spMkLst>
+            <pc:docMk/>
+            <pc:sldMk cId="1645475767" sldId="256"/>
+            <ac:spMk id="33" creationId="{B616FDAC-239F-3BA5-52A9-57EC0735B18A}"/>
+          </ac:spMkLst>
+        </pc:spChg>
+        <pc:spChg chg="del">
+          <ac:chgData name="Joseph Wonsil" userId="f7a5a8f17f3cf2df" providerId="Windows Live" clId="Web-{67CC9483-2BB2-46C6-A5D4-96425EC9E7F9}" dt="2023-10-19T21:00:46.980" v="28"/>
+          <ac:spMkLst>
+            <pc:docMk/>
+            <pc:sldMk cId="1645475767" sldId="256"/>
+            <ac:spMk id="35" creationId="{79DFB4C1-7173-2B01-1064-8D6762B11BF5}"/>
+          </ac:spMkLst>
+        </pc:spChg>
+        <pc:spChg chg="add mod">
+          <ac:chgData name="Joseph Wonsil" userId="f7a5a8f17f3cf2df" providerId="Windows Live" clId="Web-{67CC9483-2BB2-46C6-A5D4-96425EC9E7F9}" dt="2023-10-19T21:22:03.700" v="220" actId="1076"/>
+          <ac:spMkLst>
+            <pc:docMk/>
+            <pc:sldMk cId="1645475767" sldId="256"/>
+            <ac:spMk id="36" creationId="{1AD8F266-0FA1-57BB-BBF1-373EB70655FF}"/>
+          </ac:spMkLst>
+        </pc:spChg>
+        <pc:spChg chg="add mod">
+          <ac:chgData name="Joseph Wonsil" userId="f7a5a8f17f3cf2df" providerId="Windows Live" clId="Web-{67CC9483-2BB2-46C6-A5D4-96425EC9E7F9}" dt="2023-10-19T21:21:41.872" v="213" actId="20577"/>
+          <ac:spMkLst>
+            <pc:docMk/>
+            <pc:sldMk cId="1645475767" sldId="256"/>
+            <ac:spMk id="38" creationId="{64EC060F-7690-D1F0-475C-C44712347ABA}"/>
+          </ac:spMkLst>
+        </pc:spChg>
+        <pc:spChg chg="del">
+          <ac:chgData name="Joseph Wonsil" userId="f7a5a8f17f3cf2df" providerId="Windows Live" clId="Web-{67CC9483-2BB2-46C6-A5D4-96425EC9E7F9}" dt="2023-10-19T21:00:49.168" v="29"/>
+          <ac:spMkLst>
+            <pc:docMk/>
+            <pc:sldMk cId="1645475767" sldId="256"/>
+            <ac:spMk id="39" creationId="{6DC816CB-8782-D01C-BC59-A0FB21EA3108}"/>
+          </ac:spMkLst>
+        </pc:spChg>
+        <pc:spChg chg="add mod">
+          <ac:chgData name="Joseph Wonsil" userId="f7a5a8f17f3cf2df" providerId="Windows Live" clId="Web-{67CC9483-2BB2-46C6-A5D4-96425EC9E7F9}" dt="2023-10-19T21:22:28.373" v="224" actId="1076"/>
+          <ac:spMkLst>
+            <pc:docMk/>
+            <pc:sldMk cId="1645475767" sldId="256"/>
+            <ac:spMk id="41" creationId="{6512B431-D175-FDE9-35DB-A1E6D7443B6C}"/>
+          </ac:spMkLst>
+        </pc:spChg>
+        <pc:spChg chg="del">
+          <ac:chgData name="Joseph Wonsil" userId="f7a5a8f17f3cf2df" providerId="Windows Live" clId="Web-{67CC9483-2BB2-46C6-A5D4-96425EC9E7F9}" dt="2023-10-19T21:43:06.842" v="342"/>
+          <ac:spMkLst>
+            <pc:docMk/>
+            <pc:sldMk cId="1645475767" sldId="256"/>
+            <ac:spMk id="43" creationId="{B0ECA40D-A1F1-0CE3-96F9-10D673EB3C97}"/>
+          </ac:spMkLst>
+        </pc:spChg>
+        <pc:spChg chg="add mod">
+          <ac:chgData name="Joseph Wonsil" userId="f7a5a8f17f3cf2df" providerId="Windows Live" clId="Web-{67CC9483-2BB2-46C6-A5D4-96425EC9E7F9}" dt="2023-10-19T21:23:04.639" v="229" actId="1076"/>
+          <ac:spMkLst>
+            <pc:docMk/>
+            <pc:sldMk cId="1645475767" sldId="256"/>
+            <ac:spMk id="44" creationId="{3E091A8C-6111-8A6C-33D3-20BA0A45EFC5}"/>
+          </ac:spMkLst>
+        </pc:spChg>
+        <pc:spChg chg="add mod">
+          <ac:chgData name="Joseph Wonsil" userId="f7a5a8f17f3cf2df" providerId="Windows Live" clId="Web-{67CC9483-2BB2-46C6-A5D4-96425EC9E7F9}" dt="2023-10-19T21:29:13.071" v="259" actId="1076"/>
+          <ac:spMkLst>
+            <pc:docMk/>
+            <pc:sldMk cId="1645475767" sldId="256"/>
+            <ac:spMk id="47" creationId="{B4B4D622-8CCD-1F1B-BDA4-6558D489801B}"/>
+          </ac:spMkLst>
+        </pc:spChg>
+        <pc:spChg chg="del">
+          <ac:chgData name="Joseph Wonsil" userId="f7a5a8f17f3cf2df" providerId="Windows Live" clId="Web-{67CC9483-2BB2-46C6-A5D4-96425EC9E7F9}" dt="2023-10-19T21:08:46.946" v="71"/>
+          <ac:spMkLst>
+            <pc:docMk/>
+            <pc:sldMk cId="1645475767" sldId="256"/>
+            <ac:spMk id="49" creationId="{842C1335-EDA0-BED9-1A06-5454B66B2CE0}"/>
+          </ac:spMkLst>
+        </pc:spChg>
+        <pc:spChg chg="add mod">
+          <ac:chgData name="Joseph Wonsil" userId="f7a5a8f17f3cf2df" providerId="Windows Live" clId="Web-{67CC9483-2BB2-46C6-A5D4-96425EC9E7F9}" dt="2023-10-19T21:29:54.634" v="271" actId="14100"/>
+          <ac:spMkLst>
+            <pc:docMk/>
+            <pc:sldMk cId="1645475767" sldId="256"/>
+            <ac:spMk id="51" creationId="{CBFC71D5-6A2B-3C91-3440-F7A68E13714E}"/>
+          </ac:spMkLst>
+        </pc:spChg>
+        <pc:spChg chg="del">
+          <ac:chgData name="Joseph Wonsil" userId="f7a5a8f17f3cf2df" providerId="Windows Live" clId="Web-{67CC9483-2BB2-46C6-A5D4-96425EC9E7F9}" dt="2023-10-19T21:08:24.023" v="66"/>
+          <ac:spMkLst>
+            <pc:docMk/>
+            <pc:sldMk cId="1645475767" sldId="256"/>
+            <ac:spMk id="52" creationId="{7317D925-AE7B-290C-67A6-493750A3352F}"/>
+          </ac:spMkLst>
+        </pc:spChg>
+        <pc:spChg chg="add mod">
+          <ac:chgData name="Joseph Wonsil" userId="f7a5a8f17f3cf2df" providerId="Windows Live" clId="Web-{67CC9483-2BB2-46C6-A5D4-96425EC9E7F9}" dt="2023-10-19T21:30:12.119" v="275" actId="1076"/>
+          <ac:spMkLst>
+            <pc:docMk/>
+            <pc:sldMk cId="1645475767" sldId="256"/>
+            <ac:spMk id="54" creationId="{BF118E14-6AAF-BDF9-ED62-6E905F777BE0}"/>
+          </ac:spMkLst>
+        </pc:spChg>
+        <pc:spChg chg="del">
+          <ac:chgData name="Joseph Wonsil" userId="f7a5a8f17f3cf2df" providerId="Windows Live" clId="Web-{67CC9483-2BB2-46C6-A5D4-96425EC9E7F9}" dt="2023-10-19T21:08:28.914" v="67"/>
+          <ac:spMkLst>
+            <pc:docMk/>
+            <pc:sldMk cId="1645475767" sldId="256"/>
+            <ac:spMk id="55" creationId="{A5E815BE-843F-B791-FF94-453526BE2EF2}"/>
+          </ac:spMkLst>
+        </pc:spChg>
+        <pc:spChg chg="add mod">
+          <ac:chgData name="Joseph Wonsil" userId="f7a5a8f17f3cf2df" providerId="Windows Live" clId="Web-{67CC9483-2BB2-46C6-A5D4-96425EC9E7F9}" dt="2023-10-19T21:30:37.776" v="285" actId="14100"/>
+          <ac:spMkLst>
+            <pc:docMk/>
+            <pc:sldMk cId="1645475767" sldId="256"/>
+            <ac:spMk id="58" creationId="{50825225-2F2D-5D3D-D0C6-ED0D185F1FC7}"/>
+          </ac:spMkLst>
+        </pc:spChg>
+        <pc:spChg chg="add mod">
+          <ac:chgData name="Joseph Wonsil" userId="f7a5a8f17f3cf2df" providerId="Windows Live" clId="Web-{67CC9483-2BB2-46C6-A5D4-96425EC9E7F9}" dt="2023-10-19T21:31:32.543" v="303" actId="1076"/>
+          <ac:spMkLst>
+            <pc:docMk/>
+            <pc:sldMk cId="1645475767" sldId="256"/>
+            <ac:spMk id="59" creationId="{7EC8E4B0-67B8-283D-2FEC-B11F5B9D721C}"/>
+          </ac:spMkLst>
+        </pc:spChg>
+        <pc:spChg chg="del">
+          <ac:chgData name="Joseph Wonsil" userId="f7a5a8f17f3cf2df" providerId="Windows Live" clId="Web-{67CC9483-2BB2-46C6-A5D4-96425EC9E7F9}" dt="2023-10-19T21:43:12.670" v="353"/>
+          <ac:spMkLst>
+            <pc:docMk/>
+            <pc:sldMk cId="1645475767" sldId="256"/>
+            <ac:spMk id="60" creationId="{35FA7E34-1A13-B6DF-79C2-60F41A23F37B}"/>
+          </ac:spMkLst>
+        </pc:spChg>
+        <pc:spChg chg="del">
+          <ac:chgData name="Joseph Wonsil" userId="f7a5a8f17f3cf2df" providerId="Windows Live" clId="Web-{67CC9483-2BB2-46C6-A5D4-96425EC9E7F9}" dt="2023-10-19T21:00:50.824" v="30"/>
+          <ac:spMkLst>
+            <pc:docMk/>
+            <pc:sldMk cId="1645475767" sldId="256"/>
+            <ac:spMk id="63" creationId="{07A62DDE-C94D-4783-4BFD-408E0B156DED}"/>
+          </ac:spMkLst>
+        </pc:spChg>
+        <pc:spChg chg="add mod">
+          <ac:chgData name="Joseph Wonsil" userId="f7a5a8f17f3cf2df" providerId="Windows Live" clId="Web-{67CC9483-2BB2-46C6-A5D4-96425EC9E7F9}" dt="2023-10-19T21:31:46.434" v="310" actId="1076"/>
+          <ac:spMkLst>
+            <pc:docMk/>
+            <pc:sldMk cId="1645475767" sldId="256"/>
+            <ac:spMk id="64" creationId="{00AF63C8-E610-166A-EB8D-9A5E75D0C542}"/>
+          </ac:spMkLst>
+        </pc:spChg>
+        <pc:spChg chg="add mod">
+          <ac:chgData name="Joseph Wonsil" userId="f7a5a8f17f3cf2df" providerId="Windows Live" clId="Web-{67CC9483-2BB2-46C6-A5D4-96425EC9E7F9}" dt="2023-10-19T21:31:57.200" v="312" actId="20577"/>
+          <ac:spMkLst>
+            <pc:docMk/>
+            <pc:sldMk cId="1645475767" sldId="256"/>
+            <ac:spMk id="65" creationId="{F5A0FF69-C258-EB4C-AD36-26FCB9C84FFB}"/>
+          </ac:spMkLst>
+        </pc:spChg>
+        <pc:spChg chg="add mod">
+          <ac:chgData name="Joseph Wonsil" userId="f7a5a8f17f3cf2df" providerId="Windows Live" clId="Web-{67CC9483-2BB2-46C6-A5D4-96425EC9E7F9}" dt="2023-10-19T21:31:52.622" v="311" actId="20577"/>
+          <ac:spMkLst>
+            <pc:docMk/>
+            <pc:sldMk cId="1645475767" sldId="256"/>
+            <ac:spMk id="67" creationId="{D1DA118C-BB7F-C467-916F-B8CA62C1A73E}"/>
+          </ac:spMkLst>
+        </pc:spChg>
+        <pc:spChg chg="add mod">
+          <ac:chgData name="Joseph Wonsil" userId="f7a5a8f17f3cf2df" providerId="Windows Live" clId="Web-{67CC9483-2BB2-46C6-A5D4-96425EC9E7F9}" dt="2023-10-19T21:32:02.075" v="316" actId="1076"/>
+          <ac:spMkLst>
+            <pc:docMk/>
+            <pc:sldMk cId="1645475767" sldId="256"/>
+            <ac:spMk id="68" creationId="{34FACE16-5128-07C9-FA02-6F8B229E2E29}"/>
+          </ac:spMkLst>
+        </pc:spChg>
+        <pc:spChg chg="del">
+          <ac:chgData name="Joseph Wonsil" userId="f7a5a8f17f3cf2df" providerId="Windows Live" clId="Web-{67CC9483-2BB2-46C6-A5D4-96425EC9E7F9}" dt="2023-10-19T21:43:10.154" v="350"/>
+          <ac:spMkLst>
+            <pc:docMk/>
+            <pc:sldMk cId="1645475767" sldId="256"/>
+            <ac:spMk id="71" creationId="{2A34F01A-7639-BB9B-04EC-3D4D626FAB55}"/>
+          </ac:spMkLst>
+        </pc:spChg>
+        <pc:spChg chg="add mod">
+          <ac:chgData name="Joseph Wonsil" userId="f7a5a8f17f3cf2df" providerId="Windows Live" clId="Web-{67CC9483-2BB2-46C6-A5D4-96425EC9E7F9}" dt="2023-10-19T21:32:02.372" v="318" actId="1076"/>
+          <ac:spMkLst>
+            <pc:docMk/>
+            <pc:sldMk cId="1645475767" sldId="256"/>
+            <ac:spMk id="72" creationId="{DF26985C-D81A-5506-F6AE-ADF0F3049273}"/>
+          </ac:spMkLst>
+        </pc:spChg>
+        <pc:spChg chg="del">
+          <ac:chgData name="Joseph Wonsil" userId="f7a5a8f17f3cf2df" providerId="Windows Live" clId="Web-{67CC9483-2BB2-46C6-A5D4-96425EC9E7F9}" dt="2023-10-19T21:43:09.108" v="343"/>
+          <ac:spMkLst>
+            <pc:docMk/>
+            <pc:sldMk cId="1645475767" sldId="256"/>
+            <ac:spMk id="74" creationId="{52E3ADAE-159A-D64F-DF75-180DC743C4CA}"/>
+          </ac:spMkLst>
+        </pc:spChg>
+        <pc:spChg chg="add mod">
+          <ac:chgData name="Joseph Wonsil" userId="f7a5a8f17f3cf2df" providerId="Windows Live" clId="Web-{67CC9483-2BB2-46C6-A5D4-96425EC9E7F9}" dt="2023-10-19T21:32:15.966" v="322" actId="1076"/>
+          <ac:spMkLst>
+            <pc:docMk/>
+            <pc:sldMk cId="1645475767" sldId="256"/>
+            <ac:spMk id="76" creationId="{FC00C707-CFE2-E5BF-816E-D0477738EF99}"/>
+          </ac:spMkLst>
+        </pc:spChg>
+        <pc:spChg chg="add mod">
+          <ac:chgData name="Joseph Wonsil" userId="f7a5a8f17f3cf2df" providerId="Windows Live" clId="Web-{67CC9483-2BB2-46C6-A5D4-96425EC9E7F9}" dt="2023-10-19T21:32:39.716" v="328" actId="20577"/>
+          <ac:spMkLst>
+            <pc:docMk/>
+            <pc:sldMk cId="1645475767" sldId="256"/>
+            <ac:spMk id="79" creationId="{81AD025B-262E-A140-642B-7B5119375D75}"/>
+          </ac:spMkLst>
+        </pc:spChg>
+        <pc:spChg chg="add mod">
+          <ac:chgData name="Joseph Wonsil" userId="f7a5a8f17f3cf2df" providerId="Windows Live" clId="Web-{67CC9483-2BB2-46C6-A5D4-96425EC9E7F9}" dt="2023-10-19T21:32:49.029" v="332" actId="1076"/>
+          <ac:spMkLst>
+            <pc:docMk/>
+            <pc:sldMk cId="1645475767" sldId="256"/>
+            <ac:spMk id="80" creationId="{B742AF54-6F12-7646-02ED-763846068273}"/>
+          </ac:spMkLst>
+        </pc:spChg>
+        <pc:spChg chg="add mod">
+          <ac:chgData name="Joseph Wonsil" userId="f7a5a8f17f3cf2df" providerId="Windows Live" clId="Web-{67CC9483-2BB2-46C6-A5D4-96425EC9E7F9}" dt="2023-10-19T21:32:49.310" v="334" actId="1076"/>
+          <ac:spMkLst>
+            <pc:docMk/>
+            <pc:sldMk cId="1645475767" sldId="256"/>
+            <ac:spMk id="82" creationId="{BC8D52AF-865C-6AF4-DCE1-6341AA824C2C}"/>
+          </ac:spMkLst>
+        </pc:spChg>
+        <pc:spChg chg="add mod">
+          <ac:chgData name="Joseph Wonsil" userId="f7a5a8f17f3cf2df" providerId="Windows Live" clId="Web-{67CC9483-2BB2-46C6-A5D4-96425EC9E7F9}" dt="2023-10-19T22:05:10.094" v="449" actId="14100"/>
+          <ac:spMkLst>
+            <pc:docMk/>
+            <pc:sldMk cId="1645475767" sldId="256"/>
+            <ac:spMk id="83" creationId="{49EF8866-7E22-6BCA-3E76-56F58BDA0C16}"/>
+          </ac:spMkLst>
+        </pc:spChg>
+        <pc:spChg chg="del">
+          <ac:chgData name="Joseph Wonsil" userId="f7a5a8f17f3cf2df" providerId="Windows Live" clId="Web-{67CC9483-2BB2-46C6-A5D4-96425EC9E7F9}" dt="2023-10-19T21:00:54.183" v="31"/>
+          <ac:spMkLst>
+            <pc:docMk/>
+            <pc:sldMk cId="1645475767" sldId="256"/>
+            <ac:spMk id="84" creationId="{D34F5F8D-B16A-EDE4-A61F-9D0E7E4C7BBC}"/>
+          </ac:spMkLst>
+        </pc:spChg>
+        <pc:spChg chg="add del mod">
+          <ac:chgData name="Joseph Wonsil" userId="f7a5a8f17f3cf2df" providerId="Windows Live" clId="Web-{67CC9483-2BB2-46C6-A5D4-96425EC9E7F9}" dt="2023-10-19T21:44:15.844" v="376"/>
+          <ac:spMkLst>
+            <pc:docMk/>
+            <pc:sldMk cId="1645475767" sldId="256"/>
+            <ac:spMk id="88" creationId="{BD641FD8-3F5F-8BB3-A014-87CDEE07D569}"/>
+          </ac:spMkLst>
+        </pc:spChg>
+        <pc:spChg chg="mod">
+          <ac:chgData name="Joseph Wonsil" userId="f7a5a8f17f3cf2df" providerId="Windows Live" clId="Web-{67CC9483-2BB2-46C6-A5D4-96425EC9E7F9}" dt="2023-10-19T21:28:08.272" v="247" actId="20577"/>
+          <ac:spMkLst>
+            <pc:docMk/>
+            <pc:sldMk cId="1645475767" sldId="256"/>
+            <ac:spMk id="90" creationId="{8A8D6037-92ED-5E61-EE2A-60DD15DDB033}"/>
+          </ac:spMkLst>
+        </pc:spChg>
+        <pc:spChg chg="add del mod">
+          <ac:chgData name="Joseph Wonsil" userId="f7a5a8f17f3cf2df" providerId="Windows Live" clId="Web-{67CC9483-2BB2-46C6-A5D4-96425EC9E7F9}" dt="2023-10-19T21:44:15.844" v="374"/>
+          <ac:spMkLst>
+            <pc:docMk/>
+            <pc:sldMk cId="1645475767" sldId="256"/>
+            <ac:spMk id="91" creationId="{B98D61BF-48FE-DAA3-7DC0-C4FC4F3CB9C7}"/>
+          </ac:spMkLst>
+        </pc:spChg>
+        <pc:spChg chg="add mod">
+          <ac:chgData name="Joseph Wonsil" userId="f7a5a8f17f3cf2df" providerId="Windows Live" clId="Web-{67CC9483-2BB2-46C6-A5D4-96425EC9E7F9}" dt="2023-10-19T21:44:27.719" v="382" actId="1076"/>
+          <ac:spMkLst>
+            <pc:docMk/>
+            <pc:sldMk cId="1645475767" sldId="256"/>
+            <ac:spMk id="94" creationId="{A7D7ABA3-C831-B007-E132-54190CE7F84F}"/>
+          </ac:spMkLst>
+        </pc:spChg>
+        <pc:spChg chg="add mod">
+          <ac:chgData name="Joseph Wonsil" userId="f7a5a8f17f3cf2df" providerId="Windows Live" clId="Web-{67CC9483-2BB2-46C6-A5D4-96425EC9E7F9}" dt="2023-10-19T21:44:27.969" v="384" actId="1076"/>
+          <ac:spMkLst>
+            <pc:docMk/>
+            <pc:sldMk cId="1645475767" sldId="256"/>
+            <ac:spMk id="96" creationId="{ACF845C9-F512-1D84-4A26-6760DFEC5447}"/>
+          </ac:spMkLst>
+        </pc:spChg>
+        <pc:spChg chg="add mod">
+          <ac:chgData name="Joseph Wonsil" userId="f7a5a8f17f3cf2df" providerId="Windows Live" clId="Web-{67CC9483-2BB2-46C6-A5D4-96425EC9E7F9}" dt="2023-10-19T21:45:14.705" v="391" actId="1076"/>
+          <ac:spMkLst>
+            <pc:docMk/>
+            <pc:sldMk cId="1645475767" sldId="256"/>
+            <ac:spMk id="99" creationId="{0A816FDE-FAC6-B8C0-AA92-FC9141B83590}"/>
+          </ac:spMkLst>
+        </pc:spChg>
+        <pc:spChg chg="del">
+          <ac:chgData name="Joseph Wonsil" userId="f7a5a8f17f3cf2df" providerId="Windows Live" clId="Web-{67CC9483-2BB2-46C6-A5D4-96425EC9E7F9}" dt="2023-10-19T21:01:07.215" v="42"/>
+          <ac:spMkLst>
+            <pc:docMk/>
+            <pc:sldMk cId="1645475767" sldId="256"/>
+            <ac:spMk id="100" creationId="{E92B3433-66A4-7341-0A10-1B6541AA2707}"/>
+          </ac:spMkLst>
+        </pc:spChg>
+        <pc:spChg chg="del">
+          <ac:chgData name="Joseph Wonsil" userId="f7a5a8f17f3cf2df" providerId="Windows Live" clId="Web-{67CC9483-2BB2-46C6-A5D4-96425EC9E7F9}" dt="2023-10-19T21:01:05.965" v="40"/>
+          <ac:spMkLst>
+            <pc:docMk/>
+            <pc:sldMk cId="1645475767" sldId="256"/>
+            <ac:spMk id="101" creationId="{1DE6908C-CB8C-CAF2-6CD7-D732B0AB1E33}"/>
+          </ac:spMkLst>
+        </pc:spChg>
+        <pc:spChg chg="del">
+          <ac:chgData name="Joseph Wonsil" userId="f7a5a8f17f3cf2df" providerId="Windows Live" clId="Web-{67CC9483-2BB2-46C6-A5D4-96425EC9E7F9}" dt="2023-10-19T21:01:04.559" v="38"/>
+          <ac:spMkLst>
+            <pc:docMk/>
+            <pc:sldMk cId="1645475767" sldId="256"/>
+            <ac:spMk id="102" creationId="{BAB78B8E-574B-3156-CD83-4D165FEDCC4F}"/>
+          </ac:spMkLst>
+        </pc:spChg>
+        <pc:spChg chg="del">
+          <ac:chgData name="Joseph Wonsil" userId="f7a5a8f17f3cf2df" providerId="Windows Live" clId="Web-{67CC9483-2BB2-46C6-A5D4-96425EC9E7F9}" dt="2023-10-19T21:01:03.215" v="36"/>
+          <ac:spMkLst>
+            <pc:docMk/>
+            <pc:sldMk cId="1645475767" sldId="256"/>
+            <ac:spMk id="103" creationId="{0C69731E-2E67-A043-504E-23C966E68671}"/>
+          </ac:spMkLst>
+        </pc:spChg>
+        <pc:spChg chg="del">
+          <ac:chgData name="Joseph Wonsil" userId="f7a5a8f17f3cf2df" providerId="Windows Live" clId="Web-{67CC9483-2BB2-46C6-A5D4-96425EC9E7F9}" dt="2023-10-19T21:01:01.981" v="34"/>
+          <ac:spMkLst>
+            <pc:docMk/>
+            <pc:sldMk cId="1645475767" sldId="256"/>
+            <ac:spMk id="105" creationId="{2ACDEB4D-3118-62F1-B8A8-ADB24DBACF82}"/>
+          </ac:spMkLst>
+        </pc:spChg>
+        <pc:spChg chg="del">
+          <ac:chgData name="Joseph Wonsil" userId="f7a5a8f17f3cf2df" providerId="Windows Live" clId="Web-{67CC9483-2BB2-46C6-A5D4-96425EC9E7F9}" dt="2023-10-19T21:27:29.005" v="239"/>
+          <ac:spMkLst>
+            <pc:docMk/>
+            <pc:sldMk cId="1645475767" sldId="256"/>
+            <ac:spMk id="106" creationId="{4B49D07C-8A79-6007-E41D-E45A4FC9D8C6}"/>
+          </ac:spMkLst>
+        </pc:spChg>
+        <pc:spChg chg="add mod">
+          <ac:chgData name="Joseph Wonsil" userId="f7a5a8f17f3cf2df" providerId="Windows Live" clId="Web-{67CC9483-2BB2-46C6-A5D4-96425EC9E7F9}" dt="2023-10-19T21:47:36.005" v="413" actId="1076"/>
+          <ac:spMkLst>
+            <pc:docMk/>
+            <pc:sldMk cId="1645475767" sldId="256"/>
+            <ac:spMk id="110" creationId="{9B0EFE21-04EF-0A27-A373-5D737250BADB}"/>
+          </ac:spMkLst>
+        </pc:spChg>
+        <pc:spChg chg="add mod">
+          <ac:chgData name="Joseph Wonsil" userId="f7a5a8f17f3cf2df" providerId="Windows Live" clId="Web-{67CC9483-2BB2-46C6-A5D4-96425EC9E7F9}" dt="2023-10-19T21:47:47.255" v="419" actId="1076"/>
+          <ac:spMkLst>
+            <pc:docMk/>
+            <pc:sldMk cId="1645475767" sldId="256"/>
+            <ac:spMk id="111" creationId="{A6BC6F61-BFF1-89D1-F4C9-3FD0273AA64C}"/>
+          </ac:spMkLst>
+        </pc:spChg>
+        <pc:spChg chg="add mod">
+          <ac:chgData name="Joseph Wonsil" userId="f7a5a8f17f3cf2df" providerId="Windows Live" clId="Web-{67CC9483-2BB2-46C6-A5D4-96425EC9E7F9}" dt="2023-10-19T21:47:53.349" v="422" actId="20577"/>
+          <ac:spMkLst>
+            <pc:docMk/>
+            <pc:sldMk cId="1645475767" sldId="256"/>
+            <ac:spMk id="112" creationId="{F7D9D98D-C43A-4076-4146-3C2D8E5E6FBD}"/>
+          </ac:spMkLst>
+        </pc:spChg>
+        <pc:spChg chg="add mod">
+          <ac:chgData name="Joseph Wonsil" userId="f7a5a8f17f3cf2df" providerId="Windows Live" clId="Web-{67CC9483-2BB2-46C6-A5D4-96425EC9E7F9}" dt="2023-10-19T21:48:20.834" v="426" actId="20577"/>
+          <ac:spMkLst>
+            <pc:docMk/>
+            <pc:sldMk cId="1645475767" sldId="256"/>
+            <ac:spMk id="113" creationId="{98509700-1543-63AE-3D92-B942ABC99B4B}"/>
+          </ac:spMkLst>
+        </pc:spChg>
+        <pc:spChg chg="add mod">
+          <ac:chgData name="Joseph Wonsil" userId="f7a5a8f17f3cf2df" providerId="Windows Live" clId="Web-{67CC9483-2BB2-46C6-A5D4-96425EC9E7F9}" dt="2023-10-19T21:49:25.508" v="440" actId="1076"/>
+          <ac:spMkLst>
+            <pc:docMk/>
+            <pc:sldMk cId="1645475767" sldId="256"/>
+            <ac:spMk id="115" creationId="{8F5D90A4-184A-2FEB-BC5B-1282DD0F3025}"/>
+          </ac:spMkLst>
+        </pc:spChg>
+        <pc:spChg chg="add mod">
+          <ac:chgData name="Joseph Wonsil" userId="f7a5a8f17f3cf2df" providerId="Windows Live" clId="Web-{67CC9483-2BB2-46C6-A5D4-96425EC9E7F9}" dt="2023-10-19T21:50:04.040" v="448" actId="20577"/>
+          <ac:spMkLst>
+            <pc:docMk/>
+            <pc:sldMk cId="1645475767" sldId="256"/>
+            <ac:spMk id="117" creationId="{0F7BF592-580F-E24B-944A-40A3FACEDE32}"/>
+          </ac:spMkLst>
+        </pc:spChg>
+        <pc:spChg chg="del">
+          <ac:chgData name="Joseph Wonsil" userId="f7a5a8f17f3cf2df" providerId="Windows Live" clId="Web-{67CC9483-2BB2-46C6-A5D4-96425EC9E7F9}" dt="2023-10-19T21:43:12.670" v="352"/>
+          <ac:spMkLst>
+            <pc:docMk/>
+            <pc:sldMk cId="1645475767" sldId="256"/>
+            <ac:spMk id="139" creationId="{802C46F5-7BD6-F450-D2B4-347C92B57CFE}"/>
+          </ac:spMkLst>
+        </pc:spChg>
+        <pc:spChg chg="mod">
+          <ac:chgData name="Joseph Wonsil" userId="f7a5a8f17f3cf2df" providerId="Windows Live" clId="Web-{67CC9483-2BB2-46C6-A5D4-96425EC9E7F9}" dt="2023-10-19T21:45:22.252" v="392" actId="1076"/>
+          <ac:spMkLst>
+            <pc:docMk/>
+            <pc:sldMk cId="1645475767" sldId="256"/>
+            <ac:spMk id="144" creationId="{3BA36D46-2F89-D8A4-A60C-17E29D68CFA5}"/>
+          </ac:spMkLst>
+        </pc:spChg>
+        <pc:spChg chg="del mod">
+          <ac:chgData name="Joseph Wonsil" userId="f7a5a8f17f3cf2df" providerId="Windows Live" clId="Web-{67CC9483-2BB2-46C6-A5D4-96425EC9E7F9}" dt="2023-10-19T21:43:05.514" v="340"/>
+          <ac:spMkLst>
+            <pc:docMk/>
+            <pc:sldMk cId="1645475767" sldId="256"/>
+            <ac:spMk id="157" creationId="{2EC089FA-274C-2CBC-86EB-EAA86F31FDEF}"/>
+          </ac:spMkLst>
+        </pc:spChg>
+        <pc:spChg chg="del">
+          <ac:chgData name="Joseph Wonsil" userId="f7a5a8f17f3cf2df" providerId="Windows Live" clId="Web-{67CC9483-2BB2-46C6-A5D4-96425EC9E7F9}" dt="2023-10-19T21:13:08.124" v="128"/>
+          <ac:spMkLst>
+            <pc:docMk/>
+            <pc:sldMk cId="1645475767" sldId="256"/>
+            <ac:spMk id="159" creationId="{FAA5B709-EF66-0E55-121C-2E5288DA869C}"/>
+          </ac:spMkLst>
+        </pc:spChg>
+        <pc:spChg chg="del">
+          <ac:chgData name="Joseph Wonsil" userId="f7a5a8f17f3cf2df" providerId="Windows Live" clId="Web-{67CC9483-2BB2-46C6-A5D4-96425EC9E7F9}" dt="2023-10-19T21:13:10.249" v="130"/>
+          <ac:spMkLst>
+            <pc:docMk/>
+            <pc:sldMk cId="1645475767" sldId="256"/>
+            <ac:spMk id="170" creationId="{BFAB41F3-F9EF-C391-5021-8D23B909B24B}"/>
+          </ac:spMkLst>
+        </pc:spChg>
+        <pc:spChg chg="del">
+          <ac:chgData name="Joseph Wonsil" userId="f7a5a8f17f3cf2df" providerId="Windows Live" clId="Web-{67CC9483-2BB2-46C6-A5D4-96425EC9E7F9}" dt="2023-10-19T21:13:06.843" v="127"/>
+          <ac:spMkLst>
+            <pc:docMk/>
+            <pc:sldMk cId="1645475767" sldId="256"/>
+            <ac:spMk id="181" creationId="{248CC43D-90F5-671B-FC25-CD2136983D57}"/>
+          </ac:spMkLst>
+        </pc:spChg>
+        <pc:spChg chg="del">
+          <ac:chgData name="Joseph Wonsil" userId="f7a5a8f17f3cf2df" providerId="Windows Live" clId="Web-{67CC9483-2BB2-46C6-A5D4-96425EC9E7F9}" dt="2023-10-19T21:13:09.171" v="129"/>
+          <ac:spMkLst>
+            <pc:docMk/>
+            <pc:sldMk cId="1645475767" sldId="256"/>
+            <ac:spMk id="182" creationId="{907D58AE-50C8-F93D-1136-78E6BCCC8072}"/>
+          </ac:spMkLst>
+        </pc:spChg>
+        <pc:spChg chg="del">
+          <ac:chgData name="Joseph Wonsil" userId="f7a5a8f17f3cf2df" providerId="Windows Live" clId="Web-{67CC9483-2BB2-46C6-A5D4-96425EC9E7F9}" dt="2023-10-19T21:43:10.154" v="349"/>
+          <ac:spMkLst>
+            <pc:docMk/>
+            <pc:sldMk cId="1645475767" sldId="256"/>
+            <ac:spMk id="196" creationId="{64A37683-F464-6803-A853-1D36D77E903B}"/>
+          </ac:spMkLst>
+        </pc:spChg>
+        <pc:spChg chg="del">
+          <ac:chgData name="Joseph Wonsil" userId="f7a5a8f17f3cf2df" providerId="Windows Live" clId="Web-{67CC9483-2BB2-46C6-A5D4-96425EC9E7F9}" dt="2023-10-19T21:43:10.154" v="348"/>
+          <ac:spMkLst>
+            <pc:docMk/>
+            <pc:sldMk cId="1645475767" sldId="256"/>
+            <ac:spMk id="197" creationId="{C7BEE81F-D7A4-129C-136B-6AD53A842FE7}"/>
+          </ac:spMkLst>
+        </pc:spChg>
+        <pc:spChg chg="del">
+          <ac:chgData name="Joseph Wonsil" userId="f7a5a8f17f3cf2df" providerId="Windows Live" clId="Web-{67CC9483-2BB2-46C6-A5D4-96425EC9E7F9}" dt="2023-10-19T21:43:10.154" v="347"/>
+          <ac:spMkLst>
+            <pc:docMk/>
+            <pc:sldMk cId="1645475767" sldId="256"/>
+            <ac:spMk id="198" creationId="{97481AB8-5857-3AC0-BCB6-E2A7EF4E71A4}"/>
+          </ac:spMkLst>
+        </pc:spChg>
+        <pc:spChg chg="del">
+          <ac:chgData name="Joseph Wonsil" userId="f7a5a8f17f3cf2df" providerId="Windows Live" clId="Web-{67CC9483-2BB2-46C6-A5D4-96425EC9E7F9}" dt="2023-10-19T21:43:10.154" v="346"/>
+          <ac:spMkLst>
+            <pc:docMk/>
+            <pc:sldMk cId="1645475767" sldId="256"/>
+            <ac:spMk id="204" creationId="{AF0B4C90-7F51-3154-21DD-F141AA6B7D1C}"/>
+          </ac:spMkLst>
+        </pc:spChg>
+        <pc:spChg chg="del">
+          <ac:chgData name="Joseph Wonsil" userId="f7a5a8f17f3cf2df" providerId="Windows Live" clId="Web-{67CC9483-2BB2-46C6-A5D4-96425EC9E7F9}" dt="2023-10-19T21:43:10.154" v="345"/>
+          <ac:spMkLst>
+            <pc:docMk/>
+            <pc:sldMk cId="1645475767" sldId="256"/>
+            <ac:spMk id="207" creationId="{83505876-8FEF-325E-3C41-C080552E164D}"/>
+          </ac:spMkLst>
+        </pc:spChg>
+        <pc:spChg chg="del">
+          <ac:chgData name="Joseph Wonsil" userId="f7a5a8f17f3cf2df" providerId="Windows Live" clId="Web-{67CC9483-2BB2-46C6-A5D4-96425EC9E7F9}" dt="2023-10-19T21:43:10.154" v="344"/>
+          <ac:spMkLst>
+            <pc:docMk/>
+            <pc:sldMk cId="1645475767" sldId="256"/>
+            <ac:spMk id="209" creationId="{3607486D-7794-339C-97B9-508DD9223B9A}"/>
+          </ac:spMkLst>
+        </pc:spChg>
+        <pc:spChg chg="mod">
+          <ac:chgData name="Joseph Wonsil" userId="f7a5a8f17f3cf2df" providerId="Windows Live" clId="Web-{67CC9483-2BB2-46C6-A5D4-96425EC9E7F9}" dt="2023-10-19T20:59:03.712" v="13" actId="14100"/>
+          <ac:spMkLst>
+            <pc:docMk/>
+            <pc:sldMk cId="1645475767" sldId="256"/>
+            <ac:spMk id="212" creationId="{E55F2EEF-5883-D72A-7FCC-5638BC1DCDEB}"/>
+          </ac:spMkLst>
+        </pc:spChg>
+        <pc:spChg chg="mod">
+          <ac:chgData name="Joseph Wonsil" userId="f7a5a8f17f3cf2df" providerId="Windows Live" clId="Web-{67CC9483-2BB2-46C6-A5D4-96425EC9E7F9}" dt="2023-10-19T21:14:28.251" v="138" actId="14100"/>
+          <ac:spMkLst>
+            <pc:docMk/>
+            <pc:sldMk cId="1645475767" sldId="256"/>
+            <ac:spMk id="218" creationId="{766078B8-ECF8-60EF-9212-6287758A5D20}"/>
+          </ac:spMkLst>
+        </pc:spChg>
+        <pc:spChg chg="del">
+          <ac:chgData name="Joseph Wonsil" userId="f7a5a8f17f3cf2df" providerId="Windows Live" clId="Web-{67CC9483-2BB2-46C6-A5D4-96425EC9E7F9}" dt="2023-10-19T21:01:51.716" v="53"/>
+          <ac:spMkLst>
+            <pc:docMk/>
+            <pc:sldMk cId="1645475767" sldId="256"/>
+            <ac:spMk id="221" creationId="{A704D209-4118-707C-FBA2-39647729D7FE}"/>
+          </ac:spMkLst>
+        </pc:spChg>
+        <pc:spChg chg="del">
+          <ac:chgData name="Joseph Wonsil" userId="f7a5a8f17f3cf2df" providerId="Windows Live" clId="Web-{67CC9483-2BB2-46C6-A5D4-96425EC9E7F9}" dt="2023-10-19T21:08:43.805" v="69"/>
+          <ac:spMkLst>
+            <pc:docMk/>
+            <pc:sldMk cId="1645475767" sldId="256"/>
+            <ac:spMk id="222" creationId="{A73DA923-B0C2-24D3-3223-F3EECA14D156}"/>
+          </ac:spMkLst>
+        </pc:spChg>
+        <pc:spChg chg="del">
+          <ac:chgData name="Joseph Wonsil" userId="f7a5a8f17f3cf2df" providerId="Windows Live" clId="Web-{67CC9483-2BB2-46C6-A5D4-96425EC9E7F9}" dt="2023-10-19T21:01:28.450" v="46"/>
+          <ac:spMkLst>
+            <pc:docMk/>
+            <pc:sldMk cId="1645475767" sldId="256"/>
+            <ac:spMk id="223" creationId="{98EA81B1-9379-5562-E87C-6BE04285588F}"/>
+          </ac:spMkLst>
+        </pc:spChg>
+        <pc:spChg chg="del">
+          <ac:chgData name="Joseph Wonsil" userId="f7a5a8f17f3cf2df" providerId="Windows Live" clId="Web-{67CC9483-2BB2-46C6-A5D4-96425EC9E7F9}" dt="2023-10-19T21:01:31.856" v="48"/>
+          <ac:spMkLst>
+            <pc:docMk/>
+            <pc:sldMk cId="1645475767" sldId="256"/>
+            <ac:spMk id="225" creationId="{850CBD32-7AD7-DF07-FBE9-7EBE8B911969}"/>
+          </ac:spMkLst>
+        </pc:spChg>
+        <pc:spChg chg="del">
+          <ac:chgData name="Joseph Wonsil" userId="f7a5a8f17f3cf2df" providerId="Windows Live" clId="Web-{67CC9483-2BB2-46C6-A5D4-96425EC9E7F9}" dt="2023-10-19T21:01:32.778" v="49"/>
+          <ac:spMkLst>
+            <pc:docMk/>
+            <pc:sldMk cId="1645475767" sldId="256"/>
+            <ac:spMk id="226" creationId="{7040D6DB-B4BE-DAC4-5921-1A9850EC0EEC}"/>
+          </ac:spMkLst>
+        </pc:spChg>
+        <pc:spChg chg="del">
+          <ac:chgData name="Joseph Wonsil" userId="f7a5a8f17f3cf2df" providerId="Windows Live" clId="Web-{67CC9483-2BB2-46C6-A5D4-96425EC9E7F9}" dt="2023-10-19T21:01:33.747" v="50"/>
+          <ac:spMkLst>
+            <pc:docMk/>
+            <pc:sldMk cId="1645475767" sldId="256"/>
+            <ac:spMk id="227" creationId="{DA5E22C1-9470-3167-CB75-B1290B4FB1C7}"/>
+          </ac:spMkLst>
+        </pc:spChg>
+        <pc:spChg chg="del">
+          <ac:chgData name="Joseph Wonsil" userId="f7a5a8f17f3cf2df" providerId="Windows Live" clId="Web-{67CC9483-2BB2-46C6-A5D4-96425EC9E7F9}" dt="2023-10-19T21:08:55.899" v="78"/>
+          <ac:spMkLst>
+            <pc:docMk/>
+            <pc:sldMk cId="1645475767" sldId="256"/>
+            <ac:spMk id="230" creationId="{A412271C-0293-8FAC-A024-C597CF244023}"/>
+          </ac:spMkLst>
+        </pc:spChg>
+        <pc:spChg chg="del">
+          <ac:chgData name="Joseph Wonsil" userId="f7a5a8f17f3cf2df" providerId="Windows Live" clId="Web-{67CC9483-2BB2-46C6-A5D4-96425EC9E7F9}" dt="2023-10-19T21:08:55.836" v="77"/>
+          <ac:spMkLst>
+            <pc:docMk/>
+            <pc:sldMk cId="1645475767" sldId="256"/>
+            <ac:spMk id="238" creationId="{EBDD0F59-C0A1-5DFE-3F5E-F797A3C05FA3}"/>
+          </ac:spMkLst>
+        </pc:spChg>
+        <pc:spChg chg="del">
+          <ac:chgData name="Joseph Wonsil" userId="f7a5a8f17f3cf2df" providerId="Windows Live" clId="Web-{67CC9483-2BB2-46C6-A5D4-96425EC9E7F9}" dt="2023-10-19T21:08:55.774" v="76"/>
+          <ac:spMkLst>
+            <pc:docMk/>
+            <pc:sldMk cId="1645475767" sldId="256"/>
+            <ac:spMk id="240" creationId="{65D2929C-1097-3DCB-AD36-0DC797EDF22D}"/>
+          </ac:spMkLst>
+        </pc:spChg>
+        <pc:spChg chg="del">
+          <ac:chgData name="Joseph Wonsil" userId="f7a5a8f17f3cf2df" providerId="Windows Live" clId="Web-{67CC9483-2BB2-46C6-A5D4-96425EC9E7F9}" dt="2023-10-19T21:01:53.435" v="54"/>
+          <ac:spMkLst>
+            <pc:docMk/>
+            <pc:sldMk cId="1645475767" sldId="256"/>
+            <ac:spMk id="254" creationId="{D69DA629-519B-B2FA-292E-D394590F6BEE}"/>
+          </ac:spMkLst>
+        </pc:spChg>
+        <pc:spChg chg="del">
+          <ac:chgData name="Joseph Wonsil" userId="f7a5a8f17f3cf2df" providerId="Windows Live" clId="Web-{67CC9483-2BB2-46C6-A5D4-96425EC9E7F9}" dt="2023-10-19T21:08:55.696" v="75"/>
+          <ac:spMkLst>
+            <pc:docMk/>
+            <pc:sldMk cId="1645475767" sldId="256"/>
+            <ac:spMk id="268" creationId="{449FE6F4-DC13-BF05-AF6E-73E38ACE71B8}"/>
+          </ac:spMkLst>
+        </pc:spChg>
+        <pc:spChg chg="del">
+          <ac:chgData name="Joseph Wonsil" userId="f7a5a8f17f3cf2df" providerId="Windows Live" clId="Web-{67CC9483-2BB2-46C6-A5D4-96425EC9E7F9}" dt="2023-10-19T21:08:55.696" v="74"/>
+          <ac:spMkLst>
+            <pc:docMk/>
+            <pc:sldMk cId="1645475767" sldId="256"/>
+            <ac:spMk id="272" creationId="{9FB30DB4-3A65-8325-66C1-1C35BDDCC64B}"/>
+          </ac:spMkLst>
+        </pc:spChg>
+        <pc:spChg chg="del">
+          <ac:chgData name="Joseph Wonsil" userId="f7a5a8f17f3cf2df" providerId="Windows Live" clId="Web-{67CC9483-2BB2-46C6-A5D4-96425EC9E7F9}" dt="2023-10-19T21:01:54.388" v="56"/>
+          <ac:spMkLst>
+            <pc:docMk/>
+            <pc:sldMk cId="1645475767" sldId="256"/>
+            <ac:spMk id="281" creationId="{6B7888B1-5AC7-5F61-2E31-6969BD259062}"/>
+          </ac:spMkLst>
+        </pc:spChg>
+        <pc:spChg chg="del">
+          <ac:chgData name="Joseph Wonsil" userId="f7a5a8f17f3cf2df" providerId="Windows Live" clId="Web-{67CC9483-2BB2-46C6-A5D4-96425EC9E7F9}" dt="2023-10-19T21:01:53.826" v="55"/>
+          <ac:spMkLst>
+            <pc:docMk/>
+            <pc:sldMk cId="1645475767" sldId="256"/>
+            <ac:spMk id="286" creationId="{298BECD7-46E2-C328-55E6-A45B4670BECA}"/>
+          </ac:spMkLst>
+        </pc:spChg>
+        <pc:spChg chg="mod">
+          <ac:chgData name="Joseph Wonsil" userId="f7a5a8f17f3cf2df" providerId="Windows Live" clId="Web-{67CC9483-2BB2-46C6-A5D4-96425EC9E7F9}" dt="2023-10-19T21:08:04.976" v="63" actId="1076"/>
+          <ac:spMkLst>
+            <pc:docMk/>
+            <pc:sldMk cId="1645475767" sldId="256"/>
+            <ac:spMk id="308" creationId="{989CDA4F-A434-3232-BF4A-9BF9789ACE4B}"/>
+          </ac:spMkLst>
+        </pc:spChg>
+        <pc:spChg chg="mod">
+          <ac:chgData name="Joseph Wonsil" userId="f7a5a8f17f3cf2df" providerId="Windows Live" clId="Web-{67CC9483-2BB2-46C6-A5D4-96425EC9E7F9}" dt="2023-10-19T21:08:49.711" v="72" actId="1076"/>
+          <ac:spMkLst>
+            <pc:docMk/>
+            <pc:sldMk cId="1645475767" sldId="256"/>
+            <ac:spMk id="318" creationId="{63B3D97B-2E6C-1258-48F9-8C783923327E}"/>
+          </ac:spMkLst>
+        </pc:spChg>
+        <pc:grpChg chg="del">
+          <ac:chgData name="Joseph Wonsil" userId="f7a5a8f17f3cf2df" providerId="Windows Live" clId="Web-{67CC9483-2BB2-46C6-A5D4-96425EC9E7F9}" dt="2023-10-19T21:01:29.372" v="47"/>
+          <ac:grpSpMkLst>
+            <pc:docMk/>
+            <pc:sldMk cId="1645475767" sldId="256"/>
+            <ac:grpSpMk id="301" creationId="{DD4639EE-10B2-D0BE-C573-62FDD98D4E33}"/>
+          </ac:grpSpMkLst>
+        </pc:grpChg>
+        <pc:grpChg chg="del mod">
+          <ac:chgData name="Joseph Wonsil" userId="f7a5a8f17f3cf2df" providerId="Windows Live" clId="Web-{67CC9483-2BB2-46C6-A5D4-96425EC9E7F9}" dt="2023-10-19T21:08:57.071" v="79"/>
+          <ac:grpSpMkLst>
+            <pc:docMk/>
+            <pc:sldMk cId="1645475767" sldId="256"/>
+            <ac:grpSpMk id="321" creationId="{CFCEC70D-EE9E-8FF5-A986-8ABFF51B0B67}"/>
+          </ac:grpSpMkLst>
+        </pc:grpChg>
+        <pc:grpChg chg="del">
+          <ac:chgData name="Joseph Wonsil" userId="f7a5a8f17f3cf2df" providerId="Windows Live" clId="Web-{67CC9483-2BB2-46C6-A5D4-96425EC9E7F9}" dt="2023-10-19T21:08:55.680" v="73"/>
+          <ac:grpSpMkLst>
+            <pc:docMk/>
+            <pc:sldMk cId="1645475767" sldId="256"/>
+            <ac:grpSpMk id="345" creationId="{A5E5AD25-3A1E-D595-C5A1-A8F9193493ED}"/>
+          </ac:grpSpMkLst>
+        </pc:grpChg>
+        <pc:cxnChg chg="add del mod">
+          <ac:chgData name="Joseph Wonsil" userId="f7a5a8f17f3cf2df" providerId="Windows Live" clId="Web-{67CC9483-2BB2-46C6-A5D4-96425EC9E7F9}" dt="2023-10-19T21:09:28.806" v="90"/>
+          <ac:cxnSpMkLst>
+            <pc:docMk/>
+            <pc:sldMk cId="1645475767" sldId="256"/>
+            <ac:cxnSpMk id="2" creationId="{9052726D-0116-41C9-325C-DA5A8B9C7200}"/>
+          </ac:cxnSpMkLst>
+        </pc:cxnChg>
+        <pc:cxnChg chg="add mod">
+          <ac:chgData name="Joseph Wonsil" userId="f7a5a8f17f3cf2df" providerId="Windows Live" clId="Web-{67CC9483-2BB2-46C6-A5D4-96425EC9E7F9}" dt="2023-10-19T21:45:32.174" v="394" actId="14100"/>
+          <ac:cxnSpMkLst>
+            <pc:docMk/>
+            <pc:sldMk cId="1645475767" sldId="256"/>
+            <ac:cxnSpMk id="3" creationId="{63F37F73-1565-6922-1A4D-AD5D36408EE7}"/>
+          </ac:cxnSpMkLst>
+        </pc:cxnChg>
+        <pc:cxnChg chg="mod">
+          <ac:chgData name="Joseph Wonsil" userId="f7a5a8f17f3cf2df" providerId="Windows Live" clId="Web-{67CC9483-2BB2-46C6-A5D4-96425EC9E7F9}" dt="2023-10-19T21:14:51.533" v="143" actId="14100"/>
+          <ac:cxnSpMkLst>
+            <pc:docMk/>
+            <pc:sldMk cId="1645475767" sldId="256"/>
+            <ac:cxnSpMk id="4" creationId="{1FAF49EF-246B-5065-399F-6F3D99F68D6C}"/>
+          </ac:cxnSpMkLst>
+        </pc:cxnChg>
+        <pc:cxnChg chg="mod">
+          <ac:chgData name="Joseph Wonsil" userId="f7a5a8f17f3cf2df" providerId="Windows Live" clId="Web-{67CC9483-2BB2-46C6-A5D4-96425EC9E7F9}" dt="2023-10-19T20:58:53.133" v="9" actId="14100"/>
+          <ac:cxnSpMkLst>
+            <pc:docMk/>
+            <pc:sldMk cId="1645475767" sldId="256"/>
+            <ac:cxnSpMk id="8" creationId="{E3A3FFC5-3ECB-F504-1EB7-79E7359B9CFC}"/>
+          </ac:cxnSpMkLst>
+        </pc:cxnChg>
+        <pc:cxnChg chg="del mod">
+          <ac:chgData name="Joseph Wonsil" userId="f7a5a8f17f3cf2df" providerId="Windows Live" clId="Web-{67CC9483-2BB2-46C6-A5D4-96425EC9E7F9}" dt="2023-10-19T21:07:41.428" v="60"/>
+          <ac:cxnSpMkLst>
+            <pc:docMk/>
+            <pc:sldMk cId="1645475767" sldId="256"/>
+            <ac:cxnSpMk id="9" creationId="{0A563654-6AF8-5959-7EF7-1707843DF81A}"/>
+          </ac:cxnSpMkLst>
+        </pc:cxnChg>
+        <pc:cxnChg chg="add mod">
+          <ac:chgData name="Joseph Wonsil" userId="f7a5a8f17f3cf2df" providerId="Windows Live" clId="Web-{67CC9483-2BB2-46C6-A5D4-96425EC9E7F9}" dt="2023-10-19T21:19:35.243" v="182" actId="1076"/>
+          <ac:cxnSpMkLst>
+            <pc:docMk/>
+            <pc:sldMk cId="1645475767" sldId="256"/>
+            <ac:cxnSpMk id="11" creationId="{517CEBC0-383D-39C0-D39A-BF4C87361C6F}"/>
+          </ac:cxnSpMkLst>
+        </pc:cxnChg>
+        <pc:cxnChg chg="add mod">
+          <ac:chgData name="Joseph Wonsil" userId="f7a5a8f17f3cf2df" providerId="Windows Live" clId="Web-{67CC9483-2BB2-46C6-A5D4-96425EC9E7F9}" dt="2023-10-19T21:19:44.150" v="184" actId="1076"/>
+          <ac:cxnSpMkLst>
+            <pc:docMk/>
+            <pc:sldMk cId="1645475767" sldId="256"/>
+            <ac:cxnSpMk id="14" creationId="{8ED0136A-702F-ABCF-6004-6FEE38C0006F}"/>
+          </ac:cxnSpMkLst>
+        </pc:cxnChg>
+        <pc:cxnChg chg="add del mod">
+          <ac:chgData name="Joseph Wonsil" userId="f7a5a8f17f3cf2df" providerId="Windows Live" clId="Web-{67CC9483-2BB2-46C6-A5D4-96425EC9E7F9}" dt="2023-10-19T21:15:15.346" v="148"/>
+          <ac:cxnSpMkLst>
+            <pc:docMk/>
+            <pc:sldMk cId="1645475767" sldId="256"/>
+            <ac:cxnSpMk id="17" creationId="{95CCA4A3-B30E-FF56-FD05-F88C116476E4}"/>
+          </ac:cxnSpMkLst>
+        </pc:cxnChg>
+        <pc:cxnChg chg="add del mod">
+          <ac:chgData name="Joseph Wonsil" userId="f7a5a8f17f3cf2df" providerId="Windows Live" clId="Web-{67CC9483-2BB2-46C6-A5D4-96425EC9E7F9}" dt="2023-10-19T21:17:14.568" v="171"/>
+          <ac:cxnSpMkLst>
+            <pc:docMk/>
+            <pc:sldMk cId="1645475767" sldId="256"/>
+            <ac:cxnSpMk id="18" creationId="{3C1721C6-B804-5CA2-386E-918D40D34EF6}"/>
+          </ac:cxnSpMkLst>
+        </pc:cxnChg>
+        <pc:cxnChg chg="add mod">
+          <ac:chgData name="Joseph Wonsil" userId="f7a5a8f17f3cf2df" providerId="Windows Live" clId="Web-{67CC9483-2BB2-46C6-A5D4-96425EC9E7F9}" dt="2023-10-19T21:16:43.458" v="164"/>
+          <ac:cxnSpMkLst>
+            <pc:docMk/>
+            <pc:sldMk cId="1645475767" sldId="256"/>
+            <ac:cxnSpMk id="21" creationId="{07D1431F-AA7C-BC65-FB53-423D383084D4}"/>
+          </ac:cxnSpMkLst>
+        </pc:cxnChg>
+        <pc:cxnChg chg="del mod">
+          <ac:chgData name="Joseph Wonsil" userId="f7a5a8f17f3cf2df" providerId="Windows Live" clId="Web-{67CC9483-2BB2-46C6-A5D4-96425EC9E7F9}" dt="2023-10-19T21:01:24.966" v="45"/>
+          <ac:cxnSpMkLst>
+            <pc:docMk/>
+            <pc:sldMk cId="1645475767" sldId="256"/>
+            <ac:cxnSpMk id="23" creationId="{23D61AF6-840C-7E29-57B3-7DB3D4B2CB5B}"/>
+          </ac:cxnSpMkLst>
+        </pc:cxnChg>
+        <pc:cxnChg chg="add mod">
+          <ac:chgData name="Joseph Wonsil" userId="f7a5a8f17f3cf2df" providerId="Windows Live" clId="Web-{67CC9483-2BB2-46C6-A5D4-96425EC9E7F9}" dt="2023-10-19T21:29:30.040" v="263" actId="1076"/>
+          <ac:cxnSpMkLst>
+            <pc:docMk/>
+            <pc:sldMk cId="1645475767" sldId="256"/>
+            <ac:cxnSpMk id="24" creationId="{FC2512A0-0E15-D14E-C285-8BA41957071A}"/>
+          </ac:cxnSpMkLst>
+        </pc:cxnChg>
+        <pc:cxnChg chg="del mod">
+          <ac:chgData name="Joseph Wonsil" userId="f7a5a8f17f3cf2df" providerId="Windows Live" clId="Web-{67CC9483-2BB2-46C6-A5D4-96425EC9E7F9}" dt="2023-10-19T21:01:23.481" v="44"/>
+          <ac:cxnSpMkLst>
+            <pc:docMk/>
+            <pc:sldMk cId="1645475767" sldId="256"/>
+            <ac:cxnSpMk id="30" creationId="{92CF7358-07D9-EA8C-0D7A-860C9F5C5ACF}"/>
+          </ac:cxnSpMkLst>
+        </pc:cxnChg>
+        <pc:cxnChg chg="add mod">
+          <ac:chgData name="Joseph Wonsil" userId="f7a5a8f17f3cf2df" providerId="Windows Live" clId="Web-{67CC9483-2BB2-46C6-A5D4-96425EC9E7F9}" dt="2023-10-19T21:20:20.385" v="196" actId="1076"/>
+          <ac:cxnSpMkLst>
+            <pc:docMk/>
+            <pc:sldMk cId="1645475767" sldId="256"/>
+            <ac:cxnSpMk id="31" creationId="{B62BEBBD-78DB-1C12-0E48-B6117DDF6F9B}"/>
+          </ac:cxnSpMkLst>
+        </pc:cxnChg>
+        <pc:cxnChg chg="del mod">
+          <ac:chgData name="Joseph Wonsil" userId="f7a5a8f17f3cf2df" providerId="Windows Live" clId="Web-{67CC9483-2BB2-46C6-A5D4-96425EC9E7F9}" dt="2023-10-19T21:09:03.165" v="85"/>
+          <ac:cxnSpMkLst>
+            <pc:docMk/>
+            <pc:sldMk cId="1645475767" sldId="256"/>
+            <ac:cxnSpMk id="34" creationId="{8C48BD3A-932B-C7D1-C21F-389E8FA1D750}"/>
+          </ac:cxnSpMkLst>
+        </pc:cxnChg>
+        <pc:cxnChg chg="del mod">
+          <ac:chgData name="Joseph Wonsil" userId="f7a5a8f17f3cf2df" providerId="Windows Live" clId="Web-{67CC9483-2BB2-46C6-A5D4-96425EC9E7F9}" dt="2023-10-19T21:01:06.559" v="41"/>
+          <ac:cxnSpMkLst>
+            <pc:docMk/>
+            <pc:sldMk cId="1645475767" sldId="256"/>
+            <ac:cxnSpMk id="37" creationId="{6F20C18C-B4A8-7CAD-913D-7F0217BF73CC}"/>
+          </ac:cxnSpMkLst>
+        </pc:cxnChg>
+        <pc:cxnChg chg="add mod">
+          <ac:chgData name="Joseph Wonsil" userId="f7a5a8f17f3cf2df" providerId="Windows Live" clId="Web-{67CC9483-2BB2-46C6-A5D4-96425EC9E7F9}" dt="2023-10-19T21:22:10.091" v="222" actId="14100"/>
+          <ac:cxnSpMkLst>
+            <pc:docMk/>
+            <pc:sldMk cId="1645475767" sldId="256"/>
+            <ac:cxnSpMk id="40" creationId="{E02792B3-B6A0-FE85-F627-4E2D12DD8662}"/>
+          </ac:cxnSpMkLst>
+        </pc:cxnChg>
+        <pc:cxnChg chg="add mod">
+          <ac:chgData name="Joseph Wonsil" userId="f7a5a8f17f3cf2df" providerId="Windows Live" clId="Web-{67CC9483-2BB2-46C6-A5D4-96425EC9E7F9}" dt="2023-10-19T21:45:43.393" v="395" actId="14100"/>
+          <ac:cxnSpMkLst>
+            <pc:docMk/>
+            <pc:sldMk cId="1645475767" sldId="256"/>
+            <ac:cxnSpMk id="42" creationId="{9DF5ADD6-FE46-131E-62B8-59CCEEC5D434}"/>
+          </ac:cxnSpMkLst>
+        </pc:cxnChg>
+        <pc:cxnChg chg="add mod">
+          <ac:chgData name="Joseph Wonsil" userId="f7a5a8f17f3cf2df" providerId="Windows Live" clId="Web-{67CC9483-2BB2-46C6-A5D4-96425EC9E7F9}" dt="2023-10-19T21:29:24.805" v="262" actId="1076"/>
+          <ac:cxnSpMkLst>
+            <pc:docMk/>
+            <pc:sldMk cId="1645475767" sldId="256"/>
+            <ac:cxnSpMk id="45" creationId="{166EC043-E346-D27D-C6B6-1906CA4C64B2}"/>
+          </ac:cxnSpMkLst>
+        </pc:cxnChg>
+        <pc:cxnChg chg="del mod">
+          <ac:chgData name="Joseph Wonsil" userId="f7a5a8f17f3cf2df" providerId="Windows Live" clId="Web-{67CC9483-2BB2-46C6-A5D4-96425EC9E7F9}" dt="2023-10-19T21:01:05.231" v="39"/>
+          <ac:cxnSpMkLst>
+            <pc:docMk/>
+            <pc:sldMk cId="1645475767" sldId="256"/>
+            <ac:cxnSpMk id="46" creationId="{34027DC1-9608-8FC2-B855-03FC2D10CF3D}"/>
+          </ac:cxnSpMkLst>
+        </pc:cxnChg>
+        <pc:cxnChg chg="add mod">
+          <ac:chgData name="Joseph Wonsil" userId="f7a5a8f17f3cf2df" providerId="Windows Live" clId="Web-{67CC9483-2BB2-46C6-A5D4-96425EC9E7F9}" dt="2023-10-19T21:29:37.884" v="264"/>
+          <ac:cxnSpMkLst>
+            <pc:docMk/>
+            <pc:sldMk cId="1645475767" sldId="256"/>
+            <ac:cxnSpMk id="48" creationId="{47D37092-986B-BF1E-B379-B7F77D83CD98}"/>
+          </ac:cxnSpMkLst>
+        </pc:cxnChg>
+        <pc:cxnChg chg="del mod">
+          <ac:chgData name="Joseph Wonsil" userId="f7a5a8f17f3cf2df" providerId="Windows Live" clId="Web-{67CC9483-2BB2-46C6-A5D4-96425EC9E7F9}" dt="2023-10-19T21:08:44.867" v="70"/>
+          <ac:cxnSpMkLst>
+            <pc:docMk/>
+            <pc:sldMk cId="1645475767" sldId="256"/>
+            <ac:cxnSpMk id="50" creationId="{3E940EC5-3D16-B53B-92BC-3B51950E358D}"/>
+          </ac:cxnSpMkLst>
+        </pc:cxnChg>
+        <pc:cxnChg chg="del mod">
+          <ac:chgData name="Joseph Wonsil" userId="f7a5a8f17f3cf2df" providerId="Windows Live" clId="Web-{67CC9483-2BB2-46C6-A5D4-96425EC9E7F9}" dt="2023-10-19T21:07:43.569" v="61"/>
+          <ac:cxnSpMkLst>
+            <pc:docMk/>
+            <pc:sldMk cId="1645475767" sldId="256"/>
+            <ac:cxnSpMk id="53" creationId="{1C2578E2-210F-BFA7-80C8-ADB6B3D34E24}"/>
+          </ac:cxnSpMkLst>
+        </pc:cxnChg>
+        <pc:cxnChg chg="del mod">
+          <ac:chgData name="Joseph Wonsil" userId="f7a5a8f17f3cf2df" providerId="Windows Live" clId="Web-{67CC9483-2BB2-46C6-A5D4-96425EC9E7F9}" dt="2023-10-19T21:08:07.570" v="64"/>
+          <ac:cxnSpMkLst>
+            <pc:docMk/>
+            <pc:sldMk cId="1645475767" sldId="256"/>
+            <ac:cxnSpMk id="56" creationId="{CE6983D4-3F57-B5C6-DA2B-A89A230613C8}"/>
+          </ac:cxnSpMkLst>
+        </pc:cxnChg>
+        <pc:cxnChg chg="add mod">
+          <ac:chgData name="Joseph Wonsil" userId="f7a5a8f17f3cf2df" providerId="Windows Live" clId="Web-{67CC9483-2BB2-46C6-A5D4-96425EC9E7F9}" dt="2023-10-19T21:30:16.697" v="277" actId="1076"/>
+          <ac:cxnSpMkLst>
+            <pc:docMk/>
+            <pc:sldMk cId="1645475767" sldId="256"/>
+            <ac:cxnSpMk id="57" creationId="{628A0F19-D5E7-7D1E-564C-97043C929B6F}"/>
+          </ac:cxnSpMkLst>
+        </pc:cxnChg>
+        <pc:cxnChg chg="add mod">
+          <ac:chgData name="Joseph Wonsil" userId="f7a5a8f17f3cf2df" providerId="Windows Live" clId="Web-{67CC9483-2BB2-46C6-A5D4-96425EC9E7F9}" dt="2023-10-19T21:30:57.245" v="290" actId="1076"/>
+          <ac:cxnSpMkLst>
+            <pc:docMk/>
+            <pc:sldMk cId="1645475767" sldId="256"/>
+            <ac:cxnSpMk id="61" creationId="{7909407A-8A6F-0806-AF4F-6285482CA4F0}"/>
+          </ac:cxnSpMkLst>
+        </pc:cxnChg>
+        <pc:cxnChg chg="del mod">
+          <ac:chgData name="Joseph Wonsil" userId="f7a5a8f17f3cf2df" providerId="Windows Live" clId="Web-{67CC9483-2BB2-46C6-A5D4-96425EC9E7F9}" dt="2023-10-19T21:08:59.805" v="82"/>
+          <ac:cxnSpMkLst>
+            <pc:docMk/>
+            <pc:sldMk cId="1645475767" sldId="256"/>
+            <ac:cxnSpMk id="62" creationId="{4467B832-EDA5-D418-B682-ECA109408340}"/>
+          </ac:cxnSpMkLst>
+        </pc:cxnChg>
+        <pc:cxnChg chg="add mod">
+          <ac:chgData name="Joseph Wonsil" userId="f7a5a8f17f3cf2df" providerId="Windows Live" clId="Web-{67CC9483-2BB2-46C6-A5D4-96425EC9E7F9}" dt="2023-10-19T21:31:42.574" v="308" actId="1076"/>
+          <ac:cxnSpMkLst>
+            <pc:docMk/>
+            <pc:sldMk cId="1645475767" sldId="256"/>
+            <ac:cxnSpMk id="66" creationId="{6E9844B3-7B13-601F-2D3D-49D6D0A56CA8}"/>
+          </ac:cxnSpMkLst>
+        </pc:cxnChg>
+        <pc:cxnChg chg="del mod">
+          <ac:chgData name="Joseph Wonsil" userId="f7a5a8f17f3cf2df" providerId="Windows Live" clId="Web-{67CC9483-2BB2-46C6-A5D4-96425EC9E7F9}" dt="2023-10-19T21:01:03.652" v="37"/>
+          <ac:cxnSpMkLst>
+            <pc:docMk/>
+            <pc:sldMk cId="1645475767" sldId="256"/>
+            <ac:cxnSpMk id="69" creationId="{145A7E76-DF91-F32D-9FB1-A172DA075F92}"/>
+          </ac:cxnSpMkLst>
+        </pc:cxnChg>
+        <pc:cxnChg chg="add mod">
+          <ac:chgData name="Joseph Wonsil" userId="f7a5a8f17f3cf2df" providerId="Windows Live" clId="Web-{67CC9483-2BB2-46C6-A5D4-96425EC9E7F9}" dt="2023-10-19T21:32:02.231" v="317" actId="1076"/>
+          <ac:cxnSpMkLst>
+            <pc:docMk/>
+            <pc:sldMk cId="1645475767" sldId="256"/>
+            <ac:cxnSpMk id="70" creationId="{8D6235FA-A6E9-098E-BC22-BFDF18760CEA}"/>
+          </ac:cxnSpMkLst>
+        </pc:cxnChg>
+        <pc:cxnChg chg="del mod">
+          <ac:chgData name="Joseph Wonsil" userId="f7a5a8f17f3cf2df" providerId="Windows Live" clId="Web-{67CC9483-2BB2-46C6-A5D4-96425EC9E7F9}" dt="2023-10-19T21:09:02.399" v="84"/>
+          <ac:cxnSpMkLst>
+            <pc:docMk/>
+            <pc:sldMk cId="1645475767" sldId="256"/>
+            <ac:cxnSpMk id="73" creationId="{71C4DB77-00EC-7C19-199C-316CA4BAC798}"/>
+          </ac:cxnSpMkLst>
+        </pc:cxnChg>
+        <pc:cxnChg chg="del mod">
+          <ac:chgData name="Joseph Wonsil" userId="f7a5a8f17f3cf2df" providerId="Windows Live" clId="Web-{67CC9483-2BB2-46C6-A5D4-96425EC9E7F9}" dt="2023-10-19T21:08:58.961" v="80"/>
+          <ac:cxnSpMkLst>
+            <pc:docMk/>
+            <pc:sldMk cId="1645475767" sldId="256"/>
+            <ac:cxnSpMk id="75" creationId="{FB24C36A-F777-3F4B-7F99-AC0F285C243D}"/>
+          </ac:cxnSpMkLst>
+        </pc:cxnChg>
+        <pc:cxnChg chg="del mod">
+          <ac:chgData name="Joseph Wonsil" userId="f7a5a8f17f3cf2df" providerId="Windows Live" clId="Web-{67CC9483-2BB2-46C6-A5D4-96425EC9E7F9}" dt="2023-10-19T21:09:01.821" v="83"/>
+          <ac:cxnSpMkLst>
+            <pc:docMk/>
+            <pc:sldMk cId="1645475767" sldId="256"/>
+            <ac:cxnSpMk id="77" creationId="{3AC8B372-20BA-0704-66B7-39F62AA3CBF9}"/>
+          </ac:cxnSpMkLst>
+        </pc:cxnChg>
+        <pc:cxnChg chg="add mod">
+          <ac:chgData name="Joseph Wonsil" userId="f7a5a8f17f3cf2df" providerId="Windows Live" clId="Web-{67CC9483-2BB2-46C6-A5D4-96425EC9E7F9}" dt="2023-10-19T21:32:16.091" v="323" actId="1076"/>
+          <ac:cxnSpMkLst>
+            <pc:docMk/>
+            <pc:sldMk cId="1645475767" sldId="256"/>
+            <ac:cxnSpMk id="78" creationId="{5D42EA6E-3BCA-8FCC-9CDE-82CFEA3310D7}"/>
+          </ac:cxnSpMkLst>
+        </pc:cxnChg>
+        <pc:cxnChg chg="add mod">
+          <ac:chgData name="Joseph Wonsil" userId="f7a5a8f17f3cf2df" providerId="Windows Live" clId="Web-{67CC9483-2BB2-46C6-A5D4-96425EC9E7F9}" dt="2023-10-19T21:32:49.170" v="333" actId="1076"/>
+          <ac:cxnSpMkLst>
+            <pc:docMk/>
+            <pc:sldMk cId="1645475767" sldId="256"/>
+            <ac:cxnSpMk id="81" creationId="{1CC86931-6B2A-C173-C79C-EF28BD88E863}"/>
+          </ac:cxnSpMkLst>
+        </pc:cxnChg>
+        <pc:cxnChg chg="add del mod">
+          <ac:chgData name="Joseph Wonsil" userId="f7a5a8f17f3cf2df" providerId="Windows Live" clId="Web-{67CC9483-2BB2-46C6-A5D4-96425EC9E7F9}" dt="2023-10-19T21:44:19.437" v="377"/>
+          <ac:cxnSpMkLst>
+            <pc:docMk/>
+            <pc:sldMk cId="1645475767" sldId="256"/>
+            <ac:cxnSpMk id="85" creationId="{412F9000-A29F-74DA-3164-7B0706303992}"/>
+          </ac:cxnSpMkLst>
+        </pc:cxnChg>
+        <pc:cxnChg chg="del mod">
+          <ac:chgData name="Joseph Wonsil" userId="f7a5a8f17f3cf2df" providerId="Windows Live" clId="Web-{67CC9483-2BB2-46C6-A5D4-96425EC9E7F9}" dt="2023-10-19T21:01:02.699" v="35"/>
+          <ac:cxnSpMkLst>
+            <pc:docMk/>
+            <pc:sldMk cId="1645475767" sldId="256"/>
+            <ac:cxnSpMk id="86" creationId="{EC053AFE-E056-79CC-7911-5BD8825293B3}"/>
+          </ac:cxnSpMkLst>
+        </pc:cxnChg>
+        <pc:cxnChg chg="add del mod">
+          <ac:chgData name="Joseph Wonsil" userId="f7a5a8f17f3cf2df" providerId="Windows Live" clId="Web-{67CC9483-2BB2-46C6-A5D4-96425EC9E7F9}" dt="2023-10-19T21:44:15.844" v="375"/>
+          <ac:cxnSpMkLst>
+            <pc:docMk/>
+            <pc:sldMk cId="1645475767" sldId="256"/>
+            <ac:cxnSpMk id="89" creationId="{B1968033-C345-EF93-BA3F-6D3BF8396D1E}"/>
+          </ac:cxnSpMkLst>
+        </pc:cxnChg>
+        <pc:cxnChg chg="del mod">
+          <ac:chgData name="Joseph Wonsil" userId="f7a5a8f17f3cf2df" providerId="Windows Live" clId="Web-{67CC9483-2BB2-46C6-A5D4-96425EC9E7F9}" dt="2023-10-19T21:00:59.559" v="32"/>
+          <ac:cxnSpMkLst>
+            <pc:docMk/>
+            <pc:sldMk cId="1645475767" sldId="256"/>
+            <ac:cxnSpMk id="92" creationId="{E4EFC397-B69B-7C22-91DF-71E352AAA497}"/>
+          </ac:cxnSpMkLst>
+        </pc:cxnChg>
+        <pc:cxnChg chg="add del mod">
+          <ac:chgData name="Joseph Wonsil" userId="f7a5a8f17f3cf2df" providerId="Windows Live" clId="Web-{67CC9483-2BB2-46C6-A5D4-96425EC9E7F9}" dt="2023-10-19T21:44:15.844" v="373"/>
+          <ac:cxnSpMkLst>
+            <pc:docMk/>
+            <pc:sldMk cId="1645475767" sldId="256"/>
+            <ac:cxnSpMk id="93" creationId="{18574F4C-AD56-0F94-2CD7-D0ACCEDF0B0F}"/>
+          </ac:cxnSpMkLst>
+        </pc:cxnChg>
+        <pc:cxnChg chg="add mod">
+          <ac:chgData name="Joseph Wonsil" userId="f7a5a8f17f3cf2df" providerId="Windows Live" clId="Web-{67CC9483-2BB2-46C6-A5D4-96425EC9E7F9}" dt="2023-10-19T21:44:36.704" v="387"/>
+          <ac:cxnSpMkLst>
+            <pc:docMk/>
+            <pc:sldMk cId="1645475767" sldId="256"/>
+            <ac:cxnSpMk id="95" creationId="{96CA6E5C-47D2-BC60-8014-8E7B8139FF80}"/>
+          </ac:cxnSpMkLst>
+        </pc:cxnChg>
+        <pc:cxnChg chg="add mod">
+          <ac:chgData name="Joseph Wonsil" userId="f7a5a8f17f3cf2df" providerId="Windows Live" clId="Web-{67CC9483-2BB2-46C6-A5D4-96425EC9E7F9}" dt="2023-10-19T21:44:34.297" v="386"/>
+          <ac:cxnSpMkLst>
+            <pc:docMk/>
+            <pc:sldMk cId="1645475767" sldId="256"/>
+            <ac:cxnSpMk id="97" creationId="{F738894B-7224-9B69-C57B-005777ED4B33}"/>
+          </ac:cxnSpMkLst>
+        </pc:cxnChg>
+        <pc:cxnChg chg="add mod">
+          <ac:chgData name="Joseph Wonsil" userId="f7a5a8f17f3cf2df" providerId="Windows Live" clId="Web-{67CC9483-2BB2-46C6-A5D4-96425EC9E7F9}" dt="2023-10-19T21:46:32.253" v="400" actId="14100"/>
+          <ac:cxnSpMkLst>
+            <pc:docMk/>
+            <pc:sldMk cId="1645475767" sldId="256"/>
+            <ac:cxnSpMk id="104" creationId="{26A0F210-C4F5-88DF-31EC-6735813B3918}"/>
+          </ac:cxnSpMkLst>
+        </pc:cxnChg>
+        <pc:cxnChg chg="add del mod">
+          <ac:chgData name="Joseph Wonsil" userId="f7a5a8f17f3cf2df" providerId="Windows Live" clId="Web-{67CC9483-2BB2-46C6-A5D4-96425EC9E7F9}" dt="2023-10-19T21:46:55.035" v="403"/>
+          <ac:cxnSpMkLst>
+            <pc:docMk/>
+            <pc:sldMk cId="1645475767" sldId="256"/>
+            <ac:cxnSpMk id="108" creationId="{1F4A83BD-8C15-DC65-08E3-A7213E817C9A}"/>
+          </ac:cxnSpMkLst>
+        </pc:cxnChg>
+        <pc:cxnChg chg="add mod">
+          <ac:chgData name="Joseph Wonsil" userId="f7a5a8f17f3cf2df" providerId="Windows Live" clId="Web-{67CC9483-2BB2-46C6-A5D4-96425EC9E7F9}" dt="2023-10-19T21:47:59.459" v="423" actId="14100"/>
+          <ac:cxnSpMkLst>
+            <pc:docMk/>
+            <pc:sldMk cId="1645475767" sldId="256"/>
+            <ac:cxnSpMk id="109" creationId="{2B4CA454-BC06-4592-9E98-BC168C363F8A}"/>
+          </ac:cxnSpMkLst>
+        </pc:cxnChg>
+        <pc:cxnChg chg="add mod">
+          <ac:chgData name="Joseph Wonsil" userId="f7a5a8f17f3cf2df" providerId="Windows Live" clId="Web-{67CC9483-2BB2-46C6-A5D4-96425EC9E7F9}" dt="2023-10-19T21:48:37.522" v="429" actId="14100"/>
+          <ac:cxnSpMkLst>
+            <pc:docMk/>
+            <pc:sldMk cId="1645475767" sldId="256"/>
+            <ac:cxnSpMk id="114" creationId="{76390F95-E33D-6839-1C36-35B1D8D37D30}"/>
+          </ac:cxnSpMkLst>
+        </pc:cxnChg>
+        <pc:cxnChg chg="add mod">
+          <ac:chgData name="Joseph Wonsil" userId="f7a5a8f17f3cf2df" providerId="Windows Live" clId="Web-{67CC9483-2BB2-46C6-A5D4-96425EC9E7F9}" dt="2023-10-19T21:49:48.180" v="444" actId="14100"/>
+          <ac:cxnSpMkLst>
+            <pc:docMk/>
+            <pc:sldMk cId="1645475767" sldId="256"/>
+            <ac:cxnSpMk id="116" creationId="{74E32083-D3C5-14DC-C64E-D1B20F58978B}"/>
+          </ac:cxnSpMkLst>
+        </pc:cxnChg>
+        <pc:cxnChg chg="del mod">
+          <ac:chgData name="Joseph Wonsil" userId="f7a5a8f17f3cf2df" providerId="Windows Live" clId="Web-{67CC9483-2BB2-46C6-A5D4-96425EC9E7F9}" dt="2023-10-19T21:08:59.383" v="81"/>
+          <ac:cxnSpMkLst>
+            <pc:docMk/>
+            <pc:sldMk cId="1645475767" sldId="256"/>
+            <ac:cxnSpMk id="140" creationId="{40F6DD3F-D4FB-8B03-9FE5-B051FC5E4D52}"/>
+          </ac:cxnSpMkLst>
+        </pc:cxnChg>
+        <pc:cxnChg chg="del mod">
+          <ac:chgData name="Joseph Wonsil" userId="f7a5a8f17f3cf2df" providerId="Windows Live" clId="Web-{67CC9483-2BB2-46C6-A5D4-96425EC9E7F9}" dt="2023-10-19T21:43:05.514" v="341"/>
+          <ac:cxnSpMkLst>
+            <pc:docMk/>
+            <pc:sldMk cId="1645475767" sldId="256"/>
+            <ac:cxnSpMk id="145" creationId="{0C692CDF-0F7B-0069-67DF-3E6458131FC3}"/>
+          </ac:cxnSpMkLst>
+        </pc:cxnChg>
+        <pc:cxnChg chg="del mod">
+          <ac:chgData name="Joseph Wonsil" userId="f7a5a8f17f3cf2df" providerId="Windows Live" clId="Web-{67CC9483-2BB2-46C6-A5D4-96425EC9E7F9}" dt="2023-10-19T21:09:15.181" v="87"/>
+          <ac:cxnSpMkLst>
+            <pc:docMk/>
+            <pc:sldMk cId="1645475767" sldId="256"/>
+            <ac:cxnSpMk id="245" creationId="{048D4C45-AC60-B9E6-65C9-D9E5D24FCD5A}"/>
+          </ac:cxnSpMkLst>
+        </pc:cxnChg>
+        <pc:cxnChg chg="del mod">
+          <ac:chgData name="Joseph Wonsil" userId="f7a5a8f17f3cf2df" providerId="Windows Live" clId="Web-{67CC9483-2BB2-46C6-A5D4-96425EC9E7F9}" dt="2023-10-19T21:01:01.137" v="33"/>
           <ac:cxnSpMkLst>
             <pc:docMk/>
             <pc:sldMk cId="1645475767" sldId="256"/>
@@ -5137,1214 +6345,6 @@
             <pc:docMk/>
             <pc:sldMk cId="1645475767" sldId="256"/>
             <ac:cxnSpMk id="266" creationId="{957E22F4-AA66-5BC4-DDD2-79C9B1BDEB1C}"/>
-          </ac:cxnSpMkLst>
-        </pc:cxnChg>
-      </pc:sldChg>
-    </pc:docChg>
-  </pc:docChgLst>
-  <pc:docChgLst>
-    <pc:chgData name="Joseph Wonsil" userId="f7a5a8f17f3cf2df" providerId="Windows Live" clId="Web-{67CC9483-2BB2-46C6-A5D4-96425EC9E7F9}"/>
-    <pc:docChg chg="modSld">
-      <pc:chgData name="Joseph Wonsil" userId="f7a5a8f17f3cf2df" providerId="Windows Live" clId="Web-{67CC9483-2BB2-46C6-A5D4-96425EC9E7F9}" dt="2023-10-19T22:05:10.094" v="449" actId="14100"/>
-      <pc:docMkLst>
-        <pc:docMk/>
-      </pc:docMkLst>
-      <pc:sldChg chg="addSp delSp modSp">
-        <pc:chgData name="Joseph Wonsil" userId="f7a5a8f17f3cf2df" providerId="Windows Live" clId="Web-{67CC9483-2BB2-46C6-A5D4-96425EC9E7F9}" dt="2023-10-19T22:05:10.094" v="449" actId="14100"/>
-        <pc:sldMkLst>
-          <pc:docMk/>
-          <pc:sldMk cId="1645475767" sldId="256"/>
-        </pc:sldMkLst>
-        <pc:spChg chg="mod">
-          <ac:chgData name="Joseph Wonsil" userId="f7a5a8f17f3cf2df" providerId="Windows Live" clId="Web-{67CC9483-2BB2-46C6-A5D4-96425EC9E7F9}" dt="2023-10-19T21:13:24.953" v="131" actId="14100"/>
-          <ac:spMkLst>
-            <pc:docMk/>
-            <pc:sldMk cId="1645475767" sldId="256"/>
-            <ac:spMk id="5" creationId="{EDD77D8E-AC62-8835-147A-8365BEE24A8B}"/>
-          </ac:spMkLst>
-        </pc:spChg>
-        <pc:spChg chg="add mod">
-          <ac:chgData name="Joseph Wonsil" userId="f7a5a8f17f3cf2df" providerId="Windows Live" clId="Web-{67CC9483-2BB2-46C6-A5D4-96425EC9E7F9}" dt="2023-10-19T21:19:14.727" v="178" actId="1076"/>
-          <ac:spMkLst>
-            <pc:docMk/>
-            <pc:sldMk cId="1645475767" sldId="256"/>
-            <ac:spMk id="6" creationId="{6D972BEC-5A61-2F94-C38C-4E61977231CB}"/>
-          </ac:spMkLst>
-        </pc:spChg>
-        <pc:spChg chg="add mod">
-          <ac:chgData name="Joseph Wonsil" userId="f7a5a8f17f3cf2df" providerId="Windows Live" clId="Web-{67CC9483-2BB2-46C6-A5D4-96425EC9E7F9}" dt="2023-10-19T21:19:55.197" v="188" actId="1076"/>
-          <ac:spMkLst>
-            <pc:docMk/>
-            <pc:sldMk cId="1645475767" sldId="256"/>
-            <ac:spMk id="7" creationId="{3CF6E26B-FEEB-4601-B0B4-0668FEAE71C2}"/>
-          </ac:spMkLst>
-        </pc:spChg>
-        <pc:spChg chg="add mod">
-          <ac:chgData name="Joseph Wonsil" userId="f7a5a8f17f3cf2df" providerId="Windows Live" clId="Web-{67CC9483-2BB2-46C6-A5D4-96425EC9E7F9}" dt="2023-10-19T21:23:13.983" v="232" actId="14100"/>
-          <ac:spMkLst>
-            <pc:docMk/>
-            <pc:sldMk cId="1645475767" sldId="256"/>
-            <ac:spMk id="12" creationId="{742D11DE-D6EC-4DDC-6EA9-99B6CC283928}"/>
-          </ac:spMkLst>
-        </pc:spChg>
-        <pc:spChg chg="del">
-          <ac:chgData name="Joseph Wonsil" userId="f7a5a8f17f3cf2df" providerId="Windows Live" clId="Web-{67CC9483-2BB2-46C6-A5D4-96425EC9E7F9}" dt="2023-10-19T21:00:40.496" v="26"/>
-          <ac:spMkLst>
-            <pc:docMk/>
-            <pc:sldMk cId="1645475767" sldId="256"/>
-            <ac:spMk id="15" creationId="{2082AF95-F57E-7714-98E1-6B18874A37D0}"/>
-          </ac:spMkLst>
-        </pc:spChg>
-        <pc:spChg chg="add mod">
-          <ac:chgData name="Joseph Wonsil" userId="f7a5a8f17f3cf2df" providerId="Windows Live" clId="Web-{67CC9483-2BB2-46C6-A5D4-96425EC9E7F9}" dt="2023-10-19T21:19:44.228" v="185" actId="1076"/>
-          <ac:spMkLst>
-            <pc:docMk/>
-            <pc:sldMk cId="1645475767" sldId="256"/>
-            <ac:spMk id="16" creationId="{46137EE1-F891-3B11-7981-FE3D3B5890DB}"/>
-          </ac:spMkLst>
-        </pc:spChg>
-        <pc:spChg chg="del">
-          <ac:chgData name="Joseph Wonsil" userId="f7a5a8f17f3cf2df" providerId="Windows Live" clId="Web-{67CC9483-2BB2-46C6-A5D4-96425EC9E7F9}" dt="2023-10-19T21:08:35.164" v="68"/>
-          <ac:spMkLst>
-            <pc:docMk/>
-            <pc:sldMk cId="1645475767" sldId="256"/>
-            <ac:spMk id="19" creationId="{CDC98E58-B7BF-FC65-3CF4-7910AC6F1E87}"/>
-          </ac:spMkLst>
-        </pc:spChg>
-        <pc:spChg chg="add mod">
-          <ac:chgData name="Joseph Wonsil" userId="f7a5a8f17f3cf2df" providerId="Windows Live" clId="Web-{67CC9483-2BB2-46C6-A5D4-96425EC9E7F9}" dt="2023-10-19T21:16:35.895" v="161" actId="1076"/>
-          <ac:spMkLst>
-            <pc:docMk/>
-            <pc:sldMk cId="1645475767" sldId="256"/>
-            <ac:spMk id="20" creationId="{4F8396E9-5F17-3CA5-D506-A70C1E952C57}"/>
-          </ac:spMkLst>
-        </pc:spChg>
-        <pc:spChg chg="add mod">
-          <ac:chgData name="Joseph Wonsil" userId="f7a5a8f17f3cf2df" providerId="Windows Live" clId="Web-{67CC9483-2BB2-46C6-A5D4-96425EC9E7F9}" dt="2023-10-19T21:17:00.694" v="170" actId="20577"/>
-          <ac:spMkLst>
-            <pc:docMk/>
-            <pc:sldMk cId="1645475767" sldId="256"/>
-            <ac:spMk id="22" creationId="{BB99D1F9-103B-7DA7-5E75-D2AEEE525B6C}"/>
-          </ac:spMkLst>
-        </pc:spChg>
-        <pc:spChg chg="del">
-          <ac:chgData name="Joseph Wonsil" userId="f7a5a8f17f3cf2df" providerId="Windows Live" clId="Web-{67CC9483-2BB2-46C6-A5D4-96425EC9E7F9}" dt="2023-10-19T21:01:21.028" v="43"/>
-          <ac:spMkLst>
-            <pc:docMk/>
-            <pc:sldMk cId="1645475767" sldId="256"/>
-            <ac:spMk id="25" creationId="{E1A7F699-7971-B2D7-583B-A3C58DD464BF}"/>
-          </ac:spMkLst>
-        </pc:spChg>
-        <pc:spChg chg="del">
-          <ac:chgData name="Joseph Wonsil" userId="f7a5a8f17f3cf2df" providerId="Windows Live" clId="Web-{67CC9483-2BB2-46C6-A5D4-96425EC9E7F9}" dt="2023-10-19T21:00:43.402" v="27"/>
-          <ac:spMkLst>
-            <pc:docMk/>
-            <pc:sldMk cId="1645475767" sldId="256"/>
-            <ac:spMk id="26" creationId="{1A397F50-31BF-2C16-56A3-490E4FF86B15}"/>
-          </ac:spMkLst>
-        </pc:spChg>
-        <pc:spChg chg="add mod">
-          <ac:chgData name="Joseph Wonsil" userId="f7a5a8f17f3cf2df" providerId="Windows Live" clId="Web-{67CC9483-2BB2-46C6-A5D4-96425EC9E7F9}" dt="2023-10-19T21:17:42.803" v="177" actId="1076"/>
-          <ac:spMkLst>
-            <pc:docMk/>
-            <pc:sldMk cId="1645475767" sldId="256"/>
-            <ac:spMk id="27" creationId="{17EE57D0-E42E-7D35-85E5-643C04CF2D37}"/>
-          </ac:spMkLst>
-        </pc:spChg>
-        <pc:spChg chg="mod">
-          <ac:chgData name="Joseph Wonsil" userId="f7a5a8f17f3cf2df" providerId="Windows Live" clId="Web-{67CC9483-2BB2-46C6-A5D4-96425EC9E7F9}" dt="2023-10-19T21:28:42.086" v="253" actId="20577"/>
-          <ac:spMkLst>
-            <pc:docMk/>
-            <pc:sldMk cId="1645475767" sldId="256"/>
-            <ac:spMk id="28" creationId="{60C86E43-A887-CEA7-E6E6-67B122EE91E1}"/>
-          </ac:spMkLst>
-        </pc:spChg>
-        <pc:spChg chg="add mod">
-          <ac:chgData name="Joseph Wonsil" userId="f7a5a8f17f3cf2df" providerId="Windows Live" clId="Web-{67CC9483-2BB2-46C6-A5D4-96425EC9E7F9}" dt="2023-10-19T21:20:08.275" v="194" actId="14100"/>
-          <ac:spMkLst>
-            <pc:docMk/>
-            <pc:sldMk cId="1645475767" sldId="256"/>
-            <ac:spMk id="29" creationId="{DDCE7481-5EE9-4AAC-F01E-59B4F23F8A48}"/>
-          </ac:spMkLst>
-        </pc:spChg>
-        <pc:spChg chg="add mod">
-          <ac:chgData name="Joseph Wonsil" userId="f7a5a8f17f3cf2df" providerId="Windows Live" clId="Web-{67CC9483-2BB2-46C6-A5D4-96425EC9E7F9}" dt="2023-10-19T21:20:27.682" v="198" actId="1076"/>
-          <ac:spMkLst>
-            <pc:docMk/>
-            <pc:sldMk cId="1645475767" sldId="256"/>
-            <ac:spMk id="32" creationId="{1F751169-D1D7-6ACB-E1DD-3F84F38FDAE1}"/>
-          </ac:spMkLst>
-        </pc:spChg>
-        <pc:spChg chg="del">
-          <ac:chgData name="Joseph Wonsil" userId="f7a5a8f17f3cf2df" providerId="Windows Live" clId="Web-{67CC9483-2BB2-46C6-A5D4-96425EC9E7F9}" dt="2023-10-19T21:43:10.154" v="351"/>
-          <ac:spMkLst>
-            <pc:docMk/>
-            <pc:sldMk cId="1645475767" sldId="256"/>
-            <ac:spMk id="33" creationId="{B616FDAC-239F-3BA5-52A9-57EC0735B18A}"/>
-          </ac:spMkLst>
-        </pc:spChg>
-        <pc:spChg chg="del">
-          <ac:chgData name="Joseph Wonsil" userId="f7a5a8f17f3cf2df" providerId="Windows Live" clId="Web-{67CC9483-2BB2-46C6-A5D4-96425EC9E7F9}" dt="2023-10-19T21:00:46.980" v="28"/>
-          <ac:spMkLst>
-            <pc:docMk/>
-            <pc:sldMk cId="1645475767" sldId="256"/>
-            <ac:spMk id="35" creationId="{79DFB4C1-7173-2B01-1064-8D6762B11BF5}"/>
-          </ac:spMkLst>
-        </pc:spChg>
-        <pc:spChg chg="add mod">
-          <ac:chgData name="Joseph Wonsil" userId="f7a5a8f17f3cf2df" providerId="Windows Live" clId="Web-{67CC9483-2BB2-46C6-A5D4-96425EC9E7F9}" dt="2023-10-19T21:22:03.700" v="220" actId="1076"/>
-          <ac:spMkLst>
-            <pc:docMk/>
-            <pc:sldMk cId="1645475767" sldId="256"/>
-            <ac:spMk id="36" creationId="{1AD8F266-0FA1-57BB-BBF1-373EB70655FF}"/>
-          </ac:spMkLst>
-        </pc:spChg>
-        <pc:spChg chg="add mod">
-          <ac:chgData name="Joseph Wonsil" userId="f7a5a8f17f3cf2df" providerId="Windows Live" clId="Web-{67CC9483-2BB2-46C6-A5D4-96425EC9E7F9}" dt="2023-10-19T21:21:41.872" v="213" actId="20577"/>
-          <ac:spMkLst>
-            <pc:docMk/>
-            <pc:sldMk cId="1645475767" sldId="256"/>
-            <ac:spMk id="38" creationId="{64EC060F-7690-D1F0-475C-C44712347ABA}"/>
-          </ac:spMkLst>
-        </pc:spChg>
-        <pc:spChg chg="del">
-          <ac:chgData name="Joseph Wonsil" userId="f7a5a8f17f3cf2df" providerId="Windows Live" clId="Web-{67CC9483-2BB2-46C6-A5D4-96425EC9E7F9}" dt="2023-10-19T21:00:49.168" v="29"/>
-          <ac:spMkLst>
-            <pc:docMk/>
-            <pc:sldMk cId="1645475767" sldId="256"/>
-            <ac:spMk id="39" creationId="{6DC816CB-8782-D01C-BC59-A0FB21EA3108}"/>
-          </ac:spMkLst>
-        </pc:spChg>
-        <pc:spChg chg="add mod">
-          <ac:chgData name="Joseph Wonsil" userId="f7a5a8f17f3cf2df" providerId="Windows Live" clId="Web-{67CC9483-2BB2-46C6-A5D4-96425EC9E7F9}" dt="2023-10-19T21:22:28.373" v="224" actId="1076"/>
-          <ac:spMkLst>
-            <pc:docMk/>
-            <pc:sldMk cId="1645475767" sldId="256"/>
-            <ac:spMk id="41" creationId="{6512B431-D175-FDE9-35DB-A1E6D7443B6C}"/>
-          </ac:spMkLst>
-        </pc:spChg>
-        <pc:spChg chg="del">
-          <ac:chgData name="Joseph Wonsil" userId="f7a5a8f17f3cf2df" providerId="Windows Live" clId="Web-{67CC9483-2BB2-46C6-A5D4-96425EC9E7F9}" dt="2023-10-19T21:43:06.842" v="342"/>
-          <ac:spMkLst>
-            <pc:docMk/>
-            <pc:sldMk cId="1645475767" sldId="256"/>
-            <ac:spMk id="43" creationId="{B0ECA40D-A1F1-0CE3-96F9-10D673EB3C97}"/>
-          </ac:spMkLst>
-        </pc:spChg>
-        <pc:spChg chg="add mod">
-          <ac:chgData name="Joseph Wonsil" userId="f7a5a8f17f3cf2df" providerId="Windows Live" clId="Web-{67CC9483-2BB2-46C6-A5D4-96425EC9E7F9}" dt="2023-10-19T21:23:04.639" v="229" actId="1076"/>
-          <ac:spMkLst>
-            <pc:docMk/>
-            <pc:sldMk cId="1645475767" sldId="256"/>
-            <ac:spMk id="44" creationId="{3E091A8C-6111-8A6C-33D3-20BA0A45EFC5}"/>
-          </ac:spMkLst>
-        </pc:spChg>
-        <pc:spChg chg="add mod">
-          <ac:chgData name="Joseph Wonsil" userId="f7a5a8f17f3cf2df" providerId="Windows Live" clId="Web-{67CC9483-2BB2-46C6-A5D4-96425EC9E7F9}" dt="2023-10-19T21:29:13.071" v="259" actId="1076"/>
-          <ac:spMkLst>
-            <pc:docMk/>
-            <pc:sldMk cId="1645475767" sldId="256"/>
-            <ac:spMk id="47" creationId="{B4B4D622-8CCD-1F1B-BDA4-6558D489801B}"/>
-          </ac:spMkLst>
-        </pc:spChg>
-        <pc:spChg chg="del">
-          <ac:chgData name="Joseph Wonsil" userId="f7a5a8f17f3cf2df" providerId="Windows Live" clId="Web-{67CC9483-2BB2-46C6-A5D4-96425EC9E7F9}" dt="2023-10-19T21:08:46.946" v="71"/>
-          <ac:spMkLst>
-            <pc:docMk/>
-            <pc:sldMk cId="1645475767" sldId="256"/>
-            <ac:spMk id="49" creationId="{842C1335-EDA0-BED9-1A06-5454B66B2CE0}"/>
-          </ac:spMkLst>
-        </pc:spChg>
-        <pc:spChg chg="add mod">
-          <ac:chgData name="Joseph Wonsil" userId="f7a5a8f17f3cf2df" providerId="Windows Live" clId="Web-{67CC9483-2BB2-46C6-A5D4-96425EC9E7F9}" dt="2023-10-19T21:29:54.634" v="271" actId="14100"/>
-          <ac:spMkLst>
-            <pc:docMk/>
-            <pc:sldMk cId="1645475767" sldId="256"/>
-            <ac:spMk id="51" creationId="{CBFC71D5-6A2B-3C91-3440-F7A68E13714E}"/>
-          </ac:spMkLst>
-        </pc:spChg>
-        <pc:spChg chg="del">
-          <ac:chgData name="Joseph Wonsil" userId="f7a5a8f17f3cf2df" providerId="Windows Live" clId="Web-{67CC9483-2BB2-46C6-A5D4-96425EC9E7F9}" dt="2023-10-19T21:08:24.023" v="66"/>
-          <ac:spMkLst>
-            <pc:docMk/>
-            <pc:sldMk cId="1645475767" sldId="256"/>
-            <ac:spMk id="52" creationId="{7317D925-AE7B-290C-67A6-493750A3352F}"/>
-          </ac:spMkLst>
-        </pc:spChg>
-        <pc:spChg chg="add mod">
-          <ac:chgData name="Joseph Wonsil" userId="f7a5a8f17f3cf2df" providerId="Windows Live" clId="Web-{67CC9483-2BB2-46C6-A5D4-96425EC9E7F9}" dt="2023-10-19T21:30:12.119" v="275" actId="1076"/>
-          <ac:spMkLst>
-            <pc:docMk/>
-            <pc:sldMk cId="1645475767" sldId="256"/>
-            <ac:spMk id="54" creationId="{BF118E14-6AAF-BDF9-ED62-6E905F777BE0}"/>
-          </ac:spMkLst>
-        </pc:spChg>
-        <pc:spChg chg="del">
-          <ac:chgData name="Joseph Wonsil" userId="f7a5a8f17f3cf2df" providerId="Windows Live" clId="Web-{67CC9483-2BB2-46C6-A5D4-96425EC9E7F9}" dt="2023-10-19T21:08:28.914" v="67"/>
-          <ac:spMkLst>
-            <pc:docMk/>
-            <pc:sldMk cId="1645475767" sldId="256"/>
-            <ac:spMk id="55" creationId="{A5E815BE-843F-B791-FF94-453526BE2EF2}"/>
-          </ac:spMkLst>
-        </pc:spChg>
-        <pc:spChg chg="add mod">
-          <ac:chgData name="Joseph Wonsil" userId="f7a5a8f17f3cf2df" providerId="Windows Live" clId="Web-{67CC9483-2BB2-46C6-A5D4-96425EC9E7F9}" dt="2023-10-19T21:30:37.776" v="285" actId="14100"/>
-          <ac:spMkLst>
-            <pc:docMk/>
-            <pc:sldMk cId="1645475767" sldId="256"/>
-            <ac:spMk id="58" creationId="{50825225-2F2D-5D3D-D0C6-ED0D185F1FC7}"/>
-          </ac:spMkLst>
-        </pc:spChg>
-        <pc:spChg chg="add mod">
-          <ac:chgData name="Joseph Wonsil" userId="f7a5a8f17f3cf2df" providerId="Windows Live" clId="Web-{67CC9483-2BB2-46C6-A5D4-96425EC9E7F9}" dt="2023-10-19T21:31:32.543" v="303" actId="1076"/>
-          <ac:spMkLst>
-            <pc:docMk/>
-            <pc:sldMk cId="1645475767" sldId="256"/>
-            <ac:spMk id="59" creationId="{7EC8E4B0-67B8-283D-2FEC-B11F5B9D721C}"/>
-          </ac:spMkLst>
-        </pc:spChg>
-        <pc:spChg chg="del">
-          <ac:chgData name="Joseph Wonsil" userId="f7a5a8f17f3cf2df" providerId="Windows Live" clId="Web-{67CC9483-2BB2-46C6-A5D4-96425EC9E7F9}" dt="2023-10-19T21:43:12.670" v="353"/>
-          <ac:spMkLst>
-            <pc:docMk/>
-            <pc:sldMk cId="1645475767" sldId="256"/>
-            <ac:spMk id="60" creationId="{35FA7E34-1A13-B6DF-79C2-60F41A23F37B}"/>
-          </ac:spMkLst>
-        </pc:spChg>
-        <pc:spChg chg="del">
-          <ac:chgData name="Joseph Wonsil" userId="f7a5a8f17f3cf2df" providerId="Windows Live" clId="Web-{67CC9483-2BB2-46C6-A5D4-96425EC9E7F9}" dt="2023-10-19T21:00:50.824" v="30"/>
-          <ac:spMkLst>
-            <pc:docMk/>
-            <pc:sldMk cId="1645475767" sldId="256"/>
-            <ac:spMk id="63" creationId="{07A62DDE-C94D-4783-4BFD-408E0B156DED}"/>
-          </ac:spMkLst>
-        </pc:spChg>
-        <pc:spChg chg="add mod">
-          <ac:chgData name="Joseph Wonsil" userId="f7a5a8f17f3cf2df" providerId="Windows Live" clId="Web-{67CC9483-2BB2-46C6-A5D4-96425EC9E7F9}" dt="2023-10-19T21:31:46.434" v="310" actId="1076"/>
-          <ac:spMkLst>
-            <pc:docMk/>
-            <pc:sldMk cId="1645475767" sldId="256"/>
-            <ac:spMk id="64" creationId="{00AF63C8-E610-166A-EB8D-9A5E75D0C542}"/>
-          </ac:spMkLst>
-        </pc:spChg>
-        <pc:spChg chg="add mod">
-          <ac:chgData name="Joseph Wonsil" userId="f7a5a8f17f3cf2df" providerId="Windows Live" clId="Web-{67CC9483-2BB2-46C6-A5D4-96425EC9E7F9}" dt="2023-10-19T21:31:57.200" v="312" actId="20577"/>
-          <ac:spMkLst>
-            <pc:docMk/>
-            <pc:sldMk cId="1645475767" sldId="256"/>
-            <ac:spMk id="65" creationId="{F5A0FF69-C258-EB4C-AD36-26FCB9C84FFB}"/>
-          </ac:spMkLst>
-        </pc:spChg>
-        <pc:spChg chg="add mod">
-          <ac:chgData name="Joseph Wonsil" userId="f7a5a8f17f3cf2df" providerId="Windows Live" clId="Web-{67CC9483-2BB2-46C6-A5D4-96425EC9E7F9}" dt="2023-10-19T21:31:52.622" v="311" actId="20577"/>
-          <ac:spMkLst>
-            <pc:docMk/>
-            <pc:sldMk cId="1645475767" sldId="256"/>
-            <ac:spMk id="67" creationId="{D1DA118C-BB7F-C467-916F-B8CA62C1A73E}"/>
-          </ac:spMkLst>
-        </pc:spChg>
-        <pc:spChg chg="add mod">
-          <ac:chgData name="Joseph Wonsil" userId="f7a5a8f17f3cf2df" providerId="Windows Live" clId="Web-{67CC9483-2BB2-46C6-A5D4-96425EC9E7F9}" dt="2023-10-19T21:32:02.075" v="316" actId="1076"/>
-          <ac:spMkLst>
-            <pc:docMk/>
-            <pc:sldMk cId="1645475767" sldId="256"/>
-            <ac:spMk id="68" creationId="{34FACE16-5128-07C9-FA02-6F8B229E2E29}"/>
-          </ac:spMkLst>
-        </pc:spChg>
-        <pc:spChg chg="del">
-          <ac:chgData name="Joseph Wonsil" userId="f7a5a8f17f3cf2df" providerId="Windows Live" clId="Web-{67CC9483-2BB2-46C6-A5D4-96425EC9E7F9}" dt="2023-10-19T21:43:10.154" v="350"/>
-          <ac:spMkLst>
-            <pc:docMk/>
-            <pc:sldMk cId="1645475767" sldId="256"/>
-            <ac:spMk id="71" creationId="{2A34F01A-7639-BB9B-04EC-3D4D626FAB55}"/>
-          </ac:spMkLst>
-        </pc:spChg>
-        <pc:spChg chg="add mod">
-          <ac:chgData name="Joseph Wonsil" userId="f7a5a8f17f3cf2df" providerId="Windows Live" clId="Web-{67CC9483-2BB2-46C6-A5D4-96425EC9E7F9}" dt="2023-10-19T21:32:02.372" v="318" actId="1076"/>
-          <ac:spMkLst>
-            <pc:docMk/>
-            <pc:sldMk cId="1645475767" sldId="256"/>
-            <ac:spMk id="72" creationId="{DF26985C-D81A-5506-F6AE-ADF0F3049273}"/>
-          </ac:spMkLst>
-        </pc:spChg>
-        <pc:spChg chg="del">
-          <ac:chgData name="Joseph Wonsil" userId="f7a5a8f17f3cf2df" providerId="Windows Live" clId="Web-{67CC9483-2BB2-46C6-A5D4-96425EC9E7F9}" dt="2023-10-19T21:43:09.108" v="343"/>
-          <ac:spMkLst>
-            <pc:docMk/>
-            <pc:sldMk cId="1645475767" sldId="256"/>
-            <ac:spMk id="74" creationId="{52E3ADAE-159A-D64F-DF75-180DC743C4CA}"/>
-          </ac:spMkLst>
-        </pc:spChg>
-        <pc:spChg chg="add mod">
-          <ac:chgData name="Joseph Wonsil" userId="f7a5a8f17f3cf2df" providerId="Windows Live" clId="Web-{67CC9483-2BB2-46C6-A5D4-96425EC9E7F9}" dt="2023-10-19T21:32:15.966" v="322" actId="1076"/>
-          <ac:spMkLst>
-            <pc:docMk/>
-            <pc:sldMk cId="1645475767" sldId="256"/>
-            <ac:spMk id="76" creationId="{FC00C707-CFE2-E5BF-816E-D0477738EF99}"/>
-          </ac:spMkLst>
-        </pc:spChg>
-        <pc:spChg chg="add mod">
-          <ac:chgData name="Joseph Wonsil" userId="f7a5a8f17f3cf2df" providerId="Windows Live" clId="Web-{67CC9483-2BB2-46C6-A5D4-96425EC9E7F9}" dt="2023-10-19T21:32:39.716" v="328" actId="20577"/>
-          <ac:spMkLst>
-            <pc:docMk/>
-            <pc:sldMk cId="1645475767" sldId="256"/>
-            <ac:spMk id="79" creationId="{81AD025B-262E-A140-642B-7B5119375D75}"/>
-          </ac:spMkLst>
-        </pc:spChg>
-        <pc:spChg chg="add mod">
-          <ac:chgData name="Joseph Wonsil" userId="f7a5a8f17f3cf2df" providerId="Windows Live" clId="Web-{67CC9483-2BB2-46C6-A5D4-96425EC9E7F9}" dt="2023-10-19T21:32:49.029" v="332" actId="1076"/>
-          <ac:spMkLst>
-            <pc:docMk/>
-            <pc:sldMk cId="1645475767" sldId="256"/>
-            <ac:spMk id="80" creationId="{B742AF54-6F12-7646-02ED-763846068273}"/>
-          </ac:spMkLst>
-        </pc:spChg>
-        <pc:spChg chg="add mod">
-          <ac:chgData name="Joseph Wonsil" userId="f7a5a8f17f3cf2df" providerId="Windows Live" clId="Web-{67CC9483-2BB2-46C6-A5D4-96425EC9E7F9}" dt="2023-10-19T21:32:49.310" v="334" actId="1076"/>
-          <ac:spMkLst>
-            <pc:docMk/>
-            <pc:sldMk cId="1645475767" sldId="256"/>
-            <ac:spMk id="82" creationId="{BC8D52AF-865C-6AF4-DCE1-6341AA824C2C}"/>
-          </ac:spMkLst>
-        </pc:spChg>
-        <pc:spChg chg="add mod">
-          <ac:chgData name="Joseph Wonsil" userId="f7a5a8f17f3cf2df" providerId="Windows Live" clId="Web-{67CC9483-2BB2-46C6-A5D4-96425EC9E7F9}" dt="2023-10-19T22:05:10.094" v="449" actId="14100"/>
-          <ac:spMkLst>
-            <pc:docMk/>
-            <pc:sldMk cId="1645475767" sldId="256"/>
-            <ac:spMk id="83" creationId="{49EF8866-7E22-6BCA-3E76-56F58BDA0C16}"/>
-          </ac:spMkLst>
-        </pc:spChg>
-        <pc:spChg chg="del">
-          <ac:chgData name="Joseph Wonsil" userId="f7a5a8f17f3cf2df" providerId="Windows Live" clId="Web-{67CC9483-2BB2-46C6-A5D4-96425EC9E7F9}" dt="2023-10-19T21:00:54.183" v="31"/>
-          <ac:spMkLst>
-            <pc:docMk/>
-            <pc:sldMk cId="1645475767" sldId="256"/>
-            <ac:spMk id="84" creationId="{D34F5F8D-B16A-EDE4-A61F-9D0E7E4C7BBC}"/>
-          </ac:spMkLst>
-        </pc:spChg>
-        <pc:spChg chg="add del mod">
-          <ac:chgData name="Joseph Wonsil" userId="f7a5a8f17f3cf2df" providerId="Windows Live" clId="Web-{67CC9483-2BB2-46C6-A5D4-96425EC9E7F9}" dt="2023-10-19T21:44:15.844" v="376"/>
-          <ac:spMkLst>
-            <pc:docMk/>
-            <pc:sldMk cId="1645475767" sldId="256"/>
-            <ac:spMk id="88" creationId="{BD641FD8-3F5F-8BB3-A014-87CDEE07D569}"/>
-          </ac:spMkLst>
-        </pc:spChg>
-        <pc:spChg chg="mod">
-          <ac:chgData name="Joseph Wonsil" userId="f7a5a8f17f3cf2df" providerId="Windows Live" clId="Web-{67CC9483-2BB2-46C6-A5D4-96425EC9E7F9}" dt="2023-10-19T21:28:08.272" v="247" actId="20577"/>
-          <ac:spMkLst>
-            <pc:docMk/>
-            <pc:sldMk cId="1645475767" sldId="256"/>
-            <ac:spMk id="90" creationId="{8A8D6037-92ED-5E61-EE2A-60DD15DDB033}"/>
-          </ac:spMkLst>
-        </pc:spChg>
-        <pc:spChg chg="add del mod">
-          <ac:chgData name="Joseph Wonsil" userId="f7a5a8f17f3cf2df" providerId="Windows Live" clId="Web-{67CC9483-2BB2-46C6-A5D4-96425EC9E7F9}" dt="2023-10-19T21:44:15.844" v="374"/>
-          <ac:spMkLst>
-            <pc:docMk/>
-            <pc:sldMk cId="1645475767" sldId="256"/>
-            <ac:spMk id="91" creationId="{B98D61BF-48FE-DAA3-7DC0-C4FC4F3CB9C7}"/>
-          </ac:spMkLst>
-        </pc:spChg>
-        <pc:spChg chg="add mod">
-          <ac:chgData name="Joseph Wonsil" userId="f7a5a8f17f3cf2df" providerId="Windows Live" clId="Web-{67CC9483-2BB2-46C6-A5D4-96425EC9E7F9}" dt="2023-10-19T21:44:27.719" v="382" actId="1076"/>
-          <ac:spMkLst>
-            <pc:docMk/>
-            <pc:sldMk cId="1645475767" sldId="256"/>
-            <ac:spMk id="94" creationId="{A7D7ABA3-C831-B007-E132-54190CE7F84F}"/>
-          </ac:spMkLst>
-        </pc:spChg>
-        <pc:spChg chg="add mod">
-          <ac:chgData name="Joseph Wonsil" userId="f7a5a8f17f3cf2df" providerId="Windows Live" clId="Web-{67CC9483-2BB2-46C6-A5D4-96425EC9E7F9}" dt="2023-10-19T21:44:27.969" v="384" actId="1076"/>
-          <ac:spMkLst>
-            <pc:docMk/>
-            <pc:sldMk cId="1645475767" sldId="256"/>
-            <ac:spMk id="96" creationId="{ACF845C9-F512-1D84-4A26-6760DFEC5447}"/>
-          </ac:spMkLst>
-        </pc:spChg>
-        <pc:spChg chg="add mod">
-          <ac:chgData name="Joseph Wonsil" userId="f7a5a8f17f3cf2df" providerId="Windows Live" clId="Web-{67CC9483-2BB2-46C6-A5D4-96425EC9E7F9}" dt="2023-10-19T21:45:14.705" v="391" actId="1076"/>
-          <ac:spMkLst>
-            <pc:docMk/>
-            <pc:sldMk cId="1645475767" sldId="256"/>
-            <ac:spMk id="99" creationId="{0A816FDE-FAC6-B8C0-AA92-FC9141B83590}"/>
-          </ac:spMkLst>
-        </pc:spChg>
-        <pc:spChg chg="del">
-          <ac:chgData name="Joseph Wonsil" userId="f7a5a8f17f3cf2df" providerId="Windows Live" clId="Web-{67CC9483-2BB2-46C6-A5D4-96425EC9E7F9}" dt="2023-10-19T21:01:07.215" v="42"/>
-          <ac:spMkLst>
-            <pc:docMk/>
-            <pc:sldMk cId="1645475767" sldId="256"/>
-            <ac:spMk id="100" creationId="{E92B3433-66A4-7341-0A10-1B6541AA2707}"/>
-          </ac:spMkLst>
-        </pc:spChg>
-        <pc:spChg chg="del">
-          <ac:chgData name="Joseph Wonsil" userId="f7a5a8f17f3cf2df" providerId="Windows Live" clId="Web-{67CC9483-2BB2-46C6-A5D4-96425EC9E7F9}" dt="2023-10-19T21:01:05.965" v="40"/>
-          <ac:spMkLst>
-            <pc:docMk/>
-            <pc:sldMk cId="1645475767" sldId="256"/>
-            <ac:spMk id="101" creationId="{1DE6908C-CB8C-CAF2-6CD7-D732B0AB1E33}"/>
-          </ac:spMkLst>
-        </pc:spChg>
-        <pc:spChg chg="del">
-          <ac:chgData name="Joseph Wonsil" userId="f7a5a8f17f3cf2df" providerId="Windows Live" clId="Web-{67CC9483-2BB2-46C6-A5D4-96425EC9E7F9}" dt="2023-10-19T21:01:04.559" v="38"/>
-          <ac:spMkLst>
-            <pc:docMk/>
-            <pc:sldMk cId="1645475767" sldId="256"/>
-            <ac:spMk id="102" creationId="{BAB78B8E-574B-3156-CD83-4D165FEDCC4F}"/>
-          </ac:spMkLst>
-        </pc:spChg>
-        <pc:spChg chg="del">
-          <ac:chgData name="Joseph Wonsil" userId="f7a5a8f17f3cf2df" providerId="Windows Live" clId="Web-{67CC9483-2BB2-46C6-A5D4-96425EC9E7F9}" dt="2023-10-19T21:01:03.215" v="36"/>
-          <ac:spMkLst>
-            <pc:docMk/>
-            <pc:sldMk cId="1645475767" sldId="256"/>
-            <ac:spMk id="103" creationId="{0C69731E-2E67-A043-504E-23C966E68671}"/>
-          </ac:spMkLst>
-        </pc:spChg>
-        <pc:spChg chg="del">
-          <ac:chgData name="Joseph Wonsil" userId="f7a5a8f17f3cf2df" providerId="Windows Live" clId="Web-{67CC9483-2BB2-46C6-A5D4-96425EC9E7F9}" dt="2023-10-19T21:01:01.981" v="34"/>
-          <ac:spMkLst>
-            <pc:docMk/>
-            <pc:sldMk cId="1645475767" sldId="256"/>
-            <ac:spMk id="105" creationId="{2ACDEB4D-3118-62F1-B8A8-ADB24DBACF82}"/>
-          </ac:spMkLst>
-        </pc:spChg>
-        <pc:spChg chg="del">
-          <ac:chgData name="Joseph Wonsil" userId="f7a5a8f17f3cf2df" providerId="Windows Live" clId="Web-{67CC9483-2BB2-46C6-A5D4-96425EC9E7F9}" dt="2023-10-19T21:27:29.005" v="239"/>
-          <ac:spMkLst>
-            <pc:docMk/>
-            <pc:sldMk cId="1645475767" sldId="256"/>
-            <ac:spMk id="106" creationId="{4B49D07C-8A79-6007-E41D-E45A4FC9D8C6}"/>
-          </ac:spMkLst>
-        </pc:spChg>
-        <pc:spChg chg="add mod">
-          <ac:chgData name="Joseph Wonsil" userId="f7a5a8f17f3cf2df" providerId="Windows Live" clId="Web-{67CC9483-2BB2-46C6-A5D4-96425EC9E7F9}" dt="2023-10-19T21:47:36.005" v="413" actId="1076"/>
-          <ac:spMkLst>
-            <pc:docMk/>
-            <pc:sldMk cId="1645475767" sldId="256"/>
-            <ac:spMk id="110" creationId="{9B0EFE21-04EF-0A27-A373-5D737250BADB}"/>
-          </ac:spMkLst>
-        </pc:spChg>
-        <pc:spChg chg="add mod">
-          <ac:chgData name="Joseph Wonsil" userId="f7a5a8f17f3cf2df" providerId="Windows Live" clId="Web-{67CC9483-2BB2-46C6-A5D4-96425EC9E7F9}" dt="2023-10-19T21:47:47.255" v="419" actId="1076"/>
-          <ac:spMkLst>
-            <pc:docMk/>
-            <pc:sldMk cId="1645475767" sldId="256"/>
-            <ac:spMk id="111" creationId="{A6BC6F61-BFF1-89D1-F4C9-3FD0273AA64C}"/>
-          </ac:spMkLst>
-        </pc:spChg>
-        <pc:spChg chg="add mod">
-          <ac:chgData name="Joseph Wonsil" userId="f7a5a8f17f3cf2df" providerId="Windows Live" clId="Web-{67CC9483-2BB2-46C6-A5D4-96425EC9E7F9}" dt="2023-10-19T21:47:53.349" v="422" actId="20577"/>
-          <ac:spMkLst>
-            <pc:docMk/>
-            <pc:sldMk cId="1645475767" sldId="256"/>
-            <ac:spMk id="112" creationId="{F7D9D98D-C43A-4076-4146-3C2D8E5E6FBD}"/>
-          </ac:spMkLst>
-        </pc:spChg>
-        <pc:spChg chg="add mod">
-          <ac:chgData name="Joseph Wonsil" userId="f7a5a8f17f3cf2df" providerId="Windows Live" clId="Web-{67CC9483-2BB2-46C6-A5D4-96425EC9E7F9}" dt="2023-10-19T21:48:20.834" v="426" actId="20577"/>
-          <ac:spMkLst>
-            <pc:docMk/>
-            <pc:sldMk cId="1645475767" sldId="256"/>
-            <ac:spMk id="113" creationId="{98509700-1543-63AE-3D92-B942ABC99B4B}"/>
-          </ac:spMkLst>
-        </pc:spChg>
-        <pc:spChg chg="add mod">
-          <ac:chgData name="Joseph Wonsil" userId="f7a5a8f17f3cf2df" providerId="Windows Live" clId="Web-{67CC9483-2BB2-46C6-A5D4-96425EC9E7F9}" dt="2023-10-19T21:49:25.508" v="440" actId="1076"/>
-          <ac:spMkLst>
-            <pc:docMk/>
-            <pc:sldMk cId="1645475767" sldId="256"/>
-            <ac:spMk id="115" creationId="{8F5D90A4-184A-2FEB-BC5B-1282DD0F3025}"/>
-          </ac:spMkLst>
-        </pc:spChg>
-        <pc:spChg chg="add mod">
-          <ac:chgData name="Joseph Wonsil" userId="f7a5a8f17f3cf2df" providerId="Windows Live" clId="Web-{67CC9483-2BB2-46C6-A5D4-96425EC9E7F9}" dt="2023-10-19T21:50:04.040" v="448" actId="20577"/>
-          <ac:spMkLst>
-            <pc:docMk/>
-            <pc:sldMk cId="1645475767" sldId="256"/>
-            <ac:spMk id="117" creationId="{0F7BF592-580F-E24B-944A-40A3FACEDE32}"/>
-          </ac:spMkLst>
-        </pc:spChg>
-        <pc:spChg chg="del">
-          <ac:chgData name="Joseph Wonsil" userId="f7a5a8f17f3cf2df" providerId="Windows Live" clId="Web-{67CC9483-2BB2-46C6-A5D4-96425EC9E7F9}" dt="2023-10-19T21:43:12.670" v="352"/>
-          <ac:spMkLst>
-            <pc:docMk/>
-            <pc:sldMk cId="1645475767" sldId="256"/>
-            <ac:spMk id="139" creationId="{802C46F5-7BD6-F450-D2B4-347C92B57CFE}"/>
-          </ac:spMkLst>
-        </pc:spChg>
-        <pc:spChg chg="mod">
-          <ac:chgData name="Joseph Wonsil" userId="f7a5a8f17f3cf2df" providerId="Windows Live" clId="Web-{67CC9483-2BB2-46C6-A5D4-96425EC9E7F9}" dt="2023-10-19T21:45:22.252" v="392" actId="1076"/>
-          <ac:spMkLst>
-            <pc:docMk/>
-            <pc:sldMk cId="1645475767" sldId="256"/>
-            <ac:spMk id="144" creationId="{3BA36D46-2F89-D8A4-A60C-17E29D68CFA5}"/>
-          </ac:spMkLst>
-        </pc:spChg>
-        <pc:spChg chg="del mod">
-          <ac:chgData name="Joseph Wonsil" userId="f7a5a8f17f3cf2df" providerId="Windows Live" clId="Web-{67CC9483-2BB2-46C6-A5D4-96425EC9E7F9}" dt="2023-10-19T21:43:05.514" v="340"/>
-          <ac:spMkLst>
-            <pc:docMk/>
-            <pc:sldMk cId="1645475767" sldId="256"/>
-            <ac:spMk id="157" creationId="{2EC089FA-274C-2CBC-86EB-EAA86F31FDEF}"/>
-          </ac:spMkLst>
-        </pc:spChg>
-        <pc:spChg chg="del">
-          <ac:chgData name="Joseph Wonsil" userId="f7a5a8f17f3cf2df" providerId="Windows Live" clId="Web-{67CC9483-2BB2-46C6-A5D4-96425EC9E7F9}" dt="2023-10-19T21:13:08.124" v="128"/>
-          <ac:spMkLst>
-            <pc:docMk/>
-            <pc:sldMk cId="1645475767" sldId="256"/>
-            <ac:spMk id="159" creationId="{FAA5B709-EF66-0E55-121C-2E5288DA869C}"/>
-          </ac:spMkLst>
-        </pc:spChg>
-        <pc:spChg chg="del">
-          <ac:chgData name="Joseph Wonsil" userId="f7a5a8f17f3cf2df" providerId="Windows Live" clId="Web-{67CC9483-2BB2-46C6-A5D4-96425EC9E7F9}" dt="2023-10-19T21:13:10.249" v="130"/>
-          <ac:spMkLst>
-            <pc:docMk/>
-            <pc:sldMk cId="1645475767" sldId="256"/>
-            <ac:spMk id="170" creationId="{BFAB41F3-F9EF-C391-5021-8D23B909B24B}"/>
-          </ac:spMkLst>
-        </pc:spChg>
-        <pc:spChg chg="del">
-          <ac:chgData name="Joseph Wonsil" userId="f7a5a8f17f3cf2df" providerId="Windows Live" clId="Web-{67CC9483-2BB2-46C6-A5D4-96425EC9E7F9}" dt="2023-10-19T21:13:06.843" v="127"/>
-          <ac:spMkLst>
-            <pc:docMk/>
-            <pc:sldMk cId="1645475767" sldId="256"/>
-            <ac:spMk id="181" creationId="{248CC43D-90F5-671B-FC25-CD2136983D57}"/>
-          </ac:spMkLst>
-        </pc:spChg>
-        <pc:spChg chg="del">
-          <ac:chgData name="Joseph Wonsil" userId="f7a5a8f17f3cf2df" providerId="Windows Live" clId="Web-{67CC9483-2BB2-46C6-A5D4-96425EC9E7F9}" dt="2023-10-19T21:13:09.171" v="129"/>
-          <ac:spMkLst>
-            <pc:docMk/>
-            <pc:sldMk cId="1645475767" sldId="256"/>
-            <ac:spMk id="182" creationId="{907D58AE-50C8-F93D-1136-78E6BCCC8072}"/>
-          </ac:spMkLst>
-        </pc:spChg>
-        <pc:spChg chg="del">
-          <ac:chgData name="Joseph Wonsil" userId="f7a5a8f17f3cf2df" providerId="Windows Live" clId="Web-{67CC9483-2BB2-46C6-A5D4-96425EC9E7F9}" dt="2023-10-19T21:43:10.154" v="349"/>
-          <ac:spMkLst>
-            <pc:docMk/>
-            <pc:sldMk cId="1645475767" sldId="256"/>
-            <ac:spMk id="196" creationId="{64A37683-F464-6803-A853-1D36D77E903B}"/>
-          </ac:spMkLst>
-        </pc:spChg>
-        <pc:spChg chg="del">
-          <ac:chgData name="Joseph Wonsil" userId="f7a5a8f17f3cf2df" providerId="Windows Live" clId="Web-{67CC9483-2BB2-46C6-A5D4-96425EC9E7F9}" dt="2023-10-19T21:43:10.154" v="348"/>
-          <ac:spMkLst>
-            <pc:docMk/>
-            <pc:sldMk cId="1645475767" sldId="256"/>
-            <ac:spMk id="197" creationId="{C7BEE81F-D7A4-129C-136B-6AD53A842FE7}"/>
-          </ac:spMkLst>
-        </pc:spChg>
-        <pc:spChg chg="del">
-          <ac:chgData name="Joseph Wonsil" userId="f7a5a8f17f3cf2df" providerId="Windows Live" clId="Web-{67CC9483-2BB2-46C6-A5D4-96425EC9E7F9}" dt="2023-10-19T21:43:10.154" v="347"/>
-          <ac:spMkLst>
-            <pc:docMk/>
-            <pc:sldMk cId="1645475767" sldId="256"/>
-            <ac:spMk id="198" creationId="{97481AB8-5857-3AC0-BCB6-E2A7EF4E71A4}"/>
-          </ac:spMkLst>
-        </pc:spChg>
-        <pc:spChg chg="del">
-          <ac:chgData name="Joseph Wonsil" userId="f7a5a8f17f3cf2df" providerId="Windows Live" clId="Web-{67CC9483-2BB2-46C6-A5D4-96425EC9E7F9}" dt="2023-10-19T21:43:10.154" v="346"/>
-          <ac:spMkLst>
-            <pc:docMk/>
-            <pc:sldMk cId="1645475767" sldId="256"/>
-            <ac:spMk id="204" creationId="{AF0B4C90-7F51-3154-21DD-F141AA6B7D1C}"/>
-          </ac:spMkLst>
-        </pc:spChg>
-        <pc:spChg chg="del">
-          <ac:chgData name="Joseph Wonsil" userId="f7a5a8f17f3cf2df" providerId="Windows Live" clId="Web-{67CC9483-2BB2-46C6-A5D4-96425EC9E7F9}" dt="2023-10-19T21:43:10.154" v="345"/>
-          <ac:spMkLst>
-            <pc:docMk/>
-            <pc:sldMk cId="1645475767" sldId="256"/>
-            <ac:spMk id="207" creationId="{83505876-8FEF-325E-3C41-C080552E164D}"/>
-          </ac:spMkLst>
-        </pc:spChg>
-        <pc:spChg chg="del">
-          <ac:chgData name="Joseph Wonsil" userId="f7a5a8f17f3cf2df" providerId="Windows Live" clId="Web-{67CC9483-2BB2-46C6-A5D4-96425EC9E7F9}" dt="2023-10-19T21:43:10.154" v="344"/>
-          <ac:spMkLst>
-            <pc:docMk/>
-            <pc:sldMk cId="1645475767" sldId="256"/>
-            <ac:spMk id="209" creationId="{3607486D-7794-339C-97B9-508DD9223B9A}"/>
-          </ac:spMkLst>
-        </pc:spChg>
-        <pc:spChg chg="mod">
-          <ac:chgData name="Joseph Wonsil" userId="f7a5a8f17f3cf2df" providerId="Windows Live" clId="Web-{67CC9483-2BB2-46C6-A5D4-96425EC9E7F9}" dt="2023-10-19T20:59:03.712" v="13" actId="14100"/>
-          <ac:spMkLst>
-            <pc:docMk/>
-            <pc:sldMk cId="1645475767" sldId="256"/>
-            <ac:spMk id="212" creationId="{E55F2EEF-5883-D72A-7FCC-5638BC1DCDEB}"/>
-          </ac:spMkLst>
-        </pc:spChg>
-        <pc:spChg chg="mod">
-          <ac:chgData name="Joseph Wonsil" userId="f7a5a8f17f3cf2df" providerId="Windows Live" clId="Web-{67CC9483-2BB2-46C6-A5D4-96425EC9E7F9}" dt="2023-10-19T21:14:28.251" v="138" actId="14100"/>
-          <ac:spMkLst>
-            <pc:docMk/>
-            <pc:sldMk cId="1645475767" sldId="256"/>
-            <ac:spMk id="218" creationId="{766078B8-ECF8-60EF-9212-6287758A5D20}"/>
-          </ac:spMkLst>
-        </pc:spChg>
-        <pc:spChg chg="del">
-          <ac:chgData name="Joseph Wonsil" userId="f7a5a8f17f3cf2df" providerId="Windows Live" clId="Web-{67CC9483-2BB2-46C6-A5D4-96425EC9E7F9}" dt="2023-10-19T21:01:51.716" v="53"/>
-          <ac:spMkLst>
-            <pc:docMk/>
-            <pc:sldMk cId="1645475767" sldId="256"/>
-            <ac:spMk id="221" creationId="{A704D209-4118-707C-FBA2-39647729D7FE}"/>
-          </ac:spMkLst>
-        </pc:spChg>
-        <pc:spChg chg="del">
-          <ac:chgData name="Joseph Wonsil" userId="f7a5a8f17f3cf2df" providerId="Windows Live" clId="Web-{67CC9483-2BB2-46C6-A5D4-96425EC9E7F9}" dt="2023-10-19T21:08:43.805" v="69"/>
-          <ac:spMkLst>
-            <pc:docMk/>
-            <pc:sldMk cId="1645475767" sldId="256"/>
-            <ac:spMk id="222" creationId="{A73DA923-B0C2-24D3-3223-F3EECA14D156}"/>
-          </ac:spMkLst>
-        </pc:spChg>
-        <pc:spChg chg="del">
-          <ac:chgData name="Joseph Wonsil" userId="f7a5a8f17f3cf2df" providerId="Windows Live" clId="Web-{67CC9483-2BB2-46C6-A5D4-96425EC9E7F9}" dt="2023-10-19T21:01:28.450" v="46"/>
-          <ac:spMkLst>
-            <pc:docMk/>
-            <pc:sldMk cId="1645475767" sldId="256"/>
-            <ac:spMk id="223" creationId="{98EA81B1-9379-5562-E87C-6BE04285588F}"/>
-          </ac:spMkLst>
-        </pc:spChg>
-        <pc:spChg chg="del">
-          <ac:chgData name="Joseph Wonsil" userId="f7a5a8f17f3cf2df" providerId="Windows Live" clId="Web-{67CC9483-2BB2-46C6-A5D4-96425EC9E7F9}" dt="2023-10-19T21:01:31.856" v="48"/>
-          <ac:spMkLst>
-            <pc:docMk/>
-            <pc:sldMk cId="1645475767" sldId="256"/>
-            <ac:spMk id="225" creationId="{850CBD32-7AD7-DF07-FBE9-7EBE8B911969}"/>
-          </ac:spMkLst>
-        </pc:spChg>
-        <pc:spChg chg="del">
-          <ac:chgData name="Joseph Wonsil" userId="f7a5a8f17f3cf2df" providerId="Windows Live" clId="Web-{67CC9483-2BB2-46C6-A5D4-96425EC9E7F9}" dt="2023-10-19T21:01:32.778" v="49"/>
-          <ac:spMkLst>
-            <pc:docMk/>
-            <pc:sldMk cId="1645475767" sldId="256"/>
-            <ac:spMk id="226" creationId="{7040D6DB-B4BE-DAC4-5921-1A9850EC0EEC}"/>
-          </ac:spMkLst>
-        </pc:spChg>
-        <pc:spChg chg="del">
-          <ac:chgData name="Joseph Wonsil" userId="f7a5a8f17f3cf2df" providerId="Windows Live" clId="Web-{67CC9483-2BB2-46C6-A5D4-96425EC9E7F9}" dt="2023-10-19T21:01:33.747" v="50"/>
-          <ac:spMkLst>
-            <pc:docMk/>
-            <pc:sldMk cId="1645475767" sldId="256"/>
-            <ac:spMk id="227" creationId="{DA5E22C1-9470-3167-CB75-B1290B4FB1C7}"/>
-          </ac:spMkLst>
-        </pc:spChg>
-        <pc:spChg chg="del">
-          <ac:chgData name="Joseph Wonsil" userId="f7a5a8f17f3cf2df" providerId="Windows Live" clId="Web-{67CC9483-2BB2-46C6-A5D4-96425EC9E7F9}" dt="2023-10-19T21:08:55.899" v="78"/>
-          <ac:spMkLst>
-            <pc:docMk/>
-            <pc:sldMk cId="1645475767" sldId="256"/>
-            <ac:spMk id="230" creationId="{A412271C-0293-8FAC-A024-C597CF244023}"/>
-          </ac:spMkLst>
-        </pc:spChg>
-        <pc:spChg chg="del">
-          <ac:chgData name="Joseph Wonsil" userId="f7a5a8f17f3cf2df" providerId="Windows Live" clId="Web-{67CC9483-2BB2-46C6-A5D4-96425EC9E7F9}" dt="2023-10-19T21:08:55.836" v="77"/>
-          <ac:spMkLst>
-            <pc:docMk/>
-            <pc:sldMk cId="1645475767" sldId="256"/>
-            <ac:spMk id="238" creationId="{EBDD0F59-C0A1-5DFE-3F5E-F797A3C05FA3}"/>
-          </ac:spMkLst>
-        </pc:spChg>
-        <pc:spChg chg="del">
-          <ac:chgData name="Joseph Wonsil" userId="f7a5a8f17f3cf2df" providerId="Windows Live" clId="Web-{67CC9483-2BB2-46C6-A5D4-96425EC9E7F9}" dt="2023-10-19T21:08:55.774" v="76"/>
-          <ac:spMkLst>
-            <pc:docMk/>
-            <pc:sldMk cId="1645475767" sldId="256"/>
-            <ac:spMk id="240" creationId="{65D2929C-1097-3DCB-AD36-0DC797EDF22D}"/>
-          </ac:spMkLst>
-        </pc:spChg>
-        <pc:spChg chg="del">
-          <ac:chgData name="Joseph Wonsil" userId="f7a5a8f17f3cf2df" providerId="Windows Live" clId="Web-{67CC9483-2BB2-46C6-A5D4-96425EC9E7F9}" dt="2023-10-19T21:01:53.435" v="54"/>
-          <ac:spMkLst>
-            <pc:docMk/>
-            <pc:sldMk cId="1645475767" sldId="256"/>
-            <ac:spMk id="254" creationId="{D69DA629-519B-B2FA-292E-D394590F6BEE}"/>
-          </ac:spMkLst>
-        </pc:spChg>
-        <pc:spChg chg="del">
-          <ac:chgData name="Joseph Wonsil" userId="f7a5a8f17f3cf2df" providerId="Windows Live" clId="Web-{67CC9483-2BB2-46C6-A5D4-96425EC9E7F9}" dt="2023-10-19T21:08:55.696" v="75"/>
-          <ac:spMkLst>
-            <pc:docMk/>
-            <pc:sldMk cId="1645475767" sldId="256"/>
-            <ac:spMk id="268" creationId="{449FE6F4-DC13-BF05-AF6E-73E38ACE71B8}"/>
-          </ac:spMkLst>
-        </pc:spChg>
-        <pc:spChg chg="del">
-          <ac:chgData name="Joseph Wonsil" userId="f7a5a8f17f3cf2df" providerId="Windows Live" clId="Web-{67CC9483-2BB2-46C6-A5D4-96425EC9E7F9}" dt="2023-10-19T21:08:55.696" v="74"/>
-          <ac:spMkLst>
-            <pc:docMk/>
-            <pc:sldMk cId="1645475767" sldId="256"/>
-            <ac:spMk id="272" creationId="{9FB30DB4-3A65-8325-66C1-1C35BDDCC64B}"/>
-          </ac:spMkLst>
-        </pc:spChg>
-        <pc:spChg chg="del">
-          <ac:chgData name="Joseph Wonsil" userId="f7a5a8f17f3cf2df" providerId="Windows Live" clId="Web-{67CC9483-2BB2-46C6-A5D4-96425EC9E7F9}" dt="2023-10-19T21:01:54.388" v="56"/>
-          <ac:spMkLst>
-            <pc:docMk/>
-            <pc:sldMk cId="1645475767" sldId="256"/>
-            <ac:spMk id="281" creationId="{6B7888B1-5AC7-5F61-2E31-6969BD259062}"/>
-          </ac:spMkLst>
-        </pc:spChg>
-        <pc:spChg chg="del">
-          <ac:chgData name="Joseph Wonsil" userId="f7a5a8f17f3cf2df" providerId="Windows Live" clId="Web-{67CC9483-2BB2-46C6-A5D4-96425EC9E7F9}" dt="2023-10-19T21:01:53.826" v="55"/>
-          <ac:spMkLst>
-            <pc:docMk/>
-            <pc:sldMk cId="1645475767" sldId="256"/>
-            <ac:spMk id="286" creationId="{298BECD7-46E2-C328-55E6-A45B4670BECA}"/>
-          </ac:spMkLst>
-        </pc:spChg>
-        <pc:spChg chg="mod">
-          <ac:chgData name="Joseph Wonsil" userId="f7a5a8f17f3cf2df" providerId="Windows Live" clId="Web-{67CC9483-2BB2-46C6-A5D4-96425EC9E7F9}" dt="2023-10-19T21:08:04.976" v="63" actId="1076"/>
-          <ac:spMkLst>
-            <pc:docMk/>
-            <pc:sldMk cId="1645475767" sldId="256"/>
-            <ac:spMk id="308" creationId="{989CDA4F-A434-3232-BF4A-9BF9789ACE4B}"/>
-          </ac:spMkLst>
-        </pc:spChg>
-        <pc:spChg chg="mod">
-          <ac:chgData name="Joseph Wonsil" userId="f7a5a8f17f3cf2df" providerId="Windows Live" clId="Web-{67CC9483-2BB2-46C6-A5D4-96425EC9E7F9}" dt="2023-10-19T21:08:49.711" v="72" actId="1076"/>
-          <ac:spMkLst>
-            <pc:docMk/>
-            <pc:sldMk cId="1645475767" sldId="256"/>
-            <ac:spMk id="318" creationId="{63B3D97B-2E6C-1258-48F9-8C783923327E}"/>
-          </ac:spMkLst>
-        </pc:spChg>
-        <pc:grpChg chg="del">
-          <ac:chgData name="Joseph Wonsil" userId="f7a5a8f17f3cf2df" providerId="Windows Live" clId="Web-{67CC9483-2BB2-46C6-A5D4-96425EC9E7F9}" dt="2023-10-19T21:01:29.372" v="47"/>
-          <ac:grpSpMkLst>
-            <pc:docMk/>
-            <pc:sldMk cId="1645475767" sldId="256"/>
-            <ac:grpSpMk id="301" creationId="{DD4639EE-10B2-D0BE-C573-62FDD98D4E33}"/>
-          </ac:grpSpMkLst>
-        </pc:grpChg>
-        <pc:grpChg chg="del mod">
-          <ac:chgData name="Joseph Wonsil" userId="f7a5a8f17f3cf2df" providerId="Windows Live" clId="Web-{67CC9483-2BB2-46C6-A5D4-96425EC9E7F9}" dt="2023-10-19T21:08:57.071" v="79"/>
-          <ac:grpSpMkLst>
-            <pc:docMk/>
-            <pc:sldMk cId="1645475767" sldId="256"/>
-            <ac:grpSpMk id="321" creationId="{CFCEC70D-EE9E-8FF5-A986-8ABFF51B0B67}"/>
-          </ac:grpSpMkLst>
-        </pc:grpChg>
-        <pc:grpChg chg="del">
-          <ac:chgData name="Joseph Wonsil" userId="f7a5a8f17f3cf2df" providerId="Windows Live" clId="Web-{67CC9483-2BB2-46C6-A5D4-96425EC9E7F9}" dt="2023-10-19T21:08:55.680" v="73"/>
-          <ac:grpSpMkLst>
-            <pc:docMk/>
-            <pc:sldMk cId="1645475767" sldId="256"/>
-            <ac:grpSpMk id="345" creationId="{A5E5AD25-3A1E-D595-C5A1-A8F9193493ED}"/>
-          </ac:grpSpMkLst>
-        </pc:grpChg>
-        <pc:cxnChg chg="add del mod">
-          <ac:chgData name="Joseph Wonsil" userId="f7a5a8f17f3cf2df" providerId="Windows Live" clId="Web-{67CC9483-2BB2-46C6-A5D4-96425EC9E7F9}" dt="2023-10-19T21:09:28.806" v="90"/>
-          <ac:cxnSpMkLst>
-            <pc:docMk/>
-            <pc:sldMk cId="1645475767" sldId="256"/>
-            <ac:cxnSpMk id="2" creationId="{9052726D-0116-41C9-325C-DA5A8B9C7200}"/>
-          </ac:cxnSpMkLst>
-        </pc:cxnChg>
-        <pc:cxnChg chg="add mod">
-          <ac:chgData name="Joseph Wonsil" userId="f7a5a8f17f3cf2df" providerId="Windows Live" clId="Web-{67CC9483-2BB2-46C6-A5D4-96425EC9E7F9}" dt="2023-10-19T21:45:32.174" v="394" actId="14100"/>
-          <ac:cxnSpMkLst>
-            <pc:docMk/>
-            <pc:sldMk cId="1645475767" sldId="256"/>
-            <ac:cxnSpMk id="3" creationId="{63F37F73-1565-6922-1A4D-AD5D36408EE7}"/>
-          </ac:cxnSpMkLst>
-        </pc:cxnChg>
-        <pc:cxnChg chg="mod">
-          <ac:chgData name="Joseph Wonsil" userId="f7a5a8f17f3cf2df" providerId="Windows Live" clId="Web-{67CC9483-2BB2-46C6-A5D4-96425EC9E7F9}" dt="2023-10-19T21:14:51.533" v="143" actId="14100"/>
-          <ac:cxnSpMkLst>
-            <pc:docMk/>
-            <pc:sldMk cId="1645475767" sldId="256"/>
-            <ac:cxnSpMk id="4" creationId="{1FAF49EF-246B-5065-399F-6F3D99F68D6C}"/>
-          </ac:cxnSpMkLst>
-        </pc:cxnChg>
-        <pc:cxnChg chg="mod">
-          <ac:chgData name="Joseph Wonsil" userId="f7a5a8f17f3cf2df" providerId="Windows Live" clId="Web-{67CC9483-2BB2-46C6-A5D4-96425EC9E7F9}" dt="2023-10-19T20:58:53.133" v="9" actId="14100"/>
-          <ac:cxnSpMkLst>
-            <pc:docMk/>
-            <pc:sldMk cId="1645475767" sldId="256"/>
-            <ac:cxnSpMk id="8" creationId="{E3A3FFC5-3ECB-F504-1EB7-79E7359B9CFC}"/>
-          </ac:cxnSpMkLst>
-        </pc:cxnChg>
-        <pc:cxnChg chg="del mod">
-          <ac:chgData name="Joseph Wonsil" userId="f7a5a8f17f3cf2df" providerId="Windows Live" clId="Web-{67CC9483-2BB2-46C6-A5D4-96425EC9E7F9}" dt="2023-10-19T21:07:41.428" v="60"/>
-          <ac:cxnSpMkLst>
-            <pc:docMk/>
-            <pc:sldMk cId="1645475767" sldId="256"/>
-            <ac:cxnSpMk id="9" creationId="{0A563654-6AF8-5959-7EF7-1707843DF81A}"/>
-          </ac:cxnSpMkLst>
-        </pc:cxnChg>
-        <pc:cxnChg chg="add mod">
-          <ac:chgData name="Joseph Wonsil" userId="f7a5a8f17f3cf2df" providerId="Windows Live" clId="Web-{67CC9483-2BB2-46C6-A5D4-96425EC9E7F9}" dt="2023-10-19T21:19:35.243" v="182" actId="1076"/>
-          <ac:cxnSpMkLst>
-            <pc:docMk/>
-            <pc:sldMk cId="1645475767" sldId="256"/>
-            <ac:cxnSpMk id="11" creationId="{517CEBC0-383D-39C0-D39A-BF4C87361C6F}"/>
-          </ac:cxnSpMkLst>
-        </pc:cxnChg>
-        <pc:cxnChg chg="add mod">
-          <ac:chgData name="Joseph Wonsil" userId="f7a5a8f17f3cf2df" providerId="Windows Live" clId="Web-{67CC9483-2BB2-46C6-A5D4-96425EC9E7F9}" dt="2023-10-19T21:19:44.150" v="184" actId="1076"/>
-          <ac:cxnSpMkLst>
-            <pc:docMk/>
-            <pc:sldMk cId="1645475767" sldId="256"/>
-            <ac:cxnSpMk id="14" creationId="{8ED0136A-702F-ABCF-6004-6FEE38C0006F}"/>
-          </ac:cxnSpMkLst>
-        </pc:cxnChg>
-        <pc:cxnChg chg="add del mod">
-          <ac:chgData name="Joseph Wonsil" userId="f7a5a8f17f3cf2df" providerId="Windows Live" clId="Web-{67CC9483-2BB2-46C6-A5D4-96425EC9E7F9}" dt="2023-10-19T21:15:15.346" v="148"/>
-          <ac:cxnSpMkLst>
-            <pc:docMk/>
-            <pc:sldMk cId="1645475767" sldId="256"/>
-            <ac:cxnSpMk id="17" creationId="{95CCA4A3-B30E-FF56-FD05-F88C116476E4}"/>
-          </ac:cxnSpMkLst>
-        </pc:cxnChg>
-        <pc:cxnChg chg="add del mod">
-          <ac:chgData name="Joseph Wonsil" userId="f7a5a8f17f3cf2df" providerId="Windows Live" clId="Web-{67CC9483-2BB2-46C6-A5D4-96425EC9E7F9}" dt="2023-10-19T21:17:14.568" v="171"/>
-          <ac:cxnSpMkLst>
-            <pc:docMk/>
-            <pc:sldMk cId="1645475767" sldId="256"/>
-            <ac:cxnSpMk id="18" creationId="{3C1721C6-B804-5CA2-386E-918D40D34EF6}"/>
-          </ac:cxnSpMkLst>
-        </pc:cxnChg>
-        <pc:cxnChg chg="add mod">
-          <ac:chgData name="Joseph Wonsil" userId="f7a5a8f17f3cf2df" providerId="Windows Live" clId="Web-{67CC9483-2BB2-46C6-A5D4-96425EC9E7F9}" dt="2023-10-19T21:16:43.458" v="164"/>
-          <ac:cxnSpMkLst>
-            <pc:docMk/>
-            <pc:sldMk cId="1645475767" sldId="256"/>
-            <ac:cxnSpMk id="21" creationId="{07D1431F-AA7C-BC65-FB53-423D383084D4}"/>
-          </ac:cxnSpMkLst>
-        </pc:cxnChg>
-        <pc:cxnChg chg="del mod">
-          <ac:chgData name="Joseph Wonsil" userId="f7a5a8f17f3cf2df" providerId="Windows Live" clId="Web-{67CC9483-2BB2-46C6-A5D4-96425EC9E7F9}" dt="2023-10-19T21:01:24.966" v="45"/>
-          <ac:cxnSpMkLst>
-            <pc:docMk/>
-            <pc:sldMk cId="1645475767" sldId="256"/>
-            <ac:cxnSpMk id="23" creationId="{23D61AF6-840C-7E29-57B3-7DB3D4B2CB5B}"/>
-          </ac:cxnSpMkLst>
-        </pc:cxnChg>
-        <pc:cxnChg chg="add mod">
-          <ac:chgData name="Joseph Wonsil" userId="f7a5a8f17f3cf2df" providerId="Windows Live" clId="Web-{67CC9483-2BB2-46C6-A5D4-96425EC9E7F9}" dt="2023-10-19T21:29:30.040" v="263" actId="1076"/>
-          <ac:cxnSpMkLst>
-            <pc:docMk/>
-            <pc:sldMk cId="1645475767" sldId="256"/>
-            <ac:cxnSpMk id="24" creationId="{FC2512A0-0E15-D14E-C285-8BA41957071A}"/>
-          </ac:cxnSpMkLst>
-        </pc:cxnChg>
-        <pc:cxnChg chg="del mod">
-          <ac:chgData name="Joseph Wonsil" userId="f7a5a8f17f3cf2df" providerId="Windows Live" clId="Web-{67CC9483-2BB2-46C6-A5D4-96425EC9E7F9}" dt="2023-10-19T21:01:23.481" v="44"/>
-          <ac:cxnSpMkLst>
-            <pc:docMk/>
-            <pc:sldMk cId="1645475767" sldId="256"/>
-            <ac:cxnSpMk id="30" creationId="{92CF7358-07D9-EA8C-0D7A-860C9F5C5ACF}"/>
-          </ac:cxnSpMkLst>
-        </pc:cxnChg>
-        <pc:cxnChg chg="add mod">
-          <ac:chgData name="Joseph Wonsil" userId="f7a5a8f17f3cf2df" providerId="Windows Live" clId="Web-{67CC9483-2BB2-46C6-A5D4-96425EC9E7F9}" dt="2023-10-19T21:20:20.385" v="196" actId="1076"/>
-          <ac:cxnSpMkLst>
-            <pc:docMk/>
-            <pc:sldMk cId="1645475767" sldId="256"/>
-            <ac:cxnSpMk id="31" creationId="{B62BEBBD-78DB-1C12-0E48-B6117DDF6F9B}"/>
-          </ac:cxnSpMkLst>
-        </pc:cxnChg>
-        <pc:cxnChg chg="del mod">
-          <ac:chgData name="Joseph Wonsil" userId="f7a5a8f17f3cf2df" providerId="Windows Live" clId="Web-{67CC9483-2BB2-46C6-A5D4-96425EC9E7F9}" dt="2023-10-19T21:09:03.165" v="85"/>
-          <ac:cxnSpMkLst>
-            <pc:docMk/>
-            <pc:sldMk cId="1645475767" sldId="256"/>
-            <ac:cxnSpMk id="34" creationId="{8C48BD3A-932B-C7D1-C21F-389E8FA1D750}"/>
-          </ac:cxnSpMkLst>
-        </pc:cxnChg>
-        <pc:cxnChg chg="del mod">
-          <ac:chgData name="Joseph Wonsil" userId="f7a5a8f17f3cf2df" providerId="Windows Live" clId="Web-{67CC9483-2BB2-46C6-A5D4-96425EC9E7F9}" dt="2023-10-19T21:01:06.559" v="41"/>
-          <ac:cxnSpMkLst>
-            <pc:docMk/>
-            <pc:sldMk cId="1645475767" sldId="256"/>
-            <ac:cxnSpMk id="37" creationId="{6F20C18C-B4A8-7CAD-913D-7F0217BF73CC}"/>
-          </ac:cxnSpMkLst>
-        </pc:cxnChg>
-        <pc:cxnChg chg="add mod">
-          <ac:chgData name="Joseph Wonsil" userId="f7a5a8f17f3cf2df" providerId="Windows Live" clId="Web-{67CC9483-2BB2-46C6-A5D4-96425EC9E7F9}" dt="2023-10-19T21:22:10.091" v="222" actId="14100"/>
-          <ac:cxnSpMkLst>
-            <pc:docMk/>
-            <pc:sldMk cId="1645475767" sldId="256"/>
-            <ac:cxnSpMk id="40" creationId="{E02792B3-B6A0-FE85-F627-4E2D12DD8662}"/>
-          </ac:cxnSpMkLst>
-        </pc:cxnChg>
-        <pc:cxnChg chg="add mod">
-          <ac:chgData name="Joseph Wonsil" userId="f7a5a8f17f3cf2df" providerId="Windows Live" clId="Web-{67CC9483-2BB2-46C6-A5D4-96425EC9E7F9}" dt="2023-10-19T21:45:43.393" v="395" actId="14100"/>
-          <ac:cxnSpMkLst>
-            <pc:docMk/>
-            <pc:sldMk cId="1645475767" sldId="256"/>
-            <ac:cxnSpMk id="42" creationId="{9DF5ADD6-FE46-131E-62B8-59CCEEC5D434}"/>
-          </ac:cxnSpMkLst>
-        </pc:cxnChg>
-        <pc:cxnChg chg="add mod">
-          <ac:chgData name="Joseph Wonsil" userId="f7a5a8f17f3cf2df" providerId="Windows Live" clId="Web-{67CC9483-2BB2-46C6-A5D4-96425EC9E7F9}" dt="2023-10-19T21:29:24.805" v="262" actId="1076"/>
-          <ac:cxnSpMkLst>
-            <pc:docMk/>
-            <pc:sldMk cId="1645475767" sldId="256"/>
-            <ac:cxnSpMk id="45" creationId="{166EC043-E346-D27D-C6B6-1906CA4C64B2}"/>
-          </ac:cxnSpMkLst>
-        </pc:cxnChg>
-        <pc:cxnChg chg="del mod">
-          <ac:chgData name="Joseph Wonsil" userId="f7a5a8f17f3cf2df" providerId="Windows Live" clId="Web-{67CC9483-2BB2-46C6-A5D4-96425EC9E7F9}" dt="2023-10-19T21:01:05.231" v="39"/>
-          <ac:cxnSpMkLst>
-            <pc:docMk/>
-            <pc:sldMk cId="1645475767" sldId="256"/>
-            <ac:cxnSpMk id="46" creationId="{34027DC1-9608-8FC2-B855-03FC2D10CF3D}"/>
-          </ac:cxnSpMkLst>
-        </pc:cxnChg>
-        <pc:cxnChg chg="add mod">
-          <ac:chgData name="Joseph Wonsil" userId="f7a5a8f17f3cf2df" providerId="Windows Live" clId="Web-{67CC9483-2BB2-46C6-A5D4-96425EC9E7F9}" dt="2023-10-19T21:29:37.884" v="264"/>
-          <ac:cxnSpMkLst>
-            <pc:docMk/>
-            <pc:sldMk cId="1645475767" sldId="256"/>
-            <ac:cxnSpMk id="48" creationId="{47D37092-986B-BF1E-B379-B7F77D83CD98}"/>
-          </ac:cxnSpMkLst>
-        </pc:cxnChg>
-        <pc:cxnChg chg="del mod">
-          <ac:chgData name="Joseph Wonsil" userId="f7a5a8f17f3cf2df" providerId="Windows Live" clId="Web-{67CC9483-2BB2-46C6-A5D4-96425EC9E7F9}" dt="2023-10-19T21:08:44.867" v="70"/>
-          <ac:cxnSpMkLst>
-            <pc:docMk/>
-            <pc:sldMk cId="1645475767" sldId="256"/>
-            <ac:cxnSpMk id="50" creationId="{3E940EC5-3D16-B53B-92BC-3B51950E358D}"/>
-          </ac:cxnSpMkLst>
-        </pc:cxnChg>
-        <pc:cxnChg chg="del mod">
-          <ac:chgData name="Joseph Wonsil" userId="f7a5a8f17f3cf2df" providerId="Windows Live" clId="Web-{67CC9483-2BB2-46C6-A5D4-96425EC9E7F9}" dt="2023-10-19T21:07:43.569" v="61"/>
-          <ac:cxnSpMkLst>
-            <pc:docMk/>
-            <pc:sldMk cId="1645475767" sldId="256"/>
-            <ac:cxnSpMk id="53" creationId="{1C2578E2-210F-BFA7-80C8-ADB6B3D34E24}"/>
-          </ac:cxnSpMkLst>
-        </pc:cxnChg>
-        <pc:cxnChg chg="del mod">
-          <ac:chgData name="Joseph Wonsil" userId="f7a5a8f17f3cf2df" providerId="Windows Live" clId="Web-{67CC9483-2BB2-46C6-A5D4-96425EC9E7F9}" dt="2023-10-19T21:08:07.570" v="64"/>
-          <ac:cxnSpMkLst>
-            <pc:docMk/>
-            <pc:sldMk cId="1645475767" sldId="256"/>
-            <ac:cxnSpMk id="56" creationId="{CE6983D4-3F57-B5C6-DA2B-A89A230613C8}"/>
-          </ac:cxnSpMkLst>
-        </pc:cxnChg>
-        <pc:cxnChg chg="add mod">
-          <ac:chgData name="Joseph Wonsil" userId="f7a5a8f17f3cf2df" providerId="Windows Live" clId="Web-{67CC9483-2BB2-46C6-A5D4-96425EC9E7F9}" dt="2023-10-19T21:30:16.697" v="277" actId="1076"/>
-          <ac:cxnSpMkLst>
-            <pc:docMk/>
-            <pc:sldMk cId="1645475767" sldId="256"/>
-            <ac:cxnSpMk id="57" creationId="{628A0F19-D5E7-7D1E-564C-97043C929B6F}"/>
-          </ac:cxnSpMkLst>
-        </pc:cxnChg>
-        <pc:cxnChg chg="add mod">
-          <ac:chgData name="Joseph Wonsil" userId="f7a5a8f17f3cf2df" providerId="Windows Live" clId="Web-{67CC9483-2BB2-46C6-A5D4-96425EC9E7F9}" dt="2023-10-19T21:30:57.245" v="290" actId="1076"/>
-          <ac:cxnSpMkLst>
-            <pc:docMk/>
-            <pc:sldMk cId="1645475767" sldId="256"/>
-            <ac:cxnSpMk id="61" creationId="{7909407A-8A6F-0806-AF4F-6285482CA4F0}"/>
-          </ac:cxnSpMkLst>
-        </pc:cxnChg>
-        <pc:cxnChg chg="del mod">
-          <ac:chgData name="Joseph Wonsil" userId="f7a5a8f17f3cf2df" providerId="Windows Live" clId="Web-{67CC9483-2BB2-46C6-A5D4-96425EC9E7F9}" dt="2023-10-19T21:08:59.805" v="82"/>
-          <ac:cxnSpMkLst>
-            <pc:docMk/>
-            <pc:sldMk cId="1645475767" sldId="256"/>
-            <ac:cxnSpMk id="62" creationId="{4467B832-EDA5-D418-B682-ECA109408340}"/>
-          </ac:cxnSpMkLst>
-        </pc:cxnChg>
-        <pc:cxnChg chg="add mod">
-          <ac:chgData name="Joseph Wonsil" userId="f7a5a8f17f3cf2df" providerId="Windows Live" clId="Web-{67CC9483-2BB2-46C6-A5D4-96425EC9E7F9}" dt="2023-10-19T21:31:42.574" v="308" actId="1076"/>
-          <ac:cxnSpMkLst>
-            <pc:docMk/>
-            <pc:sldMk cId="1645475767" sldId="256"/>
-            <ac:cxnSpMk id="66" creationId="{6E9844B3-7B13-601F-2D3D-49D6D0A56CA8}"/>
-          </ac:cxnSpMkLst>
-        </pc:cxnChg>
-        <pc:cxnChg chg="del mod">
-          <ac:chgData name="Joseph Wonsil" userId="f7a5a8f17f3cf2df" providerId="Windows Live" clId="Web-{67CC9483-2BB2-46C6-A5D4-96425EC9E7F9}" dt="2023-10-19T21:01:03.652" v="37"/>
-          <ac:cxnSpMkLst>
-            <pc:docMk/>
-            <pc:sldMk cId="1645475767" sldId="256"/>
-            <ac:cxnSpMk id="69" creationId="{145A7E76-DF91-F32D-9FB1-A172DA075F92}"/>
-          </ac:cxnSpMkLst>
-        </pc:cxnChg>
-        <pc:cxnChg chg="add mod">
-          <ac:chgData name="Joseph Wonsil" userId="f7a5a8f17f3cf2df" providerId="Windows Live" clId="Web-{67CC9483-2BB2-46C6-A5D4-96425EC9E7F9}" dt="2023-10-19T21:32:02.231" v="317" actId="1076"/>
-          <ac:cxnSpMkLst>
-            <pc:docMk/>
-            <pc:sldMk cId="1645475767" sldId="256"/>
-            <ac:cxnSpMk id="70" creationId="{8D6235FA-A6E9-098E-BC22-BFDF18760CEA}"/>
-          </ac:cxnSpMkLst>
-        </pc:cxnChg>
-        <pc:cxnChg chg="del mod">
-          <ac:chgData name="Joseph Wonsil" userId="f7a5a8f17f3cf2df" providerId="Windows Live" clId="Web-{67CC9483-2BB2-46C6-A5D4-96425EC9E7F9}" dt="2023-10-19T21:09:02.399" v="84"/>
-          <ac:cxnSpMkLst>
-            <pc:docMk/>
-            <pc:sldMk cId="1645475767" sldId="256"/>
-            <ac:cxnSpMk id="73" creationId="{71C4DB77-00EC-7C19-199C-316CA4BAC798}"/>
-          </ac:cxnSpMkLst>
-        </pc:cxnChg>
-        <pc:cxnChg chg="del mod">
-          <ac:chgData name="Joseph Wonsil" userId="f7a5a8f17f3cf2df" providerId="Windows Live" clId="Web-{67CC9483-2BB2-46C6-A5D4-96425EC9E7F9}" dt="2023-10-19T21:08:58.961" v="80"/>
-          <ac:cxnSpMkLst>
-            <pc:docMk/>
-            <pc:sldMk cId="1645475767" sldId="256"/>
-            <ac:cxnSpMk id="75" creationId="{FB24C36A-F777-3F4B-7F99-AC0F285C243D}"/>
-          </ac:cxnSpMkLst>
-        </pc:cxnChg>
-        <pc:cxnChg chg="del mod">
-          <ac:chgData name="Joseph Wonsil" userId="f7a5a8f17f3cf2df" providerId="Windows Live" clId="Web-{67CC9483-2BB2-46C6-A5D4-96425EC9E7F9}" dt="2023-10-19T21:09:01.821" v="83"/>
-          <ac:cxnSpMkLst>
-            <pc:docMk/>
-            <pc:sldMk cId="1645475767" sldId="256"/>
-            <ac:cxnSpMk id="77" creationId="{3AC8B372-20BA-0704-66B7-39F62AA3CBF9}"/>
-          </ac:cxnSpMkLst>
-        </pc:cxnChg>
-        <pc:cxnChg chg="add mod">
-          <ac:chgData name="Joseph Wonsil" userId="f7a5a8f17f3cf2df" providerId="Windows Live" clId="Web-{67CC9483-2BB2-46C6-A5D4-96425EC9E7F9}" dt="2023-10-19T21:32:16.091" v="323" actId="1076"/>
-          <ac:cxnSpMkLst>
-            <pc:docMk/>
-            <pc:sldMk cId="1645475767" sldId="256"/>
-            <ac:cxnSpMk id="78" creationId="{5D42EA6E-3BCA-8FCC-9CDE-82CFEA3310D7}"/>
-          </ac:cxnSpMkLst>
-        </pc:cxnChg>
-        <pc:cxnChg chg="add mod">
-          <ac:chgData name="Joseph Wonsil" userId="f7a5a8f17f3cf2df" providerId="Windows Live" clId="Web-{67CC9483-2BB2-46C6-A5D4-96425EC9E7F9}" dt="2023-10-19T21:32:49.170" v="333" actId="1076"/>
-          <ac:cxnSpMkLst>
-            <pc:docMk/>
-            <pc:sldMk cId="1645475767" sldId="256"/>
-            <ac:cxnSpMk id="81" creationId="{1CC86931-6B2A-C173-C79C-EF28BD88E863}"/>
-          </ac:cxnSpMkLst>
-        </pc:cxnChg>
-        <pc:cxnChg chg="add del mod">
-          <ac:chgData name="Joseph Wonsil" userId="f7a5a8f17f3cf2df" providerId="Windows Live" clId="Web-{67CC9483-2BB2-46C6-A5D4-96425EC9E7F9}" dt="2023-10-19T21:44:19.437" v="377"/>
-          <ac:cxnSpMkLst>
-            <pc:docMk/>
-            <pc:sldMk cId="1645475767" sldId="256"/>
-            <ac:cxnSpMk id="85" creationId="{412F9000-A29F-74DA-3164-7B0706303992}"/>
-          </ac:cxnSpMkLst>
-        </pc:cxnChg>
-        <pc:cxnChg chg="del mod">
-          <ac:chgData name="Joseph Wonsil" userId="f7a5a8f17f3cf2df" providerId="Windows Live" clId="Web-{67CC9483-2BB2-46C6-A5D4-96425EC9E7F9}" dt="2023-10-19T21:01:02.699" v="35"/>
-          <ac:cxnSpMkLst>
-            <pc:docMk/>
-            <pc:sldMk cId="1645475767" sldId="256"/>
-            <ac:cxnSpMk id="86" creationId="{EC053AFE-E056-79CC-7911-5BD8825293B3}"/>
-          </ac:cxnSpMkLst>
-        </pc:cxnChg>
-        <pc:cxnChg chg="add del mod">
-          <ac:chgData name="Joseph Wonsil" userId="f7a5a8f17f3cf2df" providerId="Windows Live" clId="Web-{67CC9483-2BB2-46C6-A5D4-96425EC9E7F9}" dt="2023-10-19T21:44:15.844" v="375"/>
-          <ac:cxnSpMkLst>
-            <pc:docMk/>
-            <pc:sldMk cId="1645475767" sldId="256"/>
-            <ac:cxnSpMk id="89" creationId="{B1968033-C345-EF93-BA3F-6D3BF8396D1E}"/>
-          </ac:cxnSpMkLst>
-        </pc:cxnChg>
-        <pc:cxnChg chg="del mod">
-          <ac:chgData name="Joseph Wonsil" userId="f7a5a8f17f3cf2df" providerId="Windows Live" clId="Web-{67CC9483-2BB2-46C6-A5D4-96425EC9E7F9}" dt="2023-10-19T21:00:59.559" v="32"/>
-          <ac:cxnSpMkLst>
-            <pc:docMk/>
-            <pc:sldMk cId="1645475767" sldId="256"/>
-            <ac:cxnSpMk id="92" creationId="{E4EFC397-B69B-7C22-91DF-71E352AAA497}"/>
-          </ac:cxnSpMkLst>
-        </pc:cxnChg>
-        <pc:cxnChg chg="add del mod">
-          <ac:chgData name="Joseph Wonsil" userId="f7a5a8f17f3cf2df" providerId="Windows Live" clId="Web-{67CC9483-2BB2-46C6-A5D4-96425EC9E7F9}" dt="2023-10-19T21:44:15.844" v="373"/>
-          <ac:cxnSpMkLst>
-            <pc:docMk/>
-            <pc:sldMk cId="1645475767" sldId="256"/>
-            <ac:cxnSpMk id="93" creationId="{18574F4C-AD56-0F94-2CD7-D0ACCEDF0B0F}"/>
-          </ac:cxnSpMkLst>
-        </pc:cxnChg>
-        <pc:cxnChg chg="add mod">
-          <ac:chgData name="Joseph Wonsil" userId="f7a5a8f17f3cf2df" providerId="Windows Live" clId="Web-{67CC9483-2BB2-46C6-A5D4-96425EC9E7F9}" dt="2023-10-19T21:44:36.704" v="387"/>
-          <ac:cxnSpMkLst>
-            <pc:docMk/>
-            <pc:sldMk cId="1645475767" sldId="256"/>
-            <ac:cxnSpMk id="95" creationId="{96CA6E5C-47D2-BC60-8014-8E7B8139FF80}"/>
-          </ac:cxnSpMkLst>
-        </pc:cxnChg>
-        <pc:cxnChg chg="add mod">
-          <ac:chgData name="Joseph Wonsil" userId="f7a5a8f17f3cf2df" providerId="Windows Live" clId="Web-{67CC9483-2BB2-46C6-A5D4-96425EC9E7F9}" dt="2023-10-19T21:44:34.297" v="386"/>
-          <ac:cxnSpMkLst>
-            <pc:docMk/>
-            <pc:sldMk cId="1645475767" sldId="256"/>
-            <ac:cxnSpMk id="97" creationId="{F738894B-7224-9B69-C57B-005777ED4B33}"/>
-          </ac:cxnSpMkLst>
-        </pc:cxnChg>
-        <pc:cxnChg chg="add mod">
-          <ac:chgData name="Joseph Wonsil" userId="f7a5a8f17f3cf2df" providerId="Windows Live" clId="Web-{67CC9483-2BB2-46C6-A5D4-96425EC9E7F9}" dt="2023-10-19T21:46:32.253" v="400" actId="14100"/>
-          <ac:cxnSpMkLst>
-            <pc:docMk/>
-            <pc:sldMk cId="1645475767" sldId="256"/>
-            <ac:cxnSpMk id="104" creationId="{26A0F210-C4F5-88DF-31EC-6735813B3918}"/>
-          </ac:cxnSpMkLst>
-        </pc:cxnChg>
-        <pc:cxnChg chg="add del mod">
-          <ac:chgData name="Joseph Wonsil" userId="f7a5a8f17f3cf2df" providerId="Windows Live" clId="Web-{67CC9483-2BB2-46C6-A5D4-96425EC9E7F9}" dt="2023-10-19T21:46:55.035" v="403"/>
-          <ac:cxnSpMkLst>
-            <pc:docMk/>
-            <pc:sldMk cId="1645475767" sldId="256"/>
-            <ac:cxnSpMk id="108" creationId="{1F4A83BD-8C15-DC65-08E3-A7213E817C9A}"/>
-          </ac:cxnSpMkLst>
-        </pc:cxnChg>
-        <pc:cxnChg chg="add mod">
-          <ac:chgData name="Joseph Wonsil" userId="f7a5a8f17f3cf2df" providerId="Windows Live" clId="Web-{67CC9483-2BB2-46C6-A5D4-96425EC9E7F9}" dt="2023-10-19T21:47:59.459" v="423" actId="14100"/>
-          <ac:cxnSpMkLst>
-            <pc:docMk/>
-            <pc:sldMk cId="1645475767" sldId="256"/>
-            <ac:cxnSpMk id="109" creationId="{2B4CA454-BC06-4592-9E98-BC168C363F8A}"/>
-          </ac:cxnSpMkLst>
-        </pc:cxnChg>
-        <pc:cxnChg chg="add mod">
-          <ac:chgData name="Joseph Wonsil" userId="f7a5a8f17f3cf2df" providerId="Windows Live" clId="Web-{67CC9483-2BB2-46C6-A5D4-96425EC9E7F9}" dt="2023-10-19T21:48:37.522" v="429" actId="14100"/>
-          <ac:cxnSpMkLst>
-            <pc:docMk/>
-            <pc:sldMk cId="1645475767" sldId="256"/>
-            <ac:cxnSpMk id="114" creationId="{76390F95-E33D-6839-1C36-35B1D8D37D30}"/>
-          </ac:cxnSpMkLst>
-        </pc:cxnChg>
-        <pc:cxnChg chg="add mod">
-          <ac:chgData name="Joseph Wonsil" userId="f7a5a8f17f3cf2df" providerId="Windows Live" clId="Web-{67CC9483-2BB2-46C6-A5D4-96425EC9E7F9}" dt="2023-10-19T21:49:48.180" v="444" actId="14100"/>
-          <ac:cxnSpMkLst>
-            <pc:docMk/>
-            <pc:sldMk cId="1645475767" sldId="256"/>
-            <ac:cxnSpMk id="116" creationId="{74E32083-D3C5-14DC-C64E-D1B20F58978B}"/>
-          </ac:cxnSpMkLst>
-        </pc:cxnChg>
-        <pc:cxnChg chg="del mod">
-          <ac:chgData name="Joseph Wonsil" userId="f7a5a8f17f3cf2df" providerId="Windows Live" clId="Web-{67CC9483-2BB2-46C6-A5D4-96425EC9E7F9}" dt="2023-10-19T21:08:59.383" v="81"/>
-          <ac:cxnSpMkLst>
-            <pc:docMk/>
-            <pc:sldMk cId="1645475767" sldId="256"/>
-            <ac:cxnSpMk id="140" creationId="{40F6DD3F-D4FB-8B03-9FE5-B051FC5E4D52}"/>
-          </ac:cxnSpMkLst>
-        </pc:cxnChg>
-        <pc:cxnChg chg="del mod">
-          <ac:chgData name="Joseph Wonsil" userId="f7a5a8f17f3cf2df" providerId="Windows Live" clId="Web-{67CC9483-2BB2-46C6-A5D4-96425EC9E7F9}" dt="2023-10-19T21:43:05.514" v="341"/>
-          <ac:cxnSpMkLst>
-            <pc:docMk/>
-            <pc:sldMk cId="1645475767" sldId="256"/>
-            <ac:cxnSpMk id="145" creationId="{0C692CDF-0F7B-0069-67DF-3E6458131FC3}"/>
-          </ac:cxnSpMkLst>
-        </pc:cxnChg>
-        <pc:cxnChg chg="del mod">
-          <ac:chgData name="Joseph Wonsil" userId="f7a5a8f17f3cf2df" providerId="Windows Live" clId="Web-{67CC9483-2BB2-46C6-A5D4-96425EC9E7F9}" dt="2023-10-19T21:09:15.181" v="87"/>
-          <ac:cxnSpMkLst>
-            <pc:docMk/>
-            <pc:sldMk cId="1645475767" sldId="256"/>
-            <ac:cxnSpMk id="245" creationId="{048D4C45-AC60-B9E6-65C9-D9E5D24FCD5A}"/>
-          </ac:cxnSpMkLst>
-        </pc:cxnChg>
-        <pc:cxnChg chg="del mod">
-          <ac:chgData name="Joseph Wonsil" userId="f7a5a8f17f3cf2df" providerId="Windows Live" clId="Web-{67CC9483-2BB2-46C6-A5D4-96425EC9E7F9}" dt="2023-10-19T21:01:01.137" v="33"/>
-          <ac:cxnSpMkLst>
-            <pc:docMk/>
-            <pc:sldMk cId="1645475767" sldId="256"/>
-            <ac:cxnSpMk id="293" creationId="{465BFAD8-046F-A3E1-6259-03C898568E09}"/>
           </ac:cxnSpMkLst>
         </pc:cxnChg>
       </pc:sldChg>
@@ -7866,7 +7866,7 @@
           <a:p>
             <a:fld id="{4DAAF268-B108-415A-8D22-4C329ED559E0}" type="datetimeFigureOut">
               <a:rPr lang="en-US" smtClean="0"/>
-              <a:t>10/24/2023</a:t>
+              <a:t>10/30/23</a:t>
             </a:fld>
             <a:endParaRPr lang="en-US"/>
           </a:p>
@@ -8036,7 +8036,7 @@
           <a:p>
             <a:fld id="{4DAAF268-B108-415A-8D22-4C329ED559E0}" type="datetimeFigureOut">
               <a:rPr lang="en-US" smtClean="0"/>
-              <a:t>10/24/2023</a:t>
+              <a:t>10/30/23</a:t>
             </a:fld>
             <a:endParaRPr lang="en-US"/>
           </a:p>
@@ -8216,7 +8216,7 @@
           <a:p>
             <a:fld id="{4DAAF268-B108-415A-8D22-4C329ED559E0}" type="datetimeFigureOut">
               <a:rPr lang="en-US" smtClean="0"/>
-              <a:t>10/24/2023</a:t>
+              <a:t>10/30/23</a:t>
             </a:fld>
             <a:endParaRPr lang="en-US"/>
           </a:p>
@@ -8386,7 +8386,7 @@
           <a:p>
             <a:fld id="{4DAAF268-B108-415A-8D22-4C329ED559E0}" type="datetimeFigureOut">
               <a:rPr lang="en-US" smtClean="0"/>
-              <a:t>10/24/2023</a:t>
+              <a:t>10/30/23</a:t>
             </a:fld>
             <a:endParaRPr lang="en-US"/>
           </a:p>
@@ -8630,7 +8630,7 @@
           <a:p>
             <a:fld id="{4DAAF268-B108-415A-8D22-4C329ED559E0}" type="datetimeFigureOut">
               <a:rPr lang="en-US" smtClean="0"/>
-              <a:t>10/24/2023</a:t>
+              <a:t>10/30/23</a:t>
             </a:fld>
             <a:endParaRPr lang="en-US"/>
           </a:p>
@@ -8862,7 +8862,7 @@
           <a:p>
             <a:fld id="{4DAAF268-B108-415A-8D22-4C329ED559E0}" type="datetimeFigureOut">
               <a:rPr lang="en-US" smtClean="0"/>
-              <a:t>10/24/2023</a:t>
+              <a:t>10/30/23</a:t>
             </a:fld>
             <a:endParaRPr lang="en-US"/>
           </a:p>
@@ -9229,7 +9229,7 @@
           <a:p>
             <a:fld id="{4DAAF268-B108-415A-8D22-4C329ED559E0}" type="datetimeFigureOut">
               <a:rPr lang="en-US" smtClean="0"/>
-              <a:t>10/24/2023</a:t>
+              <a:t>10/30/23</a:t>
             </a:fld>
             <a:endParaRPr lang="en-US"/>
           </a:p>
@@ -9347,7 +9347,7 @@
           <a:p>
             <a:fld id="{4DAAF268-B108-415A-8D22-4C329ED559E0}" type="datetimeFigureOut">
               <a:rPr lang="en-US" smtClean="0"/>
-              <a:t>10/24/2023</a:t>
+              <a:t>10/30/23</a:t>
             </a:fld>
             <a:endParaRPr lang="en-US"/>
           </a:p>
@@ -9442,7 +9442,7 @@
           <a:p>
             <a:fld id="{4DAAF268-B108-415A-8D22-4C329ED559E0}" type="datetimeFigureOut">
               <a:rPr lang="en-US" smtClean="0"/>
-              <a:t>10/24/2023</a:t>
+              <a:t>10/30/23</a:t>
             </a:fld>
             <a:endParaRPr lang="en-US"/>
           </a:p>
@@ -9719,7 +9719,7 @@
           <a:p>
             <a:fld id="{4DAAF268-B108-415A-8D22-4C329ED559E0}" type="datetimeFigureOut">
               <a:rPr lang="en-US" smtClean="0"/>
-              <a:t>10/24/2023</a:t>
+              <a:t>10/30/23</a:t>
             </a:fld>
             <a:endParaRPr lang="en-US"/>
           </a:p>
@@ -9976,7 +9976,7 @@
           <a:p>
             <a:fld id="{4DAAF268-B108-415A-8D22-4C329ED559E0}" type="datetimeFigureOut">
               <a:rPr lang="en-US" smtClean="0"/>
-              <a:t>10/24/2023</a:t>
+              <a:t>10/30/23</a:t>
             </a:fld>
             <a:endParaRPr lang="en-US"/>
           </a:p>
@@ -10189,7 +10189,7 @@
           <a:p>
             <a:fld id="{4DAAF268-B108-415A-8D22-4C329ED559E0}" type="datetimeFigureOut">
               <a:rPr lang="en-US" smtClean="0"/>
-              <a:t>10/24/2023</a:t>
+              <a:t>10/30/23</a:t>
             </a:fld>
             <a:endParaRPr lang="en-US"/>
           </a:p>
@@ -10608,8 +10608,8 @@
         </p:nvSpPr>
         <p:spPr>
           <a:xfrm>
-            <a:off x="16314293" y="3638464"/>
-            <a:ext cx="9013021" cy="13130909"/>
+            <a:off x="16293941" y="2033440"/>
+            <a:ext cx="9033374" cy="14735933"/>
           </a:xfrm>
           <a:prstGeom prst="rect">
             <a:avLst/>
@@ -10634,378 +10634,377 @@
           <a:lstStyle/>
           <a:p>
             <a:r>
-              <a:rPr lang="en-US" sz="1500" dirty="0"/>
+              <a:rPr lang="en-US" sz="1600" dirty="0"/>
               <a:t>/pr/venv/lib/python3.11/site-packages/numpy/core/_multiarray_umath.cpython-311-x86_64-linux-gnu.so</a:t>
             </a:r>
           </a:p>
           <a:p>
             <a:r>
-              <a:rPr lang="en-US" sz="1500" dirty="0"/>
+              <a:rPr lang="en-US" sz="1600" dirty="0"/>
               <a:t>/home/pr/venv/lib/python3.11/site-packages/numpy.libs/libopenblas64_p-r0-0cf96a72.3.23.dev.so</a:t>
             </a:r>
           </a:p>
           <a:p>
             <a:r>
-              <a:rPr lang="en-US" sz="1500" dirty="0"/>
+              <a:rPr lang="en-US" sz="1600" dirty="0"/>
               <a:t>/home/pr/</a:t>
             </a:r>
             <a:r>
-              <a:rPr lang="en-US" sz="1500" dirty="0" err="1"/>
+              <a:rPr lang="en-US" sz="1600" dirty="0" err="1"/>
               <a:t>venv</a:t>
             </a:r>
             <a:r>
-              <a:rPr lang="en-US" sz="1500" dirty="0"/>
+              <a:rPr lang="en-US" sz="1600" dirty="0"/>
               <a:t>/lib/python3.11/site-packages/</a:t>
             </a:r>
             <a:r>
-              <a:rPr lang="en-US" sz="1500" dirty="0" err="1"/>
+              <a:rPr lang="en-US" sz="1600" dirty="0" err="1"/>
               <a:t>numpy.libs</a:t>
             </a:r>
             <a:r>
-              <a:rPr lang="en-US" sz="1500" dirty="0"/>
+              <a:rPr lang="en-US" sz="1600" dirty="0"/>
               <a:t>/libgfortran-040039e1.so.5.0.0</a:t>
             </a:r>
           </a:p>
           <a:p>
             <a:r>
-              <a:rPr lang="en-US" sz="1500" dirty="0"/>
+              <a:rPr lang="en-US" sz="1600" dirty="0"/>
               <a:t>/home/pr/</a:t>
             </a:r>
             <a:r>
-              <a:rPr lang="en-US" sz="1500" dirty="0" err="1"/>
+              <a:rPr lang="en-US" sz="1600" dirty="0" err="1"/>
               <a:t>venv</a:t>
             </a:r>
             <a:r>
-              <a:rPr lang="en-US" sz="1500" dirty="0"/>
+              <a:rPr lang="en-US" sz="1600" dirty="0"/>
               <a:t>/lib/python3.11/site-packages/</a:t>
             </a:r>
             <a:r>
-              <a:rPr lang="en-US" sz="1500" dirty="0" err="1"/>
+              <a:rPr lang="en-US" sz="1600" dirty="0" err="1"/>
               <a:t>numpy.libs</a:t>
             </a:r>
             <a:r>
-              <a:rPr lang="en-US" sz="1500" dirty="0"/>
+              <a:rPr lang="en-US" sz="1600" dirty="0"/>
               <a:t>/libquadmath-96973f99.so.0.0.0</a:t>
             </a:r>
           </a:p>
           <a:p>
             <a:r>
-              <a:rPr lang="en-US" sz="1500" dirty="0"/>
+              <a:rPr lang="en-US" sz="1600" dirty="0"/>
               <a:t>/pr/venv/lib/python3.11/site-packages/numpy/core/_multiarray_tests.cpython-311-x86_64-linux-gnu.so</a:t>
             </a:r>
           </a:p>
           <a:p>
             <a:r>
-              <a:rPr lang="en-US" sz="1500" dirty="0"/>
+              <a:rPr lang="en-US" sz="1600" dirty="0"/>
               <a:t>/pr/venv/lib/python3.11/site-packages/numpy/linalg/_umath_linalg.cpython-311-x86_64-linux-gnu.so</a:t>
             </a:r>
           </a:p>
           <a:p>
             <a:r>
-              <a:rPr lang="en-US" sz="1500" dirty="0"/>
+              <a:rPr lang="en-US" sz="1600" dirty="0"/>
               <a:t>/pr/venv/lib/python3.11/site-packages/numpy/fft/_pocketfft_internal.cpython-311-x86_64-linux-gnu.so</a:t>
             </a:r>
           </a:p>
           <a:p>
             <a:r>
-              <a:rPr lang="en-US" sz="1500" dirty="0"/>
+              <a:rPr lang="en-US" sz="1600" dirty="0"/>
               <a:t>/pr/venv/lib/python3.11/site-packages/numpy/random/mtrand.cpython-311-x86_64-linux-gnu.so</a:t>
             </a:r>
           </a:p>
           <a:p>
             <a:r>
-              <a:rPr lang="en-US" sz="1500" dirty="0"/>
+              <a:rPr lang="en-US" sz="1600" dirty="0"/>
               <a:t>/pr/venv/lib/python3.11/site-packages/numpy/random/bit_generator.cpython-311-x86_64-linux-gnu.so</a:t>
             </a:r>
           </a:p>
           <a:p>
             <a:r>
-              <a:rPr lang="en-US" sz="1500" dirty="0"/>
+              <a:rPr lang="en-US" sz="1600" dirty="0"/>
               <a:t>/pr/venv/lib/python3.11/site-packages/numpy/random/_common.cpython-311-x86_64-linux-gnu.so</a:t>
             </a:r>
           </a:p>
           <a:p>
             <a:r>
-              <a:rPr lang="en-US" sz="1500" dirty="0"/>
+              <a:rPr lang="en-US" sz="1600" dirty="0"/>
               <a:t>/pr/venv/lib/python3.11/site-packages/numpy/random/_bounded_integers.cpython-311-x86_64-linux-gnu.so</a:t>
             </a:r>
           </a:p>
           <a:p>
             <a:r>
-              <a:rPr lang="en-US" sz="1500" dirty="0"/>
+              <a:rPr lang="en-US" sz="1600" dirty="0"/>
               <a:t>/pr/venv/lib/python3.11/site-packages/numpy/random/_mt19937.cpython-311-x86_64-linux-gnu.so</a:t>
             </a:r>
           </a:p>
           <a:p>
             <a:r>
-              <a:rPr lang="en-US" sz="1500" dirty="0"/>
+              <a:rPr lang="en-US" sz="1600" dirty="0"/>
               <a:t>/pr/venv/lib/python3.11/site-packages/numpy/random/_philox.cpython-311-x86_64-linux-gnu.so</a:t>
             </a:r>
           </a:p>
           <a:p>
             <a:r>
-              <a:rPr lang="en-US" sz="1500" dirty="0"/>
+              <a:rPr lang="en-US" sz="1600" dirty="0"/>
               <a:t>/pr/venv/lib/python3.11/site-packages/numpy/random/_pcg64.cpython-311-x86_64-linux-gnu.so</a:t>
             </a:r>
           </a:p>
           <a:p>
             <a:r>
-              <a:rPr lang="en-US" sz="1500" dirty="0"/>
+              <a:rPr lang="en-US" sz="1600" dirty="0"/>
               <a:t>/pr/venv/lib/python3.11/site-packages/numpy/random/_sfc64.cpython-311-x86_64-linux-gnu.so</a:t>
             </a:r>
           </a:p>
           <a:p>
             <a:r>
-              <a:rPr lang="en-US" sz="1500" dirty="0"/>
+              <a:rPr lang="en-US" sz="1600" dirty="0"/>
               <a:t>/pr/venv/lib/python3.11/site-packages/numpy/random/_generator.cpython-311-x86_64-linux-gnu.so</a:t>
             </a:r>
           </a:p>
           <a:p>
             <a:r>
-              <a:rPr lang="en-US" sz="1500" dirty="0"/>
+              <a:rPr lang="en-US" sz="1600" dirty="0"/>
               <a:t>/pr/venv/lib/python3.11/site-packages/pandas/_libs/pandas_parser.cpython-311-x86_64-linux-gnu.so</a:t>
             </a:r>
           </a:p>
           <a:p>
             <a:r>
-              <a:rPr lang="en-US" sz="1500" dirty="0"/>
+              <a:rPr lang="en-US" sz="1600" dirty="0"/>
               <a:t>/pr/venv/lib/python3.11/site-packages/pandas/_libs/pandas_datetime.cpython-311-x86_64-linux-gnu.so</a:t>
             </a:r>
           </a:p>
           <a:p>
             <a:r>
-              <a:rPr lang="en-US" sz="1500" dirty="0"/>
+              <a:rPr lang="en-US" sz="1600" dirty="0"/>
               <a:t>/pr/venv/lib/python3.11/site-packages/pandas/_libs/interval.cpython-311-x86_64-linux-gnu.so</a:t>
             </a:r>
           </a:p>
           <a:p>
             <a:r>
-              <a:rPr lang="en-US" sz="1500" dirty="0"/>
+              <a:rPr lang="en-US" sz="1600" dirty="0"/>
               <a:t>/pr/venv/lib/python3.11/site-packages/pandas/_libs/hashtable.cpython-311-x86_64-linux-gnu.so</a:t>
             </a:r>
           </a:p>
           <a:p>
             <a:r>
-              <a:rPr lang="en-US" sz="1500" dirty="0"/>
+              <a:rPr lang="en-US" sz="1600" dirty="0"/>
               <a:t>/pr/venv/lib/python3.11/site-packages/pandas/_libs/missing.cpython-311-x86_64-linux-gnu.so</a:t>
             </a:r>
           </a:p>
           <a:p>
             <a:r>
-              <a:rPr lang="en-US" sz="1500" dirty="0"/>
+              <a:rPr lang="en-US" sz="1600" dirty="0"/>
               <a:t>/venv/lib/python3.11/site-packages/pandas/_libs/tslibs/dtypes.cpython-311-x86_64-linux-gnu.so</a:t>
             </a:r>
           </a:p>
           <a:p>
             <a:r>
-              <a:rPr lang="en-US" sz="1500" dirty="0"/>
+              <a:rPr lang="en-US" sz="1600" dirty="0"/>
               <a:t>/venv/lib/python3.11/site-packages/pandas/_libs/tslibs/np_datetime.cpython-311-x86_64-linux-gnu.so</a:t>
             </a:r>
           </a:p>
           <a:p>
             <a:r>
-              <a:rPr lang="en-US" sz="1500" dirty="0"/>
+              <a:rPr lang="en-US" sz="1600" dirty="0"/>
               <a:t>/venv/lib/python3.11/site-packages/pandas/_libs/tslibs/conversion.cpython-311-x86_64-linux-gnu.so</a:t>
             </a:r>
           </a:p>
           <a:p>
             <a:r>
-              <a:rPr lang="en-US" sz="1500" dirty="0"/>
+              <a:rPr lang="en-US" sz="1600" dirty="0"/>
               <a:t>/venv/lib/python3.11/site-packages/pandas/_libs/tslibs/base.cpython-311-x86_64-linux-gnu.so</a:t>
             </a:r>
           </a:p>
           <a:p>
             <a:r>
-              <a:rPr lang="en-US" sz="1500" dirty="0"/>
+              <a:rPr lang="en-US" sz="1600" dirty="0"/>
               <a:t>/venv/lib/python3.11/site-packages/pandas/_libs/tslibs/offsets.cpython-311-x86_64-linux-gnu.so</a:t>
             </a:r>
           </a:p>
           <a:p>
             <a:r>
-              <a:rPr lang="en-US" sz="1500" dirty="0"/>
+              <a:rPr lang="en-US" sz="1600" dirty="0"/>
               <a:t>/venv/lib/python3.11/site-packages/pandas/_libs/tslibs/timestamps.cpython-311-x86_64-linux-gnu.so</a:t>
             </a:r>
           </a:p>
           <a:p>
             <a:r>
-              <a:rPr lang="en-US" sz="1500" dirty="0"/>
+              <a:rPr lang="en-US" sz="1600" dirty="0"/>
               <a:t>/venv/lib/python3.11/site-packages/pandas/_libs/tslibs/nattype.cpython-311-x86_64-linux-gnu.so</a:t>
             </a:r>
           </a:p>
           <a:p>
             <a:r>
-              <a:rPr lang="en-US" sz="1500" dirty="0"/>
+              <a:rPr lang="en-US" sz="1600" dirty="0"/>
               <a:t>/venv/lib/python3.11/site-packages/pandas/_libs/tslibs/timedeltas.cpython-311-x86_64-linux-gnu.so</a:t>
             </a:r>
           </a:p>
           <a:p>
             <a:r>
-              <a:rPr lang="en-US" sz="1500" dirty="0"/>
+              <a:rPr lang="en-US" sz="1600" dirty="0"/>
               <a:t>/venv/lib/python3.11/site-packages/pandas/_libs/tslibs/timezones.cpython-311-x86_64-linux-gnu.so</a:t>
             </a:r>
           </a:p>
           <a:p>
             <a:r>
-              <a:rPr lang="en-US" sz="1500" dirty="0"/>
+              <a:rPr lang="en-US" sz="1600" dirty="0"/>
               <a:t>/venv/lib/python3.11/site-packages/pandas/_libs/tslibs/fields.cpython-311-x86_64-linux-gnu.so</a:t>
             </a:r>
           </a:p>
           <a:p>
             <a:r>
-              <a:rPr lang="en-US" sz="1500" dirty="0"/>
+              <a:rPr lang="en-US" sz="1600" dirty="0"/>
               <a:t>/venv/lib/python3.11/site-packages/pandas/_libs/tslibs/ccalendar.cpython-311-x86_64-linux-gnu.so</a:t>
             </a:r>
           </a:p>
           <a:p>
             <a:r>
-              <a:rPr lang="en-US" sz="1500" dirty="0"/>
+              <a:rPr lang="en-US" sz="1600" dirty="0"/>
               <a:t>/venv/lib/python3.11/site-packages/pandas/_libs/tslibs/tzconversion.cpython-311-x86_64-linux-gnu.so</a:t>
             </a:r>
           </a:p>
           <a:p>
             <a:r>
-              <a:rPr lang="en-US" sz="1500" dirty="0"/>
+              <a:rPr lang="en-US" sz="1600" dirty="0"/>
               <a:t>/pr/venv/lib/python3.11/site-packages/pandas/_libs/properties.cpython-311-x86_64-linux-gnu.so</a:t>
             </a:r>
           </a:p>
           <a:p>
             <a:r>
-              <a:rPr lang="en-US" sz="1500" dirty="0"/>
+              <a:rPr lang="en-US" sz="1600" dirty="0"/>
               <a:t>/venv/lib/python3.11/site-packages/pandas/_libs/tslibs/parsing.cpython-311-x86_64-linux-gnu.so</a:t>
             </a:r>
           </a:p>
           <a:p>
             <a:r>
-              <a:rPr lang="en-US" sz="1500" dirty="0"/>
+              <a:rPr lang="en-US" sz="1600" dirty="0"/>
               <a:t>/venv/lib/python3.11/site-packages/pandas/_libs/tslibs/strptime.cpython-311-x86_64-linux-gnu.so</a:t>
             </a:r>
           </a:p>
           <a:p>
             <a:r>
-              <a:rPr lang="en-US" sz="1500" dirty="0"/>
+              <a:rPr lang="en-US" sz="1600" dirty="0"/>
               <a:t>/venv/lib/python3.11/site-packages/pandas/_libs/tslibs/period.cpython-311-x86_64-linux-gnu.so</a:t>
             </a:r>
           </a:p>
           <a:p>
             <a:r>
-              <a:rPr lang="en-US" sz="1500" dirty="0"/>
+              <a:rPr lang="en-US" sz="1600" dirty="0"/>
               <a:t>/venv/lib/python3.11/site-packages/pandas/_libs/tslibs/vectorized.cpython-311-x86_64-linux-gnu.so</a:t>
             </a:r>
           </a:p>
           <a:p>
             <a:r>
-              <a:rPr lang="en-US" sz="1500" dirty="0"/>
+              <a:rPr lang="en-US" sz="1600" dirty="0"/>
               <a:t>/pr/venv/lib/python3.11/site-packages/pandas/_libs/ops_dispatch.cpython-311-x86_64-linux-gnu.so</a:t>
             </a:r>
           </a:p>
           <a:p>
             <a:r>
-              <a:rPr lang="en-US" sz="1500" dirty="0"/>
+              <a:rPr lang="en-US" sz="1600" dirty="0"/>
               <a:t>/pr/venv/lib/python3.11/site-packages/pandas/_libs/algos.cpython-311-x86_64-linux-gnu.so</a:t>
             </a:r>
           </a:p>
           <a:p>
             <a:r>
-              <a:rPr lang="en-US" sz="1500" dirty="0"/>
+              <a:rPr lang="en-US" sz="1600" dirty="0"/>
               <a:t>/pr/venv/lib/python3.11/site-packages/pandas/_libs/lib.cpython-311-x86_64-linux-gnu.so</a:t>
             </a:r>
           </a:p>
           <a:p>
             <a:r>
-              <a:rPr lang="en-US" sz="1500" dirty="0"/>
+              <a:rPr lang="en-US" sz="1600" dirty="0"/>
               <a:t>/pr/venv/lib/python3.11/site-packages/pandas/_libs/ops.cpython-311-x86_64-linux-gnu.so</a:t>
             </a:r>
           </a:p>
           <a:p>
             <a:r>
-              <a:rPr lang="en-US" sz="1500" dirty="0"/>
+              <a:rPr lang="en-US" sz="1600" dirty="0"/>
               <a:t>/pr/venv/lib/python3.11/site-packages/pandas/_libs/arrays.cpython-311-x86_64-linux-gnu.so</a:t>
             </a:r>
           </a:p>
           <a:p>
             <a:r>
-              <a:rPr lang="en-US" sz="1500" dirty="0"/>
+              <a:rPr lang="en-US" sz="1600" dirty="0"/>
               <a:t>/pr/venv/lib/python3.11/site-packages/pandas/_libs/tslib.cpython-311-x86_64-linux-gnu.so</a:t>
             </a:r>
           </a:p>
           <a:p>
             <a:r>
-              <a:rPr lang="en-US" sz="1500" dirty="0"/>
+              <a:rPr lang="en-US" sz="1600" dirty="0"/>
               <a:t>/pr/venv/lib/python3.11/site-packages/pandas/_libs/sparse.cpython-311-x86_64-linux-gnu.so</a:t>
             </a:r>
           </a:p>
           <a:p>
             <a:r>
-              <a:rPr lang="en-US" sz="1500" dirty="0"/>
+              <a:rPr lang="en-US" sz="1600" dirty="0"/>
               <a:t>/pr/venv/lib/python3.11/site-packages/pandas/_libs/indexing.cpython-311-x86_64-linux-gnu.so</a:t>
             </a:r>
           </a:p>
           <a:p>
             <a:r>
-              <a:rPr lang="en-US" sz="1500" dirty="0"/>
+              <a:rPr lang="en-US" sz="1600" dirty="0"/>
               <a:t>/pr/venv/lib/python3.11/site-packages/pandas/_libs/index.cpython-311-x86_64-linux-gnu.so</a:t>
             </a:r>
           </a:p>
           <a:p>
             <a:r>
-              <a:rPr lang="en-US" sz="1500" dirty="0"/>
+              <a:rPr lang="en-US" sz="1600" dirty="0"/>
               <a:t>/pr/venv/lib/python3.11/site-packages/pandas/_libs/internals.cpython-311-x86_64-linux-gnu.so</a:t>
             </a:r>
           </a:p>
           <a:p>
             <a:r>
-              <a:rPr lang="en-US" sz="1500" dirty="0"/>
+              <a:rPr lang="en-US" sz="1600" dirty="0"/>
               <a:t>/pr/venv/lib/python3.11/site-packages/pandas/_libs/join.cpython-311-x86_64-linux-gnu.so</a:t>
             </a:r>
           </a:p>
           <a:p>
             <a:r>
-              <a:rPr lang="en-US" sz="1500" dirty="0"/>
+              <a:rPr lang="en-US" sz="1600" dirty="0"/>
               <a:t>/pr/venv/lib/python3.11/site-packages/pandas/_libs/writers.cpython-311-x86_64-linux-gnu.so</a:t>
             </a:r>
           </a:p>
           <a:p>
             <a:r>
-              <a:rPr lang="en-US" sz="1500" dirty="0"/>
+              <a:rPr lang="en-US" sz="1600" dirty="0"/>
               <a:t>/venv/lib/python3.11/site-packages/pandas/_libs/window/aggregations.cpython-311-x86_64-linux-gnu.so</a:t>
             </a:r>
           </a:p>
           <a:p>
             <a:r>
-              <a:rPr lang="en-US" sz="1500" dirty="0"/>
+              <a:rPr lang="en-US" sz="1600" dirty="0"/>
               <a:t>/venv/lib/python3.11/site-packages/pandas/_libs/window/indexers.cpython-311-x86_64-linux-gnu.so</a:t>
             </a:r>
           </a:p>
           <a:p>
             <a:r>
-              <a:rPr lang="en-US" sz="1500" dirty="0"/>
+              <a:rPr lang="en-US" sz="1600" dirty="0"/>
               <a:t>/pr/venv/lib/python3.11/site-packages/pandas/_libs/reshape.cpython-311-x86_64-linux-gnu.so</a:t>
             </a:r>
           </a:p>
           <a:p>
             <a:r>
-              <a:rPr lang="en-US" sz="1500" dirty="0"/>
+              <a:rPr lang="en-US" sz="1600" dirty="0"/>
               <a:t>/pr/venv/lib/python3.11/site-packages/pandas/_libs/groupby.cpython-311-x86_64-linux-gnu.so</a:t>
             </a:r>
           </a:p>
           <a:p>
             <a:r>
-              <a:rPr lang="en-US" sz="1500" dirty="0"/>
+              <a:rPr lang="en-US" sz="1600" dirty="0"/>
               <a:t>/pr/venv/lib/python3.11/site-packages/pandas/_libs/json.cpython-311-x86_64-linux-gnu.so</a:t>
             </a:r>
           </a:p>
           <a:p>
             <a:r>
-              <a:rPr lang="en-US" sz="1500" dirty="0"/>
+              <a:rPr lang="en-US" sz="1600" dirty="0"/>
               <a:t>/pr/venv/lib/python3.11/site-packages/pandas/_libs/parsers.cpython-311-x86_64-linux-gnu.so</a:t>
             </a:r>
           </a:p>
           <a:p>
             <a:r>
-              <a:rPr lang="en-US" sz="1500" dirty="0"/>
+              <a:rPr lang="en-US" sz="1600" dirty="0"/>
               <a:t>/pr/venv/lib/python3.11/site-packages/pandas/_libs/testing.cpython-311-x86_64-linux-gnu.so</a:t>
             </a:r>
-            <a:endParaRPr lang="en-US" sz="2250" dirty="0"/>
           </a:p>
         </p:txBody>
       </p:sp>
@@ -11054,25 +11053,25 @@
           <a:p>
             <a:pPr algn="ctr"/>
             <a:r>
-              <a:rPr lang="en-US" sz="1500" dirty="0"/>
+              <a:rPr lang="en-US" sz="1600" dirty="0"/>
               <a:t>process </a:t>
             </a:r>
             <a:r>
-              <a:rPr lang="en-US" sz="1500" dirty="0" err="1"/>
+              <a:rPr lang="en-US" sz="1600" dirty="0" err="1"/>
               <a:t>pid</a:t>
             </a:r>
             <a:r>
-              <a:rPr lang="en-US" sz="1500" dirty="0"/>
+              <a:rPr lang="en-US" sz="1600" dirty="0"/>
               <a:t>: </a:t>
             </a:r>
           </a:p>
           <a:p>
             <a:pPr algn="ctr"/>
             <a:r>
-              <a:rPr lang="en-US" sz="1500" dirty="0"/>
+              <a:rPr lang="en-US" sz="1600" dirty="0"/>
               <a:t>143457</a:t>
             </a:r>
-            <a:endParaRPr lang="en-US" sz="1500" dirty="0">
+            <a:endParaRPr lang="en-US" sz="1600" dirty="0">
               <a:ea typeface="Calibri"/>
               <a:cs typeface="Calibri"/>
             </a:endParaRPr>
@@ -11094,7 +11093,7 @@
         <p:spPr>
           <a:xfrm>
             <a:off x="2050891" y="1053092"/>
-            <a:ext cx="1593271" cy="323165"/>
+            <a:ext cx="1593271" cy="338554"/>
           </a:xfrm>
           <a:prstGeom prst="rect">
             <a:avLst/>
@@ -11109,7 +11108,7 @@
           <a:p>
             <a:pPr algn="ctr"/>
             <a:r>
-              <a:rPr lang="en-US" sz="1500" dirty="0"/>
+              <a:rPr lang="en-US" sz="1600" dirty="0"/>
               <a:t>load</a:t>
             </a:r>
           </a:p>
@@ -11204,7 +11203,7 @@
           <a:lstStyle/>
           <a:p>
             <a:pPr algn="ctr"/>
-            <a:endParaRPr lang="en-US" sz="1500" dirty="0"/>
+            <a:endParaRPr lang="en-US" sz="1600" dirty="0"/>
           </a:p>
         </p:txBody>
       </p:sp>
@@ -11252,7 +11251,7 @@
           <a:lstStyle/>
           <a:p>
             <a:pPr algn="ctr"/>
-            <a:endParaRPr lang="en-US" sz="1500" dirty="0"/>
+            <a:endParaRPr lang="en-US" sz="1600" dirty="0"/>
           </a:p>
         </p:txBody>
       </p:sp>
@@ -11300,7 +11299,7 @@
           <a:lstStyle/>
           <a:p>
             <a:pPr algn="ctr"/>
-            <a:endParaRPr lang="en-US" sz="1500" dirty="0"/>
+            <a:endParaRPr lang="en-US" sz="1600" dirty="0"/>
           </a:p>
         </p:txBody>
       </p:sp>
@@ -11348,7 +11347,7 @@
           <a:lstStyle/>
           <a:p>
             <a:pPr algn="ctr"/>
-            <a:endParaRPr lang="en-US" sz="1500" dirty="0"/>
+            <a:endParaRPr lang="en-US" sz="1600" dirty="0"/>
           </a:p>
         </p:txBody>
       </p:sp>
@@ -11366,8 +11365,8 @@
         </p:nvSpPr>
         <p:spPr>
           <a:xfrm>
-            <a:off x="12317532" y="752279"/>
-            <a:ext cx="2254094" cy="954302"/>
+            <a:off x="12317532" y="773541"/>
+            <a:ext cx="2703500" cy="933039"/>
           </a:xfrm>
           <a:prstGeom prst="rect">
             <a:avLst/>
@@ -11393,18 +11392,17 @@
           <a:p>
             <a:pPr algn="ctr"/>
             <a:r>
-              <a:rPr lang="en-US" sz="1500" dirty="0"/>
+              <a:rPr lang="en-US" sz="1600" dirty="0"/>
               <a:t>/root/</a:t>
             </a:r>
             <a:r>
-              <a:rPr lang="en-US" sz="1500" dirty="0" err="1"/>
+              <a:rPr lang="en-US" sz="1600" dirty="0" err="1"/>
               <a:t>usr</a:t>
             </a:r>
             <a:r>
-              <a:rPr lang="en-US" sz="1500" dirty="0"/>
+              <a:rPr lang="en-US" sz="1600" dirty="0"/>
               <a:t>/bin/python3.11</a:t>
             </a:r>
-            <a:endParaRPr lang="en-US" sz="2250" dirty="0"/>
           </a:p>
         </p:txBody>
       </p:sp>
@@ -11452,7 +11450,7 @@
           <a:lstStyle/>
           <a:p>
             <a:pPr algn="ctr"/>
-            <a:endParaRPr lang="en-US" sz="1500" dirty="0"/>
+            <a:endParaRPr lang="en-US" sz="1600" dirty="0"/>
           </a:p>
         </p:txBody>
       </p:sp>
@@ -11471,7 +11469,7 @@
         <p:spPr>
           <a:xfrm>
             <a:off x="2045310" y="2033440"/>
-            <a:ext cx="1593271" cy="323165"/>
+            <a:ext cx="1593271" cy="338554"/>
           </a:xfrm>
           <a:prstGeom prst="rect">
             <a:avLst/>
@@ -11486,7 +11484,7 @@
           <a:p>
             <a:pPr algn="ctr"/>
             <a:r>
-              <a:rPr lang="en-US" sz="1500" dirty="0"/>
+              <a:rPr lang="en-US" sz="1600" dirty="0"/>
               <a:t>load</a:t>
             </a:r>
           </a:p>
@@ -11552,7 +11550,7 @@
         <p:spPr>
           <a:xfrm>
             <a:off x="2385285" y="2474484"/>
-            <a:ext cx="907736" cy="323165"/>
+            <a:ext cx="907736" cy="338554"/>
           </a:xfrm>
           <a:prstGeom prst="rect">
             <a:avLst/>
@@ -11567,7 +11565,7 @@
           <a:p>
             <a:pPr algn="ctr"/>
             <a:r>
-              <a:rPr lang="en-US" sz="1500" dirty="0"/>
+              <a:rPr lang="en-US" sz="1600" dirty="0"/>
               <a:t>read</a:t>
             </a:r>
           </a:p>
@@ -11587,8 +11585,8 @@
         </p:nvSpPr>
         <p:spPr>
           <a:xfrm>
-            <a:off x="12317532" y="4265283"/>
-            <a:ext cx="2154006" cy="843764"/>
+            <a:off x="12317531" y="4328033"/>
+            <a:ext cx="2703501" cy="781014"/>
           </a:xfrm>
           <a:prstGeom prst="rect">
             <a:avLst/>
@@ -11614,10 +11612,9 @@
           <a:p>
             <a:pPr algn="ctr"/>
             <a:r>
-              <a:rPr lang="en-US" sz="1500" dirty="0"/>
+              <a:rPr lang="en-US" sz="1600" dirty="0"/>
               <a:t>/home/pr/exp2/data.csv</a:t>
             </a:r>
-            <a:endParaRPr lang="en-US" sz="2250" dirty="0"/>
           </a:p>
         </p:txBody>
       </p:sp>
@@ -11724,7 +11721,7 @@
         <p:spPr>
           <a:xfrm>
             <a:off x="2384327" y="3070885"/>
-            <a:ext cx="907736" cy="346249"/>
+            <a:ext cx="907736" cy="361637"/>
           </a:xfrm>
           <a:prstGeom prst="rect">
             <a:avLst/>
@@ -11739,7 +11736,7 @@
           <a:p>
             <a:pPr algn="ctr"/>
             <a:r>
-              <a:rPr lang="en-US" sz="1500" dirty="0"/>
+              <a:rPr lang="en-US" sz="1600" dirty="0"/>
               <a:t>write</a:t>
             </a:r>
           </a:p>
@@ -11759,8 +11756,8 @@
         </p:nvSpPr>
         <p:spPr>
           <a:xfrm>
-            <a:off x="12335616" y="2081344"/>
-            <a:ext cx="2703501" cy="381928"/>
+            <a:off x="12335616" y="2023338"/>
+            <a:ext cx="3153765" cy="439934"/>
           </a:xfrm>
           <a:prstGeom prst="rect">
             <a:avLst/>
@@ -11786,10 +11783,9 @@
           <a:p>
             <a:pPr algn="ctr"/>
             <a:r>
-              <a:rPr lang="en-US" sz="1500" dirty="0"/>
+              <a:rPr lang="en-US" sz="1600" dirty="0"/>
               <a:t>/home/pr/exp2/train_model.py</a:t>
             </a:r>
-            <a:endParaRPr lang="en-US" sz="2250" dirty="0"/>
           </a:p>
         </p:txBody>
       </p:sp>
@@ -11812,11 +11808,11 @@
         <p:spPr>
           <a:xfrm>
             <a:off x="2225801" y="1865730"/>
-            <a:ext cx="10109815" cy="406578"/>
+            <a:ext cx="10109815" cy="377575"/>
           </a:xfrm>
           <a:prstGeom prst="bentConnector3">
             <a:avLst>
-              <a:gd name="adj1" fmla="val 95774"/>
+              <a:gd name="adj1" fmla="val 50000"/>
             </a:avLst>
           </a:prstGeom>
           <a:ln w="19050">
@@ -11853,7 +11849,7 @@
         <p:spPr>
           <a:xfrm>
             <a:off x="2384327" y="1497830"/>
-            <a:ext cx="907736" cy="323165"/>
+            <a:ext cx="907736" cy="338554"/>
           </a:xfrm>
           <a:prstGeom prst="rect">
             <a:avLst/>
@@ -11868,7 +11864,7 @@
           <a:p>
             <a:pPr algn="ctr"/>
             <a:r>
-              <a:rPr lang="en-US" sz="1500" dirty="0"/>
+              <a:rPr lang="en-US" sz="1600" dirty="0"/>
               <a:t>read</a:t>
             </a:r>
           </a:p>
@@ -11972,15 +11968,15 @@
           <a:p>
             <a:pPr algn="ctr"/>
             <a:r>
-              <a:rPr lang="en-US" sz="1500" dirty="0"/>
+              <a:rPr lang="en-US" sz="1600" dirty="0"/>
               <a:t>process </a:t>
             </a:r>
             <a:r>
-              <a:rPr lang="en-US" sz="1500" dirty="0" err="1"/>
+              <a:rPr lang="en-US" sz="1600" dirty="0" err="1"/>
               <a:t>pid</a:t>
             </a:r>
             <a:r>
-              <a:rPr lang="en-US" sz="1500" dirty="0"/>
+              <a:rPr lang="en-US" sz="1600" dirty="0"/>
               <a:t>: 143463</a:t>
             </a:r>
           </a:p>
@@ -12000,8 +11996,8 @@
         </p:nvSpPr>
         <p:spPr>
           <a:xfrm>
-            <a:off x="1149238" y="9229766"/>
-            <a:ext cx="5577026" cy="449671"/>
+            <a:off x="1149238" y="9169950"/>
+            <a:ext cx="6123920" cy="509487"/>
           </a:xfrm>
           <a:prstGeom prst="rect">
             <a:avLst/>
@@ -12032,7 +12028,7 @@
           <a:p>
             <a:pPr algn="ctr"/>
             <a:r>
-              <a:rPr lang="en-US" sz="1500" dirty="0">
+              <a:rPr lang="en-US" sz="1600" dirty="0">
                 <a:solidFill>
                   <a:srgbClr val="000000"/>
                 </a:solidFill>
@@ -12042,7 +12038,7 @@
               <a:t>/home/pr/</a:t>
             </a:r>
             <a:r>
-              <a:rPr lang="en-US" sz="1500" dirty="0" err="1">
+              <a:rPr lang="en-US" sz="1600" dirty="0" err="1">
                 <a:solidFill>
                   <a:srgbClr val="000000"/>
                 </a:solidFill>
@@ -12052,7 +12048,7 @@
               <a:t>venv</a:t>
             </a:r>
             <a:r>
-              <a:rPr lang="en-US" sz="1500" dirty="0">
+              <a:rPr lang="en-US" sz="1600" dirty="0">
                 <a:solidFill>
                   <a:srgbClr val="000000"/>
                 </a:solidFill>
@@ -12062,7 +12058,7 @@
               <a:t>/bin/python3 train_model.py --</a:t>
             </a:r>
             <a:r>
-              <a:rPr lang="en-US" sz="1500" dirty="0" err="1">
+              <a:rPr lang="en-US" sz="1600" dirty="0" err="1">
                 <a:solidFill>
                   <a:srgbClr val="000000"/>
                 </a:solidFill>
@@ -12072,7 +12068,7 @@
               <a:t>learning_rate</a:t>
             </a:r>
             <a:r>
-              <a:rPr lang="en-US" sz="1500" dirty="0">
+              <a:rPr lang="en-US" sz="1600" dirty="0">
                 <a:solidFill>
                   <a:srgbClr val="000000"/>
                 </a:solidFill>
@@ -12102,8 +12098,8 @@
         </p:nvCxnSpPr>
         <p:spPr>
           <a:xfrm flipH="1">
-            <a:off x="2268862" y="10318976"/>
-            <a:ext cx="10119545" cy="47755"/>
+            <a:off x="2268860" y="10300102"/>
+            <a:ext cx="10119544" cy="66629"/>
           </a:xfrm>
           <a:prstGeom prst="straightConnector1">
             <a:avLst/>
@@ -12145,8 +12141,8 @@
         </p:nvSpPr>
         <p:spPr>
           <a:xfrm>
-            <a:off x="12388405" y="10128008"/>
-            <a:ext cx="2737170" cy="381928"/>
+            <a:off x="12388404" y="10090267"/>
+            <a:ext cx="3100977" cy="419669"/>
           </a:xfrm>
           <a:prstGeom prst="rect">
             <a:avLst/>
@@ -12172,10 +12168,9 @@
           <a:p>
             <a:pPr algn="ctr"/>
             <a:r>
-              <a:rPr lang="en-US" sz="1500" dirty="0"/>
+              <a:rPr lang="en-US" sz="1600" dirty="0"/>
               <a:t>/home/pr/exp2/train_model.py</a:t>
             </a:r>
-            <a:endParaRPr lang="en-US" sz="2250" dirty="0"/>
           </a:p>
         </p:txBody>
       </p:sp>
@@ -12243,7 +12238,7 @@
         <p:spPr>
           <a:xfrm>
             <a:off x="2013202" y="9626375"/>
-            <a:ext cx="1655126" cy="346249"/>
+            <a:ext cx="1655126" cy="361637"/>
           </a:xfrm>
           <a:prstGeom prst="rect">
             <a:avLst/>
@@ -12258,10 +12253,9 @@
           <a:p>
             <a:pPr algn="ctr"/>
             <a:r>
-              <a:rPr lang="en-US" sz="1500" dirty="0"/>
+              <a:rPr lang="en-US" sz="1600" dirty="0"/>
               <a:t>load</a:t>
             </a:r>
-            <a:endParaRPr lang="en-US" sz="2250" dirty="0"/>
           </a:p>
         </p:txBody>
       </p:sp>
@@ -12280,7 +12274,7 @@
         <p:spPr>
           <a:xfrm>
             <a:off x="1998123" y="10030795"/>
-            <a:ext cx="1655126" cy="346249"/>
+            <a:ext cx="1655126" cy="361637"/>
           </a:xfrm>
           <a:prstGeom prst="rect">
             <a:avLst/>
@@ -12295,10 +12289,9 @@
           <a:p>
             <a:pPr algn="ctr"/>
             <a:r>
-              <a:rPr lang="en-US" sz="1500" dirty="0"/>
+              <a:rPr lang="en-US" sz="1600" dirty="0"/>
               <a:t>read</a:t>
             </a:r>
-            <a:endParaRPr lang="en-US" sz="2250" dirty="0"/>
           </a:p>
         </p:txBody>
       </p:sp>
@@ -12317,7 +12310,7 @@
         <p:spPr>
           <a:xfrm>
             <a:off x="2012249" y="10465180"/>
-            <a:ext cx="1655126" cy="346249"/>
+            <a:ext cx="1655126" cy="361637"/>
           </a:xfrm>
           <a:prstGeom prst="rect">
             <a:avLst/>
@@ -12332,10 +12325,9 @@
           <a:p>
             <a:pPr algn="ctr"/>
             <a:r>
-              <a:rPr lang="en-US" sz="1500" dirty="0"/>
+              <a:rPr lang="en-US" sz="1600" dirty="0"/>
               <a:t>load</a:t>
             </a:r>
-            <a:endParaRPr lang="en-US" sz="2250" dirty="0"/>
           </a:p>
         </p:txBody>
       </p:sp>
@@ -12354,7 +12346,7 @@
         <p:spPr>
           <a:xfrm>
             <a:off x="1996404" y="10869601"/>
-            <a:ext cx="1655126" cy="346249"/>
+            <a:ext cx="1655126" cy="361637"/>
           </a:xfrm>
           <a:prstGeom prst="rect">
             <a:avLst/>
@@ -12369,10 +12361,9 @@
           <a:p>
             <a:pPr algn="ctr"/>
             <a:r>
-              <a:rPr lang="en-US" sz="1500" dirty="0"/>
+              <a:rPr lang="en-US" sz="1600" dirty="0"/>
               <a:t>read</a:t>
             </a:r>
-            <a:endParaRPr lang="en-US" sz="2250" dirty="0"/>
           </a:p>
         </p:txBody>
       </p:sp>
@@ -12438,7 +12429,7 @@
         <p:spPr>
           <a:xfrm>
             <a:off x="2020050" y="11341358"/>
-            <a:ext cx="1593271" cy="346249"/>
+            <a:ext cx="1593271" cy="361637"/>
           </a:xfrm>
           <a:prstGeom prst="rect">
             <a:avLst/>
@@ -12453,10 +12444,9 @@
           <a:p>
             <a:pPr algn="ctr"/>
             <a:r>
-              <a:rPr lang="en-US" sz="1500" dirty="0"/>
+              <a:rPr lang="en-US" sz="1600" dirty="0"/>
               <a:t>write</a:t>
             </a:r>
-            <a:endParaRPr lang="en-US" sz="2250" dirty="0"/>
           </a:p>
         </p:txBody>
       </p:sp>
@@ -12504,7 +12494,7 @@
           <a:lstStyle/>
           <a:p>
             <a:pPr algn="ctr"/>
-            <a:endParaRPr lang="en-US" sz="1500" dirty="0"/>
+            <a:endParaRPr lang="en-US" sz="1600" dirty="0"/>
           </a:p>
         </p:txBody>
       </p:sp>
@@ -12552,7 +12542,7 @@
           <a:lstStyle/>
           <a:p>
             <a:pPr algn="ctr"/>
-            <a:endParaRPr lang="en-US" sz="1500" dirty="0"/>
+            <a:endParaRPr lang="en-US" sz="1600" dirty="0"/>
           </a:p>
         </p:txBody>
       </p:sp>
@@ -12600,7 +12590,7 @@
           <a:lstStyle/>
           <a:p>
             <a:pPr algn="ctr"/>
-            <a:endParaRPr lang="en-US" sz="1500" dirty="0"/>
+            <a:endParaRPr lang="en-US" sz="1600" dirty="0"/>
           </a:p>
         </p:txBody>
       </p:sp>
@@ -12648,7 +12638,7 @@
           <a:lstStyle/>
           <a:p>
             <a:pPr algn="ctr"/>
-            <a:endParaRPr lang="en-US" sz="1500" dirty="0"/>
+            <a:endParaRPr lang="en-US" sz="1600" dirty="0"/>
           </a:p>
         </p:txBody>
       </p:sp>
@@ -12696,7 +12686,7 @@
           <a:lstStyle/>
           <a:p>
             <a:pPr algn="ctr"/>
-            <a:endParaRPr lang="en-US" sz="1500" dirty="0"/>
+            <a:endParaRPr lang="en-US" sz="1600" dirty="0"/>
           </a:p>
         </p:txBody>
       </p:sp>
@@ -12744,7 +12734,7 @@
           <a:lstStyle/>
           <a:p>
             <a:pPr algn="ctr"/>
-            <a:endParaRPr lang="en-US" sz="1500" dirty="0"/>
+            <a:endParaRPr lang="en-US" sz="1600" dirty="0"/>
           </a:p>
         </p:txBody>
       </p:sp>
@@ -12792,7 +12782,7 @@
           <a:lstStyle/>
           <a:p>
             <a:pPr algn="ctr"/>
-            <a:endParaRPr lang="en-US" sz="1500" dirty="0"/>
+            <a:endParaRPr lang="en-US" sz="1600" dirty="0"/>
           </a:p>
         </p:txBody>
       </p:sp>
@@ -12840,7 +12830,7 @@
           <a:lstStyle/>
           <a:p>
             <a:pPr algn="ctr"/>
-            <a:endParaRPr lang="en-US" sz="1500" dirty="0"/>
+            <a:endParaRPr lang="en-US" sz="1600" dirty="0"/>
           </a:p>
         </p:txBody>
       </p:sp>
@@ -12888,7 +12878,7 @@
           <a:lstStyle/>
           <a:p>
             <a:pPr algn="ctr"/>
-            <a:endParaRPr lang="en-US" sz="1500" dirty="0"/>
+            <a:endParaRPr lang="en-US" sz="1600" dirty="0"/>
           </a:p>
         </p:txBody>
       </p:sp>
@@ -12936,7 +12926,7 @@
           <a:lstStyle/>
           <a:p>
             <a:pPr algn="ctr"/>
-            <a:endParaRPr lang="en-US" sz="1500" dirty="0"/>
+            <a:endParaRPr lang="en-US" sz="1600" dirty="0"/>
           </a:p>
         </p:txBody>
       </p:sp>
@@ -12984,7 +12974,7 @@
           <a:lstStyle/>
           <a:p>
             <a:pPr algn="ctr"/>
-            <a:endParaRPr lang="en-US" sz="1500" dirty="0"/>
+            <a:endParaRPr lang="en-US" sz="1600" dirty="0"/>
           </a:p>
         </p:txBody>
       </p:sp>
@@ -13032,7 +13022,7 @@
           <a:lstStyle/>
           <a:p>
             <a:pPr algn="ctr"/>
-            <a:endParaRPr lang="en-US" sz="1500" dirty="0"/>
+            <a:endParaRPr lang="en-US" sz="1600" dirty="0"/>
           </a:p>
         </p:txBody>
       </p:sp>
@@ -13080,7 +13070,7 @@
           <a:lstStyle/>
           <a:p>
             <a:pPr algn="ctr"/>
-            <a:endParaRPr lang="en-US" sz="1500" dirty="0"/>
+            <a:endParaRPr lang="en-US" sz="1600" dirty="0"/>
           </a:p>
         </p:txBody>
       </p:sp>
@@ -13128,7 +13118,7 @@
           <a:lstStyle/>
           <a:p>
             <a:pPr algn="ctr"/>
-            <a:endParaRPr lang="en-US" sz="1500" dirty="0"/>
+            <a:endParaRPr lang="en-US" sz="1600" dirty="0"/>
           </a:p>
         </p:txBody>
       </p:sp>
@@ -13176,7 +13166,7 @@
           <a:lstStyle/>
           <a:p>
             <a:pPr algn="ctr"/>
-            <a:endParaRPr lang="en-US" sz="1500" dirty="0"/>
+            <a:endParaRPr lang="en-US" sz="1600" dirty="0"/>
           </a:p>
         </p:txBody>
       </p:sp>
@@ -13224,7 +13214,7 @@
           <a:lstStyle/>
           <a:p>
             <a:pPr algn="ctr"/>
-            <a:endParaRPr lang="en-US" sz="1500" dirty="0"/>
+            <a:endParaRPr lang="en-US" sz="1600" dirty="0"/>
           </a:p>
         </p:txBody>
       </p:sp>
@@ -13242,8 +13232,8 @@
         </p:nvSpPr>
         <p:spPr>
           <a:xfrm>
-            <a:off x="1154843" y="520024"/>
-            <a:ext cx="5245957" cy="449671"/>
+            <a:off x="1154843" y="441938"/>
+            <a:ext cx="5571421" cy="527757"/>
           </a:xfrm>
           <a:prstGeom prst="rect">
             <a:avLst/>
@@ -13269,7 +13259,7 @@
           <a:lstStyle/>
           <a:p>
             <a:r>
-              <a:rPr lang="en-US" sz="1500" dirty="0">
+              <a:rPr lang="en-US" sz="1600" dirty="0">
                 <a:solidFill>
                   <a:srgbClr val="000000"/>
                 </a:solidFill>
@@ -13279,7 +13269,7 @@
               <a:t>/home/pr/</a:t>
             </a:r>
             <a:r>
-              <a:rPr lang="en-US" sz="1500" dirty="0" err="1">
+              <a:rPr lang="en-US" sz="1600" dirty="0" err="1">
                 <a:solidFill>
                   <a:srgbClr val="000000"/>
                 </a:solidFill>
@@ -13289,7 +13279,7 @@
               <a:t>venv</a:t>
             </a:r>
             <a:r>
-              <a:rPr lang="en-US" sz="1500" dirty="0">
+              <a:rPr lang="en-US" sz="1600" dirty="0">
                 <a:solidFill>
                   <a:srgbClr val="000000"/>
                 </a:solidFill>
@@ -13299,18 +13289,18 @@
               <a:t>/bin/python3 </a:t>
             </a:r>
             <a:r>
-              <a:rPr lang="en-US" sz="1500" dirty="0"/>
+              <a:rPr lang="en-US" sz="1600" dirty="0"/>
               <a:t>train_model.py --</a:t>
             </a:r>
             <a:r>
-              <a:rPr lang="en-US" sz="1500" dirty="0" err="1"/>
+              <a:rPr lang="en-US" sz="1600" dirty="0" err="1"/>
               <a:t>learning_rate</a:t>
             </a:r>
             <a:r>
-              <a:rPr lang="en-US" sz="1500" dirty="0"/>
+              <a:rPr lang="en-US" sz="1600" dirty="0"/>
               <a:t> 0.1</a:t>
             </a:r>
-            <a:endParaRPr lang="en-US" sz="1500" dirty="0">
+            <a:endParaRPr lang="en-US" sz="1600" dirty="0">
               <a:ea typeface="Calibri"/>
               <a:cs typeface="Calibri"/>
             </a:endParaRPr>
@@ -13381,7 +13371,7 @@
             <a:lstStyle/>
             <a:p>
               <a:pPr algn="ctr"/>
-              <a:endParaRPr lang="en-US" sz="1500" dirty="0"/>
+              <a:endParaRPr lang="en-US" sz="1600" dirty="0"/>
             </a:p>
           </p:txBody>
         </p:sp>
@@ -13429,7 +13419,7 @@
             <a:lstStyle/>
             <a:p>
               <a:pPr algn="ctr"/>
-              <a:endParaRPr lang="en-US" sz="1500" dirty="0"/>
+              <a:endParaRPr lang="en-US" sz="1600" dirty="0"/>
             </a:p>
           </p:txBody>
         </p:sp>
@@ -13477,7 +13467,7 @@
             <a:lstStyle/>
             <a:p>
               <a:pPr algn="ctr"/>
-              <a:endParaRPr lang="en-US" sz="1500" dirty="0"/>
+              <a:endParaRPr lang="en-US" sz="1600" dirty="0"/>
             </a:p>
           </p:txBody>
         </p:sp>
@@ -13525,7 +13515,7 @@
             <a:lstStyle/>
             <a:p>
               <a:pPr algn="ctr"/>
-              <a:endParaRPr lang="en-US" sz="1500" dirty="0"/>
+              <a:endParaRPr lang="en-US" sz="1600" dirty="0"/>
             </a:p>
           </p:txBody>
         </p:sp>
@@ -13579,25 +13569,25 @@
           <a:p>
             <a:pPr algn="ctr"/>
             <a:r>
-              <a:rPr lang="en-US" sz="1500" dirty="0"/>
+              <a:rPr lang="en-US" sz="1600" dirty="0"/>
               <a:t>process </a:t>
             </a:r>
             <a:r>
-              <a:rPr lang="en-US" sz="1500" dirty="0" err="1"/>
+              <a:rPr lang="en-US" sz="1600" dirty="0" err="1"/>
               <a:t>pid</a:t>
             </a:r>
             <a:r>
-              <a:rPr lang="en-US" sz="1500" dirty="0"/>
+              <a:rPr lang="en-US" sz="1600" dirty="0"/>
               <a:t>: </a:t>
             </a:r>
           </a:p>
           <a:p>
             <a:pPr algn="ctr"/>
             <a:r>
-              <a:rPr lang="en-US" sz="1500" dirty="0"/>
+              <a:rPr lang="en-US" sz="1600" dirty="0"/>
               <a:t>143462</a:t>
             </a:r>
-            <a:endParaRPr lang="en-US" sz="1500" dirty="0">
+            <a:endParaRPr lang="en-US" sz="1600" dirty="0">
               <a:ea typeface="Calibri"/>
               <a:cs typeface="Calibri"/>
             </a:endParaRPr>
@@ -13619,7 +13609,7 @@
         <p:spPr>
           <a:xfrm>
             <a:off x="2050397" y="5386749"/>
-            <a:ext cx="1593271" cy="323165"/>
+            <a:ext cx="1593271" cy="338554"/>
           </a:xfrm>
           <a:prstGeom prst="rect">
             <a:avLst/>
@@ -13634,7 +13624,7 @@
           <a:p>
             <a:pPr algn="ctr"/>
             <a:r>
-              <a:rPr lang="en-US" sz="1500" dirty="0"/>
+              <a:rPr lang="en-US" sz="1600" dirty="0"/>
               <a:t>load</a:t>
             </a:r>
           </a:p>
@@ -13732,7 +13722,7 @@
           <a:lstStyle/>
           <a:p>
             <a:pPr algn="ctr"/>
-            <a:endParaRPr lang="en-US" sz="1500" dirty="0"/>
+            <a:endParaRPr lang="en-US" sz="1600" dirty="0"/>
           </a:p>
         </p:txBody>
       </p:sp>
@@ -13780,7 +13770,7 @@
           <a:lstStyle/>
           <a:p>
             <a:pPr algn="ctr"/>
-            <a:endParaRPr lang="en-US" sz="1500" dirty="0"/>
+            <a:endParaRPr lang="en-US" sz="1600" dirty="0"/>
           </a:p>
         </p:txBody>
       </p:sp>
@@ -13828,7 +13818,7 @@
           <a:lstStyle/>
           <a:p>
             <a:pPr algn="ctr"/>
-            <a:endParaRPr lang="en-US" sz="1500" dirty="0"/>
+            <a:endParaRPr lang="en-US" sz="1600" dirty="0"/>
           </a:p>
         </p:txBody>
       </p:sp>
@@ -13876,7 +13866,7 @@
           <a:lstStyle/>
           <a:p>
             <a:pPr algn="ctr"/>
-            <a:endParaRPr lang="en-US" sz="1500" dirty="0"/>
+            <a:endParaRPr lang="en-US" sz="1600" dirty="0"/>
           </a:p>
         </p:txBody>
       </p:sp>
@@ -13895,7 +13885,7 @@
         <p:spPr>
           <a:xfrm>
             <a:off x="2045310" y="6438320"/>
-            <a:ext cx="1593271" cy="323165"/>
+            <a:ext cx="1593271" cy="338554"/>
           </a:xfrm>
           <a:prstGeom prst="rect">
             <a:avLst/>
@@ -13910,7 +13900,7 @@
           <a:p>
             <a:pPr algn="ctr"/>
             <a:r>
-              <a:rPr lang="en-US" sz="1500" dirty="0"/>
+              <a:rPr lang="en-US" sz="1600" dirty="0"/>
               <a:t>load</a:t>
             </a:r>
           </a:p>
@@ -13931,7 +13921,7 @@
         <p:spPr>
           <a:xfrm>
             <a:off x="2384791" y="6911504"/>
-            <a:ext cx="907736" cy="323165"/>
+            <a:ext cx="907736" cy="338554"/>
           </a:xfrm>
           <a:prstGeom prst="rect">
             <a:avLst/>
@@ -13946,7 +13936,7 @@
           <a:p>
             <a:pPr algn="ctr"/>
             <a:r>
-              <a:rPr lang="en-US" sz="1500" dirty="0"/>
+              <a:rPr lang="en-US" sz="1600" dirty="0"/>
               <a:t>read</a:t>
             </a:r>
           </a:p>
@@ -14061,7 +14051,7 @@
         <p:spPr>
           <a:xfrm>
             <a:off x="2383833" y="7404542"/>
-            <a:ext cx="907736" cy="346249"/>
+            <a:ext cx="907736" cy="361637"/>
           </a:xfrm>
           <a:prstGeom prst="rect">
             <a:avLst/>
@@ -14076,7 +14066,7 @@
           <a:p>
             <a:pPr algn="ctr"/>
             <a:r>
-              <a:rPr lang="en-US" sz="1500" dirty="0"/>
+              <a:rPr lang="en-US" sz="1600" dirty="0"/>
               <a:t>write</a:t>
             </a:r>
           </a:p>
@@ -14096,8 +14086,8 @@
         </p:nvSpPr>
         <p:spPr>
           <a:xfrm>
-            <a:off x="12335122" y="6001536"/>
-            <a:ext cx="2703501" cy="381928"/>
+            <a:off x="12335122" y="5926651"/>
+            <a:ext cx="3095509" cy="456813"/>
           </a:xfrm>
           <a:prstGeom prst="rect">
             <a:avLst/>
@@ -14123,10 +14113,9 @@
           <a:p>
             <a:pPr algn="ctr"/>
             <a:r>
-              <a:rPr lang="en-US" sz="1500" dirty="0"/>
+              <a:rPr lang="en-US" sz="1600" dirty="0"/>
               <a:t>/home/pr/exp2/train_model.py</a:t>
             </a:r>
-            <a:endParaRPr lang="en-US" sz="2250" dirty="0"/>
           </a:p>
         </p:txBody>
       </p:sp>
@@ -14148,8 +14137,8 @@
         </p:nvCxnSpPr>
         <p:spPr>
           <a:xfrm flipV="1">
-            <a:off x="2225307" y="6192500"/>
-            <a:ext cx="10109815" cy="6887"/>
+            <a:off x="2225307" y="6155058"/>
+            <a:ext cx="10109815" cy="44329"/>
           </a:xfrm>
           <a:prstGeom prst="straightConnector1">
             <a:avLst/>
@@ -14191,7 +14180,7 @@
         <p:spPr>
           <a:xfrm>
             <a:off x="2383833" y="5831487"/>
-            <a:ext cx="907736" cy="323165"/>
+            <a:ext cx="907736" cy="338554"/>
           </a:xfrm>
           <a:prstGeom prst="rect">
             <a:avLst/>
@@ -14206,7 +14195,7 @@
           <a:p>
             <a:pPr algn="ctr"/>
             <a:r>
-              <a:rPr lang="en-US" sz="1500" dirty="0"/>
+              <a:rPr lang="en-US" sz="1600" dirty="0"/>
               <a:t>read</a:t>
             </a:r>
           </a:p>
@@ -14256,7 +14245,7 @@
           <a:lstStyle/>
           <a:p>
             <a:pPr algn="ctr"/>
-            <a:endParaRPr lang="en-US" sz="1500" dirty="0"/>
+            <a:endParaRPr lang="en-US" sz="1600" dirty="0"/>
           </a:p>
         </p:txBody>
       </p:sp>
@@ -14304,7 +14293,7 @@
           <a:lstStyle/>
           <a:p>
             <a:pPr algn="ctr"/>
-            <a:endParaRPr lang="en-US" sz="1500" dirty="0"/>
+            <a:endParaRPr lang="en-US" sz="1600" dirty="0"/>
           </a:p>
         </p:txBody>
       </p:sp>
@@ -14352,7 +14341,7 @@
           <a:lstStyle/>
           <a:p>
             <a:pPr algn="ctr"/>
-            <a:endParaRPr lang="en-US" sz="1500" dirty="0"/>
+            <a:endParaRPr lang="en-US" sz="1600" dirty="0"/>
           </a:p>
         </p:txBody>
       </p:sp>
@@ -14400,7 +14389,7 @@
           <a:lstStyle/>
           <a:p>
             <a:pPr algn="ctr"/>
-            <a:endParaRPr lang="en-US" sz="1500" dirty="0"/>
+            <a:endParaRPr lang="en-US" sz="1600" dirty="0"/>
           </a:p>
         </p:txBody>
       </p:sp>
@@ -14448,7 +14437,7 @@
           <a:lstStyle/>
           <a:p>
             <a:pPr algn="ctr"/>
-            <a:endParaRPr lang="en-US" sz="1500" dirty="0"/>
+            <a:endParaRPr lang="en-US" sz="1600" dirty="0"/>
           </a:p>
         </p:txBody>
       </p:sp>
@@ -14466,8 +14455,8 @@
         </p:nvSpPr>
         <p:spPr>
           <a:xfrm>
-            <a:off x="1154349" y="4853681"/>
-            <a:ext cx="5370437" cy="449671"/>
+            <a:off x="1154349" y="4822897"/>
+            <a:ext cx="5605110" cy="480456"/>
           </a:xfrm>
           <a:prstGeom prst="rect">
             <a:avLst/>
@@ -14497,7 +14486,7 @@
           <a:lstStyle/>
           <a:p>
             <a:r>
-              <a:rPr lang="en-US" sz="1500" dirty="0">
+              <a:rPr lang="en-US" sz="1600" dirty="0">
                 <a:solidFill>
                   <a:srgbClr val="000000"/>
                 </a:solidFill>
@@ -14507,7 +14496,7 @@
               <a:t>/home/pr/</a:t>
             </a:r>
             <a:r>
-              <a:rPr lang="en-US" sz="1500" dirty="0" err="1">
+              <a:rPr lang="en-US" sz="1600" dirty="0" err="1">
                 <a:solidFill>
                   <a:srgbClr val="000000"/>
                 </a:solidFill>
@@ -14517,7 +14506,7 @@
               <a:t>venv</a:t>
             </a:r>
             <a:r>
-              <a:rPr lang="en-US" sz="1500" dirty="0">
+              <a:rPr lang="en-US" sz="1600" dirty="0">
                 <a:solidFill>
                   <a:srgbClr val="000000"/>
                 </a:solidFill>
@@ -14527,18 +14516,18 @@
               <a:t>/bin/python3 </a:t>
             </a:r>
             <a:r>
-              <a:rPr lang="en-US" sz="1500" dirty="0"/>
+              <a:rPr lang="en-US" sz="1600" dirty="0"/>
               <a:t>train_model.py --</a:t>
             </a:r>
             <a:r>
-              <a:rPr lang="en-US" sz="1500" dirty="0" err="1"/>
+              <a:rPr lang="en-US" sz="1600" dirty="0" err="1"/>
               <a:t>learning_rate</a:t>
             </a:r>
             <a:r>
-              <a:rPr lang="en-US" sz="1500" dirty="0"/>
+              <a:rPr lang="en-US" sz="1600" dirty="0"/>
               <a:t> 0.01</a:t>
             </a:r>
-            <a:endParaRPr lang="en-US" sz="1500" dirty="0">
+            <a:endParaRPr lang="en-US" sz="1600" dirty="0">
               <a:ea typeface="Calibri"/>
               <a:cs typeface="Calibri"/>
             </a:endParaRPr>
@@ -14638,7 +14627,7 @@
           <a:lstStyle/>
           <a:p>
             <a:pPr algn="ctr"/>
-            <a:endParaRPr lang="en-US" sz="1500" dirty="0"/>
+            <a:endParaRPr lang="en-US" sz="1600" dirty="0"/>
           </a:p>
         </p:txBody>
       </p:sp>
@@ -14686,7 +14675,7 @@
           <a:lstStyle/>
           <a:p>
             <a:pPr algn="ctr"/>
-            <a:endParaRPr lang="en-US" sz="1500" dirty="0"/>
+            <a:endParaRPr lang="en-US" sz="1600" dirty="0"/>
           </a:p>
         </p:txBody>
       </p:sp>
@@ -14734,7 +14723,7 @@
           <a:lstStyle/>
           <a:p>
             <a:pPr algn="ctr"/>
-            <a:endParaRPr lang="en-US" sz="1500" dirty="0"/>
+            <a:endParaRPr lang="en-US" sz="1600" dirty="0"/>
           </a:p>
         </p:txBody>
       </p:sp>
@@ -14836,15 +14825,15 @@
           <a:p>
             <a:pPr algn="ctr"/>
             <a:r>
-              <a:rPr lang="en-US" sz="1500" dirty="0"/>
+              <a:rPr lang="en-US" sz="1600" dirty="0"/>
               <a:t>process </a:t>
             </a:r>
             <a:r>
-              <a:rPr lang="en-US" sz="1500" dirty="0" err="1"/>
+              <a:rPr lang="en-US" sz="1600" dirty="0" err="1"/>
               <a:t>pid</a:t>
             </a:r>
             <a:r>
-              <a:rPr lang="en-US" sz="1500" dirty="0"/>
+              <a:rPr lang="en-US" sz="1600" dirty="0"/>
               <a:t>: 143463</a:t>
             </a:r>
           </a:p>
@@ -14864,8 +14853,8 @@
         </p:nvSpPr>
         <p:spPr>
           <a:xfrm>
-            <a:off x="1062280" y="12936569"/>
-            <a:ext cx="4269138" cy="449671"/>
+            <a:off x="1062280" y="12830479"/>
+            <a:ext cx="5030994" cy="555762"/>
           </a:xfrm>
           <a:prstGeom prst="rect">
             <a:avLst/>
@@ -14896,7 +14885,7 @@
           <a:p>
             <a:pPr algn="ctr"/>
             <a:r>
-              <a:rPr lang="en-US" sz="1500" dirty="0">
+              <a:rPr lang="en-US" sz="1600" dirty="0">
                 <a:solidFill>
                   <a:srgbClr val="000000"/>
                 </a:solidFill>
@@ -14906,7 +14895,7 @@
               <a:t>/home/pr/</a:t>
             </a:r>
             <a:r>
-              <a:rPr lang="en-US" sz="1500" dirty="0" err="1">
+              <a:rPr lang="en-US" sz="1600" dirty="0" err="1">
                 <a:solidFill>
                   <a:srgbClr val="000000"/>
                 </a:solidFill>
@@ -14916,7 +14905,7 @@
               <a:t>venv</a:t>
             </a:r>
             <a:r>
-              <a:rPr lang="en-US" sz="1500" dirty="0">
+              <a:rPr lang="en-US" sz="1600" dirty="0">
                 <a:solidFill>
                   <a:srgbClr val="000000"/>
                 </a:solidFill>
@@ -14946,8 +14935,8 @@
         </p:nvCxnSpPr>
         <p:spPr>
           <a:xfrm flipH="1">
-            <a:off x="2181901" y="14025775"/>
-            <a:ext cx="10119544" cy="47759"/>
+            <a:off x="2181901" y="14020711"/>
+            <a:ext cx="10119544" cy="52823"/>
           </a:xfrm>
           <a:prstGeom prst="straightConnector1">
             <a:avLst/>
@@ -14989,8 +14978,8 @@
         </p:nvSpPr>
         <p:spPr>
           <a:xfrm>
-            <a:off x="12301445" y="13834811"/>
-            <a:ext cx="3068425" cy="381928"/>
+            <a:off x="12301445" y="13824683"/>
+            <a:ext cx="3443519" cy="392056"/>
           </a:xfrm>
           <a:prstGeom prst="rect">
             <a:avLst/>
@@ -15021,11 +15010,11 @@
           <a:p>
             <a:pPr algn="ctr"/>
             <a:r>
-              <a:rPr lang="en-US" sz="1500" dirty="0"/>
+              <a:rPr lang="en-US" sz="1600" dirty="0"/>
               <a:t>/home/pr/exp2/</a:t>
             </a:r>
             <a:r>
-              <a:rPr lang="en-US" sz="1500" dirty="0">
+              <a:rPr lang="en-US" sz="1600" dirty="0">
                 <a:solidFill>
                   <a:srgbClr val="000000"/>
                 </a:solidFill>
@@ -15034,7 +15023,7 @@
               </a:rPr>
               <a:t>evaluate_models.py </a:t>
             </a:r>
-            <a:endParaRPr lang="en-US" sz="2250" dirty="0"/>
+            <a:endParaRPr lang="en-US" sz="1600" dirty="0"/>
           </a:p>
         </p:txBody>
       </p:sp>
@@ -15053,7 +15042,7 @@
         <p:spPr>
           <a:xfrm>
             <a:off x="1926243" y="13333178"/>
-            <a:ext cx="1655126" cy="346249"/>
+            <a:ext cx="1655126" cy="361637"/>
           </a:xfrm>
           <a:prstGeom prst="rect">
             <a:avLst/>
@@ -15071,10 +15060,9 @@
           <a:p>
             <a:pPr algn="ctr"/>
             <a:r>
-              <a:rPr lang="en-US" sz="1500" dirty="0"/>
+              <a:rPr lang="en-US" sz="1600" dirty="0"/>
               <a:t>load</a:t>
             </a:r>
-            <a:endParaRPr lang="en-US" sz="2250" dirty="0"/>
           </a:p>
         </p:txBody>
       </p:sp>
@@ -15093,7 +15081,7 @@
         <p:spPr>
           <a:xfrm>
             <a:off x="1911164" y="13737598"/>
-            <a:ext cx="1655126" cy="346249"/>
+            <a:ext cx="1655126" cy="361637"/>
           </a:xfrm>
           <a:prstGeom prst="rect">
             <a:avLst/>
@@ -15111,10 +15099,9 @@
           <a:p>
             <a:pPr algn="ctr"/>
             <a:r>
-              <a:rPr lang="en-US" sz="1500" dirty="0"/>
+              <a:rPr lang="en-US" sz="1600" dirty="0"/>
               <a:t>read</a:t>
             </a:r>
-            <a:endParaRPr lang="en-US" sz="2250" dirty="0"/>
           </a:p>
         </p:txBody>
       </p:sp>
@@ -15133,7 +15120,7 @@
         <p:spPr>
           <a:xfrm>
             <a:off x="1925290" y="14171983"/>
-            <a:ext cx="1655126" cy="346249"/>
+            <a:ext cx="1655126" cy="361637"/>
           </a:xfrm>
           <a:prstGeom prst="rect">
             <a:avLst/>
@@ -15151,10 +15138,9 @@
           <a:p>
             <a:pPr algn="ctr"/>
             <a:r>
-              <a:rPr lang="en-US" sz="1500" dirty="0"/>
+              <a:rPr lang="en-US" sz="1600" dirty="0"/>
               <a:t>load</a:t>
             </a:r>
-            <a:endParaRPr lang="en-US" sz="2250" dirty="0"/>
           </a:p>
         </p:txBody>
       </p:sp>
@@ -15173,7 +15159,7 @@
         <p:spPr>
           <a:xfrm>
             <a:off x="1909445" y="14576404"/>
-            <a:ext cx="1655126" cy="346249"/>
+            <a:ext cx="1655126" cy="361637"/>
           </a:xfrm>
           <a:prstGeom prst="rect">
             <a:avLst/>
@@ -15191,10 +15177,9 @@
           <a:p>
             <a:pPr algn="ctr"/>
             <a:r>
-              <a:rPr lang="en-US" sz="1500" dirty="0"/>
+              <a:rPr lang="en-US" sz="1600" dirty="0"/>
               <a:t>read</a:t>
             </a:r>
-            <a:endParaRPr lang="en-US" sz="2250" dirty="0"/>
           </a:p>
         </p:txBody>
       </p:sp>
@@ -15262,7 +15247,7 @@
         <p:spPr>
           <a:xfrm>
             <a:off x="1933091" y="15048161"/>
-            <a:ext cx="1593271" cy="346249"/>
+            <a:ext cx="1593271" cy="361637"/>
           </a:xfrm>
           <a:prstGeom prst="rect">
             <a:avLst/>
@@ -15280,10 +15265,9 @@
           <a:p>
             <a:pPr algn="ctr"/>
             <a:r>
-              <a:rPr lang="en-US" sz="1500" dirty="0"/>
+              <a:rPr lang="en-US" sz="1600" dirty="0"/>
               <a:t>read</a:t>
             </a:r>
-            <a:endParaRPr lang="en-US" sz="2250" dirty="0"/>
           </a:p>
         </p:txBody>
       </p:sp>
@@ -15331,7 +15315,7 @@
           <a:lstStyle/>
           <a:p>
             <a:pPr algn="ctr"/>
-            <a:endParaRPr lang="en-US" sz="1500" dirty="0"/>
+            <a:endParaRPr lang="en-US" sz="1600" dirty="0"/>
           </a:p>
         </p:txBody>
       </p:sp>
@@ -15379,7 +15363,7 @@
           <a:lstStyle/>
           <a:p>
             <a:pPr algn="ctr"/>
-            <a:endParaRPr lang="en-US" sz="1500" dirty="0"/>
+            <a:endParaRPr lang="en-US" sz="1600" dirty="0"/>
           </a:p>
         </p:txBody>
       </p:sp>
@@ -15427,7 +15411,7 @@
           <a:lstStyle/>
           <a:p>
             <a:pPr algn="ctr"/>
-            <a:endParaRPr lang="en-US" sz="1500" dirty="0"/>
+            <a:endParaRPr lang="en-US" sz="1600" dirty="0"/>
           </a:p>
         </p:txBody>
       </p:sp>
@@ -15475,7 +15459,7 @@
           <a:lstStyle/>
           <a:p>
             <a:pPr algn="ctr"/>
-            <a:endParaRPr lang="en-US" sz="1500" dirty="0"/>
+            <a:endParaRPr lang="en-US" sz="1600" dirty="0"/>
           </a:p>
         </p:txBody>
       </p:sp>
@@ -15523,7 +15507,7 @@
           <a:lstStyle/>
           <a:p>
             <a:pPr algn="ctr"/>
-            <a:endParaRPr lang="en-US" sz="1500" dirty="0"/>
+            <a:endParaRPr lang="en-US" sz="1600" dirty="0"/>
           </a:p>
         </p:txBody>
       </p:sp>
@@ -15571,7 +15555,7 @@
           <a:lstStyle/>
           <a:p>
             <a:pPr algn="ctr"/>
-            <a:endParaRPr lang="en-US" sz="1500" dirty="0"/>
+            <a:endParaRPr lang="en-US" sz="1600" dirty="0"/>
           </a:p>
         </p:txBody>
       </p:sp>
@@ -15619,7 +15603,7 @@
           <a:lstStyle/>
           <a:p>
             <a:pPr algn="ctr"/>
-            <a:endParaRPr lang="en-US" sz="1500" dirty="0"/>
+            <a:endParaRPr lang="en-US" sz="1600" dirty="0"/>
           </a:p>
         </p:txBody>
       </p:sp>
@@ -15667,7 +15651,7 @@
           <a:lstStyle/>
           <a:p>
             <a:pPr algn="ctr"/>
-            <a:endParaRPr lang="en-US" sz="1500" dirty="0"/>
+            <a:endParaRPr lang="en-US" sz="1600" dirty="0"/>
           </a:p>
         </p:txBody>
       </p:sp>
@@ -15715,7 +15699,7 @@
           <a:lstStyle/>
           <a:p>
             <a:pPr algn="ctr"/>
-            <a:endParaRPr lang="en-US" sz="1500" dirty="0"/>
+            <a:endParaRPr lang="en-US" sz="1600" dirty="0"/>
           </a:p>
         </p:txBody>
       </p:sp>
@@ -15763,7 +15747,7 @@
           <a:lstStyle/>
           <a:p>
             <a:pPr algn="ctr"/>
-            <a:endParaRPr lang="en-US" sz="1500" dirty="0"/>
+            <a:endParaRPr lang="en-US" sz="1600" dirty="0"/>
           </a:p>
         </p:txBody>
       </p:sp>
@@ -15860,7 +15844,7 @@
           <a:lstStyle/>
           <a:p>
             <a:pPr algn="ctr"/>
-            <a:endParaRPr lang="en-US" sz="1500" dirty="0"/>
+            <a:endParaRPr lang="en-US" sz="1600" dirty="0"/>
           </a:p>
         </p:txBody>
       </p:sp>
@@ -15957,7 +15941,7 @@
           <a:lstStyle/>
           <a:p>
             <a:pPr algn="ctr"/>
-            <a:endParaRPr lang="en-US" sz="1500" dirty="0"/>
+            <a:endParaRPr lang="en-US" sz="1600" dirty="0"/>
           </a:p>
         </p:txBody>
       </p:sp>
@@ -15975,10 +15959,10 @@
         </p:nvGrpSpPr>
         <p:grpSpPr>
           <a:xfrm>
-            <a:off x="12335609" y="3254995"/>
-            <a:ext cx="2703501" cy="458846"/>
-            <a:chOff x="12335609" y="3223191"/>
-            <a:chExt cx="2703501" cy="458846"/>
+            <a:off x="12335609" y="3156857"/>
+            <a:ext cx="3095022" cy="556984"/>
+            <a:chOff x="12335609" y="3125053"/>
+            <a:chExt cx="3095022" cy="556984"/>
           </a:xfrm>
         </p:grpSpPr>
         <p:sp>
@@ -15995,8 +15979,8 @@
           </p:nvSpPr>
           <p:spPr>
             <a:xfrm>
-              <a:off x="12335609" y="3223191"/>
-              <a:ext cx="2703501" cy="458846"/>
+              <a:off x="12335609" y="3125053"/>
+              <a:ext cx="3095022" cy="556984"/>
             </a:xfrm>
             <a:prstGeom prst="rect">
               <a:avLst/>
@@ -16022,10 +16006,9 @@
             <a:p>
               <a:pPr algn="ctr"/>
               <a:r>
-                <a:rPr lang="en-US" sz="1500" dirty="0"/>
+                <a:rPr lang="en-US" sz="1600" dirty="0"/>
                 <a:t>/home/pr/exp2/model_1.ckpt</a:t>
               </a:r>
-              <a:endParaRPr lang="en-US" sz="2250" dirty="0"/>
             </a:p>
           </p:txBody>
         </p:sp>
@@ -16073,7 +16056,7 @@
             <a:lstStyle/>
             <a:p>
               <a:pPr algn="ctr"/>
-              <a:endParaRPr lang="en-US" sz="1500" dirty="0"/>
+              <a:endParaRPr lang="en-US" sz="1600" dirty="0"/>
             </a:p>
           </p:txBody>
         </p:sp>
@@ -16121,7 +16104,7 @@
             <a:lstStyle/>
             <a:p>
               <a:pPr algn="ctr"/>
-              <a:endParaRPr lang="en-US" sz="1500" dirty="0"/>
+              <a:endParaRPr lang="en-US" sz="1600" dirty="0"/>
             </a:p>
           </p:txBody>
         </p:sp>
@@ -16189,8 +16172,8 @@
         </p:nvSpPr>
         <p:spPr>
           <a:xfrm>
-            <a:off x="12329654" y="7572801"/>
-            <a:ext cx="2703501" cy="458846"/>
+            <a:off x="12329654" y="7588803"/>
+            <a:ext cx="3100977" cy="442844"/>
           </a:xfrm>
           <a:prstGeom prst="rect">
             <a:avLst/>
@@ -16216,10 +16199,9 @@
           <a:p>
             <a:pPr algn="ctr"/>
             <a:r>
-              <a:rPr lang="en-US" sz="1500" dirty="0"/>
+              <a:rPr lang="en-US" sz="1600" dirty="0"/>
               <a:t>/home/pr/exp2/model_2.ckpt</a:t>
             </a:r>
-            <a:endParaRPr lang="en-US" sz="2250" dirty="0"/>
           </a:p>
         </p:txBody>
       </p:sp>
@@ -16267,7 +16249,7 @@
           <a:lstStyle/>
           <a:p>
             <a:pPr algn="ctr"/>
-            <a:endParaRPr lang="en-US" sz="1500" dirty="0"/>
+            <a:endParaRPr lang="en-US" sz="1600" dirty="0"/>
           </a:p>
         </p:txBody>
       </p:sp>
@@ -16315,7 +16297,7 @@
           <a:lstStyle/>
           <a:p>
             <a:pPr algn="ctr"/>
-            <a:endParaRPr lang="en-US" sz="1500" dirty="0"/>
+            <a:endParaRPr lang="en-US" sz="1600" dirty="0"/>
           </a:p>
         </p:txBody>
       </p:sp>
@@ -16333,8 +16315,8 @@
         </p:nvSpPr>
         <p:spPr>
           <a:xfrm>
-            <a:off x="12394932" y="11501076"/>
-            <a:ext cx="2703501" cy="458846"/>
+            <a:off x="12394932" y="11428948"/>
+            <a:ext cx="3094450" cy="530974"/>
           </a:xfrm>
           <a:prstGeom prst="rect">
             <a:avLst/>
@@ -16360,10 +16342,9 @@
           <a:p>
             <a:pPr algn="ctr"/>
             <a:r>
-              <a:rPr lang="en-US" sz="1500" dirty="0"/>
+              <a:rPr lang="en-US" sz="1600" dirty="0"/>
               <a:t>/home/pr/exp2/model_3.ckpt</a:t>
             </a:r>
-            <a:endParaRPr lang="en-US" sz="2250" dirty="0"/>
           </a:p>
         </p:txBody>
       </p:sp>
@@ -16411,7 +16392,7 @@
           <a:lstStyle/>
           <a:p>
             <a:pPr algn="ctr"/>
-            <a:endParaRPr lang="en-US" sz="1500" dirty="0"/>
+            <a:endParaRPr lang="en-US" sz="1600" dirty="0"/>
           </a:p>
         </p:txBody>
       </p:sp>
@@ -16459,7 +16440,7 @@
           <a:lstStyle/>
           <a:p>
             <a:pPr algn="ctr"/>
-            <a:endParaRPr lang="en-US" sz="1500" dirty="0"/>
+            <a:endParaRPr lang="en-US" sz="1600" dirty="0"/>
           </a:p>
         </p:txBody>
       </p:sp>
@@ -16526,7 +16507,7 @@
         <p:spPr>
           <a:xfrm>
             <a:off x="1933090" y="15472795"/>
-            <a:ext cx="1593271" cy="346249"/>
+            <a:ext cx="1593271" cy="361637"/>
           </a:xfrm>
           <a:prstGeom prst="rect">
             <a:avLst/>
@@ -16544,10 +16525,9 @@
           <a:p>
             <a:pPr algn="ctr"/>
             <a:r>
-              <a:rPr lang="en-US" sz="1500" dirty="0"/>
+              <a:rPr lang="en-US" sz="1600" dirty="0"/>
               <a:t>read</a:t>
             </a:r>
-            <a:endParaRPr lang="en-US" sz="2250" dirty="0"/>
           </a:p>
         </p:txBody>
       </p:sp>

--- a/example_workflow_2/provenance/workflow_2_graph.pptx
+++ b/example_workflow_2/provenance/workflow_2_graph.pptx
@@ -7866,7 +7866,7 @@
           <a:p>
             <a:fld id="{4DAAF268-B108-415A-8D22-4C329ED559E0}" type="datetimeFigureOut">
               <a:rPr lang="en-US" smtClean="0"/>
-              <a:t>10/30/23</a:t>
+              <a:t>11/16/23</a:t>
             </a:fld>
             <a:endParaRPr lang="en-US"/>
           </a:p>
@@ -8036,7 +8036,7 @@
           <a:p>
             <a:fld id="{4DAAF268-B108-415A-8D22-4C329ED559E0}" type="datetimeFigureOut">
               <a:rPr lang="en-US" smtClean="0"/>
-              <a:t>10/30/23</a:t>
+              <a:t>11/16/23</a:t>
             </a:fld>
             <a:endParaRPr lang="en-US"/>
           </a:p>
@@ -8216,7 +8216,7 @@
           <a:p>
             <a:fld id="{4DAAF268-B108-415A-8D22-4C329ED559E0}" type="datetimeFigureOut">
               <a:rPr lang="en-US" smtClean="0"/>
-              <a:t>10/30/23</a:t>
+              <a:t>11/16/23</a:t>
             </a:fld>
             <a:endParaRPr lang="en-US"/>
           </a:p>
@@ -8386,7 +8386,7 @@
           <a:p>
             <a:fld id="{4DAAF268-B108-415A-8D22-4C329ED559E0}" type="datetimeFigureOut">
               <a:rPr lang="en-US" smtClean="0"/>
-              <a:t>10/30/23</a:t>
+              <a:t>11/16/23</a:t>
             </a:fld>
             <a:endParaRPr lang="en-US"/>
           </a:p>
@@ -8630,7 +8630,7 @@
           <a:p>
             <a:fld id="{4DAAF268-B108-415A-8D22-4C329ED559E0}" type="datetimeFigureOut">
               <a:rPr lang="en-US" smtClean="0"/>
-              <a:t>10/30/23</a:t>
+              <a:t>11/16/23</a:t>
             </a:fld>
             <a:endParaRPr lang="en-US"/>
           </a:p>
@@ -8862,7 +8862,7 @@
           <a:p>
             <a:fld id="{4DAAF268-B108-415A-8D22-4C329ED559E0}" type="datetimeFigureOut">
               <a:rPr lang="en-US" smtClean="0"/>
-              <a:t>10/30/23</a:t>
+              <a:t>11/16/23</a:t>
             </a:fld>
             <a:endParaRPr lang="en-US"/>
           </a:p>
@@ -9229,7 +9229,7 @@
           <a:p>
             <a:fld id="{4DAAF268-B108-415A-8D22-4C329ED559E0}" type="datetimeFigureOut">
               <a:rPr lang="en-US" smtClean="0"/>
-              <a:t>10/30/23</a:t>
+              <a:t>11/16/23</a:t>
             </a:fld>
             <a:endParaRPr lang="en-US"/>
           </a:p>
@@ -9347,7 +9347,7 @@
           <a:p>
             <a:fld id="{4DAAF268-B108-415A-8D22-4C329ED559E0}" type="datetimeFigureOut">
               <a:rPr lang="en-US" smtClean="0"/>
-              <a:t>10/30/23</a:t>
+              <a:t>11/16/23</a:t>
             </a:fld>
             <a:endParaRPr lang="en-US"/>
           </a:p>
@@ -9442,7 +9442,7 @@
           <a:p>
             <a:fld id="{4DAAF268-B108-415A-8D22-4C329ED559E0}" type="datetimeFigureOut">
               <a:rPr lang="en-US" smtClean="0"/>
-              <a:t>10/30/23</a:t>
+              <a:t>11/16/23</a:t>
             </a:fld>
             <a:endParaRPr lang="en-US"/>
           </a:p>
@@ -9719,7 +9719,7 @@
           <a:p>
             <a:fld id="{4DAAF268-B108-415A-8D22-4C329ED559E0}" type="datetimeFigureOut">
               <a:rPr lang="en-US" smtClean="0"/>
-              <a:t>10/30/23</a:t>
+              <a:t>11/16/23</a:t>
             </a:fld>
             <a:endParaRPr lang="en-US"/>
           </a:p>
@@ -9976,7 +9976,7 @@
           <a:p>
             <a:fld id="{4DAAF268-B108-415A-8D22-4C329ED559E0}" type="datetimeFigureOut">
               <a:rPr lang="en-US" smtClean="0"/>
-              <a:t>10/30/23</a:t>
+              <a:t>11/16/23</a:t>
             </a:fld>
             <a:endParaRPr lang="en-US"/>
           </a:p>
@@ -10189,7 +10189,7 @@
           <a:p>
             <a:fld id="{4DAAF268-B108-415A-8D22-4C329ED559E0}" type="datetimeFigureOut">
               <a:rPr lang="en-US" smtClean="0"/>
-              <a:t>10/30/23</a:t>
+              <a:t>11/16/23</a:t>
             </a:fld>
             <a:endParaRPr lang="en-US"/>
           </a:p>
@@ -10608,8 +10608,8 @@
         </p:nvSpPr>
         <p:spPr>
           <a:xfrm>
-            <a:off x="16293941" y="2033440"/>
-            <a:ext cx="9033374" cy="14735933"/>
+            <a:off x="16293941" y="2474484"/>
+            <a:ext cx="10090832" cy="14294889"/>
           </a:xfrm>
           <a:prstGeom prst="rect">
             <a:avLst/>
@@ -10635,18 +10635,6 @@
           <a:p>
             <a:r>
               <a:rPr lang="en-US" sz="1600" dirty="0"/>
-              <a:t>/pr/venv/lib/python3.11/site-packages/numpy/core/_multiarray_umath.cpython-311-x86_64-linux-gnu.so</a:t>
-            </a:r>
-          </a:p>
-          <a:p>
-            <a:r>
-              <a:rPr lang="en-US" sz="1600" dirty="0"/>
-              <a:t>/home/pr/venv/lib/python3.11/site-packages/numpy.libs/libopenblas64_p-r0-0cf96a72.3.23.dev.so</a:t>
-            </a:r>
-          </a:p>
-          <a:p>
-            <a:r>
-              <a:rPr lang="en-US" sz="1600" dirty="0"/>
               <a:t>/home/pr/</a:t>
             </a:r>
             <a:r>
@@ -10659,11 +10647,11 @@
             </a:r>
             <a:r>
               <a:rPr lang="en-US" sz="1600" dirty="0" err="1"/>
-              <a:t>numpy.libs</a:t>
-            </a:r>
-            <a:r>
-              <a:rPr lang="en-US" sz="1600" dirty="0"/>
-              <a:t>/libgfortran-040039e1.so.5.0.0</a:t>
+              <a:t>numpy</a:t>
+            </a:r>
+            <a:r>
+              <a:rPr lang="en-US" sz="1600" dirty="0"/>
+              <a:t>/core/_multiarray_umath.cpython-311-x86_64-linux-gnu.so</a:t>
             </a:r>
           </a:p>
           <a:p>
@@ -10685,325 +10673,1033 @@
             </a:r>
             <a:r>
               <a:rPr lang="en-US" sz="1600" dirty="0"/>
+              <a:t>/libopenblas64_p-r0-0cf96a72.3.23.dev.so</a:t>
+            </a:r>
+          </a:p>
+          <a:p>
+            <a:r>
+              <a:rPr lang="en-US" sz="1600" dirty="0"/>
+              <a:t>/home/pr/</a:t>
+            </a:r>
+            <a:r>
+              <a:rPr lang="en-US" sz="1600" dirty="0" err="1"/>
+              <a:t>venv</a:t>
+            </a:r>
+            <a:r>
+              <a:rPr lang="en-US" sz="1600" dirty="0"/>
+              <a:t>/lib/python3.11/site-packages/</a:t>
+            </a:r>
+            <a:r>
+              <a:rPr lang="en-US" sz="1600" dirty="0" err="1"/>
+              <a:t>numpy.libs</a:t>
+            </a:r>
+            <a:r>
+              <a:rPr lang="en-US" sz="1600" dirty="0"/>
+              <a:t>/libgfortran-040039e1.so.5.0.0</a:t>
+            </a:r>
+          </a:p>
+          <a:p>
+            <a:r>
+              <a:rPr lang="en-US" sz="1600" dirty="0"/>
+              <a:t>/home/pr/</a:t>
+            </a:r>
+            <a:r>
+              <a:rPr lang="en-US" sz="1600" dirty="0" err="1"/>
+              <a:t>venv</a:t>
+            </a:r>
+            <a:r>
+              <a:rPr lang="en-US" sz="1600" dirty="0"/>
+              <a:t>/lib/python3.11/site-packages/</a:t>
+            </a:r>
+            <a:r>
+              <a:rPr lang="en-US" sz="1600" dirty="0" err="1"/>
+              <a:t>numpy.libs</a:t>
+            </a:r>
+            <a:r>
+              <a:rPr lang="en-US" sz="1600" dirty="0"/>
               <a:t>/libquadmath-96973f99.so.0.0.0</a:t>
             </a:r>
           </a:p>
           <a:p>
             <a:r>
               <a:rPr lang="en-US" sz="1600" dirty="0"/>
-              <a:t>/pr/venv/lib/python3.11/site-packages/numpy/core/_multiarray_tests.cpython-311-x86_64-linux-gnu.so</a:t>
-            </a:r>
-          </a:p>
-          <a:p>
-            <a:r>
-              <a:rPr lang="en-US" sz="1600" dirty="0"/>
-              <a:t>/pr/venv/lib/python3.11/site-packages/numpy/linalg/_umath_linalg.cpython-311-x86_64-linux-gnu.so</a:t>
-            </a:r>
-          </a:p>
-          <a:p>
-            <a:r>
-              <a:rPr lang="en-US" sz="1600" dirty="0"/>
-              <a:t>/pr/venv/lib/python3.11/site-packages/numpy/fft/_pocketfft_internal.cpython-311-x86_64-linux-gnu.so</a:t>
-            </a:r>
-          </a:p>
-          <a:p>
-            <a:r>
-              <a:rPr lang="en-US" sz="1600" dirty="0"/>
-              <a:t>/pr/venv/lib/python3.11/site-packages/numpy/random/mtrand.cpython-311-x86_64-linux-gnu.so</a:t>
-            </a:r>
-          </a:p>
-          <a:p>
-            <a:r>
-              <a:rPr lang="en-US" sz="1600" dirty="0"/>
-              <a:t>/pr/venv/lib/python3.11/site-packages/numpy/random/bit_generator.cpython-311-x86_64-linux-gnu.so</a:t>
-            </a:r>
-          </a:p>
-          <a:p>
-            <a:r>
-              <a:rPr lang="en-US" sz="1600" dirty="0"/>
-              <a:t>/pr/venv/lib/python3.11/site-packages/numpy/random/_common.cpython-311-x86_64-linux-gnu.so</a:t>
-            </a:r>
-          </a:p>
-          <a:p>
-            <a:r>
-              <a:rPr lang="en-US" sz="1600" dirty="0"/>
-              <a:t>/pr/venv/lib/python3.11/site-packages/numpy/random/_bounded_integers.cpython-311-x86_64-linux-gnu.so</a:t>
-            </a:r>
-          </a:p>
-          <a:p>
-            <a:r>
-              <a:rPr lang="en-US" sz="1600" dirty="0"/>
-              <a:t>/pr/venv/lib/python3.11/site-packages/numpy/random/_mt19937.cpython-311-x86_64-linux-gnu.so</a:t>
-            </a:r>
-          </a:p>
-          <a:p>
-            <a:r>
-              <a:rPr lang="en-US" sz="1600" dirty="0"/>
-              <a:t>/pr/venv/lib/python3.11/site-packages/numpy/random/_philox.cpython-311-x86_64-linux-gnu.so</a:t>
-            </a:r>
-          </a:p>
-          <a:p>
-            <a:r>
-              <a:rPr lang="en-US" sz="1600" dirty="0"/>
-              <a:t>/pr/venv/lib/python3.11/site-packages/numpy/random/_pcg64.cpython-311-x86_64-linux-gnu.so</a:t>
-            </a:r>
-          </a:p>
-          <a:p>
-            <a:r>
-              <a:rPr lang="en-US" sz="1600" dirty="0"/>
-              <a:t>/pr/venv/lib/python3.11/site-packages/numpy/random/_sfc64.cpython-311-x86_64-linux-gnu.so</a:t>
-            </a:r>
-          </a:p>
-          <a:p>
-            <a:r>
-              <a:rPr lang="en-US" sz="1600" dirty="0"/>
-              <a:t>/pr/venv/lib/python3.11/site-packages/numpy/random/_generator.cpython-311-x86_64-linux-gnu.so</a:t>
-            </a:r>
-          </a:p>
-          <a:p>
-            <a:r>
-              <a:rPr lang="en-US" sz="1600" dirty="0"/>
-              <a:t>/pr/venv/lib/python3.11/site-packages/pandas/_libs/pandas_parser.cpython-311-x86_64-linux-gnu.so</a:t>
-            </a:r>
-          </a:p>
-          <a:p>
-            <a:r>
-              <a:rPr lang="en-US" sz="1600" dirty="0"/>
-              <a:t>/pr/venv/lib/python3.11/site-packages/pandas/_libs/pandas_datetime.cpython-311-x86_64-linux-gnu.so</a:t>
-            </a:r>
-          </a:p>
-          <a:p>
-            <a:r>
-              <a:rPr lang="en-US" sz="1600" dirty="0"/>
-              <a:t>/pr/venv/lib/python3.11/site-packages/pandas/_libs/interval.cpython-311-x86_64-linux-gnu.so</a:t>
-            </a:r>
-          </a:p>
-          <a:p>
-            <a:r>
-              <a:rPr lang="en-US" sz="1600" dirty="0"/>
-              <a:t>/pr/venv/lib/python3.11/site-packages/pandas/_libs/hashtable.cpython-311-x86_64-linux-gnu.so</a:t>
-            </a:r>
-          </a:p>
-          <a:p>
-            <a:r>
-              <a:rPr lang="en-US" sz="1600" dirty="0"/>
-              <a:t>/pr/venv/lib/python3.11/site-packages/pandas/_libs/missing.cpython-311-x86_64-linux-gnu.so</a:t>
-            </a:r>
-          </a:p>
-          <a:p>
-            <a:r>
-              <a:rPr lang="en-US" sz="1600" dirty="0"/>
-              <a:t>/venv/lib/python3.11/site-packages/pandas/_libs/tslibs/dtypes.cpython-311-x86_64-linux-gnu.so</a:t>
-            </a:r>
-          </a:p>
-          <a:p>
-            <a:r>
-              <a:rPr lang="en-US" sz="1600" dirty="0"/>
-              <a:t>/venv/lib/python3.11/site-packages/pandas/_libs/tslibs/np_datetime.cpython-311-x86_64-linux-gnu.so</a:t>
-            </a:r>
-          </a:p>
-          <a:p>
-            <a:r>
-              <a:rPr lang="en-US" sz="1600" dirty="0"/>
-              <a:t>/venv/lib/python3.11/site-packages/pandas/_libs/tslibs/conversion.cpython-311-x86_64-linux-gnu.so</a:t>
-            </a:r>
-          </a:p>
-          <a:p>
-            <a:r>
-              <a:rPr lang="en-US" sz="1600" dirty="0"/>
-              <a:t>/venv/lib/python3.11/site-packages/pandas/_libs/tslibs/base.cpython-311-x86_64-linux-gnu.so</a:t>
-            </a:r>
-          </a:p>
-          <a:p>
-            <a:r>
-              <a:rPr lang="en-US" sz="1600" dirty="0"/>
-              <a:t>/venv/lib/python3.11/site-packages/pandas/_libs/tslibs/offsets.cpython-311-x86_64-linux-gnu.so</a:t>
-            </a:r>
-          </a:p>
-          <a:p>
-            <a:r>
-              <a:rPr lang="en-US" sz="1600" dirty="0"/>
-              <a:t>/venv/lib/python3.11/site-packages/pandas/_libs/tslibs/timestamps.cpython-311-x86_64-linux-gnu.so</a:t>
-            </a:r>
-          </a:p>
-          <a:p>
-            <a:r>
-              <a:rPr lang="en-US" sz="1600" dirty="0"/>
-              <a:t>/venv/lib/python3.11/site-packages/pandas/_libs/tslibs/nattype.cpython-311-x86_64-linux-gnu.so</a:t>
-            </a:r>
-          </a:p>
-          <a:p>
-            <a:r>
-              <a:rPr lang="en-US" sz="1600" dirty="0"/>
-              <a:t>/venv/lib/python3.11/site-packages/pandas/_libs/tslibs/timedeltas.cpython-311-x86_64-linux-gnu.so</a:t>
-            </a:r>
-          </a:p>
-          <a:p>
-            <a:r>
-              <a:rPr lang="en-US" sz="1600" dirty="0"/>
-              <a:t>/venv/lib/python3.11/site-packages/pandas/_libs/tslibs/timezones.cpython-311-x86_64-linux-gnu.so</a:t>
-            </a:r>
-          </a:p>
-          <a:p>
-            <a:r>
-              <a:rPr lang="en-US" sz="1600" dirty="0"/>
-              <a:t>/venv/lib/python3.11/site-packages/pandas/_libs/tslibs/fields.cpython-311-x86_64-linux-gnu.so</a:t>
-            </a:r>
-          </a:p>
-          <a:p>
-            <a:r>
-              <a:rPr lang="en-US" sz="1600" dirty="0"/>
-              <a:t>/venv/lib/python3.11/site-packages/pandas/_libs/tslibs/ccalendar.cpython-311-x86_64-linux-gnu.so</a:t>
-            </a:r>
-          </a:p>
-          <a:p>
-            <a:r>
-              <a:rPr lang="en-US" sz="1600" dirty="0"/>
-              <a:t>/venv/lib/python3.11/site-packages/pandas/_libs/tslibs/tzconversion.cpython-311-x86_64-linux-gnu.so</a:t>
-            </a:r>
-          </a:p>
-          <a:p>
-            <a:r>
-              <a:rPr lang="en-US" sz="1600" dirty="0"/>
-              <a:t>/pr/venv/lib/python3.11/site-packages/pandas/_libs/properties.cpython-311-x86_64-linux-gnu.so</a:t>
-            </a:r>
-          </a:p>
-          <a:p>
-            <a:r>
-              <a:rPr lang="en-US" sz="1600" dirty="0"/>
-              <a:t>/venv/lib/python3.11/site-packages/pandas/_libs/tslibs/parsing.cpython-311-x86_64-linux-gnu.so</a:t>
-            </a:r>
-          </a:p>
-          <a:p>
-            <a:r>
-              <a:rPr lang="en-US" sz="1600" dirty="0"/>
-              <a:t>/venv/lib/python3.11/site-packages/pandas/_libs/tslibs/strptime.cpython-311-x86_64-linux-gnu.so</a:t>
-            </a:r>
-          </a:p>
-          <a:p>
-            <a:r>
-              <a:rPr lang="en-US" sz="1600" dirty="0"/>
-              <a:t>/venv/lib/python3.11/site-packages/pandas/_libs/tslibs/period.cpython-311-x86_64-linux-gnu.so</a:t>
-            </a:r>
-          </a:p>
-          <a:p>
-            <a:r>
-              <a:rPr lang="en-US" sz="1600" dirty="0"/>
-              <a:t>/venv/lib/python3.11/site-packages/pandas/_libs/tslibs/vectorized.cpython-311-x86_64-linux-gnu.so</a:t>
-            </a:r>
-          </a:p>
-          <a:p>
-            <a:r>
-              <a:rPr lang="en-US" sz="1600" dirty="0"/>
-              <a:t>/pr/venv/lib/python3.11/site-packages/pandas/_libs/ops_dispatch.cpython-311-x86_64-linux-gnu.so</a:t>
-            </a:r>
-          </a:p>
-          <a:p>
-            <a:r>
-              <a:rPr lang="en-US" sz="1600" dirty="0"/>
-              <a:t>/pr/venv/lib/python3.11/site-packages/pandas/_libs/algos.cpython-311-x86_64-linux-gnu.so</a:t>
-            </a:r>
-          </a:p>
-          <a:p>
-            <a:r>
-              <a:rPr lang="en-US" sz="1600" dirty="0"/>
-              <a:t>/pr/venv/lib/python3.11/site-packages/pandas/_libs/lib.cpython-311-x86_64-linux-gnu.so</a:t>
-            </a:r>
-          </a:p>
-          <a:p>
-            <a:r>
-              <a:rPr lang="en-US" sz="1600" dirty="0"/>
-              <a:t>/pr/venv/lib/python3.11/site-packages/pandas/_libs/ops.cpython-311-x86_64-linux-gnu.so</a:t>
-            </a:r>
-          </a:p>
-          <a:p>
-            <a:r>
-              <a:rPr lang="en-US" sz="1600" dirty="0"/>
-              <a:t>/pr/venv/lib/python3.11/site-packages/pandas/_libs/arrays.cpython-311-x86_64-linux-gnu.so</a:t>
-            </a:r>
-          </a:p>
-          <a:p>
-            <a:r>
-              <a:rPr lang="en-US" sz="1600" dirty="0"/>
-              <a:t>/pr/venv/lib/python3.11/site-packages/pandas/_libs/tslib.cpython-311-x86_64-linux-gnu.so</a:t>
-            </a:r>
-          </a:p>
-          <a:p>
-            <a:r>
-              <a:rPr lang="en-US" sz="1600" dirty="0"/>
-              <a:t>/pr/venv/lib/python3.11/site-packages/pandas/_libs/sparse.cpython-311-x86_64-linux-gnu.so</a:t>
-            </a:r>
-          </a:p>
-          <a:p>
-            <a:r>
-              <a:rPr lang="en-US" sz="1600" dirty="0"/>
-              <a:t>/pr/venv/lib/python3.11/site-packages/pandas/_libs/indexing.cpython-311-x86_64-linux-gnu.so</a:t>
-            </a:r>
-          </a:p>
-          <a:p>
-            <a:r>
-              <a:rPr lang="en-US" sz="1600" dirty="0"/>
-              <a:t>/pr/venv/lib/python3.11/site-packages/pandas/_libs/index.cpython-311-x86_64-linux-gnu.so</a:t>
-            </a:r>
-          </a:p>
-          <a:p>
-            <a:r>
-              <a:rPr lang="en-US" sz="1600" dirty="0"/>
-              <a:t>/pr/venv/lib/python3.11/site-packages/pandas/_libs/internals.cpython-311-x86_64-linux-gnu.so</a:t>
-            </a:r>
-          </a:p>
-          <a:p>
-            <a:r>
-              <a:rPr lang="en-US" sz="1600" dirty="0"/>
-              <a:t>/pr/venv/lib/python3.11/site-packages/pandas/_libs/join.cpython-311-x86_64-linux-gnu.so</a:t>
-            </a:r>
-          </a:p>
-          <a:p>
-            <a:r>
-              <a:rPr lang="en-US" sz="1600" dirty="0"/>
-              <a:t>/pr/venv/lib/python3.11/site-packages/pandas/_libs/writers.cpython-311-x86_64-linux-gnu.so</a:t>
-            </a:r>
-          </a:p>
-          <a:p>
-            <a:r>
-              <a:rPr lang="en-US" sz="1600" dirty="0"/>
-              <a:t>/venv/lib/python3.11/site-packages/pandas/_libs/window/aggregations.cpython-311-x86_64-linux-gnu.so</a:t>
-            </a:r>
-          </a:p>
-          <a:p>
-            <a:r>
-              <a:rPr lang="en-US" sz="1600" dirty="0"/>
-              <a:t>/venv/lib/python3.11/site-packages/pandas/_libs/window/indexers.cpython-311-x86_64-linux-gnu.so</a:t>
-            </a:r>
-          </a:p>
-          <a:p>
-            <a:r>
-              <a:rPr lang="en-US" sz="1600" dirty="0"/>
-              <a:t>/pr/venv/lib/python3.11/site-packages/pandas/_libs/reshape.cpython-311-x86_64-linux-gnu.so</a:t>
-            </a:r>
-          </a:p>
-          <a:p>
-            <a:r>
-              <a:rPr lang="en-US" sz="1600" dirty="0"/>
-              <a:t>/pr/venv/lib/python3.11/site-packages/pandas/_libs/groupby.cpython-311-x86_64-linux-gnu.so</a:t>
-            </a:r>
-          </a:p>
-          <a:p>
-            <a:r>
-              <a:rPr lang="en-US" sz="1600" dirty="0"/>
-              <a:t>/pr/venv/lib/python3.11/site-packages/pandas/_libs/json.cpython-311-x86_64-linux-gnu.so</a:t>
-            </a:r>
-          </a:p>
-          <a:p>
-            <a:r>
-              <a:rPr lang="en-US" sz="1600" dirty="0"/>
-              <a:t>/pr/venv/lib/python3.11/site-packages/pandas/_libs/parsers.cpython-311-x86_64-linux-gnu.so</a:t>
-            </a:r>
-          </a:p>
-          <a:p>
-            <a:r>
-              <a:rPr lang="en-US" sz="1600" dirty="0"/>
-              <a:t>/pr/venv/lib/python3.11/site-packages/pandas/_libs/testing.cpython-311-x86_64-linux-gnu.so</a:t>
+              <a:t>/home/pr/</a:t>
+            </a:r>
+            <a:r>
+              <a:rPr lang="en-US" sz="1600" dirty="0" err="1"/>
+              <a:t>venv</a:t>
+            </a:r>
+            <a:r>
+              <a:rPr lang="en-US" sz="1600" dirty="0"/>
+              <a:t>/lib/python3.11/site-packages/</a:t>
+            </a:r>
+            <a:r>
+              <a:rPr lang="en-US" sz="1600" dirty="0" err="1"/>
+              <a:t>numpy</a:t>
+            </a:r>
+            <a:r>
+              <a:rPr lang="en-US" sz="1600" dirty="0"/>
+              <a:t>/core/_multiarray_tests.cpython-311-x86_64-linux-gnu.so</a:t>
+            </a:r>
+          </a:p>
+          <a:p>
+            <a:r>
+              <a:rPr lang="en-US" sz="1600" dirty="0"/>
+              <a:t>/home/pr/</a:t>
+            </a:r>
+            <a:r>
+              <a:rPr lang="en-US" sz="1600" dirty="0" err="1"/>
+              <a:t>venv</a:t>
+            </a:r>
+            <a:r>
+              <a:rPr lang="en-US" sz="1600" dirty="0"/>
+              <a:t>/lib/python3.11/site-packages/</a:t>
+            </a:r>
+            <a:r>
+              <a:rPr lang="en-US" sz="1600" dirty="0" err="1"/>
+              <a:t>numpy</a:t>
+            </a:r>
+            <a:r>
+              <a:rPr lang="en-US" sz="1600" dirty="0"/>
+              <a:t>/</a:t>
+            </a:r>
+            <a:r>
+              <a:rPr lang="en-US" sz="1600" dirty="0" err="1"/>
+              <a:t>linalg</a:t>
+            </a:r>
+            <a:r>
+              <a:rPr lang="en-US" sz="1600" dirty="0"/>
+              <a:t>/_umath_linalg.cpython-311-x86_64-linux-gnu.so</a:t>
+            </a:r>
+          </a:p>
+          <a:p>
+            <a:r>
+              <a:rPr lang="en-US" sz="1600" dirty="0"/>
+              <a:t>/home/pr/</a:t>
+            </a:r>
+            <a:r>
+              <a:rPr lang="en-US" sz="1600" dirty="0" err="1"/>
+              <a:t>venv</a:t>
+            </a:r>
+            <a:r>
+              <a:rPr lang="en-US" sz="1600" dirty="0"/>
+              <a:t>/lib/python3.11/site-packages/</a:t>
+            </a:r>
+            <a:r>
+              <a:rPr lang="en-US" sz="1600" dirty="0" err="1"/>
+              <a:t>numpy</a:t>
+            </a:r>
+            <a:r>
+              <a:rPr lang="en-US" sz="1600" dirty="0"/>
+              <a:t>/</a:t>
+            </a:r>
+            <a:r>
+              <a:rPr lang="en-US" sz="1600" dirty="0" err="1"/>
+              <a:t>fft</a:t>
+            </a:r>
+            <a:r>
+              <a:rPr lang="en-US" sz="1600" dirty="0"/>
+              <a:t>/_pocketfft_internal.cpython-311-x86_64-linux-gnu.so</a:t>
+            </a:r>
+          </a:p>
+          <a:p>
+            <a:r>
+              <a:rPr lang="en-US" sz="1600" dirty="0"/>
+              <a:t>/home/pr/</a:t>
+            </a:r>
+            <a:r>
+              <a:rPr lang="en-US" sz="1600" dirty="0" err="1"/>
+              <a:t>venv</a:t>
+            </a:r>
+            <a:r>
+              <a:rPr lang="en-US" sz="1600" dirty="0"/>
+              <a:t>/lib/python3.11/site-packages/</a:t>
+            </a:r>
+            <a:r>
+              <a:rPr lang="en-US" sz="1600" dirty="0" err="1"/>
+              <a:t>numpy</a:t>
+            </a:r>
+            <a:r>
+              <a:rPr lang="en-US" sz="1600" dirty="0"/>
+              <a:t>/random/mtrand.cpython-311-x86_64-linux-gnu.so</a:t>
+            </a:r>
+          </a:p>
+          <a:p>
+            <a:r>
+              <a:rPr lang="en-US" sz="1600" dirty="0"/>
+              <a:t>/home/pr/</a:t>
+            </a:r>
+            <a:r>
+              <a:rPr lang="en-US" sz="1600" dirty="0" err="1"/>
+              <a:t>venv</a:t>
+            </a:r>
+            <a:r>
+              <a:rPr lang="en-US" sz="1600" dirty="0"/>
+              <a:t>/lib/python3.11/site-packages/</a:t>
+            </a:r>
+            <a:r>
+              <a:rPr lang="en-US" sz="1600" dirty="0" err="1"/>
+              <a:t>numpy</a:t>
+            </a:r>
+            <a:r>
+              <a:rPr lang="en-US" sz="1600" dirty="0"/>
+              <a:t>/random/bit_generator.cpython-311-x86_64-linux-gnu.so</a:t>
+            </a:r>
+          </a:p>
+          <a:p>
+            <a:r>
+              <a:rPr lang="en-US" sz="1600" dirty="0"/>
+              <a:t>/home/pr/</a:t>
+            </a:r>
+            <a:r>
+              <a:rPr lang="en-US" sz="1600" dirty="0" err="1"/>
+              <a:t>venv</a:t>
+            </a:r>
+            <a:r>
+              <a:rPr lang="en-US" sz="1600" dirty="0"/>
+              <a:t>/lib/python3.11/site-packages/</a:t>
+            </a:r>
+            <a:r>
+              <a:rPr lang="en-US" sz="1600" dirty="0" err="1"/>
+              <a:t>numpy</a:t>
+            </a:r>
+            <a:r>
+              <a:rPr lang="en-US" sz="1600" dirty="0"/>
+              <a:t>/random/_common.cpython-311-x86_64-linux-gnu.so</a:t>
+            </a:r>
+          </a:p>
+          <a:p>
+            <a:r>
+              <a:rPr lang="en-US" sz="1600" dirty="0"/>
+              <a:t>/home/pr/</a:t>
+            </a:r>
+            <a:r>
+              <a:rPr lang="en-US" sz="1600" dirty="0" err="1"/>
+              <a:t>venv</a:t>
+            </a:r>
+            <a:r>
+              <a:rPr lang="en-US" sz="1600" dirty="0"/>
+              <a:t>/lib/python3.11/site-packages/</a:t>
+            </a:r>
+            <a:r>
+              <a:rPr lang="en-US" sz="1600" dirty="0" err="1"/>
+              <a:t>numpy</a:t>
+            </a:r>
+            <a:r>
+              <a:rPr lang="en-US" sz="1600" dirty="0"/>
+              <a:t>/random/_bounded_integers.cpython-311-x86_64-linux-gnu.so</a:t>
+            </a:r>
+          </a:p>
+          <a:p>
+            <a:r>
+              <a:rPr lang="en-US" sz="1600" dirty="0"/>
+              <a:t>/home/pr/</a:t>
+            </a:r>
+            <a:r>
+              <a:rPr lang="en-US" sz="1600" dirty="0" err="1"/>
+              <a:t>venv</a:t>
+            </a:r>
+            <a:r>
+              <a:rPr lang="en-US" sz="1600" dirty="0"/>
+              <a:t>/lib/python3.11/site-packages/</a:t>
+            </a:r>
+            <a:r>
+              <a:rPr lang="en-US" sz="1600" dirty="0" err="1"/>
+              <a:t>numpy</a:t>
+            </a:r>
+            <a:r>
+              <a:rPr lang="en-US" sz="1600" dirty="0"/>
+              <a:t>/random/_mt19937.cpython-311-x86_64-linux-gnu.so</a:t>
+            </a:r>
+          </a:p>
+          <a:p>
+            <a:r>
+              <a:rPr lang="en-US" sz="1600" dirty="0"/>
+              <a:t>/home/pr/</a:t>
+            </a:r>
+            <a:r>
+              <a:rPr lang="en-US" sz="1600" dirty="0" err="1"/>
+              <a:t>venv</a:t>
+            </a:r>
+            <a:r>
+              <a:rPr lang="en-US" sz="1600" dirty="0"/>
+              <a:t>/lib/python3.11/site-packages/</a:t>
+            </a:r>
+            <a:r>
+              <a:rPr lang="en-US" sz="1600" dirty="0" err="1"/>
+              <a:t>numpy</a:t>
+            </a:r>
+            <a:r>
+              <a:rPr lang="en-US" sz="1600" dirty="0"/>
+              <a:t>/random/_philox.cpython-311-x86_64-linux-gnu.so</a:t>
+            </a:r>
+          </a:p>
+          <a:p>
+            <a:r>
+              <a:rPr lang="en-US" sz="1600" dirty="0"/>
+              <a:t>/home/pr/</a:t>
+            </a:r>
+            <a:r>
+              <a:rPr lang="en-US" sz="1600" dirty="0" err="1"/>
+              <a:t>venv</a:t>
+            </a:r>
+            <a:r>
+              <a:rPr lang="en-US" sz="1600" dirty="0"/>
+              <a:t>/lib/python3.11/site-packages/</a:t>
+            </a:r>
+            <a:r>
+              <a:rPr lang="en-US" sz="1600" dirty="0" err="1"/>
+              <a:t>numpy</a:t>
+            </a:r>
+            <a:r>
+              <a:rPr lang="en-US" sz="1600" dirty="0"/>
+              <a:t>/random/_pcg64.cpython-311-x86_64-linux-gnu.so</a:t>
+            </a:r>
+          </a:p>
+          <a:p>
+            <a:r>
+              <a:rPr lang="en-US" sz="1600" dirty="0"/>
+              <a:t>/home/pr/</a:t>
+            </a:r>
+            <a:r>
+              <a:rPr lang="en-US" sz="1600" dirty="0" err="1"/>
+              <a:t>venv</a:t>
+            </a:r>
+            <a:r>
+              <a:rPr lang="en-US" sz="1600" dirty="0"/>
+              <a:t>/lib/python3.11/site-packages/</a:t>
+            </a:r>
+            <a:r>
+              <a:rPr lang="en-US" sz="1600" dirty="0" err="1"/>
+              <a:t>numpy</a:t>
+            </a:r>
+            <a:r>
+              <a:rPr lang="en-US" sz="1600" dirty="0"/>
+              <a:t>/random/_sfc64.cpython-311-x86_64-linux-gnu.so</a:t>
+            </a:r>
+          </a:p>
+          <a:p>
+            <a:r>
+              <a:rPr lang="en-US" sz="1600" dirty="0"/>
+              <a:t>/home/pr/</a:t>
+            </a:r>
+            <a:r>
+              <a:rPr lang="en-US" sz="1600" dirty="0" err="1"/>
+              <a:t>venv</a:t>
+            </a:r>
+            <a:r>
+              <a:rPr lang="en-US" sz="1600" dirty="0"/>
+              <a:t>/lib/python3.11/site-packages/</a:t>
+            </a:r>
+            <a:r>
+              <a:rPr lang="en-US" sz="1600" dirty="0" err="1"/>
+              <a:t>numpy</a:t>
+            </a:r>
+            <a:r>
+              <a:rPr lang="en-US" sz="1600" dirty="0"/>
+              <a:t>/random/_generator.cpython-311-x86_64-linux-gnu.so</a:t>
+            </a:r>
+          </a:p>
+          <a:p>
+            <a:r>
+              <a:rPr lang="en-US" sz="1600" dirty="0"/>
+              <a:t>/home/pr/</a:t>
+            </a:r>
+            <a:r>
+              <a:rPr lang="en-US" sz="1600" dirty="0" err="1"/>
+              <a:t>venv</a:t>
+            </a:r>
+            <a:r>
+              <a:rPr lang="en-US" sz="1600" dirty="0"/>
+              <a:t>/lib/python3.11/site-packages/pandas/_libs/pandas_parser.cpython-311-x86_64-linux-gnu.so</a:t>
+            </a:r>
+          </a:p>
+          <a:p>
+            <a:r>
+              <a:rPr lang="en-US" sz="1600" dirty="0"/>
+              <a:t>/home/pr/</a:t>
+            </a:r>
+            <a:r>
+              <a:rPr lang="en-US" sz="1600" dirty="0" err="1"/>
+              <a:t>venv</a:t>
+            </a:r>
+            <a:r>
+              <a:rPr lang="en-US" sz="1600" dirty="0"/>
+              <a:t>/lib/python3.11/site-packages/pandas/_libs/pandas_datetime.cpython-311-x86_64-linux-gnu.so</a:t>
+            </a:r>
+          </a:p>
+          <a:p>
+            <a:r>
+              <a:rPr lang="en-US" sz="1600" dirty="0"/>
+              <a:t>/home/pr/</a:t>
+            </a:r>
+            <a:r>
+              <a:rPr lang="en-US" sz="1600" dirty="0" err="1"/>
+              <a:t>venv</a:t>
+            </a:r>
+            <a:r>
+              <a:rPr lang="en-US" sz="1600" dirty="0"/>
+              <a:t>/lib/python3.11/site-packages/pandas/_libs/interval.cpython-311-x86_64-linux-gnu.so</a:t>
+            </a:r>
+          </a:p>
+          <a:p>
+            <a:r>
+              <a:rPr lang="en-US" sz="1600" dirty="0"/>
+              <a:t>/home/pr/</a:t>
+            </a:r>
+            <a:r>
+              <a:rPr lang="en-US" sz="1600" dirty="0" err="1"/>
+              <a:t>venv</a:t>
+            </a:r>
+            <a:r>
+              <a:rPr lang="en-US" sz="1600" dirty="0"/>
+              <a:t>/lib/python3.11/site-packages/pandas/_libs/hashtable.cpython-311-x86_64-linux-gnu.so</a:t>
+            </a:r>
+          </a:p>
+          <a:p>
+            <a:r>
+              <a:rPr lang="en-US" sz="1600" dirty="0"/>
+              <a:t>/home/pr/</a:t>
+            </a:r>
+            <a:r>
+              <a:rPr lang="en-US" sz="1600" dirty="0" err="1"/>
+              <a:t>venv</a:t>
+            </a:r>
+            <a:r>
+              <a:rPr lang="en-US" sz="1600" dirty="0"/>
+              <a:t>/lib/python3.11/site-packages/pandas/_libs/missing.cpython-311-x86_64-linux-gnu.so</a:t>
+            </a:r>
+          </a:p>
+          <a:p>
+            <a:r>
+              <a:rPr lang="en-US" sz="1600" dirty="0"/>
+              <a:t>/home/pr/</a:t>
+            </a:r>
+            <a:r>
+              <a:rPr lang="en-US" sz="1600" dirty="0" err="1"/>
+              <a:t>venv</a:t>
+            </a:r>
+            <a:r>
+              <a:rPr lang="en-US" sz="1600" dirty="0"/>
+              <a:t>/lib/python3.11/site-packages/pandas/_libs/</a:t>
+            </a:r>
+            <a:r>
+              <a:rPr lang="en-US" sz="1600" dirty="0" err="1"/>
+              <a:t>tslibs</a:t>
+            </a:r>
+            <a:r>
+              <a:rPr lang="en-US" sz="1600" dirty="0"/>
+              <a:t>/dtypes.cpython-311-x86_64-linux-gnu.so</a:t>
+            </a:r>
+          </a:p>
+          <a:p>
+            <a:r>
+              <a:rPr lang="en-US" sz="1600" dirty="0"/>
+              <a:t>/home/pr/</a:t>
+            </a:r>
+            <a:r>
+              <a:rPr lang="en-US" sz="1600" dirty="0" err="1"/>
+              <a:t>venv</a:t>
+            </a:r>
+            <a:r>
+              <a:rPr lang="en-US" sz="1600" dirty="0"/>
+              <a:t>/lib/python3.11/site-packages/pandas/_libs/</a:t>
+            </a:r>
+            <a:r>
+              <a:rPr lang="en-US" sz="1600" dirty="0" err="1"/>
+              <a:t>tslibs</a:t>
+            </a:r>
+            <a:r>
+              <a:rPr lang="en-US" sz="1600" dirty="0"/>
+              <a:t>/np_datetime.cpython-311-x86_64-linux-gnu.so</a:t>
+            </a:r>
+          </a:p>
+          <a:p>
+            <a:r>
+              <a:rPr lang="en-US" sz="1600" dirty="0"/>
+              <a:t>/home/pr/</a:t>
+            </a:r>
+            <a:r>
+              <a:rPr lang="en-US" sz="1600" dirty="0" err="1"/>
+              <a:t>venv</a:t>
+            </a:r>
+            <a:r>
+              <a:rPr lang="en-US" sz="1600" dirty="0"/>
+              <a:t>/lib/python3.11/site-packages/pandas/_libs/</a:t>
+            </a:r>
+            <a:r>
+              <a:rPr lang="en-US" sz="1600" dirty="0" err="1"/>
+              <a:t>tslibs</a:t>
+            </a:r>
+            <a:r>
+              <a:rPr lang="en-US" sz="1600" dirty="0"/>
+              <a:t>/conversion.cpython-311-x86_64-linux-gnu.so</a:t>
+            </a:r>
+          </a:p>
+          <a:p>
+            <a:r>
+              <a:rPr lang="en-US" sz="1600" dirty="0"/>
+              <a:t>/home/pr/</a:t>
+            </a:r>
+            <a:r>
+              <a:rPr lang="en-US" sz="1600" dirty="0" err="1"/>
+              <a:t>venv</a:t>
+            </a:r>
+            <a:r>
+              <a:rPr lang="en-US" sz="1600" dirty="0"/>
+              <a:t>/lib/python3.11/site-packages/pandas/_libs/</a:t>
+            </a:r>
+            <a:r>
+              <a:rPr lang="en-US" sz="1600" dirty="0" err="1"/>
+              <a:t>tslibs</a:t>
+            </a:r>
+            <a:r>
+              <a:rPr lang="en-US" sz="1600" dirty="0"/>
+              <a:t>/base.cpython-311-x86_64-linux-gnu.so</a:t>
+            </a:r>
+          </a:p>
+          <a:p>
+            <a:r>
+              <a:rPr lang="en-US" sz="1600" dirty="0"/>
+              <a:t>/home/pr/</a:t>
+            </a:r>
+            <a:r>
+              <a:rPr lang="en-US" sz="1600" dirty="0" err="1"/>
+              <a:t>venv</a:t>
+            </a:r>
+            <a:r>
+              <a:rPr lang="en-US" sz="1600" dirty="0"/>
+              <a:t>/lib/python3.11/site-packages/pandas/_libs/</a:t>
+            </a:r>
+            <a:r>
+              <a:rPr lang="en-US" sz="1600" dirty="0" err="1"/>
+              <a:t>tslibs</a:t>
+            </a:r>
+            <a:r>
+              <a:rPr lang="en-US" sz="1600" dirty="0"/>
+              <a:t>/offsets.cpython-311-x86_64-linux-gnu.so</a:t>
+            </a:r>
+          </a:p>
+          <a:p>
+            <a:r>
+              <a:rPr lang="en-US" sz="1600" dirty="0"/>
+              <a:t>/home/pr/</a:t>
+            </a:r>
+            <a:r>
+              <a:rPr lang="en-US" sz="1600" dirty="0" err="1"/>
+              <a:t>venv</a:t>
+            </a:r>
+            <a:r>
+              <a:rPr lang="en-US" sz="1600" dirty="0"/>
+              <a:t>/lib/python3.11/site-packages/pandas/_libs/</a:t>
+            </a:r>
+            <a:r>
+              <a:rPr lang="en-US" sz="1600" dirty="0" err="1"/>
+              <a:t>tslibs</a:t>
+            </a:r>
+            <a:r>
+              <a:rPr lang="en-US" sz="1600" dirty="0"/>
+              <a:t>/timestamps.cpython-311-x86_64-linux-gnu.so</a:t>
+            </a:r>
+          </a:p>
+          <a:p>
+            <a:r>
+              <a:rPr lang="en-US" sz="1600" dirty="0"/>
+              <a:t>/home/pr/</a:t>
+            </a:r>
+            <a:r>
+              <a:rPr lang="en-US" sz="1600" dirty="0" err="1"/>
+              <a:t>venv</a:t>
+            </a:r>
+            <a:r>
+              <a:rPr lang="en-US" sz="1600" dirty="0"/>
+              <a:t>/lib/python3.11/site-packages/pandas/_libs/</a:t>
+            </a:r>
+            <a:r>
+              <a:rPr lang="en-US" sz="1600" dirty="0" err="1"/>
+              <a:t>tslibs</a:t>
+            </a:r>
+            <a:r>
+              <a:rPr lang="en-US" sz="1600" dirty="0"/>
+              <a:t>/nattype.cpython-311-x86_64-linux-gnu.so</a:t>
+            </a:r>
+          </a:p>
+          <a:p>
+            <a:r>
+              <a:rPr lang="en-US" sz="1600" dirty="0"/>
+              <a:t>/home/pr/</a:t>
+            </a:r>
+            <a:r>
+              <a:rPr lang="en-US" sz="1600" dirty="0" err="1"/>
+              <a:t>venv</a:t>
+            </a:r>
+            <a:r>
+              <a:rPr lang="en-US" sz="1600" dirty="0"/>
+              <a:t>/lib/python3.11/site-packages/pandas/_libs/</a:t>
+            </a:r>
+            <a:r>
+              <a:rPr lang="en-US" sz="1600" dirty="0" err="1"/>
+              <a:t>tslibs</a:t>
+            </a:r>
+            <a:r>
+              <a:rPr lang="en-US" sz="1600" dirty="0"/>
+              <a:t>/timedeltas.cpython-311-x86_64-linux-gnu.so</a:t>
+            </a:r>
+          </a:p>
+          <a:p>
+            <a:r>
+              <a:rPr lang="en-US" sz="1600" dirty="0"/>
+              <a:t>/home/pr/</a:t>
+            </a:r>
+            <a:r>
+              <a:rPr lang="en-US" sz="1600" dirty="0" err="1"/>
+              <a:t>venv</a:t>
+            </a:r>
+            <a:r>
+              <a:rPr lang="en-US" sz="1600" dirty="0"/>
+              <a:t>/lib/python3.11/site-packages/pandas/_libs/</a:t>
+            </a:r>
+            <a:r>
+              <a:rPr lang="en-US" sz="1600" dirty="0" err="1"/>
+              <a:t>tslibs</a:t>
+            </a:r>
+            <a:r>
+              <a:rPr lang="en-US" sz="1600" dirty="0"/>
+              <a:t>/timezones.cpython-311-x86_64-linux-gnu.so</a:t>
+            </a:r>
+          </a:p>
+          <a:p>
+            <a:r>
+              <a:rPr lang="en-US" sz="1600" dirty="0"/>
+              <a:t>/home/pr/</a:t>
+            </a:r>
+            <a:r>
+              <a:rPr lang="en-US" sz="1600" dirty="0" err="1"/>
+              <a:t>venv</a:t>
+            </a:r>
+            <a:r>
+              <a:rPr lang="en-US" sz="1600" dirty="0"/>
+              <a:t>/lib/python3.11/site-packages/pandas/_libs/</a:t>
+            </a:r>
+            <a:r>
+              <a:rPr lang="en-US" sz="1600" dirty="0" err="1"/>
+              <a:t>tslibs</a:t>
+            </a:r>
+            <a:r>
+              <a:rPr lang="en-US" sz="1600" dirty="0"/>
+              <a:t>/fields.cpython-311-x86_64-linux-gnu.so</a:t>
+            </a:r>
+          </a:p>
+          <a:p>
+            <a:r>
+              <a:rPr lang="en-US" sz="1600" dirty="0"/>
+              <a:t>/home/pr/</a:t>
+            </a:r>
+            <a:r>
+              <a:rPr lang="en-US" sz="1600" dirty="0" err="1"/>
+              <a:t>venv</a:t>
+            </a:r>
+            <a:r>
+              <a:rPr lang="en-US" sz="1600" dirty="0"/>
+              <a:t>/lib/python3.11/site-packages/pandas/_libs/</a:t>
+            </a:r>
+            <a:r>
+              <a:rPr lang="en-US" sz="1600" dirty="0" err="1"/>
+              <a:t>tslibs</a:t>
+            </a:r>
+            <a:r>
+              <a:rPr lang="en-US" sz="1600" dirty="0"/>
+              <a:t>/ccalendar.cpython-311-x86_64-linux-gnu.so</a:t>
+            </a:r>
+          </a:p>
+          <a:p>
+            <a:r>
+              <a:rPr lang="en-US" sz="1600" dirty="0"/>
+              <a:t>/home/pr/</a:t>
+            </a:r>
+            <a:r>
+              <a:rPr lang="en-US" sz="1600" dirty="0" err="1"/>
+              <a:t>venv</a:t>
+            </a:r>
+            <a:r>
+              <a:rPr lang="en-US" sz="1600" dirty="0"/>
+              <a:t>/lib/python3.11/site-packages/pandas/_libs/</a:t>
+            </a:r>
+            <a:r>
+              <a:rPr lang="en-US" sz="1600" dirty="0" err="1"/>
+              <a:t>tslibs</a:t>
+            </a:r>
+            <a:r>
+              <a:rPr lang="en-US" sz="1600" dirty="0"/>
+              <a:t>/tzconversion.cpython-311-x86_64-linux-gnu.so</a:t>
+            </a:r>
+          </a:p>
+          <a:p>
+            <a:r>
+              <a:rPr lang="en-US" sz="1600" dirty="0"/>
+              <a:t>/home/pr/</a:t>
+            </a:r>
+            <a:r>
+              <a:rPr lang="en-US" sz="1600" dirty="0" err="1"/>
+              <a:t>venv</a:t>
+            </a:r>
+            <a:r>
+              <a:rPr lang="en-US" sz="1600" dirty="0"/>
+              <a:t>/lib/python3.11/site-packages/pandas/_libs/properties.cpython-311-x86_64-linux-gnu.so</a:t>
+            </a:r>
+          </a:p>
+          <a:p>
+            <a:r>
+              <a:rPr lang="en-US" sz="1600" dirty="0"/>
+              <a:t>/home/pr/</a:t>
+            </a:r>
+            <a:r>
+              <a:rPr lang="en-US" sz="1600" dirty="0" err="1"/>
+              <a:t>venv</a:t>
+            </a:r>
+            <a:r>
+              <a:rPr lang="en-US" sz="1600" dirty="0"/>
+              <a:t>/lib/python3.11/site-packages/pandas/_libs/</a:t>
+            </a:r>
+            <a:r>
+              <a:rPr lang="en-US" sz="1600" dirty="0" err="1"/>
+              <a:t>tslibs</a:t>
+            </a:r>
+            <a:r>
+              <a:rPr lang="en-US" sz="1600" dirty="0"/>
+              <a:t>/parsing.cpython-311-x86_64-linux-gnu.so</a:t>
+            </a:r>
+          </a:p>
+          <a:p>
+            <a:r>
+              <a:rPr lang="en-US" sz="1600" dirty="0"/>
+              <a:t>/home/pr/</a:t>
+            </a:r>
+            <a:r>
+              <a:rPr lang="en-US" sz="1600" dirty="0" err="1"/>
+              <a:t>venv</a:t>
+            </a:r>
+            <a:r>
+              <a:rPr lang="en-US" sz="1600" dirty="0"/>
+              <a:t>/lib/python3.11/site-packages/pandas/_libs/</a:t>
+            </a:r>
+            <a:r>
+              <a:rPr lang="en-US" sz="1600" dirty="0" err="1"/>
+              <a:t>tslibs</a:t>
+            </a:r>
+            <a:r>
+              <a:rPr lang="en-US" sz="1600" dirty="0"/>
+              <a:t>/strptime.cpython-311-x86_64-linux-gnu.so</a:t>
+            </a:r>
+          </a:p>
+          <a:p>
+            <a:r>
+              <a:rPr lang="en-US" sz="1600" dirty="0"/>
+              <a:t>/home/pr/</a:t>
+            </a:r>
+            <a:r>
+              <a:rPr lang="en-US" sz="1600" dirty="0" err="1"/>
+              <a:t>venv</a:t>
+            </a:r>
+            <a:r>
+              <a:rPr lang="en-US" sz="1600" dirty="0"/>
+              <a:t>/lib/python3.11/site-packages/pandas/_libs/</a:t>
+            </a:r>
+            <a:r>
+              <a:rPr lang="en-US" sz="1600" dirty="0" err="1"/>
+              <a:t>tslibs</a:t>
+            </a:r>
+            <a:r>
+              <a:rPr lang="en-US" sz="1600" dirty="0"/>
+              <a:t>/period.cpython-311-x86_64-linux-gnu.so</a:t>
+            </a:r>
+          </a:p>
+          <a:p>
+            <a:r>
+              <a:rPr lang="en-US" sz="1600" dirty="0"/>
+              <a:t>/home/pr/</a:t>
+            </a:r>
+            <a:r>
+              <a:rPr lang="en-US" sz="1600" dirty="0" err="1"/>
+              <a:t>venv</a:t>
+            </a:r>
+            <a:r>
+              <a:rPr lang="en-US" sz="1600" dirty="0"/>
+              <a:t>/lib/python3.11/site-packages/pandas/_libs/</a:t>
+            </a:r>
+            <a:r>
+              <a:rPr lang="en-US" sz="1600" dirty="0" err="1"/>
+              <a:t>tslibs</a:t>
+            </a:r>
+            <a:r>
+              <a:rPr lang="en-US" sz="1600" dirty="0"/>
+              <a:t>/vectorized.cpython-311-x86_64-linux-gnu.so</a:t>
+            </a:r>
+          </a:p>
+          <a:p>
+            <a:r>
+              <a:rPr lang="en-US" sz="1600" dirty="0"/>
+              <a:t>/home/pr/</a:t>
+            </a:r>
+            <a:r>
+              <a:rPr lang="en-US" sz="1600" dirty="0" err="1"/>
+              <a:t>venv</a:t>
+            </a:r>
+            <a:r>
+              <a:rPr lang="en-US" sz="1600" dirty="0"/>
+              <a:t>/lib/python3.11/site-packages/pandas/_libs/ops_dispatch.cpython-311-x86_64-linux-gnu.so</a:t>
+            </a:r>
+          </a:p>
+          <a:p>
+            <a:r>
+              <a:rPr lang="en-US" sz="1600" dirty="0"/>
+              <a:t>/home/pr/</a:t>
+            </a:r>
+            <a:r>
+              <a:rPr lang="en-US" sz="1600" dirty="0" err="1"/>
+              <a:t>venv</a:t>
+            </a:r>
+            <a:r>
+              <a:rPr lang="en-US" sz="1600" dirty="0"/>
+              <a:t>/lib/python3.11/site-packages/pandas/_libs/algos.cpython-311-x86_64-linux-gnu.so</a:t>
+            </a:r>
+          </a:p>
+          <a:p>
+            <a:r>
+              <a:rPr lang="en-US" sz="1600" dirty="0"/>
+              <a:t>/home/pr/</a:t>
+            </a:r>
+            <a:r>
+              <a:rPr lang="en-US" sz="1600" dirty="0" err="1"/>
+              <a:t>venv</a:t>
+            </a:r>
+            <a:r>
+              <a:rPr lang="en-US" sz="1600" dirty="0"/>
+              <a:t>/lib/python3.11/site-packages/pandas/_libs/lib.cpython-311-x86_64-linux-gnu.so</a:t>
+            </a:r>
+          </a:p>
+          <a:p>
+            <a:r>
+              <a:rPr lang="en-US" sz="1600" dirty="0"/>
+              <a:t>/home/pr/</a:t>
+            </a:r>
+            <a:r>
+              <a:rPr lang="en-US" sz="1600" dirty="0" err="1"/>
+              <a:t>venv</a:t>
+            </a:r>
+            <a:r>
+              <a:rPr lang="en-US" sz="1600" dirty="0"/>
+              <a:t>/lib/python3.11/site-packages/pandas/_libs/ops.cpython-311-x86_64-linux-gnu.so</a:t>
+            </a:r>
+          </a:p>
+          <a:p>
+            <a:r>
+              <a:rPr lang="en-US" sz="1600" dirty="0"/>
+              <a:t>/home/pr/</a:t>
+            </a:r>
+            <a:r>
+              <a:rPr lang="en-US" sz="1600" dirty="0" err="1"/>
+              <a:t>venv</a:t>
+            </a:r>
+            <a:r>
+              <a:rPr lang="en-US" sz="1600" dirty="0"/>
+              <a:t>/lib/python3.11/site-packages/pandas/_libs/arrays.cpython-311-x86_64-linux-gnu.so</a:t>
+            </a:r>
+          </a:p>
+          <a:p>
+            <a:r>
+              <a:rPr lang="en-US" sz="1600" dirty="0"/>
+              <a:t>/home/pr/</a:t>
+            </a:r>
+            <a:r>
+              <a:rPr lang="en-US" sz="1600" dirty="0" err="1"/>
+              <a:t>venv</a:t>
+            </a:r>
+            <a:r>
+              <a:rPr lang="en-US" sz="1600" dirty="0"/>
+              <a:t>/lib/python3.11/site-packages/pandas/_libs/tslib.cpython-311-x86_64-linux-gnu.so</a:t>
+            </a:r>
+          </a:p>
+          <a:p>
+            <a:r>
+              <a:rPr lang="en-US" sz="1600" dirty="0"/>
+              <a:t>/home/pr/</a:t>
+            </a:r>
+            <a:r>
+              <a:rPr lang="en-US" sz="1600" dirty="0" err="1"/>
+              <a:t>venv</a:t>
+            </a:r>
+            <a:r>
+              <a:rPr lang="en-US" sz="1600" dirty="0"/>
+              <a:t>/lib/python3.11/site-packages/pandas/_libs/sparse.cpython-311-x86_64-linux-gnu.so</a:t>
+            </a:r>
+          </a:p>
+          <a:p>
+            <a:r>
+              <a:rPr lang="en-US" sz="1600" dirty="0"/>
+              <a:t>/home/pr/</a:t>
+            </a:r>
+            <a:r>
+              <a:rPr lang="en-US" sz="1600" dirty="0" err="1"/>
+              <a:t>venv</a:t>
+            </a:r>
+            <a:r>
+              <a:rPr lang="en-US" sz="1600" dirty="0"/>
+              <a:t>/lib/python3.11/site-packages/pandas/_libs/indexing.cpython-311-x86_64-linux-gnu.so</a:t>
+            </a:r>
+          </a:p>
+          <a:p>
+            <a:r>
+              <a:rPr lang="en-US" sz="1600" dirty="0"/>
+              <a:t>/home/pr/</a:t>
+            </a:r>
+            <a:r>
+              <a:rPr lang="en-US" sz="1600" dirty="0" err="1"/>
+              <a:t>venv</a:t>
+            </a:r>
+            <a:r>
+              <a:rPr lang="en-US" sz="1600" dirty="0"/>
+              <a:t>/lib/python3.11/site-packages/pandas/_libs/index.cpython-311-x86_64-linux-gnu.so</a:t>
+            </a:r>
+          </a:p>
+          <a:p>
+            <a:r>
+              <a:rPr lang="en-US" sz="1600" dirty="0"/>
+              <a:t>/home/pr/</a:t>
+            </a:r>
+            <a:r>
+              <a:rPr lang="en-US" sz="1600" dirty="0" err="1"/>
+              <a:t>venv</a:t>
+            </a:r>
+            <a:r>
+              <a:rPr lang="en-US" sz="1600" dirty="0"/>
+              <a:t>/lib/python3.11/site-packages/pandas/_libs/internals.cpython-311-x86_64-linux-gnu.so</a:t>
+            </a:r>
+          </a:p>
+          <a:p>
+            <a:r>
+              <a:rPr lang="en-US" sz="1600" dirty="0"/>
+              <a:t>/home/pr/</a:t>
+            </a:r>
+            <a:r>
+              <a:rPr lang="en-US" sz="1600" dirty="0" err="1"/>
+              <a:t>venv</a:t>
+            </a:r>
+            <a:r>
+              <a:rPr lang="en-US" sz="1600" dirty="0"/>
+              <a:t>/lib/python3.11/site-packages/pandas/_libs/join.cpython-311-x86_64-linux-gnu.so</a:t>
+            </a:r>
+          </a:p>
+          <a:p>
+            <a:r>
+              <a:rPr lang="en-US" sz="1600" dirty="0"/>
+              <a:t>/home/pr/</a:t>
+            </a:r>
+            <a:r>
+              <a:rPr lang="en-US" sz="1600" dirty="0" err="1"/>
+              <a:t>venv</a:t>
+            </a:r>
+            <a:r>
+              <a:rPr lang="en-US" sz="1600" dirty="0"/>
+              <a:t>/lib/python3.11/site-packages/pandas/_libs/writers.cpython-311-x86_64-linux-gnu.so</a:t>
+            </a:r>
+          </a:p>
+          <a:p>
+            <a:r>
+              <a:rPr lang="en-US" sz="1600" dirty="0"/>
+              <a:t>/home/pr/</a:t>
+            </a:r>
+            <a:r>
+              <a:rPr lang="en-US" sz="1600" dirty="0" err="1"/>
+              <a:t>venv</a:t>
+            </a:r>
+            <a:r>
+              <a:rPr lang="en-US" sz="1600" dirty="0"/>
+              <a:t>/lib/python3.11/site-packages/pandas/_libs/window/aggregations.cpython-311-x86_64-linux-gnu.so</a:t>
+            </a:r>
+          </a:p>
+          <a:p>
+            <a:r>
+              <a:rPr lang="en-US" sz="1600" dirty="0"/>
+              <a:t>/home/pr/</a:t>
+            </a:r>
+            <a:r>
+              <a:rPr lang="en-US" sz="1600" dirty="0" err="1"/>
+              <a:t>venv</a:t>
+            </a:r>
+            <a:r>
+              <a:rPr lang="en-US" sz="1600" dirty="0"/>
+              <a:t>/lib/python3.11/site-packages/pandas/_libs/window/indexers.cpython-311-x86_64-linux-gnu.so</a:t>
+            </a:r>
+          </a:p>
+          <a:p>
+            <a:r>
+              <a:rPr lang="en-US" sz="1600" dirty="0"/>
+              <a:t>/home/pr/</a:t>
+            </a:r>
+            <a:r>
+              <a:rPr lang="en-US" sz="1600" dirty="0" err="1"/>
+              <a:t>venv</a:t>
+            </a:r>
+            <a:r>
+              <a:rPr lang="en-US" sz="1600" dirty="0"/>
+              <a:t>/lib/python3.11/site-packages/pandas/_libs/reshape.cpython-311-x86_64-linux-gnu.so</a:t>
+            </a:r>
+          </a:p>
+          <a:p>
+            <a:r>
+              <a:rPr lang="en-US" sz="1600" dirty="0"/>
+              <a:t>/home/pr/</a:t>
+            </a:r>
+            <a:r>
+              <a:rPr lang="en-US" sz="1600" dirty="0" err="1"/>
+              <a:t>venv</a:t>
+            </a:r>
+            <a:r>
+              <a:rPr lang="en-US" sz="1600" dirty="0"/>
+              <a:t>/lib/python3.11/site-packages/pandas/_libs/groupby.cpython-311-x86_64-linux-gnu.so</a:t>
+            </a:r>
+          </a:p>
+          <a:p>
+            <a:r>
+              <a:rPr lang="en-US" sz="1600" dirty="0"/>
+              <a:t>/home/pr/</a:t>
+            </a:r>
+            <a:r>
+              <a:rPr lang="en-US" sz="1600" dirty="0" err="1"/>
+              <a:t>venv</a:t>
+            </a:r>
+            <a:r>
+              <a:rPr lang="en-US" sz="1600" dirty="0"/>
+              <a:t>/lib/python3.11/site-packages/pandas/_libs/json.cpython-311-x86_64-linux-gnu.so</a:t>
+            </a:r>
+          </a:p>
+          <a:p>
+            <a:r>
+              <a:rPr lang="en-US" sz="1600" dirty="0"/>
+              <a:t>/home/pr/</a:t>
+            </a:r>
+            <a:r>
+              <a:rPr lang="en-US" sz="1600" dirty="0" err="1"/>
+              <a:t>venv</a:t>
+            </a:r>
+            <a:r>
+              <a:rPr lang="en-US" sz="1600" dirty="0"/>
+              <a:t>/lib/python3.11/site-packages/pandas/_libs/parsers.cpython-311-x86_64-linux-gnu.so</a:t>
+            </a:r>
+          </a:p>
+          <a:p>
+            <a:r>
+              <a:rPr lang="en-US" sz="1600" dirty="0"/>
+              <a:t>/home/pr/</a:t>
+            </a:r>
+            <a:r>
+              <a:rPr lang="en-US" sz="1600" dirty="0" err="1"/>
+              <a:t>venv</a:t>
+            </a:r>
+            <a:r>
+              <a:rPr lang="en-US" sz="1600" dirty="0"/>
+              <a:t>/lib/python3.11/site-packages/pandas/_libs/testing.cpython-311-x86_64-linux-gnu.so</a:t>
             </a:r>
           </a:p>
         </p:txBody>
